--- a/Documentos/Modelling Colombia Economy- Stock-Flow Consistent Prototype Growth Model.pptx
+++ b/Documentos/Modelling Colombia Economy- Stock-Flow Consistent Prototype Growth Model.pptx
@@ -5,7 +5,7 @@
     <p:sldMasterId id="2147483660" r:id="rId1"/>
   </p:sldMasterIdLst>
   <p:notesMasterIdLst>
-    <p:notesMasterId r:id="rId10"/>
+    <p:notesMasterId r:id="rId14"/>
   </p:notesMasterIdLst>
   <p:sldIdLst>
     <p:sldId id="256" r:id="rId2"/>
@@ -14,8 +14,12 @@
     <p:sldId id="324" r:id="rId5"/>
     <p:sldId id="325" r:id="rId6"/>
     <p:sldId id="326" r:id="rId7"/>
-    <p:sldId id="327" r:id="rId8"/>
-    <p:sldId id="258" r:id="rId9"/>
+    <p:sldId id="328" r:id="rId8"/>
+    <p:sldId id="329" r:id="rId9"/>
+    <p:sldId id="330" r:id="rId10"/>
+    <p:sldId id="331" r:id="rId11"/>
+    <p:sldId id="327" r:id="rId12"/>
+    <p:sldId id="258" r:id="rId13"/>
   </p:sldIdLst>
   <p:sldSz cx="12192000" cy="6858000"/>
   <p:notesSz cx="6858000" cy="9144000"/>
@@ -2090,6 +2094,1751 @@
     <p:extLst>
       <p:ext uri="{BB962C8B-B14F-4D97-AF65-F5344CB8AC3E}">
         <p14:creationId xmlns:p14="http://schemas.microsoft.com/office/powerpoint/2010/main" val="3868320068"/>
+      </p:ext>
+    </p:extLst>
+  </p:cSld>
+  <p:clrMapOvr>
+    <a:masterClrMapping/>
+  </p:clrMapOvr>
+</p:sld>
+</file>
+
+<file path=ppt/slides/slide10.xml><?xml version="1.0" encoding="utf-8"?>
+<p:sld xmlns:a="http://schemas.openxmlformats.org/drawingml/2006/main" xmlns:r="http://schemas.openxmlformats.org/officeDocument/2006/relationships" xmlns:p="http://schemas.openxmlformats.org/presentationml/2006/main">
+  <p:cSld>
+    <p:spTree>
+      <p:nvGrpSpPr>
+        <p:cNvPr id="1" name=""/>
+        <p:cNvGrpSpPr/>
+        <p:nvPr/>
+      </p:nvGrpSpPr>
+      <p:grpSpPr>
+        <a:xfrm>
+          <a:off x="0" y="0"/>
+          <a:ext cx="0" cy="0"/>
+          <a:chOff x="0" y="0"/>
+          <a:chExt cx="0" cy="0"/>
+        </a:xfrm>
+      </p:grpSpPr>
+      <mc:AlternateContent xmlns:mc="http://schemas.openxmlformats.org/markup-compatibility/2006">
+        <mc:Choice xmlns:a14="http://schemas.microsoft.com/office/drawing/2010/main" Requires="a14">
+          <p:sp>
+            <p:nvSpPr>
+              <p:cNvPr id="2" name="Marcador de contenido 1">
+                <a:extLst>
+                  <a:ext uri="{FF2B5EF4-FFF2-40B4-BE49-F238E27FC236}">
+                    <a16:creationId xmlns:a16="http://schemas.microsoft.com/office/drawing/2014/main" id="{1E76053E-E553-4C2C-919A-CE7A30FA73F9}"/>
+                  </a:ext>
+                </a:extLst>
+              </p:cNvPr>
+              <p:cNvSpPr>
+                <a:spLocks noGrp="1"/>
+              </p:cNvSpPr>
+              <p:nvPr>
+                <p:ph idx="1"/>
+              </p:nvPr>
+            </p:nvSpPr>
+            <p:spPr>
+              <a:xfrm>
+                <a:off x="614596" y="1454046"/>
+                <a:ext cx="10628026" cy="3927423"/>
+              </a:xfrm>
+            </p:spPr>
+            <p:txBody>
+              <a:bodyPr>
+                <a:noAutofit/>
+              </a:bodyPr>
+              <a:lstStyle/>
+              <a:p>
+                <a:pPr algn="just"/>
+                <a:r>
+                  <a:rPr lang="en-GB" sz="2000" dirty="0">
+                    <a:effectLst/>
+                    <a:latin typeface="Century Gothic" panose="020B0502020202020204" pitchFamily="34" charset="0"/>
+                    <a:ea typeface="Times New Roman" panose="02020603050405020304" pitchFamily="18" charset="0"/>
+                  </a:rPr>
+                  <a:t> </a:t>
+                </a:r>
+                <a:r>
+                  <a:rPr lang="es-CO" sz="2000" dirty="0">
+                    <a:effectLst/>
+                    <a:latin typeface="Century Gothic" panose="020B0502020202020204" pitchFamily="34" charset="0"/>
+                    <a:ea typeface="Times New Roman" panose="02020603050405020304" pitchFamily="18" charset="0"/>
+                  </a:rPr>
+                  <a:t> </a:t>
+                </a:r>
+                <a:r>
+                  <a:rPr lang="en-GB" sz="2000" dirty="0">
+                    <a:effectLst/>
+                    <a:latin typeface="Century Gothic" panose="020B0502020202020204" pitchFamily="34" charset="0"/>
+                    <a:ea typeface="Times New Roman" panose="02020603050405020304" pitchFamily="18" charset="0"/>
+                  </a:rPr>
+                  <a:t>The dividends paid to the rest of the world are distributed considering the ownership structure of firms and banks</a:t>
+                </a:r>
+                <a:endParaRPr lang="es-CO" sz="2000" dirty="0">
+                  <a:effectLst/>
+                  <a:latin typeface="Century Gothic" panose="020B0502020202020204" pitchFamily="34" charset="0"/>
+                  <a:ea typeface="Calibri" panose="020F0502020204030204" pitchFamily="34" charset="0"/>
+                  <a:cs typeface="Times New Roman" panose="02020603050405020304" pitchFamily="18" charset="0"/>
+                </a:endParaRPr>
+              </a:p>
+              <a:p>
+                <a:pPr marL="0" indent="0" algn="just">
+                  <a:buNone/>
+                </a:pPr>
+                <a:endParaRPr lang="en-GB" sz="2000" dirty="0">
+                  <a:latin typeface="Century Gothic" panose="020B0502020202020204" pitchFamily="34" charset="0"/>
+                </a:endParaRPr>
+              </a:p>
+              <a:p>
+                <a:pPr marL="0" indent="0" algn="just">
+                  <a:lnSpc>
+                    <a:spcPct val="107000"/>
+                  </a:lnSpc>
+                  <a:spcAft>
+                    <a:spcPts val="800"/>
+                  </a:spcAft>
+                  <a:buNone/>
+                </a:pPr>
+                <a14:m>
+                  <m:oMathPara xmlns:m="http://schemas.openxmlformats.org/officeDocument/2006/math">
+                    <m:oMathParaPr>
+                      <m:jc m:val="centerGroup"/>
+                    </m:oMathParaPr>
+                    <m:oMath xmlns:m="http://schemas.openxmlformats.org/officeDocument/2006/math">
+                      <m:r>
+                        <a:rPr lang="es-CO" sz="1800" i="1" smtClean="0">
+                          <a:effectLst/>
+                          <a:latin typeface="Cambria Math" panose="02040503050406030204" pitchFamily="18" charset="0"/>
+                          <a:ea typeface="Times New Roman" panose="02020603050405020304" pitchFamily="18" charset="0"/>
+                          <a:cs typeface="Times New Roman" panose="02020603050405020304" pitchFamily="18" charset="0"/>
+                        </a:rPr>
+                        <m:t>𝐷𝑖</m:t>
+                      </m:r>
+                      <m:sSubSup>
+                        <m:sSubSupPr>
+                          <m:ctrlPr>
+                            <a:rPr lang="es-CO" sz="1800" i="1">
+                              <a:effectLst/>
+                              <a:latin typeface="Cambria Math" panose="02040503050406030204" pitchFamily="18" charset="0"/>
+                              <a:ea typeface="Times New Roman" panose="02020603050405020304" pitchFamily="18" charset="0"/>
+                              <a:cs typeface="Times New Roman" panose="02020603050405020304" pitchFamily="18" charset="0"/>
+                            </a:rPr>
+                          </m:ctrlPr>
+                        </m:sSubSupPr>
+                        <m:e>
+                          <m:r>
+                            <a:rPr lang="es-CO" sz="1800" i="1">
+                              <a:effectLst/>
+                              <a:latin typeface="Cambria Math" panose="02040503050406030204" pitchFamily="18" charset="0"/>
+                              <a:ea typeface="Times New Roman" panose="02020603050405020304" pitchFamily="18" charset="0"/>
+                              <a:cs typeface="Times New Roman" panose="02020603050405020304" pitchFamily="18" charset="0"/>
+                            </a:rPr>
+                            <m:t>𝑣</m:t>
+                          </m:r>
+                        </m:e>
+                        <m:sub>
+                          <m:r>
+                            <a:rPr lang="es-CO" sz="1800" i="1">
+                              <a:effectLst/>
+                              <a:latin typeface="Cambria Math" panose="02040503050406030204" pitchFamily="18" charset="0"/>
+                              <a:ea typeface="Times New Roman" panose="02020603050405020304" pitchFamily="18" charset="0"/>
+                              <a:cs typeface="Times New Roman" panose="02020603050405020304" pitchFamily="18" charset="0"/>
+                            </a:rPr>
+                            <m:t>𝐹</m:t>
+                          </m:r>
+                        </m:sub>
+                        <m:sup>
+                          <m:r>
+                            <a:rPr lang="es-CO" sz="1800" i="1">
+                              <a:effectLst/>
+                              <a:latin typeface="Cambria Math" panose="02040503050406030204" pitchFamily="18" charset="0"/>
+                              <a:ea typeface="Times New Roman" panose="02020603050405020304" pitchFamily="18" charset="0"/>
+                              <a:cs typeface="Times New Roman" panose="02020603050405020304" pitchFamily="18" charset="0"/>
+                            </a:rPr>
+                            <m:t>𝑅𝑜𝑊</m:t>
+                          </m:r>
+                        </m:sup>
+                      </m:sSubSup>
+                      <m:r>
+                        <a:rPr lang="es-CO" sz="1800" i="1">
+                          <a:effectLst/>
+                          <a:latin typeface="Cambria Math" panose="02040503050406030204" pitchFamily="18" charset="0"/>
+                          <a:ea typeface="Times New Roman" panose="02020603050405020304" pitchFamily="18" charset="0"/>
+                          <a:cs typeface="Times New Roman" panose="02020603050405020304" pitchFamily="18" charset="0"/>
+                        </a:rPr>
+                        <m:t>=</m:t>
+                      </m:r>
+                      <m:d>
+                        <m:dPr>
+                          <m:ctrlPr>
+                            <a:rPr lang="es-CO" sz="1800" i="1">
+                              <a:effectLst/>
+                              <a:latin typeface="Cambria Math" panose="02040503050406030204" pitchFamily="18" charset="0"/>
+                              <a:ea typeface="Times New Roman" panose="02020603050405020304" pitchFamily="18" charset="0"/>
+                              <a:cs typeface="Times New Roman" panose="02020603050405020304" pitchFamily="18" charset="0"/>
+                            </a:rPr>
+                          </m:ctrlPr>
+                        </m:dPr>
+                        <m:e>
+                          <m:f>
+                            <m:fPr>
+                              <m:ctrlPr>
+                                <a:rPr lang="es-CO" sz="1800" i="1">
+                                  <a:effectLst/>
+                                  <a:latin typeface="Cambria Math" panose="02040503050406030204" pitchFamily="18" charset="0"/>
+                                  <a:ea typeface="Times New Roman" panose="02020603050405020304" pitchFamily="18" charset="0"/>
+                                  <a:cs typeface="Times New Roman" panose="02020603050405020304" pitchFamily="18" charset="0"/>
+                                </a:rPr>
+                              </m:ctrlPr>
+                            </m:fPr>
+                            <m:num>
+                              <m:r>
+                                <a:rPr lang="es-CO" sz="1800" i="1">
+                                  <a:effectLst/>
+                                  <a:latin typeface="Cambria Math" panose="02040503050406030204" pitchFamily="18" charset="0"/>
+                                  <a:ea typeface="Times New Roman" panose="02020603050405020304" pitchFamily="18" charset="0"/>
+                                  <a:cs typeface="Times New Roman" panose="02020603050405020304" pitchFamily="18" charset="0"/>
+                                </a:rPr>
+                                <m:t>𝐸</m:t>
+                              </m:r>
+                              <m:sSubSup>
+                                <m:sSubSupPr>
+                                  <m:ctrlPr>
+                                    <a:rPr lang="es-CO" sz="1800" i="1">
+                                      <a:effectLst/>
+                                      <a:latin typeface="Cambria Math" panose="02040503050406030204" pitchFamily="18" charset="0"/>
+                                      <a:ea typeface="Times New Roman" panose="02020603050405020304" pitchFamily="18" charset="0"/>
+                                      <a:cs typeface="Times New Roman" panose="02020603050405020304" pitchFamily="18" charset="0"/>
+                                    </a:rPr>
+                                  </m:ctrlPr>
+                                </m:sSubSupPr>
+                                <m:e>
+                                  <m:r>
+                                    <a:rPr lang="es-CO" sz="1800" i="1">
+                                      <a:effectLst/>
+                                      <a:latin typeface="Cambria Math" panose="02040503050406030204" pitchFamily="18" charset="0"/>
+                                      <a:ea typeface="Times New Roman" panose="02020603050405020304" pitchFamily="18" charset="0"/>
+                                      <a:cs typeface="Times New Roman" panose="02020603050405020304" pitchFamily="18" charset="0"/>
+                                    </a:rPr>
+                                    <m:t>𝑄</m:t>
+                                  </m:r>
+                                </m:e>
+                                <m:sub>
+                                  <m:r>
+                                    <a:rPr lang="es-CO" sz="1800" i="1">
+                                      <a:effectLst/>
+                                      <a:latin typeface="Cambria Math" panose="02040503050406030204" pitchFamily="18" charset="0"/>
+                                      <a:ea typeface="Times New Roman" panose="02020603050405020304" pitchFamily="18" charset="0"/>
+                                      <a:cs typeface="Times New Roman" panose="02020603050405020304" pitchFamily="18" charset="0"/>
+                                    </a:rPr>
+                                    <m:t>𝐹</m:t>
+                                  </m:r>
+                                </m:sub>
+                                <m:sup>
+                                  <m:r>
+                                    <a:rPr lang="es-CO" sz="1800" i="1">
+                                      <a:effectLst/>
+                                      <a:latin typeface="Cambria Math" panose="02040503050406030204" pitchFamily="18" charset="0"/>
+                                      <a:ea typeface="Times New Roman" panose="02020603050405020304" pitchFamily="18" charset="0"/>
+                                      <a:cs typeface="Times New Roman" panose="02020603050405020304" pitchFamily="18" charset="0"/>
+                                    </a:rPr>
+                                    <m:t>𝑅𝑜𝑊</m:t>
+                                  </m:r>
+                                </m:sup>
+                              </m:sSubSup>
+                            </m:num>
+                            <m:den>
+                              <m:r>
+                                <a:rPr lang="es-CO" sz="1800" i="1">
+                                  <a:effectLst/>
+                                  <a:latin typeface="Cambria Math" panose="02040503050406030204" pitchFamily="18" charset="0"/>
+                                  <a:ea typeface="Times New Roman" panose="02020603050405020304" pitchFamily="18" charset="0"/>
+                                  <a:cs typeface="Times New Roman" panose="02020603050405020304" pitchFamily="18" charset="0"/>
+                                </a:rPr>
+                                <m:t>𝐸</m:t>
+                              </m:r>
+                              <m:sSub>
+                                <m:sSubPr>
+                                  <m:ctrlPr>
+                                    <a:rPr lang="es-CO" sz="1800" i="1">
+                                      <a:effectLst/>
+                                      <a:latin typeface="Cambria Math" panose="02040503050406030204" pitchFamily="18" charset="0"/>
+                                      <a:ea typeface="Times New Roman" panose="02020603050405020304" pitchFamily="18" charset="0"/>
+                                      <a:cs typeface="Times New Roman" panose="02020603050405020304" pitchFamily="18" charset="0"/>
+                                    </a:rPr>
+                                  </m:ctrlPr>
+                                </m:sSubPr>
+                                <m:e>
+                                  <m:r>
+                                    <a:rPr lang="es-CO" sz="1800" i="1">
+                                      <a:effectLst/>
+                                      <a:latin typeface="Cambria Math" panose="02040503050406030204" pitchFamily="18" charset="0"/>
+                                      <a:ea typeface="Times New Roman" panose="02020603050405020304" pitchFamily="18" charset="0"/>
+                                      <a:cs typeface="Times New Roman" panose="02020603050405020304" pitchFamily="18" charset="0"/>
+                                    </a:rPr>
+                                    <m:t>𝑄</m:t>
+                                  </m:r>
+                                </m:e>
+                                <m:sub>
+                                  <m:r>
+                                    <a:rPr lang="es-CO" sz="1800" i="1">
+                                      <a:effectLst/>
+                                      <a:latin typeface="Cambria Math" panose="02040503050406030204" pitchFamily="18" charset="0"/>
+                                      <a:ea typeface="Times New Roman" panose="02020603050405020304" pitchFamily="18" charset="0"/>
+                                      <a:cs typeface="Times New Roman" panose="02020603050405020304" pitchFamily="18" charset="0"/>
+                                    </a:rPr>
+                                    <m:t>𝐹</m:t>
+                                  </m:r>
+                                </m:sub>
+                              </m:sSub>
+                            </m:den>
+                          </m:f>
+                        </m:e>
+                      </m:d>
+                      <m:r>
+                        <a:rPr lang="es-CO" sz="1800" i="1">
+                          <a:effectLst/>
+                          <a:latin typeface="Cambria Math" panose="02040503050406030204" pitchFamily="18" charset="0"/>
+                          <a:ea typeface="Times New Roman" panose="02020603050405020304" pitchFamily="18" charset="0"/>
+                          <a:cs typeface="Times New Roman" panose="02020603050405020304" pitchFamily="18" charset="0"/>
+                        </a:rPr>
+                        <m:t>∙</m:t>
+                      </m:r>
+                      <m:d>
+                        <m:dPr>
+                          <m:ctrlPr>
+                            <a:rPr lang="es-CO" sz="1800" i="1">
+                              <a:effectLst/>
+                              <a:latin typeface="Cambria Math" panose="02040503050406030204" pitchFamily="18" charset="0"/>
+                              <a:ea typeface="Times New Roman" panose="02020603050405020304" pitchFamily="18" charset="0"/>
+                              <a:cs typeface="Times New Roman" panose="02020603050405020304" pitchFamily="18" charset="0"/>
+                            </a:rPr>
+                          </m:ctrlPr>
+                        </m:dPr>
+                        <m:e>
+                          <m:r>
+                            <a:rPr lang="es-CO" sz="1800" i="1">
+                              <a:effectLst/>
+                              <a:latin typeface="Cambria Math" panose="02040503050406030204" pitchFamily="18" charset="0"/>
+                              <a:ea typeface="Times New Roman" panose="02020603050405020304" pitchFamily="18" charset="0"/>
+                              <a:cs typeface="Times New Roman" panose="02020603050405020304" pitchFamily="18" charset="0"/>
+                            </a:rPr>
+                            <m:t>𝐷𝑖</m:t>
+                          </m:r>
+                          <m:sSub>
+                            <m:sSubPr>
+                              <m:ctrlPr>
+                                <a:rPr lang="es-CO" sz="1800" i="1">
+                                  <a:effectLst/>
+                                  <a:latin typeface="Cambria Math" panose="02040503050406030204" pitchFamily="18" charset="0"/>
+                                  <a:ea typeface="Times New Roman" panose="02020603050405020304" pitchFamily="18" charset="0"/>
+                                  <a:cs typeface="Times New Roman" panose="02020603050405020304" pitchFamily="18" charset="0"/>
+                                </a:rPr>
+                              </m:ctrlPr>
+                            </m:sSubPr>
+                            <m:e>
+                              <m:r>
+                                <a:rPr lang="es-CO" sz="1800" i="1">
+                                  <a:effectLst/>
+                                  <a:latin typeface="Cambria Math" panose="02040503050406030204" pitchFamily="18" charset="0"/>
+                                  <a:ea typeface="Times New Roman" panose="02020603050405020304" pitchFamily="18" charset="0"/>
+                                  <a:cs typeface="Times New Roman" panose="02020603050405020304" pitchFamily="18" charset="0"/>
+                                </a:rPr>
+                                <m:t>𝑣</m:t>
+                              </m:r>
+                            </m:e>
+                            <m:sub>
+                              <m:r>
+                                <a:rPr lang="es-CO" sz="1800" i="1">
+                                  <a:effectLst/>
+                                  <a:latin typeface="Cambria Math" panose="02040503050406030204" pitchFamily="18" charset="0"/>
+                                  <a:ea typeface="Times New Roman" panose="02020603050405020304" pitchFamily="18" charset="0"/>
+                                  <a:cs typeface="Times New Roman" panose="02020603050405020304" pitchFamily="18" charset="0"/>
+                                </a:rPr>
+                                <m:t>𝐹</m:t>
+                              </m:r>
+                            </m:sub>
+                          </m:sSub>
+                        </m:e>
+                      </m:d>
+                      <m:r>
+                        <a:rPr lang="es-CO" sz="1800" i="1">
+                          <a:effectLst/>
+                          <a:latin typeface="Cambria Math" panose="02040503050406030204" pitchFamily="18" charset="0"/>
+                          <a:ea typeface="Times New Roman" panose="02020603050405020304" pitchFamily="18" charset="0"/>
+                          <a:cs typeface="Times New Roman" panose="02020603050405020304" pitchFamily="18" charset="0"/>
+                        </a:rPr>
+                        <m:t>      </m:t>
+                      </m:r>
+                      <m:d>
+                        <m:dPr>
+                          <m:ctrlPr>
+                            <a:rPr lang="es-CO" sz="1800" i="1">
+                              <a:effectLst/>
+                              <a:latin typeface="Cambria Math" panose="02040503050406030204" pitchFamily="18" charset="0"/>
+                              <a:ea typeface="Times New Roman" panose="02020603050405020304" pitchFamily="18" charset="0"/>
+                              <a:cs typeface="Times New Roman" panose="02020603050405020304" pitchFamily="18" charset="0"/>
+                            </a:rPr>
+                          </m:ctrlPr>
+                        </m:dPr>
+                        <m:e>
+                          <m:r>
+                            <a:rPr lang="es-CO" sz="1800" i="1">
+                              <a:effectLst/>
+                              <a:latin typeface="Cambria Math" panose="02040503050406030204" pitchFamily="18" charset="0"/>
+                              <a:ea typeface="Times New Roman" panose="02020603050405020304" pitchFamily="18" charset="0"/>
+                              <a:cs typeface="Times New Roman" panose="02020603050405020304" pitchFamily="18" charset="0"/>
+                            </a:rPr>
+                            <m:t>16</m:t>
+                          </m:r>
+                        </m:e>
+                      </m:d>
+                    </m:oMath>
+                  </m:oMathPara>
+                </a14:m>
+                <a:endParaRPr lang="es-CO" sz="1800" dirty="0">
+                  <a:effectLst/>
+                  <a:latin typeface="Calibri" panose="020F0502020204030204" pitchFamily="34" charset="0"/>
+                  <a:ea typeface="Calibri" panose="020F0502020204030204" pitchFamily="34" charset="0"/>
+                  <a:cs typeface="Times New Roman" panose="02020603050405020304" pitchFamily="18" charset="0"/>
+                </a:endParaRPr>
+              </a:p>
+              <a:p>
+                <a:pPr marL="0" indent="0" algn="just">
+                  <a:lnSpc>
+                    <a:spcPct val="107000"/>
+                  </a:lnSpc>
+                  <a:spcAft>
+                    <a:spcPts val="800"/>
+                  </a:spcAft>
+                  <a:buNone/>
+                </a:pPr>
+                <a14:m>
+                  <m:oMathPara xmlns:m="http://schemas.openxmlformats.org/officeDocument/2006/math">
+                    <m:oMathParaPr>
+                      <m:jc m:val="centerGroup"/>
+                    </m:oMathParaPr>
+                    <m:oMath xmlns:m="http://schemas.openxmlformats.org/officeDocument/2006/math">
+                      <m:r>
+                        <a:rPr lang="es-CO" sz="1800" b="0" i="1" smtClean="0">
+                          <a:effectLst/>
+                          <a:latin typeface="Cambria Math" panose="02040503050406030204" pitchFamily="18" charset="0"/>
+                          <a:ea typeface="Times New Roman" panose="02020603050405020304" pitchFamily="18" charset="0"/>
+                          <a:cs typeface="Times New Roman" panose="02020603050405020304" pitchFamily="18" charset="0"/>
+                        </a:rPr>
+                        <m:t>  </m:t>
+                      </m:r>
+                      <m:r>
+                        <a:rPr lang="es-CO" sz="1800" i="1">
+                          <a:effectLst/>
+                          <a:latin typeface="Cambria Math" panose="02040503050406030204" pitchFamily="18" charset="0"/>
+                          <a:ea typeface="Times New Roman" panose="02020603050405020304" pitchFamily="18" charset="0"/>
+                          <a:cs typeface="Times New Roman" panose="02020603050405020304" pitchFamily="18" charset="0"/>
+                        </a:rPr>
+                        <m:t>𝐷𝑖</m:t>
+                      </m:r>
+                      <m:sSubSup>
+                        <m:sSubSupPr>
+                          <m:ctrlPr>
+                            <a:rPr lang="es-CO" sz="1800" i="1">
+                              <a:effectLst/>
+                              <a:latin typeface="Cambria Math" panose="02040503050406030204" pitchFamily="18" charset="0"/>
+                              <a:ea typeface="Times New Roman" panose="02020603050405020304" pitchFamily="18" charset="0"/>
+                              <a:cs typeface="Times New Roman" panose="02020603050405020304" pitchFamily="18" charset="0"/>
+                            </a:rPr>
+                          </m:ctrlPr>
+                        </m:sSubSupPr>
+                        <m:e>
+                          <m:r>
+                            <a:rPr lang="es-CO" sz="1800" i="1">
+                              <a:effectLst/>
+                              <a:latin typeface="Cambria Math" panose="02040503050406030204" pitchFamily="18" charset="0"/>
+                              <a:ea typeface="Times New Roman" panose="02020603050405020304" pitchFamily="18" charset="0"/>
+                              <a:cs typeface="Times New Roman" panose="02020603050405020304" pitchFamily="18" charset="0"/>
+                            </a:rPr>
+                            <m:t>𝑣</m:t>
+                          </m:r>
+                        </m:e>
+                        <m:sub>
+                          <m:r>
+                            <a:rPr lang="es-CO" sz="1800" i="1">
+                              <a:effectLst/>
+                              <a:latin typeface="Cambria Math" panose="02040503050406030204" pitchFamily="18" charset="0"/>
+                              <a:ea typeface="Times New Roman" panose="02020603050405020304" pitchFamily="18" charset="0"/>
+                              <a:cs typeface="Times New Roman" panose="02020603050405020304" pitchFamily="18" charset="0"/>
+                            </a:rPr>
+                            <m:t>𝐵</m:t>
+                          </m:r>
+                        </m:sub>
+                        <m:sup>
+                          <m:r>
+                            <a:rPr lang="es-CO" sz="1800" i="1">
+                              <a:effectLst/>
+                              <a:latin typeface="Cambria Math" panose="02040503050406030204" pitchFamily="18" charset="0"/>
+                              <a:ea typeface="Times New Roman" panose="02020603050405020304" pitchFamily="18" charset="0"/>
+                              <a:cs typeface="Times New Roman" panose="02020603050405020304" pitchFamily="18" charset="0"/>
+                            </a:rPr>
+                            <m:t>𝑅𝑜𝑊</m:t>
+                          </m:r>
+                        </m:sup>
+                      </m:sSubSup>
+                      <m:r>
+                        <a:rPr lang="es-CO" sz="1800" i="1">
+                          <a:effectLst/>
+                          <a:latin typeface="Cambria Math" panose="02040503050406030204" pitchFamily="18" charset="0"/>
+                          <a:ea typeface="Times New Roman" panose="02020603050405020304" pitchFamily="18" charset="0"/>
+                          <a:cs typeface="Times New Roman" panose="02020603050405020304" pitchFamily="18" charset="0"/>
+                        </a:rPr>
+                        <m:t>=</m:t>
+                      </m:r>
+                      <m:d>
+                        <m:dPr>
+                          <m:ctrlPr>
+                            <a:rPr lang="es-CO" sz="1800" i="1">
+                              <a:effectLst/>
+                              <a:latin typeface="Cambria Math" panose="02040503050406030204" pitchFamily="18" charset="0"/>
+                              <a:ea typeface="Times New Roman" panose="02020603050405020304" pitchFamily="18" charset="0"/>
+                              <a:cs typeface="Times New Roman" panose="02020603050405020304" pitchFamily="18" charset="0"/>
+                            </a:rPr>
+                          </m:ctrlPr>
+                        </m:dPr>
+                        <m:e>
+                          <m:f>
+                            <m:fPr>
+                              <m:ctrlPr>
+                                <a:rPr lang="es-CO" sz="1800" i="1">
+                                  <a:effectLst/>
+                                  <a:latin typeface="Cambria Math" panose="02040503050406030204" pitchFamily="18" charset="0"/>
+                                  <a:ea typeface="Times New Roman" panose="02020603050405020304" pitchFamily="18" charset="0"/>
+                                  <a:cs typeface="Times New Roman" panose="02020603050405020304" pitchFamily="18" charset="0"/>
+                                </a:rPr>
+                              </m:ctrlPr>
+                            </m:fPr>
+                            <m:num>
+                              <m:r>
+                                <a:rPr lang="es-CO" sz="1800" i="1">
+                                  <a:effectLst/>
+                                  <a:latin typeface="Cambria Math" panose="02040503050406030204" pitchFamily="18" charset="0"/>
+                                  <a:ea typeface="Times New Roman" panose="02020603050405020304" pitchFamily="18" charset="0"/>
+                                  <a:cs typeface="Times New Roman" panose="02020603050405020304" pitchFamily="18" charset="0"/>
+                                </a:rPr>
+                                <m:t>𝐸</m:t>
+                              </m:r>
+                              <m:sSubSup>
+                                <m:sSubSupPr>
+                                  <m:ctrlPr>
+                                    <a:rPr lang="es-CO" sz="1800" i="1">
+                                      <a:effectLst/>
+                                      <a:latin typeface="Cambria Math" panose="02040503050406030204" pitchFamily="18" charset="0"/>
+                                      <a:ea typeface="Times New Roman" panose="02020603050405020304" pitchFamily="18" charset="0"/>
+                                      <a:cs typeface="Times New Roman" panose="02020603050405020304" pitchFamily="18" charset="0"/>
+                                    </a:rPr>
+                                  </m:ctrlPr>
+                                </m:sSubSupPr>
+                                <m:e>
+                                  <m:r>
+                                    <a:rPr lang="es-CO" sz="1800" i="1">
+                                      <a:effectLst/>
+                                      <a:latin typeface="Cambria Math" panose="02040503050406030204" pitchFamily="18" charset="0"/>
+                                      <a:ea typeface="Times New Roman" panose="02020603050405020304" pitchFamily="18" charset="0"/>
+                                      <a:cs typeface="Times New Roman" panose="02020603050405020304" pitchFamily="18" charset="0"/>
+                                    </a:rPr>
+                                    <m:t>𝑄</m:t>
+                                  </m:r>
+                                </m:e>
+                                <m:sub>
+                                  <m:r>
+                                    <a:rPr lang="es-CO" sz="1800" i="1">
+                                      <a:effectLst/>
+                                      <a:latin typeface="Cambria Math" panose="02040503050406030204" pitchFamily="18" charset="0"/>
+                                      <a:ea typeface="Times New Roman" panose="02020603050405020304" pitchFamily="18" charset="0"/>
+                                      <a:cs typeface="Times New Roman" panose="02020603050405020304" pitchFamily="18" charset="0"/>
+                                    </a:rPr>
+                                    <m:t>𝐵</m:t>
+                                  </m:r>
+                                </m:sub>
+                                <m:sup>
+                                  <m:r>
+                                    <a:rPr lang="es-CO" sz="1800" i="1">
+                                      <a:effectLst/>
+                                      <a:latin typeface="Cambria Math" panose="02040503050406030204" pitchFamily="18" charset="0"/>
+                                      <a:ea typeface="Times New Roman" panose="02020603050405020304" pitchFamily="18" charset="0"/>
+                                      <a:cs typeface="Times New Roman" panose="02020603050405020304" pitchFamily="18" charset="0"/>
+                                    </a:rPr>
+                                    <m:t>𝑅𝑜𝑊</m:t>
+                                  </m:r>
+                                </m:sup>
+                              </m:sSubSup>
+                            </m:num>
+                            <m:den>
+                              <m:r>
+                                <a:rPr lang="es-CO" sz="1800" i="1">
+                                  <a:effectLst/>
+                                  <a:latin typeface="Cambria Math" panose="02040503050406030204" pitchFamily="18" charset="0"/>
+                                  <a:ea typeface="Times New Roman" panose="02020603050405020304" pitchFamily="18" charset="0"/>
+                                  <a:cs typeface="Times New Roman" panose="02020603050405020304" pitchFamily="18" charset="0"/>
+                                </a:rPr>
+                                <m:t>𝐸</m:t>
+                              </m:r>
+                              <m:sSub>
+                                <m:sSubPr>
+                                  <m:ctrlPr>
+                                    <a:rPr lang="es-CO" sz="1800" i="1">
+                                      <a:effectLst/>
+                                      <a:latin typeface="Cambria Math" panose="02040503050406030204" pitchFamily="18" charset="0"/>
+                                      <a:ea typeface="Times New Roman" panose="02020603050405020304" pitchFamily="18" charset="0"/>
+                                      <a:cs typeface="Times New Roman" panose="02020603050405020304" pitchFamily="18" charset="0"/>
+                                    </a:rPr>
+                                  </m:ctrlPr>
+                                </m:sSubPr>
+                                <m:e>
+                                  <m:r>
+                                    <a:rPr lang="es-CO" sz="1800" i="1">
+                                      <a:effectLst/>
+                                      <a:latin typeface="Cambria Math" panose="02040503050406030204" pitchFamily="18" charset="0"/>
+                                      <a:ea typeface="Times New Roman" panose="02020603050405020304" pitchFamily="18" charset="0"/>
+                                      <a:cs typeface="Times New Roman" panose="02020603050405020304" pitchFamily="18" charset="0"/>
+                                    </a:rPr>
+                                    <m:t>𝑄</m:t>
+                                  </m:r>
+                                </m:e>
+                                <m:sub>
+                                  <m:r>
+                                    <a:rPr lang="es-CO" sz="1800" i="1">
+                                      <a:effectLst/>
+                                      <a:latin typeface="Cambria Math" panose="02040503050406030204" pitchFamily="18" charset="0"/>
+                                      <a:ea typeface="Times New Roman" panose="02020603050405020304" pitchFamily="18" charset="0"/>
+                                      <a:cs typeface="Times New Roman" panose="02020603050405020304" pitchFamily="18" charset="0"/>
+                                    </a:rPr>
+                                    <m:t>𝐵</m:t>
+                                  </m:r>
+                                </m:sub>
+                              </m:sSub>
+                            </m:den>
+                          </m:f>
+                        </m:e>
+                      </m:d>
+                      <m:r>
+                        <a:rPr lang="es-CO" sz="1800" i="1">
+                          <a:effectLst/>
+                          <a:latin typeface="Cambria Math" panose="02040503050406030204" pitchFamily="18" charset="0"/>
+                          <a:ea typeface="Times New Roman" panose="02020603050405020304" pitchFamily="18" charset="0"/>
+                          <a:cs typeface="Times New Roman" panose="02020603050405020304" pitchFamily="18" charset="0"/>
+                        </a:rPr>
+                        <m:t>∙</m:t>
+                      </m:r>
+                      <m:d>
+                        <m:dPr>
+                          <m:ctrlPr>
+                            <a:rPr lang="es-CO" sz="1800" i="1">
+                              <a:effectLst/>
+                              <a:latin typeface="Cambria Math" panose="02040503050406030204" pitchFamily="18" charset="0"/>
+                              <a:ea typeface="Times New Roman" panose="02020603050405020304" pitchFamily="18" charset="0"/>
+                              <a:cs typeface="Times New Roman" panose="02020603050405020304" pitchFamily="18" charset="0"/>
+                            </a:rPr>
+                          </m:ctrlPr>
+                        </m:dPr>
+                        <m:e>
+                          <m:r>
+                            <a:rPr lang="es-CO" sz="1800" i="1">
+                              <a:effectLst/>
+                              <a:latin typeface="Cambria Math" panose="02040503050406030204" pitchFamily="18" charset="0"/>
+                              <a:ea typeface="Times New Roman" panose="02020603050405020304" pitchFamily="18" charset="0"/>
+                              <a:cs typeface="Times New Roman" panose="02020603050405020304" pitchFamily="18" charset="0"/>
+                            </a:rPr>
+                            <m:t>𝐷𝑖</m:t>
+                          </m:r>
+                          <m:sSub>
+                            <m:sSubPr>
+                              <m:ctrlPr>
+                                <a:rPr lang="es-CO" sz="1800" i="1">
+                                  <a:effectLst/>
+                                  <a:latin typeface="Cambria Math" panose="02040503050406030204" pitchFamily="18" charset="0"/>
+                                  <a:ea typeface="Times New Roman" panose="02020603050405020304" pitchFamily="18" charset="0"/>
+                                  <a:cs typeface="Times New Roman" panose="02020603050405020304" pitchFamily="18" charset="0"/>
+                                </a:rPr>
+                              </m:ctrlPr>
+                            </m:sSubPr>
+                            <m:e>
+                              <m:r>
+                                <a:rPr lang="es-CO" sz="1800" i="1">
+                                  <a:effectLst/>
+                                  <a:latin typeface="Cambria Math" panose="02040503050406030204" pitchFamily="18" charset="0"/>
+                                  <a:ea typeface="Times New Roman" panose="02020603050405020304" pitchFamily="18" charset="0"/>
+                                  <a:cs typeface="Times New Roman" panose="02020603050405020304" pitchFamily="18" charset="0"/>
+                                </a:rPr>
+                                <m:t>𝑣</m:t>
+                              </m:r>
+                            </m:e>
+                            <m:sub>
+                              <m:r>
+                                <a:rPr lang="es-CO" sz="1800" i="1">
+                                  <a:effectLst/>
+                                  <a:latin typeface="Cambria Math" panose="02040503050406030204" pitchFamily="18" charset="0"/>
+                                  <a:ea typeface="Times New Roman" panose="02020603050405020304" pitchFamily="18" charset="0"/>
+                                  <a:cs typeface="Times New Roman" panose="02020603050405020304" pitchFamily="18" charset="0"/>
+                                </a:rPr>
+                                <m:t>𝐵</m:t>
+                              </m:r>
+                            </m:sub>
+                          </m:sSub>
+                        </m:e>
+                      </m:d>
+                      <m:r>
+                        <a:rPr lang="es-CO" sz="1800" i="1">
+                          <a:effectLst/>
+                          <a:latin typeface="Cambria Math" panose="02040503050406030204" pitchFamily="18" charset="0"/>
+                          <a:ea typeface="Times New Roman" panose="02020603050405020304" pitchFamily="18" charset="0"/>
+                          <a:cs typeface="Times New Roman" panose="02020603050405020304" pitchFamily="18" charset="0"/>
+                        </a:rPr>
+                        <m:t>    </m:t>
+                      </m:r>
+                      <m:r>
+                        <a:rPr lang="es-CO" sz="1800" b="0" i="1" smtClean="0">
+                          <a:effectLst/>
+                          <a:latin typeface="Cambria Math" panose="02040503050406030204" pitchFamily="18" charset="0"/>
+                          <a:ea typeface="Times New Roman" panose="02020603050405020304" pitchFamily="18" charset="0"/>
+                          <a:cs typeface="Times New Roman" panose="02020603050405020304" pitchFamily="18" charset="0"/>
+                        </a:rPr>
+                        <m:t>   </m:t>
+                      </m:r>
+                      <m:r>
+                        <a:rPr lang="es-CO" sz="1800" i="1">
+                          <a:effectLst/>
+                          <a:latin typeface="Cambria Math" panose="02040503050406030204" pitchFamily="18" charset="0"/>
+                          <a:ea typeface="Times New Roman" panose="02020603050405020304" pitchFamily="18" charset="0"/>
+                          <a:cs typeface="Times New Roman" panose="02020603050405020304" pitchFamily="18" charset="0"/>
+                        </a:rPr>
+                        <m:t> (17) </m:t>
+                      </m:r>
+                    </m:oMath>
+                  </m:oMathPara>
+                </a14:m>
+                <a:endParaRPr lang="es-CO" sz="1800" dirty="0">
+                  <a:effectLst/>
+                  <a:latin typeface="Calibri" panose="020F0502020204030204" pitchFamily="34" charset="0"/>
+                  <a:ea typeface="Calibri" panose="020F0502020204030204" pitchFamily="34" charset="0"/>
+                  <a:cs typeface="Times New Roman" panose="02020603050405020304" pitchFamily="18" charset="0"/>
+                </a:endParaRPr>
+              </a:p>
+              <a:p>
+                <a:pPr marL="0" indent="0" algn="just">
+                  <a:buNone/>
+                </a:pPr>
+                <a:endParaRPr lang="en-GB" sz="2000" dirty="0">
+                  <a:latin typeface="Century Gothic" panose="020B0502020202020204" pitchFamily="34" charset="0"/>
+                </a:endParaRPr>
+              </a:p>
+            </p:txBody>
+          </p:sp>
+        </mc:Choice>
+        <mc:Fallback>
+          <p:sp>
+            <p:nvSpPr>
+              <p:cNvPr id="2" name="Marcador de contenido 1">
+                <a:extLst>
+                  <a:ext uri="{FF2B5EF4-FFF2-40B4-BE49-F238E27FC236}">
+                    <a16:creationId xmlns:a16="http://schemas.microsoft.com/office/drawing/2014/main" id="{1E76053E-E553-4C2C-919A-CE7A30FA73F9}"/>
+                  </a:ext>
+                </a:extLst>
+              </p:cNvPr>
+              <p:cNvSpPr>
+                <a:spLocks noGrp="1" noRot="1" noChangeAspect="1" noMove="1" noResize="1" noEditPoints="1" noAdjustHandles="1" noChangeArrowheads="1" noChangeShapeType="1" noTextEdit="1"/>
+              </p:cNvSpPr>
+              <p:nvPr>
+                <p:ph idx="1"/>
+              </p:nvPr>
+            </p:nvSpPr>
+            <p:spPr>
+              <a:xfrm>
+                <a:off x="614596" y="1454046"/>
+                <a:ext cx="10628026" cy="3927423"/>
+              </a:xfrm>
+              <a:blipFill>
+                <a:blip r:embed="rId2"/>
+                <a:stretch>
+                  <a:fillRect l="-516" t="-932" r="-574"/>
+                </a:stretch>
+              </a:blipFill>
+            </p:spPr>
+            <p:txBody>
+              <a:bodyPr/>
+              <a:lstStyle/>
+              <a:p>
+                <a:r>
+                  <a:rPr lang="es-CO">
+                    <a:noFill/>
+                  </a:rPr>
+                  <a:t> </a:t>
+                </a:r>
+              </a:p>
+            </p:txBody>
+          </p:sp>
+        </mc:Fallback>
+      </mc:AlternateContent>
+      <p:sp>
+        <p:nvSpPr>
+          <p:cNvPr id="3" name="Título 2">
+            <a:extLst>
+              <a:ext uri="{FF2B5EF4-FFF2-40B4-BE49-F238E27FC236}">
+                <a16:creationId xmlns:a16="http://schemas.microsoft.com/office/drawing/2014/main" id="{5DA68AA8-71CC-44C3-BE34-4520548865CD}"/>
+              </a:ext>
+            </a:extLst>
+          </p:cNvPr>
+          <p:cNvSpPr>
+            <a:spLocks noGrp="1"/>
+          </p:cNvSpPr>
+          <p:nvPr>
+            <p:ph type="title"/>
+          </p:nvPr>
+        </p:nvSpPr>
+        <p:spPr>
+          <a:xfrm>
+            <a:off x="779281" y="274637"/>
+            <a:ext cx="7694645" cy="979127"/>
+          </a:xfrm>
+        </p:spPr>
+        <p:txBody>
+          <a:bodyPr>
+            <a:normAutofit/>
+          </a:bodyPr>
+          <a:lstStyle/>
+          <a:p>
+            <a:pPr algn="l"/>
+            <a:r>
+              <a:rPr lang="es-CO" b="1" dirty="0">
+                <a:latin typeface="Century Gothic" panose="020B0502020202020204" pitchFamily="34" charset="0"/>
+              </a:rPr>
+              <a:t>Foreign Direct Investment. </a:t>
+            </a:r>
+          </a:p>
+        </p:txBody>
+      </p:sp>
+    </p:spTree>
+    <p:extLst>
+      <p:ext uri="{BB962C8B-B14F-4D97-AF65-F5344CB8AC3E}">
+        <p14:creationId xmlns:p14="http://schemas.microsoft.com/office/powerpoint/2010/main" val="231120899"/>
+      </p:ext>
+    </p:extLst>
+  </p:cSld>
+  <p:clrMapOvr>
+    <a:masterClrMapping/>
+  </p:clrMapOvr>
+</p:sld>
+</file>
+
+<file path=ppt/slides/slide11.xml><?xml version="1.0" encoding="utf-8"?>
+<p:sld xmlns:a="http://schemas.openxmlformats.org/drawingml/2006/main" xmlns:r="http://schemas.openxmlformats.org/officeDocument/2006/relationships" xmlns:p="http://schemas.openxmlformats.org/presentationml/2006/main">
+  <p:cSld>
+    <p:spTree>
+      <p:nvGrpSpPr>
+        <p:cNvPr id="1" name=""/>
+        <p:cNvGrpSpPr/>
+        <p:nvPr/>
+      </p:nvGrpSpPr>
+      <p:grpSpPr>
+        <a:xfrm>
+          <a:off x="0" y="0"/>
+          <a:ext cx="0" cy="0"/>
+          <a:chOff x="0" y="0"/>
+          <a:chExt cx="0" cy="0"/>
+        </a:xfrm>
+      </p:grpSpPr>
+      <p:pic>
+        <p:nvPicPr>
+          <p:cNvPr id="8" name="Marcador de contenido 7">
+            <a:extLst>
+              <a:ext uri="{FF2B5EF4-FFF2-40B4-BE49-F238E27FC236}">
+                <a16:creationId xmlns:a16="http://schemas.microsoft.com/office/drawing/2014/main" id="{71FA55C1-9DA3-4EFB-A177-365ED7222DD4}"/>
+              </a:ext>
+            </a:extLst>
+          </p:cNvPr>
+          <p:cNvPicPr>
+            <a:picLocks noGrp="1" noChangeAspect="1"/>
+          </p:cNvPicPr>
+          <p:nvPr>
+            <p:ph idx="1"/>
+          </p:nvPr>
+        </p:nvPicPr>
+        <p:blipFill rotWithShape="1">
+          <a:blip r:embed="rId2"/>
+          <a:srcRect l="2356" t="11507" r="34613" b="9345"/>
+          <a:stretch/>
+        </p:blipFill>
+        <p:spPr>
+          <a:xfrm>
+            <a:off x="776958" y="372046"/>
+            <a:ext cx="10510886" cy="5486399"/>
+          </a:xfrm>
+        </p:spPr>
+      </p:pic>
+    </p:spTree>
+    <p:extLst>
+      <p:ext uri="{BB962C8B-B14F-4D97-AF65-F5344CB8AC3E}">
+        <p14:creationId xmlns:p14="http://schemas.microsoft.com/office/powerpoint/2010/main" val="304498920"/>
+      </p:ext>
+    </p:extLst>
+  </p:cSld>
+  <p:clrMapOvr>
+    <a:masterClrMapping/>
+  </p:clrMapOvr>
+</p:sld>
+</file>
+
+<file path=ppt/slides/slide12.xml><?xml version="1.0" encoding="utf-8"?>
+<p:sld xmlns:a="http://schemas.openxmlformats.org/drawingml/2006/main" xmlns:r="http://schemas.openxmlformats.org/officeDocument/2006/relationships" xmlns:p="http://schemas.openxmlformats.org/presentationml/2006/main">
+  <p:cSld>
+    <p:spTree>
+      <p:nvGrpSpPr>
+        <p:cNvPr id="1" name=""/>
+        <p:cNvGrpSpPr/>
+        <p:nvPr/>
+      </p:nvGrpSpPr>
+      <p:grpSpPr>
+        <a:xfrm>
+          <a:off x="0" y="0"/>
+          <a:ext cx="0" cy="0"/>
+          <a:chOff x="0" y="0"/>
+          <a:chExt cx="0" cy="0"/>
+        </a:xfrm>
+      </p:grpSpPr>
+      <p:sp>
+        <p:nvSpPr>
+          <p:cNvPr id="2" name="1 Título"/>
+          <p:cNvSpPr>
+            <a:spLocks noGrp="1"/>
+          </p:cNvSpPr>
+          <p:nvPr>
+            <p:ph type="title"/>
+          </p:nvPr>
+        </p:nvSpPr>
+        <p:spPr/>
+        <p:txBody>
+          <a:bodyPr/>
+          <a:lstStyle/>
+          <a:p>
+            <a:r>
+              <a:rPr lang="es-CO" b="1" dirty="0">
+                <a:latin typeface="Century Gothic" panose="020B0502020202020204" pitchFamily="34" charset="0"/>
+              </a:rPr>
+              <a:t>References.</a:t>
+            </a:r>
+          </a:p>
+        </p:txBody>
+      </p:sp>
+      <p:sp>
+        <p:nvSpPr>
+          <p:cNvPr id="3" name="2 Marcador de contenido"/>
+          <p:cNvSpPr>
+            <a:spLocks noGrp="1"/>
+          </p:cNvSpPr>
+          <p:nvPr>
+            <p:ph idx="1"/>
+          </p:nvPr>
+        </p:nvSpPr>
+        <p:spPr/>
+        <p:txBody>
+          <a:bodyPr>
+            <a:normAutofit fontScale="85000" lnSpcReduction="10000"/>
+          </a:bodyPr>
+          <a:lstStyle/>
+          <a:p>
+            <a:pPr marL="0" indent="0" algn="just">
+              <a:buNone/>
+            </a:pPr>
+            <a:r>
+              <a:rPr lang="en-US" sz="2000" b="0" i="0" dirty="0">
+                <a:solidFill>
+                  <a:srgbClr val="333333"/>
+                </a:solidFill>
+                <a:effectLst/>
+                <a:latin typeface="Century Gothic" panose="020B0502020202020204" pitchFamily="34" charset="0"/>
+              </a:rPr>
+              <a:t>   </a:t>
+            </a:r>
+            <a:r>
+              <a:rPr lang="en-US" sz="2000" b="0" i="0" dirty="0" err="1">
+                <a:solidFill>
+                  <a:srgbClr val="333333"/>
+                </a:solidFill>
+                <a:effectLst/>
+                <a:latin typeface="Century Gothic" panose="020B0502020202020204" pitchFamily="34" charset="0"/>
+              </a:rPr>
+              <a:t>Bhaduri</a:t>
+            </a:r>
+            <a:r>
+              <a:rPr lang="en-US" sz="2000" b="0" i="0" dirty="0">
+                <a:solidFill>
+                  <a:srgbClr val="333333"/>
+                </a:solidFill>
+                <a:effectLst/>
+                <a:latin typeface="Century Gothic" panose="020B0502020202020204" pitchFamily="34" charset="0"/>
+              </a:rPr>
+              <a:t>, Amit &amp; </a:t>
+            </a:r>
+            <a:r>
+              <a:rPr lang="en-US" sz="2000" b="0" i="0" dirty="0" err="1">
+                <a:solidFill>
+                  <a:srgbClr val="333333"/>
+                </a:solidFill>
+                <a:effectLst/>
+                <a:latin typeface="Century Gothic" panose="020B0502020202020204" pitchFamily="34" charset="0"/>
+              </a:rPr>
+              <a:t>Marglin</a:t>
+            </a:r>
+            <a:r>
+              <a:rPr lang="en-US" sz="2000" b="0" i="0" dirty="0">
+                <a:solidFill>
+                  <a:srgbClr val="333333"/>
+                </a:solidFill>
+                <a:effectLst/>
+                <a:latin typeface="Century Gothic" panose="020B0502020202020204" pitchFamily="34" charset="0"/>
+              </a:rPr>
+              <a:t>, Stephen, 1990. "</a:t>
+            </a:r>
+            <a:r>
+              <a:rPr lang="en-US" sz="2000" b="1" i="0" u="none" strike="noStrike" dirty="0">
+                <a:solidFill>
+                  <a:srgbClr val="2D4E8B"/>
+                </a:solidFill>
+                <a:effectLst/>
+                <a:latin typeface="Century Gothic" panose="020B0502020202020204" pitchFamily="34" charset="0"/>
+                <a:hlinkClick r:id="rId2"/>
+              </a:rPr>
+              <a:t>Unemployment and the Real Wage: The Economic Basis for Contesting Political Ideologies</a:t>
+            </a:r>
+            <a:r>
+              <a:rPr lang="en-US" sz="2000" b="0" i="0" dirty="0">
+                <a:solidFill>
+                  <a:srgbClr val="333333"/>
+                </a:solidFill>
+                <a:effectLst/>
+                <a:latin typeface="Century Gothic" panose="020B0502020202020204" pitchFamily="34" charset="0"/>
+              </a:rPr>
+              <a:t>," </a:t>
+            </a:r>
+            <a:r>
+              <a:rPr lang="en-US" sz="2000" b="0" i="0" u="none" strike="noStrike" dirty="0">
+                <a:solidFill>
+                  <a:srgbClr val="2D4E8B"/>
+                </a:solidFill>
+                <a:effectLst/>
+                <a:latin typeface="Century Gothic" panose="020B0502020202020204" pitchFamily="34" charset="0"/>
+                <a:hlinkClick r:id="rId3"/>
+              </a:rPr>
+              <a:t>Cambridge Journal of Economics</a:t>
+            </a:r>
+            <a:r>
+              <a:rPr lang="en-US" sz="2000" b="0" i="0" dirty="0">
+                <a:solidFill>
+                  <a:srgbClr val="333333"/>
+                </a:solidFill>
+                <a:effectLst/>
+                <a:latin typeface="Century Gothic" panose="020B0502020202020204" pitchFamily="34" charset="0"/>
+              </a:rPr>
+              <a:t>, Oxford University Press, vol. 14(4), pages 375-393, December.</a:t>
+            </a:r>
+          </a:p>
+          <a:p>
+            <a:pPr marL="0" indent="0" algn="just">
+              <a:buNone/>
+            </a:pPr>
+            <a:endParaRPr lang="es-CO" sz="2000" dirty="0">
+              <a:latin typeface="Century Gothic" panose="020B0502020202020204" pitchFamily="34" charset="0"/>
+            </a:endParaRPr>
+          </a:p>
+          <a:p>
+            <a:pPr marL="0" indent="0" algn="just">
+              <a:buNone/>
+            </a:pPr>
+            <a:r>
+              <a:rPr lang="es-CO" sz="2000" dirty="0">
+                <a:latin typeface="Century Gothic" panose="020B0502020202020204" pitchFamily="34" charset="0"/>
+              </a:rPr>
+              <a:t>   </a:t>
+            </a:r>
+            <a:r>
+              <a:rPr lang="es-CO" sz="2000" dirty="0" err="1">
+                <a:latin typeface="Century Gothic" panose="020B0502020202020204" pitchFamily="34" charset="0"/>
+              </a:rPr>
+              <a:t>Caiani</a:t>
+            </a:r>
+            <a:r>
+              <a:rPr lang="es-CO" sz="2000" dirty="0">
+                <a:latin typeface="Century Gothic" panose="020B0502020202020204" pitchFamily="34" charset="0"/>
+              </a:rPr>
+              <a:t>, Alessandro &amp; </a:t>
+            </a:r>
+            <a:r>
+              <a:rPr lang="es-CO" sz="2000" dirty="0" err="1">
+                <a:latin typeface="Century Gothic" panose="020B0502020202020204" pitchFamily="34" charset="0"/>
+              </a:rPr>
+              <a:t>Godin</a:t>
+            </a:r>
+            <a:r>
+              <a:rPr lang="es-CO" sz="2000" dirty="0">
+                <a:latin typeface="Century Gothic" panose="020B0502020202020204" pitchFamily="34" charset="0"/>
+              </a:rPr>
+              <a:t>, Antoine &amp; </a:t>
+            </a:r>
+            <a:r>
+              <a:rPr lang="es-CO" sz="2000" dirty="0" err="1">
+                <a:latin typeface="Century Gothic" panose="020B0502020202020204" pitchFamily="34" charset="0"/>
+              </a:rPr>
+              <a:t>Caverzasi</a:t>
+            </a:r>
+            <a:r>
+              <a:rPr lang="es-CO" sz="2000" dirty="0">
+                <a:latin typeface="Century Gothic" panose="020B0502020202020204" pitchFamily="34" charset="0"/>
+              </a:rPr>
+              <a:t>, Eugenio &amp; </a:t>
+            </a:r>
+            <a:r>
+              <a:rPr lang="es-CO" sz="2000" dirty="0" err="1">
+                <a:latin typeface="Century Gothic" panose="020B0502020202020204" pitchFamily="34" charset="0"/>
+              </a:rPr>
+              <a:t>Gallegati</a:t>
+            </a:r>
+            <a:r>
+              <a:rPr lang="es-CO" sz="2000" dirty="0">
+                <a:latin typeface="Century Gothic" panose="020B0502020202020204" pitchFamily="34" charset="0"/>
+              </a:rPr>
+              <a:t>, Mauro &amp; </a:t>
+            </a:r>
+            <a:r>
+              <a:rPr lang="es-CO" sz="2000" dirty="0" err="1">
+                <a:latin typeface="Century Gothic" panose="020B0502020202020204" pitchFamily="34" charset="0"/>
+              </a:rPr>
+              <a:t>Kinsella</a:t>
+            </a:r>
+            <a:r>
+              <a:rPr lang="es-CO" sz="2000" dirty="0">
+                <a:latin typeface="Century Gothic" panose="020B0502020202020204" pitchFamily="34" charset="0"/>
+              </a:rPr>
+              <a:t>, Stephen &amp; Stiglitz, Joseph E., 2016. "</a:t>
+            </a:r>
+            <a:r>
+              <a:rPr lang="es-CO" sz="2000" dirty="0" err="1">
+                <a:latin typeface="Century Gothic" panose="020B0502020202020204" pitchFamily="34" charset="0"/>
+                <a:hlinkClick r:id="rId4"/>
+              </a:rPr>
+              <a:t>Agent</a:t>
+            </a:r>
+            <a:r>
+              <a:rPr lang="es-CO" sz="2000" dirty="0">
+                <a:latin typeface="Century Gothic" panose="020B0502020202020204" pitchFamily="34" charset="0"/>
+                <a:hlinkClick r:id="rId4"/>
+              </a:rPr>
+              <a:t> </a:t>
+            </a:r>
+            <a:r>
+              <a:rPr lang="es-CO" sz="2000" dirty="0" err="1">
+                <a:latin typeface="Century Gothic" panose="020B0502020202020204" pitchFamily="34" charset="0"/>
+                <a:hlinkClick r:id="rId4"/>
+              </a:rPr>
+              <a:t>based</a:t>
+            </a:r>
+            <a:r>
+              <a:rPr lang="es-CO" sz="2000" dirty="0">
+                <a:latin typeface="Century Gothic" panose="020B0502020202020204" pitchFamily="34" charset="0"/>
+                <a:hlinkClick r:id="rId4"/>
+              </a:rPr>
+              <a:t>-stock </a:t>
+            </a:r>
+            <a:r>
+              <a:rPr lang="es-CO" sz="2000" dirty="0" err="1">
+                <a:latin typeface="Century Gothic" panose="020B0502020202020204" pitchFamily="34" charset="0"/>
+                <a:hlinkClick r:id="rId4"/>
+              </a:rPr>
+              <a:t>flow</a:t>
+            </a:r>
+            <a:r>
+              <a:rPr lang="es-CO" sz="2000" dirty="0">
+                <a:latin typeface="Century Gothic" panose="020B0502020202020204" pitchFamily="34" charset="0"/>
+                <a:hlinkClick r:id="rId4"/>
+              </a:rPr>
+              <a:t> </a:t>
+            </a:r>
+            <a:r>
+              <a:rPr lang="es-CO" sz="2000" dirty="0" err="1">
+                <a:latin typeface="Century Gothic" panose="020B0502020202020204" pitchFamily="34" charset="0"/>
+                <a:hlinkClick r:id="rId4"/>
+              </a:rPr>
+              <a:t>consistent</a:t>
+            </a:r>
+            <a:r>
+              <a:rPr lang="es-CO" sz="2000" dirty="0">
+                <a:latin typeface="Century Gothic" panose="020B0502020202020204" pitchFamily="34" charset="0"/>
+                <a:hlinkClick r:id="rId4"/>
+              </a:rPr>
+              <a:t> </a:t>
+            </a:r>
+            <a:r>
+              <a:rPr lang="es-CO" sz="2000" dirty="0" err="1">
+                <a:latin typeface="Century Gothic" panose="020B0502020202020204" pitchFamily="34" charset="0"/>
+                <a:hlinkClick r:id="rId4"/>
+              </a:rPr>
+              <a:t>macroeconomics</a:t>
+            </a:r>
+            <a:r>
+              <a:rPr lang="es-CO" sz="2000" dirty="0">
+                <a:latin typeface="Century Gothic" panose="020B0502020202020204" pitchFamily="34" charset="0"/>
+                <a:hlinkClick r:id="rId4"/>
+              </a:rPr>
+              <a:t>: </a:t>
+            </a:r>
+            <a:r>
+              <a:rPr lang="es-CO" sz="2000" dirty="0" err="1">
+                <a:latin typeface="Century Gothic" panose="020B0502020202020204" pitchFamily="34" charset="0"/>
+                <a:hlinkClick r:id="rId4"/>
+              </a:rPr>
+              <a:t>Towards</a:t>
+            </a:r>
+            <a:r>
+              <a:rPr lang="es-CO" sz="2000" dirty="0">
+                <a:latin typeface="Century Gothic" panose="020B0502020202020204" pitchFamily="34" charset="0"/>
+                <a:hlinkClick r:id="rId4"/>
+              </a:rPr>
+              <a:t> a </a:t>
+            </a:r>
+            <a:r>
+              <a:rPr lang="es-CO" sz="2000" dirty="0" err="1">
+                <a:latin typeface="Century Gothic" panose="020B0502020202020204" pitchFamily="34" charset="0"/>
+                <a:hlinkClick r:id="rId4"/>
+              </a:rPr>
+              <a:t>benchmark</a:t>
+            </a:r>
+            <a:r>
+              <a:rPr lang="es-CO" sz="2000" dirty="0">
+                <a:latin typeface="Century Gothic" panose="020B0502020202020204" pitchFamily="34" charset="0"/>
+                <a:hlinkClick r:id="rId4"/>
+              </a:rPr>
+              <a:t> </a:t>
+            </a:r>
+            <a:r>
+              <a:rPr lang="es-CO" sz="2000" dirty="0" err="1">
+                <a:latin typeface="Century Gothic" panose="020B0502020202020204" pitchFamily="34" charset="0"/>
+                <a:hlinkClick r:id="rId4"/>
+              </a:rPr>
+              <a:t>model</a:t>
+            </a:r>
+            <a:r>
+              <a:rPr lang="es-CO" sz="2000" dirty="0">
+                <a:latin typeface="Century Gothic" panose="020B0502020202020204" pitchFamily="34" charset="0"/>
+              </a:rPr>
+              <a:t>," </a:t>
+            </a:r>
+            <a:r>
+              <a:rPr lang="es-CO" sz="2000" dirty="0" err="1">
+                <a:latin typeface="Century Gothic" panose="020B0502020202020204" pitchFamily="34" charset="0"/>
+                <a:hlinkClick r:id="rId5"/>
+              </a:rPr>
+              <a:t>Journal</a:t>
+            </a:r>
+            <a:r>
+              <a:rPr lang="es-CO" sz="2000" dirty="0">
+                <a:latin typeface="Century Gothic" panose="020B0502020202020204" pitchFamily="34" charset="0"/>
+                <a:hlinkClick r:id="rId5"/>
+              </a:rPr>
+              <a:t> of </a:t>
+            </a:r>
+            <a:r>
+              <a:rPr lang="es-CO" sz="2000" dirty="0" err="1">
+                <a:latin typeface="Century Gothic" panose="020B0502020202020204" pitchFamily="34" charset="0"/>
+                <a:hlinkClick r:id="rId5"/>
+              </a:rPr>
+              <a:t>Economic</a:t>
+            </a:r>
+            <a:r>
+              <a:rPr lang="es-CO" sz="2000" dirty="0">
+                <a:latin typeface="Century Gothic" panose="020B0502020202020204" pitchFamily="34" charset="0"/>
+                <a:hlinkClick r:id="rId5"/>
+              </a:rPr>
+              <a:t> Dynamics and Control</a:t>
+            </a:r>
+            <a:r>
+              <a:rPr lang="es-CO" sz="2000" dirty="0">
+                <a:latin typeface="Century Gothic" panose="020B0502020202020204" pitchFamily="34" charset="0"/>
+              </a:rPr>
+              <a:t>, </a:t>
+            </a:r>
+            <a:r>
+              <a:rPr lang="es-CO" sz="2000" dirty="0" err="1">
+                <a:latin typeface="Century Gothic" panose="020B0502020202020204" pitchFamily="34" charset="0"/>
+              </a:rPr>
+              <a:t>Elsevier</a:t>
+            </a:r>
+            <a:r>
+              <a:rPr lang="es-CO" sz="2000" dirty="0">
+                <a:latin typeface="Century Gothic" panose="020B0502020202020204" pitchFamily="34" charset="0"/>
+              </a:rPr>
+              <a:t>, vol. 69(C), </a:t>
+            </a:r>
+            <a:r>
+              <a:rPr lang="es-CO" sz="2000" dirty="0" err="1">
+                <a:latin typeface="Century Gothic" panose="020B0502020202020204" pitchFamily="34" charset="0"/>
+              </a:rPr>
+              <a:t>pages</a:t>
+            </a:r>
+            <a:r>
+              <a:rPr lang="es-CO" sz="2000" dirty="0">
+                <a:latin typeface="Century Gothic" panose="020B0502020202020204" pitchFamily="34" charset="0"/>
+              </a:rPr>
+              <a:t> 375-408.</a:t>
+            </a:r>
+          </a:p>
+          <a:p>
+            <a:pPr marL="0" indent="0" algn="just">
+              <a:buNone/>
+            </a:pPr>
+            <a:endParaRPr lang="es-CO" sz="2000" dirty="0">
+              <a:latin typeface="Century Gothic" panose="020B0502020202020204" pitchFamily="34" charset="0"/>
+            </a:endParaRPr>
+          </a:p>
+          <a:p>
+            <a:pPr marL="0" indent="0" algn="just">
+              <a:buNone/>
+            </a:pPr>
+            <a:r>
+              <a:rPr lang="es-CO" sz="2000" dirty="0">
+                <a:latin typeface="Century Gothic" panose="020B0502020202020204" pitchFamily="34" charset="0"/>
+              </a:rPr>
+              <a:t>  </a:t>
+            </a:r>
+            <a:r>
+              <a:rPr lang="es-CO" sz="2000" dirty="0" err="1">
+                <a:latin typeface="Century Gothic" panose="020B0502020202020204" pitchFamily="34" charset="0"/>
+              </a:rPr>
+              <a:t>Dafermos</a:t>
+            </a:r>
+            <a:r>
+              <a:rPr lang="es-CO" sz="2000" dirty="0">
+                <a:latin typeface="Century Gothic" panose="020B0502020202020204" pitchFamily="34" charset="0"/>
+              </a:rPr>
+              <a:t>, </a:t>
+            </a:r>
+            <a:r>
+              <a:rPr lang="es-CO" sz="2000" dirty="0" err="1">
+                <a:latin typeface="Century Gothic" panose="020B0502020202020204" pitchFamily="34" charset="0"/>
+              </a:rPr>
+              <a:t>Yannis</a:t>
+            </a:r>
+            <a:r>
+              <a:rPr lang="es-CO" sz="2000" dirty="0">
+                <a:latin typeface="Century Gothic" panose="020B0502020202020204" pitchFamily="34" charset="0"/>
+              </a:rPr>
+              <a:t>,  2012. "</a:t>
+            </a:r>
+            <a:r>
+              <a:rPr lang="es-CO" sz="2000" dirty="0">
+                <a:latin typeface="Century Gothic" panose="020B0502020202020204" pitchFamily="34" charset="0"/>
+                <a:hlinkClick r:id="rId6"/>
+              </a:rPr>
+              <a:t>Liquidity </a:t>
+            </a:r>
+            <a:r>
+              <a:rPr lang="es-CO" sz="2000" dirty="0" err="1">
+                <a:latin typeface="Century Gothic" panose="020B0502020202020204" pitchFamily="34" charset="0"/>
+                <a:hlinkClick r:id="rId6"/>
+              </a:rPr>
+              <a:t>preference</a:t>
+            </a:r>
+            <a:r>
+              <a:rPr lang="es-CO" sz="2000" dirty="0">
+                <a:latin typeface="Century Gothic" panose="020B0502020202020204" pitchFamily="34" charset="0"/>
+                <a:hlinkClick r:id="rId6"/>
+              </a:rPr>
+              <a:t>, </a:t>
+            </a:r>
+            <a:r>
+              <a:rPr lang="es-CO" sz="2000" dirty="0" err="1">
+                <a:latin typeface="Century Gothic" panose="020B0502020202020204" pitchFamily="34" charset="0"/>
+                <a:hlinkClick r:id="rId6"/>
+              </a:rPr>
+              <a:t>uncertainty</a:t>
+            </a:r>
+            <a:r>
+              <a:rPr lang="es-CO" sz="2000" dirty="0">
+                <a:latin typeface="Century Gothic" panose="020B0502020202020204" pitchFamily="34" charset="0"/>
+                <a:hlinkClick r:id="rId6"/>
+              </a:rPr>
+              <a:t>, and </a:t>
+            </a:r>
+            <a:r>
+              <a:rPr lang="es-CO" sz="2000" dirty="0" err="1">
+                <a:latin typeface="Century Gothic" panose="020B0502020202020204" pitchFamily="34" charset="0"/>
+                <a:hlinkClick r:id="rId6"/>
+              </a:rPr>
+              <a:t>recession</a:t>
+            </a:r>
+            <a:r>
+              <a:rPr lang="es-CO" sz="2000" dirty="0">
+                <a:latin typeface="Century Gothic" panose="020B0502020202020204" pitchFamily="34" charset="0"/>
+                <a:hlinkClick r:id="rId6"/>
+              </a:rPr>
+              <a:t> in a stock-</a:t>
+            </a:r>
+            <a:r>
+              <a:rPr lang="es-CO" sz="2000" dirty="0" err="1">
+                <a:latin typeface="Century Gothic" panose="020B0502020202020204" pitchFamily="34" charset="0"/>
+                <a:hlinkClick r:id="rId6"/>
+              </a:rPr>
+              <a:t>flow</a:t>
+            </a:r>
+            <a:r>
+              <a:rPr lang="es-CO" sz="2000" dirty="0">
+                <a:latin typeface="Century Gothic" panose="020B0502020202020204" pitchFamily="34" charset="0"/>
+                <a:hlinkClick r:id="rId6"/>
+              </a:rPr>
+              <a:t> </a:t>
+            </a:r>
+            <a:r>
+              <a:rPr lang="es-CO" sz="2000" dirty="0" err="1">
+                <a:latin typeface="Century Gothic" panose="020B0502020202020204" pitchFamily="34" charset="0"/>
+                <a:hlinkClick r:id="rId6"/>
+              </a:rPr>
+              <a:t>consistent</a:t>
+            </a:r>
+            <a:r>
+              <a:rPr lang="es-CO" sz="2000" dirty="0">
+                <a:latin typeface="Century Gothic" panose="020B0502020202020204" pitchFamily="34" charset="0"/>
+                <a:hlinkClick r:id="rId6"/>
+              </a:rPr>
+              <a:t> </a:t>
+            </a:r>
+            <a:r>
+              <a:rPr lang="es-CO" sz="2000" dirty="0" err="1">
+                <a:latin typeface="Century Gothic" panose="020B0502020202020204" pitchFamily="34" charset="0"/>
+                <a:hlinkClick r:id="rId6"/>
+              </a:rPr>
+              <a:t>model</a:t>
+            </a:r>
+            <a:r>
+              <a:rPr lang="es-CO" sz="2000" dirty="0">
+                <a:latin typeface="Century Gothic" panose="020B0502020202020204" pitchFamily="34" charset="0"/>
+              </a:rPr>
+              <a:t>," </a:t>
+            </a:r>
+            <a:r>
+              <a:rPr lang="es-CO" sz="2000" dirty="0" err="1">
+                <a:latin typeface="Century Gothic" panose="020B0502020202020204" pitchFamily="34" charset="0"/>
+                <a:hlinkClick r:id="rId7"/>
+              </a:rPr>
+              <a:t>Journal</a:t>
+            </a:r>
+            <a:r>
+              <a:rPr lang="es-CO" sz="2000" dirty="0">
+                <a:latin typeface="Century Gothic" panose="020B0502020202020204" pitchFamily="34" charset="0"/>
+                <a:hlinkClick r:id="rId7"/>
+              </a:rPr>
+              <a:t> of Post </a:t>
+            </a:r>
+            <a:r>
+              <a:rPr lang="es-CO" sz="2000" dirty="0" err="1">
+                <a:latin typeface="Century Gothic" panose="020B0502020202020204" pitchFamily="34" charset="0"/>
+                <a:hlinkClick r:id="rId7"/>
+              </a:rPr>
+              <a:t>Keynesian</a:t>
+            </a:r>
+            <a:r>
+              <a:rPr lang="es-CO" sz="2000" dirty="0">
+                <a:latin typeface="Century Gothic" panose="020B0502020202020204" pitchFamily="34" charset="0"/>
+                <a:hlinkClick r:id="rId7"/>
+              </a:rPr>
+              <a:t> </a:t>
+            </a:r>
+            <a:r>
+              <a:rPr lang="es-CO" sz="2000" dirty="0" err="1">
+                <a:latin typeface="Century Gothic" panose="020B0502020202020204" pitchFamily="34" charset="0"/>
+                <a:hlinkClick r:id="rId7"/>
+              </a:rPr>
+              <a:t>Economics</a:t>
+            </a:r>
+            <a:r>
+              <a:rPr lang="es-CO" sz="2000" dirty="0">
+                <a:latin typeface="Century Gothic" panose="020B0502020202020204" pitchFamily="34" charset="0"/>
+              </a:rPr>
+              <a:t>, Taylor &amp; Francis </a:t>
+            </a:r>
+            <a:r>
+              <a:rPr lang="es-CO" sz="2000" dirty="0" err="1">
+                <a:latin typeface="Century Gothic" panose="020B0502020202020204" pitchFamily="34" charset="0"/>
+              </a:rPr>
+              <a:t>Journals</a:t>
+            </a:r>
+            <a:r>
+              <a:rPr lang="es-CO" sz="2000" dirty="0">
+                <a:latin typeface="Century Gothic" panose="020B0502020202020204" pitchFamily="34" charset="0"/>
+              </a:rPr>
+              <a:t>, vol. 34(4), </a:t>
+            </a:r>
+            <a:r>
+              <a:rPr lang="es-CO" sz="2000" dirty="0" err="1">
+                <a:latin typeface="Century Gothic" panose="020B0502020202020204" pitchFamily="34" charset="0"/>
+              </a:rPr>
+              <a:t>pages</a:t>
+            </a:r>
+            <a:r>
+              <a:rPr lang="es-CO" sz="2000" dirty="0">
+                <a:latin typeface="Century Gothic" panose="020B0502020202020204" pitchFamily="34" charset="0"/>
+              </a:rPr>
+              <a:t> 749-776.</a:t>
+            </a:r>
+          </a:p>
+          <a:p>
+            <a:pPr marL="0" indent="0" algn="just">
+              <a:buNone/>
+            </a:pPr>
+            <a:endParaRPr lang="es-CO" sz="2000" dirty="0">
+              <a:latin typeface="Century Gothic" panose="020B0502020202020204" pitchFamily="34" charset="0"/>
+            </a:endParaRPr>
+          </a:p>
+          <a:p>
+            <a:pPr marL="0" indent="0" algn="just">
+              <a:buNone/>
+            </a:pPr>
+            <a:r>
+              <a:rPr lang="en-US" sz="2000" dirty="0">
+                <a:latin typeface="Century Gothic" panose="020B0502020202020204" pitchFamily="34" charset="0"/>
+              </a:rPr>
+              <a:t>  </a:t>
+            </a:r>
+            <a:r>
+              <a:rPr lang="es-CO" sz="2000" dirty="0" err="1">
+                <a:latin typeface="Century Gothic" panose="020B0502020202020204" pitchFamily="34" charset="0"/>
+              </a:rPr>
+              <a:t>Till</a:t>
+            </a:r>
+            <a:r>
+              <a:rPr lang="es-CO" sz="2000" dirty="0">
+                <a:latin typeface="Century Gothic" panose="020B0502020202020204" pitchFamily="34" charset="0"/>
+              </a:rPr>
+              <a:t> van </a:t>
+            </a:r>
+            <a:r>
+              <a:rPr lang="es-CO" sz="2000" dirty="0" err="1">
+                <a:latin typeface="Century Gothic" panose="020B0502020202020204" pitchFamily="34" charset="0"/>
+              </a:rPr>
+              <a:t>Treeck</a:t>
+            </a:r>
+            <a:r>
+              <a:rPr lang="es-CO" sz="2000" dirty="0">
+                <a:latin typeface="Century Gothic" panose="020B0502020202020204" pitchFamily="34" charset="0"/>
+              </a:rPr>
+              <a:t>, 2007. "</a:t>
+            </a:r>
+            <a:r>
+              <a:rPr lang="es-CO" sz="2000" b="1" dirty="0">
+                <a:latin typeface="Century Gothic" panose="020B0502020202020204" pitchFamily="34" charset="0"/>
+                <a:hlinkClick r:id="rId8"/>
+              </a:rPr>
+              <a:t>A </a:t>
+            </a:r>
+            <a:r>
+              <a:rPr lang="es-CO" sz="2000" b="1" dirty="0" err="1">
+                <a:latin typeface="Century Gothic" panose="020B0502020202020204" pitchFamily="34" charset="0"/>
+                <a:hlinkClick r:id="rId8"/>
+              </a:rPr>
+              <a:t>Synthetic</a:t>
+            </a:r>
+            <a:r>
+              <a:rPr lang="es-CO" sz="2000" b="1" dirty="0">
+                <a:latin typeface="Century Gothic" panose="020B0502020202020204" pitchFamily="34" charset="0"/>
+                <a:hlinkClick r:id="rId8"/>
+              </a:rPr>
+              <a:t>, Stock-Flow </a:t>
+            </a:r>
+            <a:r>
+              <a:rPr lang="es-CO" sz="2000" b="1" dirty="0" err="1">
+                <a:latin typeface="Century Gothic" panose="020B0502020202020204" pitchFamily="34" charset="0"/>
+                <a:hlinkClick r:id="rId8"/>
+              </a:rPr>
+              <a:t>Consistent</a:t>
+            </a:r>
+            <a:r>
+              <a:rPr lang="es-CO" sz="2000" b="1" dirty="0">
+                <a:latin typeface="Century Gothic" panose="020B0502020202020204" pitchFamily="34" charset="0"/>
+                <a:hlinkClick r:id="rId8"/>
+              </a:rPr>
+              <a:t> </a:t>
+            </a:r>
+            <a:r>
+              <a:rPr lang="es-CO" sz="2000" b="1" dirty="0" err="1">
+                <a:latin typeface="Century Gothic" panose="020B0502020202020204" pitchFamily="34" charset="0"/>
+                <a:hlinkClick r:id="rId8"/>
+              </a:rPr>
+              <a:t>Macroeconomic</a:t>
+            </a:r>
+            <a:r>
+              <a:rPr lang="es-CO" sz="2000" b="1" dirty="0">
+                <a:latin typeface="Century Gothic" panose="020B0502020202020204" pitchFamily="34" charset="0"/>
+                <a:hlinkClick r:id="rId8"/>
+              </a:rPr>
+              <a:t> </a:t>
+            </a:r>
+            <a:r>
+              <a:rPr lang="es-CO" sz="2000" b="1" dirty="0" err="1">
+                <a:latin typeface="Century Gothic" panose="020B0502020202020204" pitchFamily="34" charset="0"/>
+                <a:hlinkClick r:id="rId8"/>
+              </a:rPr>
+              <a:t>Model</a:t>
+            </a:r>
+            <a:r>
+              <a:rPr lang="es-CO" sz="2000" b="1" dirty="0">
+                <a:latin typeface="Century Gothic" panose="020B0502020202020204" pitchFamily="34" charset="0"/>
+                <a:hlinkClick r:id="rId8"/>
+              </a:rPr>
+              <a:t> </a:t>
+            </a:r>
+            <a:r>
+              <a:rPr lang="es-CO" sz="2000" b="1" dirty="0" err="1">
+                <a:latin typeface="Century Gothic" panose="020B0502020202020204" pitchFamily="34" charset="0"/>
+                <a:hlinkClick r:id="rId8"/>
+              </a:rPr>
+              <a:t>of</a:t>
+            </a:r>
+            <a:r>
+              <a:rPr lang="es-CO" sz="2000" b="1" dirty="0">
+                <a:latin typeface="Century Gothic" panose="020B0502020202020204" pitchFamily="34" charset="0"/>
+                <a:hlinkClick r:id="rId8"/>
+              </a:rPr>
+              <a:t> </a:t>
+            </a:r>
+            <a:r>
+              <a:rPr lang="es-CO" sz="2000" b="1" dirty="0" err="1">
+                <a:latin typeface="Century Gothic" panose="020B0502020202020204" pitchFamily="34" charset="0"/>
+                <a:hlinkClick r:id="rId8"/>
+              </a:rPr>
+              <a:t>Financialisation</a:t>
+            </a:r>
+            <a:r>
+              <a:rPr lang="es-CO" sz="2000" dirty="0">
+                <a:latin typeface="Century Gothic" panose="020B0502020202020204" pitchFamily="34" charset="0"/>
+              </a:rPr>
+              <a:t>," </a:t>
+            </a:r>
+            <a:r>
+              <a:rPr lang="es-CO" sz="2000" dirty="0">
+                <a:latin typeface="Century Gothic" panose="020B0502020202020204" pitchFamily="34" charset="0"/>
+                <a:hlinkClick r:id="rId9"/>
+              </a:rPr>
+              <a:t>IMK </a:t>
+            </a:r>
+            <a:r>
+              <a:rPr lang="es-CO" sz="2000" dirty="0" err="1">
+                <a:latin typeface="Century Gothic" panose="020B0502020202020204" pitchFamily="34" charset="0"/>
+                <a:hlinkClick r:id="rId9"/>
+              </a:rPr>
+              <a:t>Working</a:t>
+            </a:r>
+            <a:r>
+              <a:rPr lang="es-CO" sz="2000" dirty="0">
+                <a:latin typeface="Century Gothic" panose="020B0502020202020204" pitchFamily="34" charset="0"/>
+                <a:hlinkClick r:id="rId9"/>
+              </a:rPr>
+              <a:t> </a:t>
+            </a:r>
+            <a:r>
+              <a:rPr lang="es-CO" sz="2000" dirty="0" err="1">
+                <a:latin typeface="Century Gothic" panose="020B0502020202020204" pitchFamily="34" charset="0"/>
+                <a:hlinkClick r:id="rId9"/>
+              </a:rPr>
+              <a:t>Paper</a:t>
+            </a:r>
+            <a:r>
+              <a:rPr lang="es-CO" sz="2000" dirty="0">
+                <a:latin typeface="Century Gothic" panose="020B0502020202020204" pitchFamily="34" charset="0"/>
+              </a:rPr>
+              <a:t> 06-2007, IMK at </a:t>
+            </a:r>
+            <a:r>
+              <a:rPr lang="es-CO" sz="2000" dirty="0" err="1">
+                <a:latin typeface="Century Gothic" panose="020B0502020202020204" pitchFamily="34" charset="0"/>
+              </a:rPr>
+              <a:t>the</a:t>
+            </a:r>
+            <a:r>
+              <a:rPr lang="es-CO" sz="2000" dirty="0">
+                <a:latin typeface="Century Gothic" panose="020B0502020202020204" pitchFamily="34" charset="0"/>
+              </a:rPr>
+              <a:t> Hans </a:t>
+            </a:r>
+            <a:r>
+              <a:rPr lang="es-CO" sz="2000" dirty="0" err="1">
+                <a:latin typeface="Century Gothic" panose="020B0502020202020204" pitchFamily="34" charset="0"/>
+              </a:rPr>
+              <a:t>Boeckler</a:t>
+            </a:r>
+            <a:r>
+              <a:rPr lang="es-CO" sz="2000" dirty="0">
+                <a:latin typeface="Century Gothic" panose="020B0502020202020204" pitchFamily="34" charset="0"/>
+              </a:rPr>
+              <a:t> </a:t>
+            </a:r>
+            <a:r>
+              <a:rPr lang="es-CO" sz="2000" dirty="0" err="1">
+                <a:latin typeface="Century Gothic" panose="020B0502020202020204" pitchFamily="34" charset="0"/>
+              </a:rPr>
+              <a:t>Foundation</a:t>
+            </a:r>
+            <a:r>
+              <a:rPr lang="es-CO" sz="2000" dirty="0">
+                <a:latin typeface="Century Gothic" panose="020B0502020202020204" pitchFamily="34" charset="0"/>
+              </a:rPr>
+              <a:t>, </a:t>
+            </a:r>
+            <a:r>
+              <a:rPr lang="es-CO" sz="2000" dirty="0" err="1">
+                <a:latin typeface="Century Gothic" panose="020B0502020202020204" pitchFamily="34" charset="0"/>
+              </a:rPr>
+              <a:t>Macroeconomic</a:t>
+            </a:r>
+            <a:r>
+              <a:rPr lang="es-CO" sz="2000" dirty="0">
+                <a:latin typeface="Century Gothic" panose="020B0502020202020204" pitchFamily="34" charset="0"/>
+              </a:rPr>
+              <a:t> </a:t>
+            </a:r>
+            <a:r>
+              <a:rPr lang="es-CO" sz="2000" dirty="0" err="1">
+                <a:latin typeface="Century Gothic" panose="020B0502020202020204" pitchFamily="34" charset="0"/>
+              </a:rPr>
+              <a:t>Policy</a:t>
+            </a:r>
+            <a:r>
+              <a:rPr lang="es-CO" sz="2000" dirty="0">
+                <a:latin typeface="Century Gothic" panose="020B0502020202020204" pitchFamily="34" charset="0"/>
+              </a:rPr>
+              <a:t> </a:t>
+            </a:r>
+            <a:r>
+              <a:rPr lang="es-CO" sz="2000" dirty="0" err="1">
+                <a:latin typeface="Century Gothic" panose="020B0502020202020204" pitchFamily="34" charset="0"/>
+              </a:rPr>
+              <a:t>Institute</a:t>
+            </a:r>
+            <a:r>
+              <a:rPr lang="es-CO" sz="2000" dirty="0">
+                <a:latin typeface="Century Gothic" panose="020B0502020202020204" pitchFamily="34" charset="0"/>
+              </a:rPr>
+              <a:t>.</a:t>
+            </a:r>
+          </a:p>
+          <a:p>
+            <a:pPr marL="0" indent="0" algn="just">
+              <a:buNone/>
+            </a:pPr>
+            <a:endParaRPr lang="es-CO" sz="1800" dirty="0">
+              <a:latin typeface="Century Gothic" panose="020B0502020202020204" pitchFamily="34" charset="0"/>
+            </a:endParaRPr>
+          </a:p>
+        </p:txBody>
+      </p:sp>
+    </p:spTree>
+    <p:extLst>
+      <p:ext uri="{BB962C8B-B14F-4D97-AF65-F5344CB8AC3E}">
+        <p14:creationId xmlns:p14="http://schemas.microsoft.com/office/powerpoint/2010/main" val="4283329658"/>
       </p:ext>
     </p:extLst>
   </p:cSld>
@@ -3765,65 +5514,1568 @@
           <a:chExt cx="0" cy="0"/>
         </a:xfrm>
       </p:grpSpPr>
-      <p:sp>
-        <p:nvSpPr>
-          <p:cNvPr id="2" name="Marcador de contenido 1">
-            <a:extLst>
-              <a:ext uri="{FF2B5EF4-FFF2-40B4-BE49-F238E27FC236}">
-                <a16:creationId xmlns:a16="http://schemas.microsoft.com/office/drawing/2014/main" id="{1E76053E-E553-4C2C-919A-CE7A30FA73F9}"/>
-              </a:ext>
-            </a:extLst>
-          </p:cNvPr>
-          <p:cNvSpPr>
-            <a:spLocks noGrp="1"/>
-          </p:cNvSpPr>
-          <p:nvPr>
-            <p:ph idx="1"/>
-          </p:nvPr>
-        </p:nvSpPr>
-        <p:spPr>
-          <a:xfrm>
-            <a:off x="944251" y="1765169"/>
-            <a:ext cx="10303497" cy="3061355"/>
-          </a:xfrm>
-        </p:spPr>
-        <p:txBody>
-          <a:bodyPr>
-            <a:normAutofit/>
-          </a:bodyPr>
-          <a:lstStyle/>
-          <a:p>
-            <a:pPr marL="0" indent="0" algn="just">
-              <a:buNone/>
-            </a:pPr>
-            <a:endParaRPr lang="en-GB" sz="2000" dirty="0">
-              <a:latin typeface="Century Gothic" panose="020B0502020202020204" pitchFamily="34" charset="0"/>
-            </a:endParaRPr>
-          </a:p>
-          <a:p>
-            <a:pPr marL="0" indent="0" algn="just">
-              <a:buNone/>
-            </a:pPr>
-            <a:endParaRPr lang="en-GB" sz="2000" dirty="0">
-              <a:latin typeface="Century Gothic" panose="020B0502020202020204" pitchFamily="34" charset="0"/>
-            </a:endParaRPr>
-          </a:p>
-          <a:p>
-            <a:pPr marL="0" indent="0" algn="just">
-              <a:buNone/>
-            </a:pPr>
-            <a:endParaRPr lang="en-GB" sz="2000" dirty="0">
-              <a:latin typeface="Century Gothic" panose="020B0502020202020204" pitchFamily="34" charset="0"/>
-            </a:endParaRPr>
-          </a:p>
-          <a:p>
-            <a:pPr algn="just"/>
-            <a:endParaRPr lang="en-GB" sz="2000" dirty="0">
-              <a:latin typeface="Century Gothic" panose="020B0502020202020204" pitchFamily="34" charset="0"/>
-            </a:endParaRPr>
-          </a:p>
-        </p:txBody>
-      </p:sp>
+      <mc:AlternateContent xmlns:mc="http://schemas.openxmlformats.org/markup-compatibility/2006">
+        <mc:Choice xmlns:a14="http://schemas.microsoft.com/office/drawing/2010/main" Requires="a14">
+          <p:sp>
+            <p:nvSpPr>
+              <p:cNvPr id="2" name="Marcador de contenido 1">
+                <a:extLst>
+                  <a:ext uri="{FF2B5EF4-FFF2-40B4-BE49-F238E27FC236}">
+                    <a16:creationId xmlns:a16="http://schemas.microsoft.com/office/drawing/2014/main" id="{1E76053E-E553-4C2C-919A-CE7A30FA73F9}"/>
+                  </a:ext>
+                </a:extLst>
+              </p:cNvPr>
+              <p:cNvSpPr>
+                <a:spLocks noGrp="1"/>
+              </p:cNvSpPr>
+              <p:nvPr>
+                <p:ph idx="1"/>
+              </p:nvPr>
+            </p:nvSpPr>
+            <p:spPr>
+              <a:xfrm>
+                <a:off x="944251" y="1499017"/>
+                <a:ext cx="10303497" cy="4002374"/>
+              </a:xfrm>
+            </p:spPr>
+            <p:txBody>
+              <a:bodyPr>
+                <a:normAutofit/>
+              </a:bodyPr>
+              <a:lstStyle/>
+              <a:p>
+                <a:pPr algn="just"/>
+                <a:r>
+                  <a:rPr lang="en-GB" sz="2000" dirty="0">
+                    <a:latin typeface="Century Gothic" panose="020B0502020202020204" pitchFamily="34" charset="0"/>
+                  </a:rPr>
+                  <a:t>Based on Godin &amp; Yilmaz (2020), FDI is divided into greenfield FDI and non – greenfield FDI.</a:t>
+                </a:r>
+              </a:p>
+              <a:p>
+                <a:pPr marL="0" indent="0" algn="just">
+                  <a:buNone/>
+                </a:pPr>
+                <a14:m>
+                  <m:oMathPara xmlns:m="http://schemas.openxmlformats.org/officeDocument/2006/math">
+                    <m:oMathParaPr>
+                      <m:jc m:val="centerGroup"/>
+                    </m:oMathParaPr>
+                    <m:oMath xmlns:m="http://schemas.openxmlformats.org/officeDocument/2006/math">
+                      <m:r>
+                        <a:rPr lang="es-CO" sz="1800" i="1" smtClean="0">
+                          <a:effectLst/>
+                          <a:latin typeface="Cambria Math" panose="02040503050406030204" pitchFamily="18" charset="0"/>
+                          <a:ea typeface="Times New Roman" panose="02020603050405020304" pitchFamily="18" charset="0"/>
+                          <a:cs typeface="Times New Roman" panose="02020603050405020304" pitchFamily="18" charset="0"/>
+                        </a:rPr>
+                        <m:t>𝐹𝐷𝐼</m:t>
+                      </m:r>
+                      <m:r>
+                        <a:rPr lang="es-CO" sz="1800" i="1" smtClean="0">
+                          <a:effectLst/>
+                          <a:latin typeface="Cambria Math" panose="02040503050406030204" pitchFamily="18" charset="0"/>
+                          <a:ea typeface="Times New Roman" panose="02020603050405020304" pitchFamily="18" charset="0"/>
+                          <a:cs typeface="Times New Roman" panose="02020603050405020304" pitchFamily="18" charset="0"/>
+                        </a:rPr>
+                        <m:t>=</m:t>
+                      </m:r>
+                      <m:r>
+                        <a:rPr lang="es-CO" sz="1800" i="1" smtClean="0">
+                          <a:effectLst/>
+                          <a:latin typeface="Cambria Math" panose="02040503050406030204" pitchFamily="18" charset="0"/>
+                          <a:ea typeface="Times New Roman" panose="02020603050405020304" pitchFamily="18" charset="0"/>
+                          <a:cs typeface="Times New Roman" panose="02020603050405020304" pitchFamily="18" charset="0"/>
+                        </a:rPr>
+                        <m:t>𝐹𝐷</m:t>
+                      </m:r>
+                      <m:sSup>
+                        <m:sSupPr>
+                          <m:ctrlPr>
+                            <a:rPr lang="es-CO" sz="1800" i="1">
+                              <a:effectLst/>
+                              <a:latin typeface="Cambria Math" panose="02040503050406030204" pitchFamily="18" charset="0"/>
+                              <a:ea typeface="Times New Roman" panose="02020603050405020304" pitchFamily="18" charset="0"/>
+                              <a:cs typeface="Times New Roman" panose="02020603050405020304" pitchFamily="18" charset="0"/>
+                            </a:rPr>
+                          </m:ctrlPr>
+                        </m:sSupPr>
+                        <m:e>
+                          <m:r>
+                            <a:rPr lang="es-CO" sz="1800" i="1">
+                              <a:effectLst/>
+                              <a:latin typeface="Cambria Math" panose="02040503050406030204" pitchFamily="18" charset="0"/>
+                              <a:ea typeface="Times New Roman" panose="02020603050405020304" pitchFamily="18" charset="0"/>
+                              <a:cs typeface="Times New Roman" panose="02020603050405020304" pitchFamily="18" charset="0"/>
+                            </a:rPr>
+                            <m:t>𝐼</m:t>
+                          </m:r>
+                        </m:e>
+                        <m:sup>
+                          <m:r>
+                            <a:rPr lang="es-CO" sz="1800" i="1">
+                              <a:effectLst/>
+                              <a:latin typeface="Cambria Math" panose="02040503050406030204" pitchFamily="18" charset="0"/>
+                              <a:ea typeface="Times New Roman" panose="02020603050405020304" pitchFamily="18" charset="0"/>
+                              <a:cs typeface="Times New Roman" panose="02020603050405020304" pitchFamily="18" charset="0"/>
+                            </a:rPr>
+                            <m:t>𝐺</m:t>
+                          </m:r>
+                        </m:sup>
+                      </m:sSup>
+                      <m:r>
+                        <a:rPr lang="es-CO" sz="1800" i="1">
+                          <a:effectLst/>
+                          <a:latin typeface="Cambria Math" panose="02040503050406030204" pitchFamily="18" charset="0"/>
+                          <a:ea typeface="Times New Roman" panose="02020603050405020304" pitchFamily="18" charset="0"/>
+                          <a:cs typeface="Times New Roman" panose="02020603050405020304" pitchFamily="18" charset="0"/>
+                        </a:rPr>
+                        <m:t>+</m:t>
+                      </m:r>
+                      <m:r>
+                        <a:rPr lang="es-CO" sz="1800" i="1">
+                          <a:effectLst/>
+                          <a:latin typeface="Cambria Math" panose="02040503050406030204" pitchFamily="18" charset="0"/>
+                          <a:ea typeface="Times New Roman" panose="02020603050405020304" pitchFamily="18" charset="0"/>
+                          <a:cs typeface="Times New Roman" panose="02020603050405020304" pitchFamily="18" charset="0"/>
+                        </a:rPr>
+                        <m:t>𝐹𝐷</m:t>
+                      </m:r>
+                      <m:sSup>
+                        <m:sSupPr>
+                          <m:ctrlPr>
+                            <a:rPr lang="es-CO" sz="1800" i="1">
+                              <a:effectLst/>
+                              <a:latin typeface="Cambria Math" panose="02040503050406030204" pitchFamily="18" charset="0"/>
+                              <a:ea typeface="Times New Roman" panose="02020603050405020304" pitchFamily="18" charset="0"/>
+                              <a:cs typeface="Times New Roman" panose="02020603050405020304" pitchFamily="18" charset="0"/>
+                            </a:rPr>
+                          </m:ctrlPr>
+                        </m:sSupPr>
+                        <m:e>
+                          <m:r>
+                            <a:rPr lang="es-CO" sz="1800" i="1">
+                              <a:effectLst/>
+                              <a:latin typeface="Cambria Math" panose="02040503050406030204" pitchFamily="18" charset="0"/>
+                              <a:ea typeface="Times New Roman" panose="02020603050405020304" pitchFamily="18" charset="0"/>
+                              <a:cs typeface="Times New Roman" panose="02020603050405020304" pitchFamily="18" charset="0"/>
+                            </a:rPr>
+                            <m:t>𝐼</m:t>
+                          </m:r>
+                        </m:e>
+                        <m:sup>
+                          <m:r>
+                            <a:rPr lang="es-CO" sz="1800" i="1">
+                              <a:effectLst/>
+                              <a:latin typeface="Cambria Math" panose="02040503050406030204" pitchFamily="18" charset="0"/>
+                              <a:ea typeface="Times New Roman" panose="02020603050405020304" pitchFamily="18" charset="0"/>
+                              <a:cs typeface="Times New Roman" panose="02020603050405020304" pitchFamily="18" charset="0"/>
+                            </a:rPr>
+                            <m:t>𝑃</m:t>
+                          </m:r>
+                        </m:sup>
+                      </m:sSup>
+                      <m:r>
+                        <a:rPr lang="es-CO" sz="1800" i="1">
+                          <a:effectLst/>
+                          <a:latin typeface="Cambria Math" panose="02040503050406030204" pitchFamily="18" charset="0"/>
+                          <a:ea typeface="Times New Roman" panose="02020603050405020304" pitchFamily="18" charset="0"/>
+                          <a:cs typeface="Times New Roman" panose="02020603050405020304" pitchFamily="18" charset="0"/>
+                        </a:rPr>
+                        <m:t>   (1)</m:t>
+                      </m:r>
+                    </m:oMath>
+                  </m:oMathPara>
+                </a14:m>
+                <a:endParaRPr lang="en-GB" sz="2000" dirty="0">
+                  <a:latin typeface="Century Gothic" panose="020B0502020202020204" pitchFamily="34" charset="0"/>
+                </a:endParaRPr>
+              </a:p>
+              <a:p>
+                <a:pPr marL="0" indent="0" algn="just">
+                  <a:buNone/>
+                </a:pPr>
+                <a:endParaRPr lang="en-GB" sz="2000" dirty="0">
+                  <a:latin typeface="Century Gothic" panose="020B0502020202020204" pitchFamily="34" charset="0"/>
+                </a:endParaRPr>
+              </a:p>
+              <a:p>
+                <a:pPr algn="just"/>
+                <a:r>
+                  <a:rPr lang="en-GB" sz="2000" dirty="0">
+                    <a:latin typeface="Century Gothic" panose="020B0502020202020204" pitchFamily="34" charset="0"/>
+                  </a:rPr>
+                  <a:t>Greenfield FDI is added directly to the realized real investment equation while  non – greenfield FDI </a:t>
+                </a:r>
+                <a:r>
+                  <a:rPr lang="en-GB" sz="2000" dirty="0">
+                    <a:effectLst/>
+                    <a:latin typeface="Century Gothic" panose="020B0502020202020204" pitchFamily="34" charset="0"/>
+                    <a:ea typeface="Times New Roman" panose="02020603050405020304" pitchFamily="18" charset="0"/>
+                  </a:rPr>
+                  <a:t>is not a source of new physical capital accumulation but rather a source of funding for firms and banks. </a:t>
+                </a:r>
+                <a:r>
+                  <a:rPr lang="en-GB" sz="2000" dirty="0">
+                    <a:latin typeface="Century Gothic" panose="020B0502020202020204" pitchFamily="34" charset="0"/>
+                  </a:rPr>
+                  <a:t> </a:t>
+                </a:r>
+              </a:p>
+              <a:p>
+                <a:pPr marL="0" indent="0" algn="just">
+                  <a:buNone/>
+                </a:pPr>
+                <a14:m>
+                  <m:oMathPara xmlns:m="http://schemas.openxmlformats.org/officeDocument/2006/math">
+                    <m:oMathParaPr>
+                      <m:jc m:val="centerGroup"/>
+                    </m:oMathParaPr>
+                    <m:oMath xmlns:m="http://schemas.openxmlformats.org/officeDocument/2006/math">
+                      <m:sSup>
+                        <m:sSupPr>
+                          <m:ctrlPr>
+                            <a:rPr lang="es-CO" sz="1800" i="1">
+                              <a:latin typeface="Cambria Math" panose="02040503050406030204" pitchFamily="18" charset="0"/>
+                              <a:ea typeface="Times New Roman" panose="02020603050405020304" pitchFamily="18" charset="0"/>
+                              <a:cs typeface="Times New Roman" panose="02020603050405020304" pitchFamily="18" charset="0"/>
+                            </a:rPr>
+                          </m:ctrlPr>
+                        </m:sSupPr>
+                        <m:e>
+                          <m:r>
+                            <a:rPr lang="en-GB" sz="1800" i="1">
+                              <a:latin typeface="Cambria Math" panose="02040503050406030204" pitchFamily="18" charset="0"/>
+                              <a:ea typeface="Times New Roman" panose="02020603050405020304" pitchFamily="18" charset="0"/>
+                              <a:cs typeface="Times New Roman" panose="02020603050405020304" pitchFamily="18" charset="0"/>
+                            </a:rPr>
+                            <m:t>𝐼</m:t>
+                          </m:r>
+                        </m:e>
+                        <m:sup>
+                          <m:r>
+                            <a:rPr lang="en-GB" sz="1800" i="1">
+                              <a:latin typeface="Cambria Math" panose="02040503050406030204" pitchFamily="18" charset="0"/>
+                              <a:ea typeface="Times New Roman" panose="02020603050405020304" pitchFamily="18" charset="0"/>
+                              <a:cs typeface="Times New Roman" panose="02020603050405020304" pitchFamily="18" charset="0"/>
+                            </a:rPr>
+                            <m:t>𝐾</m:t>
+                          </m:r>
+                        </m:sup>
+                      </m:sSup>
+                      <m:r>
+                        <a:rPr lang="en-GB" sz="1800" i="1">
+                          <a:latin typeface="Cambria Math" panose="02040503050406030204" pitchFamily="18" charset="0"/>
+                          <a:ea typeface="Times New Roman" panose="02020603050405020304" pitchFamily="18" charset="0"/>
+                          <a:cs typeface="Times New Roman" panose="02020603050405020304" pitchFamily="18" charset="0"/>
+                        </a:rPr>
+                        <m:t>=</m:t>
+                      </m:r>
+                      <m:sSup>
+                        <m:sSupPr>
+                          <m:ctrlPr>
+                            <a:rPr lang="es-CO" sz="1800" i="1">
+                              <a:latin typeface="Cambria Math" panose="02040503050406030204" pitchFamily="18" charset="0"/>
+                              <a:ea typeface="Times New Roman" panose="02020603050405020304" pitchFamily="18" charset="0"/>
+                              <a:cs typeface="Times New Roman" panose="02020603050405020304" pitchFamily="18" charset="0"/>
+                            </a:rPr>
+                          </m:ctrlPr>
+                        </m:sSupPr>
+                        <m:e>
+                          <m:r>
+                            <a:rPr lang="en-GB" sz="1800" i="1">
+                              <a:latin typeface="Cambria Math" panose="02040503050406030204" pitchFamily="18" charset="0"/>
+                              <a:ea typeface="Times New Roman" panose="02020603050405020304" pitchFamily="18" charset="0"/>
+                              <a:cs typeface="Times New Roman" panose="02020603050405020304" pitchFamily="18" charset="0"/>
+                            </a:rPr>
+                            <m:t>𝐼</m:t>
+                          </m:r>
+                        </m:e>
+                        <m:sup>
+                          <m:r>
+                            <a:rPr lang="en-GB" sz="1800" i="1">
+                              <a:latin typeface="Cambria Math" panose="02040503050406030204" pitchFamily="18" charset="0"/>
+                              <a:ea typeface="Times New Roman" panose="02020603050405020304" pitchFamily="18" charset="0"/>
+                              <a:cs typeface="Times New Roman" panose="02020603050405020304" pitchFamily="18" charset="0"/>
+                            </a:rPr>
+                            <m:t>𝐷</m:t>
+                          </m:r>
+                        </m:sup>
+                      </m:sSup>
+                      <m:r>
+                        <a:rPr lang="en-GB" sz="1800" i="1">
+                          <a:latin typeface="Cambria Math" panose="02040503050406030204" pitchFamily="18" charset="0"/>
+                          <a:ea typeface="Times New Roman" panose="02020603050405020304" pitchFamily="18" charset="0"/>
+                          <a:cs typeface="Times New Roman" panose="02020603050405020304" pitchFamily="18" charset="0"/>
+                        </a:rPr>
+                        <m:t>+</m:t>
+                      </m:r>
+                      <m:f>
+                        <m:fPr>
+                          <m:ctrlPr>
+                            <a:rPr lang="es-CO" sz="1800" i="1">
+                              <a:latin typeface="Cambria Math" panose="02040503050406030204" pitchFamily="18" charset="0"/>
+                              <a:ea typeface="Times New Roman" panose="02020603050405020304" pitchFamily="18" charset="0"/>
+                              <a:cs typeface="Times New Roman" panose="02020603050405020304" pitchFamily="18" charset="0"/>
+                            </a:rPr>
+                          </m:ctrlPr>
+                        </m:fPr>
+                        <m:num>
+                          <m:r>
+                            <a:rPr lang="en-GB" sz="1800" i="1">
+                              <a:latin typeface="Cambria Math" panose="02040503050406030204" pitchFamily="18" charset="0"/>
+                              <a:ea typeface="Times New Roman" panose="02020603050405020304" pitchFamily="18" charset="0"/>
+                              <a:cs typeface="Times New Roman" panose="02020603050405020304" pitchFamily="18" charset="0"/>
+                            </a:rPr>
+                            <m:t>𝐹𝐷</m:t>
+                          </m:r>
+                          <m:sSup>
+                            <m:sSupPr>
+                              <m:ctrlPr>
+                                <a:rPr lang="es-CO" sz="1800" i="1">
+                                  <a:latin typeface="Cambria Math" panose="02040503050406030204" pitchFamily="18" charset="0"/>
+                                  <a:ea typeface="Times New Roman" panose="02020603050405020304" pitchFamily="18" charset="0"/>
+                                  <a:cs typeface="Times New Roman" panose="02020603050405020304" pitchFamily="18" charset="0"/>
+                                </a:rPr>
+                              </m:ctrlPr>
+                            </m:sSupPr>
+                            <m:e>
+                              <m:r>
+                                <a:rPr lang="en-GB" sz="1800" i="1">
+                                  <a:latin typeface="Cambria Math" panose="02040503050406030204" pitchFamily="18" charset="0"/>
+                                  <a:ea typeface="Times New Roman" panose="02020603050405020304" pitchFamily="18" charset="0"/>
+                                  <a:cs typeface="Times New Roman" panose="02020603050405020304" pitchFamily="18" charset="0"/>
+                                </a:rPr>
+                                <m:t>𝐼</m:t>
+                              </m:r>
+                            </m:e>
+                            <m:sup>
+                              <m:r>
+                                <a:rPr lang="en-GB" sz="1800" i="1">
+                                  <a:latin typeface="Cambria Math" panose="02040503050406030204" pitchFamily="18" charset="0"/>
+                                  <a:ea typeface="Times New Roman" panose="02020603050405020304" pitchFamily="18" charset="0"/>
+                                  <a:cs typeface="Times New Roman" panose="02020603050405020304" pitchFamily="18" charset="0"/>
+                                </a:rPr>
+                                <m:t>𝐺</m:t>
+                              </m:r>
+                            </m:sup>
+                          </m:sSup>
+                          <m:r>
+                            <a:rPr lang="en-GB" sz="1800" i="1">
+                              <a:latin typeface="Cambria Math" panose="02040503050406030204" pitchFamily="18" charset="0"/>
+                              <a:ea typeface="Times New Roman" panose="02020603050405020304" pitchFamily="18" charset="0"/>
+                              <a:cs typeface="Times New Roman" panose="02020603050405020304" pitchFamily="18" charset="0"/>
+                            </a:rPr>
+                            <m:t> </m:t>
+                          </m:r>
+                          <m:r>
+                            <a:rPr lang="en-GB" sz="1800" i="1">
+                              <a:latin typeface="Cambria Math" panose="02040503050406030204" pitchFamily="18" charset="0"/>
+                              <a:ea typeface="Calibri" panose="020F0502020204030204" pitchFamily="34" charset="0"/>
+                              <a:cs typeface="Times New Roman" panose="02020603050405020304" pitchFamily="18" charset="0"/>
+                            </a:rPr>
+                            <m:t>⋅</m:t>
+                          </m:r>
+                          <m:sSup>
+                            <m:sSupPr>
+                              <m:ctrlPr>
+                                <a:rPr lang="es-CO" sz="1800" i="1">
+                                  <a:latin typeface="Cambria Math" panose="02040503050406030204" pitchFamily="18" charset="0"/>
+                                  <a:ea typeface="Calibri" panose="020F0502020204030204" pitchFamily="34" charset="0"/>
+                                  <a:cs typeface="Times New Roman" panose="02020603050405020304" pitchFamily="18" charset="0"/>
+                                </a:rPr>
+                              </m:ctrlPr>
+                            </m:sSupPr>
+                            <m:e>
+                              <m:r>
+                                <a:rPr lang="en-GB" sz="1800" i="1">
+                                  <a:latin typeface="Cambria Math" panose="02040503050406030204" pitchFamily="18" charset="0"/>
+                                  <a:ea typeface="Calibri" panose="020F0502020204030204" pitchFamily="34" charset="0"/>
+                                  <a:cs typeface="Times New Roman" panose="02020603050405020304" pitchFamily="18" charset="0"/>
+                                </a:rPr>
+                                <m:t>𝑒</m:t>
+                              </m:r>
+                            </m:e>
+                            <m:sup>
+                              <m:r>
+                                <a:rPr lang="en-GB" sz="1800" i="1">
+                                  <a:latin typeface="Cambria Math" panose="02040503050406030204" pitchFamily="18" charset="0"/>
+                                  <a:ea typeface="Calibri" panose="020F0502020204030204" pitchFamily="34" charset="0"/>
+                                  <a:cs typeface="Times New Roman" panose="02020603050405020304" pitchFamily="18" charset="0"/>
+                                </a:rPr>
+                                <m:t>𝑁</m:t>
+                              </m:r>
+                            </m:sup>
+                          </m:sSup>
+                        </m:num>
+                        <m:den>
+                          <m:r>
+                            <a:rPr lang="en-GB" sz="1800" i="1">
+                              <a:latin typeface="Cambria Math" panose="02040503050406030204" pitchFamily="18" charset="0"/>
+                              <a:ea typeface="Times New Roman" panose="02020603050405020304" pitchFamily="18" charset="0"/>
+                              <a:cs typeface="Times New Roman" panose="02020603050405020304" pitchFamily="18" charset="0"/>
+                            </a:rPr>
+                            <m:t>𝑝</m:t>
+                          </m:r>
+                        </m:den>
+                      </m:f>
+                      <m:r>
+                        <a:rPr lang="en-GB" sz="1800" i="1">
+                          <a:latin typeface="Cambria Math" panose="02040503050406030204" pitchFamily="18" charset="0"/>
+                          <a:ea typeface="Times New Roman" panose="02020603050405020304" pitchFamily="18" charset="0"/>
+                          <a:cs typeface="Times New Roman" panose="02020603050405020304" pitchFamily="18" charset="0"/>
+                        </a:rPr>
+                        <m:t>        (2)</m:t>
+                      </m:r>
+                    </m:oMath>
+                  </m:oMathPara>
+                </a14:m>
+                <a:endParaRPr lang="en-GB" sz="2000" dirty="0">
+                  <a:latin typeface="Century Gothic" panose="020B0502020202020204" pitchFamily="34" charset="0"/>
+                </a:endParaRPr>
+              </a:p>
+              <a:p>
+                <a:pPr marL="0" indent="0" algn="just">
+                  <a:lnSpc>
+                    <a:spcPct val="150000"/>
+                  </a:lnSpc>
+                  <a:spcAft>
+                    <a:spcPts val="800"/>
+                  </a:spcAft>
+                  <a:buNone/>
+                </a:pPr>
+                <a14:m>
+                  <m:oMathPara xmlns:m="http://schemas.openxmlformats.org/officeDocument/2006/math">
+                    <m:oMathParaPr>
+                      <m:jc m:val="centerGroup"/>
+                    </m:oMathParaPr>
+                    <m:oMath xmlns:m="http://schemas.openxmlformats.org/officeDocument/2006/math">
+                      <m:r>
+                        <a:rPr lang="en-GB" sz="1800" i="1" smtClean="0">
+                          <a:effectLst/>
+                          <a:latin typeface="Cambria Math" panose="02040503050406030204" pitchFamily="18" charset="0"/>
+                          <a:ea typeface="Times New Roman" panose="02020603050405020304" pitchFamily="18" charset="0"/>
+                          <a:cs typeface="Times New Roman" panose="02020603050405020304" pitchFamily="18" charset="0"/>
+                        </a:rPr>
+                        <m:t>𝑇𝐹</m:t>
+                      </m:r>
+                      <m:sSub>
+                        <m:sSubPr>
+                          <m:ctrlPr>
+                            <a:rPr lang="es-CO" sz="1800" i="1">
+                              <a:effectLst/>
+                              <a:latin typeface="Cambria Math" panose="02040503050406030204" pitchFamily="18" charset="0"/>
+                              <a:ea typeface="Times New Roman" panose="02020603050405020304" pitchFamily="18" charset="0"/>
+                              <a:cs typeface="Times New Roman" panose="02020603050405020304" pitchFamily="18" charset="0"/>
+                            </a:rPr>
+                          </m:ctrlPr>
+                        </m:sSubPr>
+                        <m:e>
+                          <m:r>
+                            <a:rPr lang="en-GB" sz="1800" i="1">
+                              <a:effectLst/>
+                              <a:latin typeface="Cambria Math" panose="02040503050406030204" pitchFamily="18" charset="0"/>
+                              <a:ea typeface="Times New Roman" panose="02020603050405020304" pitchFamily="18" charset="0"/>
+                              <a:cs typeface="Times New Roman" panose="02020603050405020304" pitchFamily="18" charset="0"/>
+                            </a:rPr>
+                            <m:t>𝑁</m:t>
+                          </m:r>
+                        </m:e>
+                        <m:sub>
+                          <m:r>
+                            <a:rPr lang="en-GB" sz="1800" i="1">
+                              <a:effectLst/>
+                              <a:latin typeface="Cambria Math" panose="02040503050406030204" pitchFamily="18" charset="0"/>
+                              <a:ea typeface="Times New Roman" panose="02020603050405020304" pitchFamily="18" charset="0"/>
+                              <a:cs typeface="Times New Roman" panose="02020603050405020304" pitchFamily="18" charset="0"/>
+                            </a:rPr>
+                            <m:t>𝐹</m:t>
+                          </m:r>
+                        </m:sub>
+                      </m:sSub>
+                      <m:r>
+                        <a:rPr lang="en-GB" sz="1800" i="1">
+                          <a:effectLst/>
+                          <a:latin typeface="Cambria Math" panose="02040503050406030204" pitchFamily="18" charset="0"/>
+                          <a:ea typeface="Times New Roman" panose="02020603050405020304" pitchFamily="18" charset="0"/>
+                          <a:cs typeface="Times New Roman" panose="02020603050405020304" pitchFamily="18" charset="0"/>
+                        </a:rPr>
+                        <m:t>=</m:t>
+                      </m:r>
+                      <m:r>
+                        <a:rPr lang="en-GB" sz="1800" i="1">
+                          <a:effectLst/>
+                          <a:latin typeface="Cambria Math" panose="02040503050406030204" pitchFamily="18" charset="0"/>
+                          <a:ea typeface="Times New Roman" panose="02020603050405020304" pitchFamily="18" charset="0"/>
+                          <a:cs typeface="Times New Roman" panose="02020603050405020304" pitchFamily="18" charset="0"/>
+                        </a:rPr>
+                        <m:t>𝑝</m:t>
+                      </m:r>
+                      <m:r>
+                        <a:rPr lang="en-GB" sz="1800" i="1">
+                          <a:effectLst/>
+                          <a:latin typeface="Cambria Math" panose="02040503050406030204" pitchFamily="18" charset="0"/>
+                          <a:ea typeface="Calibri" panose="020F0502020204030204" pitchFamily="34" charset="0"/>
+                          <a:cs typeface="Times New Roman" panose="02020603050405020304" pitchFamily="18" charset="0"/>
+                        </a:rPr>
+                        <m:t>⋅</m:t>
+                      </m:r>
+                      <m:sSup>
+                        <m:sSupPr>
+                          <m:ctrlPr>
+                            <a:rPr lang="es-CO" sz="1800" i="1">
+                              <a:effectLst/>
+                              <a:latin typeface="Cambria Math" panose="02040503050406030204" pitchFamily="18" charset="0"/>
+                              <a:ea typeface="Calibri" panose="020F0502020204030204" pitchFamily="34" charset="0"/>
+                              <a:cs typeface="Times New Roman" panose="02020603050405020304" pitchFamily="18" charset="0"/>
+                            </a:rPr>
+                          </m:ctrlPr>
+                        </m:sSupPr>
+                        <m:e>
+                          <m:r>
+                            <a:rPr lang="en-GB" sz="1800" i="1">
+                              <a:effectLst/>
+                              <a:latin typeface="Cambria Math" panose="02040503050406030204" pitchFamily="18" charset="0"/>
+                              <a:ea typeface="Calibri" panose="020F0502020204030204" pitchFamily="34" charset="0"/>
+                              <a:cs typeface="Times New Roman" panose="02020603050405020304" pitchFamily="18" charset="0"/>
+                            </a:rPr>
+                            <m:t>𝐼</m:t>
+                          </m:r>
+                        </m:e>
+                        <m:sup>
+                          <m:r>
+                            <a:rPr lang="en-GB" sz="1800" i="1">
+                              <a:effectLst/>
+                              <a:latin typeface="Cambria Math" panose="02040503050406030204" pitchFamily="18" charset="0"/>
+                              <a:ea typeface="Calibri" panose="020F0502020204030204" pitchFamily="34" charset="0"/>
+                              <a:cs typeface="Times New Roman" panose="02020603050405020304" pitchFamily="18" charset="0"/>
+                            </a:rPr>
+                            <m:t>𝐾</m:t>
+                          </m:r>
+                        </m:sup>
+                      </m:sSup>
+                      <m:r>
+                        <a:rPr lang="en-GB" sz="1800" i="1">
+                          <a:effectLst/>
+                          <a:latin typeface="Cambria Math" panose="02040503050406030204" pitchFamily="18" charset="0"/>
+                          <a:ea typeface="Calibri" panose="020F0502020204030204" pitchFamily="34" charset="0"/>
+                          <a:cs typeface="Times New Roman" panose="02020603050405020304" pitchFamily="18" charset="0"/>
+                        </a:rPr>
+                        <m:t>−</m:t>
+                      </m:r>
+                      <m:r>
+                        <a:rPr lang="en-GB" sz="1800" i="1">
+                          <a:effectLst/>
+                          <a:latin typeface="Cambria Math" panose="02040503050406030204" pitchFamily="18" charset="0"/>
+                          <a:ea typeface="Calibri" panose="020F0502020204030204" pitchFamily="34" charset="0"/>
+                          <a:cs typeface="Times New Roman" panose="02020603050405020304" pitchFamily="18" charset="0"/>
+                        </a:rPr>
+                        <m:t>𝑅</m:t>
+                      </m:r>
+                      <m:sSub>
+                        <m:sSubPr>
+                          <m:ctrlPr>
+                            <a:rPr lang="es-CO" sz="1800" i="1">
+                              <a:effectLst/>
+                              <a:latin typeface="Cambria Math" panose="02040503050406030204" pitchFamily="18" charset="0"/>
+                              <a:ea typeface="Calibri" panose="020F0502020204030204" pitchFamily="34" charset="0"/>
+                              <a:cs typeface="Times New Roman" panose="02020603050405020304" pitchFamily="18" charset="0"/>
+                            </a:rPr>
+                          </m:ctrlPr>
+                        </m:sSubPr>
+                        <m:e>
+                          <m:r>
+                            <a:rPr lang="en-GB" sz="1800" i="1">
+                              <a:effectLst/>
+                              <a:latin typeface="Cambria Math" panose="02040503050406030204" pitchFamily="18" charset="0"/>
+                              <a:ea typeface="Calibri" panose="020F0502020204030204" pitchFamily="34" charset="0"/>
+                              <a:cs typeface="Times New Roman" panose="02020603050405020304" pitchFamily="18" charset="0"/>
+                            </a:rPr>
+                            <m:t>𝐸</m:t>
+                          </m:r>
+                        </m:e>
+                        <m:sub>
+                          <m:r>
+                            <a:rPr lang="en-GB" sz="1800" i="1">
+                              <a:effectLst/>
+                              <a:latin typeface="Cambria Math" panose="02040503050406030204" pitchFamily="18" charset="0"/>
+                              <a:ea typeface="Calibri" panose="020F0502020204030204" pitchFamily="34" charset="0"/>
+                              <a:cs typeface="Times New Roman" panose="02020603050405020304" pitchFamily="18" charset="0"/>
+                            </a:rPr>
+                            <m:t>𝐹</m:t>
+                          </m:r>
+                        </m:sub>
+                      </m:sSub>
+                      <m:r>
+                        <a:rPr lang="en-GB" sz="1800" i="1">
+                          <a:effectLst/>
+                          <a:latin typeface="Cambria Math" panose="02040503050406030204" pitchFamily="18" charset="0"/>
+                          <a:ea typeface="Calibri" panose="020F0502020204030204" pitchFamily="34" charset="0"/>
+                          <a:cs typeface="Times New Roman" panose="02020603050405020304" pitchFamily="18" charset="0"/>
+                        </a:rPr>
+                        <m:t>− </m:t>
+                      </m:r>
+                      <m:sSub>
+                        <m:sSubPr>
+                          <m:ctrlPr>
+                            <a:rPr lang="es-CO" sz="1800" i="1">
+                              <a:effectLst/>
+                              <a:latin typeface="Cambria Math" panose="02040503050406030204" pitchFamily="18" charset="0"/>
+                              <a:ea typeface="Calibri" panose="020F0502020204030204" pitchFamily="34" charset="0"/>
+                              <a:cs typeface="Times New Roman" panose="02020603050405020304" pitchFamily="18" charset="0"/>
+                            </a:rPr>
+                          </m:ctrlPr>
+                        </m:sSubPr>
+                        <m:e>
+                          <m:r>
+                            <a:rPr lang="en-GB" sz="1800" i="1">
+                              <a:effectLst/>
+                              <a:latin typeface="Cambria Math" panose="02040503050406030204" pitchFamily="18" charset="0"/>
+                              <a:ea typeface="Calibri" panose="020F0502020204030204" pitchFamily="34" charset="0"/>
+                              <a:cs typeface="Times New Roman" panose="02020603050405020304" pitchFamily="18" charset="0"/>
+                            </a:rPr>
+                            <m:t>𝜉</m:t>
+                          </m:r>
+                        </m:e>
+                        <m:sub>
+                          <m:r>
+                            <a:rPr lang="en-GB" sz="1800" i="1">
+                              <a:effectLst/>
+                              <a:latin typeface="Cambria Math" panose="02040503050406030204" pitchFamily="18" charset="0"/>
+                              <a:ea typeface="Calibri" panose="020F0502020204030204" pitchFamily="34" charset="0"/>
+                              <a:cs typeface="Times New Roman" panose="02020603050405020304" pitchFamily="18" charset="0"/>
+                            </a:rPr>
+                            <m:t>𝐹</m:t>
+                          </m:r>
+                        </m:sub>
+                      </m:sSub>
+                      <m:r>
+                        <a:rPr lang="en-GB" sz="1800" i="1">
+                          <a:effectLst/>
+                          <a:latin typeface="Cambria Math" panose="02040503050406030204" pitchFamily="18" charset="0"/>
+                          <a:ea typeface="Calibri" panose="020F0502020204030204" pitchFamily="34" charset="0"/>
+                          <a:cs typeface="Times New Roman" panose="02020603050405020304" pitchFamily="18" charset="0"/>
+                        </a:rPr>
+                        <m:t>⋅</m:t>
+                      </m:r>
+                      <m:r>
+                        <a:rPr lang="en-GB" sz="1800" i="1">
+                          <a:effectLst/>
+                          <a:latin typeface="Cambria Math" panose="02040503050406030204" pitchFamily="18" charset="0"/>
+                          <a:ea typeface="Calibri" panose="020F0502020204030204" pitchFamily="34" charset="0"/>
+                          <a:cs typeface="Times New Roman" panose="02020603050405020304" pitchFamily="18" charset="0"/>
+                        </a:rPr>
+                        <m:t>𝐹𝐷</m:t>
+                      </m:r>
+                      <m:sSup>
+                        <m:sSupPr>
+                          <m:ctrlPr>
+                            <a:rPr lang="es-CO" sz="1800" i="1">
+                              <a:effectLst/>
+                              <a:latin typeface="Cambria Math" panose="02040503050406030204" pitchFamily="18" charset="0"/>
+                              <a:ea typeface="Calibri" panose="020F0502020204030204" pitchFamily="34" charset="0"/>
+                              <a:cs typeface="Times New Roman" panose="02020603050405020304" pitchFamily="18" charset="0"/>
+                            </a:rPr>
+                          </m:ctrlPr>
+                        </m:sSupPr>
+                        <m:e>
+                          <m:r>
+                            <a:rPr lang="en-GB" sz="1800" i="1">
+                              <a:effectLst/>
+                              <a:latin typeface="Cambria Math" panose="02040503050406030204" pitchFamily="18" charset="0"/>
+                              <a:ea typeface="Calibri" panose="020F0502020204030204" pitchFamily="34" charset="0"/>
+                              <a:cs typeface="Times New Roman" panose="02020603050405020304" pitchFamily="18" charset="0"/>
+                            </a:rPr>
+                            <m:t>𝐼</m:t>
+                          </m:r>
+                        </m:e>
+                        <m:sup>
+                          <m:r>
+                            <a:rPr lang="en-GB" sz="1800" i="1">
+                              <a:effectLst/>
+                              <a:latin typeface="Cambria Math" panose="02040503050406030204" pitchFamily="18" charset="0"/>
+                              <a:ea typeface="Calibri" panose="020F0502020204030204" pitchFamily="34" charset="0"/>
+                              <a:cs typeface="Times New Roman" panose="02020603050405020304" pitchFamily="18" charset="0"/>
+                            </a:rPr>
+                            <m:t>𝑃</m:t>
+                          </m:r>
+                        </m:sup>
+                      </m:sSup>
+                      <m:r>
+                        <a:rPr lang="en-GB" sz="1800" i="1">
+                          <a:effectLst/>
+                          <a:latin typeface="Cambria Math" panose="02040503050406030204" pitchFamily="18" charset="0"/>
+                          <a:ea typeface="Calibri" panose="020F0502020204030204" pitchFamily="34" charset="0"/>
+                          <a:cs typeface="Times New Roman" panose="02020603050405020304" pitchFamily="18" charset="0"/>
+                        </a:rPr>
+                        <m:t>⋅</m:t>
+                      </m:r>
+                      <m:sSup>
+                        <m:sSupPr>
+                          <m:ctrlPr>
+                            <a:rPr lang="es-CO" sz="1800" i="1">
+                              <a:effectLst/>
+                              <a:latin typeface="Cambria Math" panose="02040503050406030204" pitchFamily="18" charset="0"/>
+                              <a:ea typeface="Calibri" panose="020F0502020204030204" pitchFamily="34" charset="0"/>
+                              <a:cs typeface="Times New Roman" panose="02020603050405020304" pitchFamily="18" charset="0"/>
+                            </a:rPr>
+                          </m:ctrlPr>
+                        </m:sSupPr>
+                        <m:e>
+                          <m:r>
+                            <a:rPr lang="en-GB" sz="1800" i="1">
+                              <a:effectLst/>
+                              <a:latin typeface="Cambria Math" panose="02040503050406030204" pitchFamily="18" charset="0"/>
+                              <a:ea typeface="Calibri" panose="020F0502020204030204" pitchFamily="34" charset="0"/>
+                              <a:cs typeface="Times New Roman" panose="02020603050405020304" pitchFamily="18" charset="0"/>
+                            </a:rPr>
+                            <m:t>𝑒</m:t>
+                          </m:r>
+                        </m:e>
+                        <m:sup>
+                          <m:r>
+                            <a:rPr lang="en-GB" sz="1800" i="1">
+                              <a:effectLst/>
+                              <a:latin typeface="Cambria Math" panose="02040503050406030204" pitchFamily="18" charset="0"/>
+                              <a:ea typeface="Calibri" panose="020F0502020204030204" pitchFamily="34" charset="0"/>
+                              <a:cs typeface="Times New Roman" panose="02020603050405020304" pitchFamily="18" charset="0"/>
+                            </a:rPr>
+                            <m:t>𝑁</m:t>
+                          </m:r>
+                        </m:sup>
+                      </m:sSup>
+                      <m:r>
+                        <a:rPr lang="en-GB" sz="1800" i="1">
+                          <a:effectLst/>
+                          <a:latin typeface="Cambria Math" panose="02040503050406030204" pitchFamily="18" charset="0"/>
+                          <a:ea typeface="Calibri" panose="020F0502020204030204" pitchFamily="34" charset="0"/>
+                          <a:cs typeface="Times New Roman" panose="02020603050405020304" pitchFamily="18" charset="0"/>
+                        </a:rPr>
+                        <m:t>    (3)</m:t>
+                      </m:r>
+                    </m:oMath>
+                  </m:oMathPara>
+                </a14:m>
+                <a:endParaRPr lang="es-CO" sz="1800" dirty="0">
+                  <a:effectLst/>
+                  <a:latin typeface="Calibri" panose="020F0502020204030204" pitchFamily="34" charset="0"/>
+                  <a:ea typeface="Calibri" panose="020F0502020204030204" pitchFamily="34" charset="0"/>
+                  <a:cs typeface="Times New Roman" panose="02020603050405020304" pitchFamily="18" charset="0"/>
+                </a:endParaRPr>
+              </a:p>
+              <a:p>
+                <a:pPr marL="0" indent="0" algn="just">
+                  <a:lnSpc>
+                    <a:spcPct val="150000"/>
+                  </a:lnSpc>
+                  <a:spcAft>
+                    <a:spcPts val="800"/>
+                  </a:spcAft>
+                  <a:buNone/>
+                </a:pPr>
+                <a14:m>
+                  <m:oMathPara xmlns:m="http://schemas.openxmlformats.org/officeDocument/2006/math">
+                    <m:oMathParaPr>
+                      <m:jc m:val="centerGroup"/>
+                    </m:oMathParaPr>
+                    <m:oMath xmlns:m="http://schemas.openxmlformats.org/officeDocument/2006/math">
+                      <m:r>
+                        <a:rPr lang="es-CO" sz="1800" i="1">
+                          <a:effectLst/>
+                          <a:latin typeface="Cambria Math" panose="02040503050406030204" pitchFamily="18" charset="0"/>
+                          <a:ea typeface="Times New Roman" panose="02020603050405020304" pitchFamily="18" charset="0"/>
+                          <a:cs typeface="Times New Roman" panose="02020603050405020304" pitchFamily="18" charset="0"/>
+                        </a:rPr>
+                        <m:t>𝑇𝐹</m:t>
+                      </m:r>
+                      <m:sSub>
+                        <m:sSubPr>
+                          <m:ctrlPr>
+                            <a:rPr lang="es-CO" sz="1800" i="1">
+                              <a:effectLst/>
+                              <a:latin typeface="Cambria Math" panose="02040503050406030204" pitchFamily="18" charset="0"/>
+                              <a:ea typeface="Times New Roman" panose="02020603050405020304" pitchFamily="18" charset="0"/>
+                              <a:cs typeface="Times New Roman" panose="02020603050405020304" pitchFamily="18" charset="0"/>
+                            </a:rPr>
+                          </m:ctrlPr>
+                        </m:sSubPr>
+                        <m:e>
+                          <m:r>
+                            <a:rPr lang="es-CO" sz="1800" i="1">
+                              <a:effectLst/>
+                              <a:latin typeface="Cambria Math" panose="02040503050406030204" pitchFamily="18" charset="0"/>
+                              <a:ea typeface="Times New Roman" panose="02020603050405020304" pitchFamily="18" charset="0"/>
+                              <a:cs typeface="Times New Roman" panose="02020603050405020304" pitchFamily="18" charset="0"/>
+                            </a:rPr>
+                            <m:t>𝑁</m:t>
+                          </m:r>
+                        </m:e>
+                        <m:sub>
+                          <m:r>
+                            <a:rPr lang="es-CO" sz="1800" i="1">
+                              <a:effectLst/>
+                              <a:latin typeface="Cambria Math" panose="02040503050406030204" pitchFamily="18" charset="0"/>
+                              <a:ea typeface="Times New Roman" panose="02020603050405020304" pitchFamily="18" charset="0"/>
+                              <a:cs typeface="Times New Roman" panose="02020603050405020304" pitchFamily="18" charset="0"/>
+                            </a:rPr>
+                            <m:t>𝐵</m:t>
+                          </m:r>
+                        </m:sub>
+                      </m:sSub>
+                      <m:r>
+                        <a:rPr lang="es-CO" sz="1800" i="1">
+                          <a:effectLst/>
+                          <a:latin typeface="Cambria Math" panose="02040503050406030204" pitchFamily="18" charset="0"/>
+                          <a:ea typeface="Times New Roman" panose="02020603050405020304" pitchFamily="18" charset="0"/>
+                          <a:cs typeface="Times New Roman" panose="02020603050405020304" pitchFamily="18" charset="0"/>
+                        </a:rPr>
+                        <m:t>=</m:t>
+                      </m:r>
+                      <m:d>
+                        <m:dPr>
+                          <m:begChr m:val="["/>
+                          <m:endChr m:val="]"/>
+                          <m:ctrlPr>
+                            <a:rPr lang="es-CO" sz="1800" i="1">
+                              <a:effectLst/>
+                              <a:latin typeface="Cambria Math" panose="02040503050406030204" pitchFamily="18" charset="0"/>
+                              <a:ea typeface="Times New Roman" panose="02020603050405020304" pitchFamily="18" charset="0"/>
+                              <a:cs typeface="Times New Roman" panose="02020603050405020304" pitchFamily="18" charset="0"/>
+                            </a:rPr>
+                          </m:ctrlPr>
+                        </m:dPr>
+                        <m:e>
+                          <m:sSubSup>
+                            <m:sSubSupPr>
+                              <m:ctrlPr>
+                                <a:rPr lang="es-CO" sz="1800" i="1">
+                                  <a:effectLst/>
+                                  <a:latin typeface="Cambria Math" panose="02040503050406030204" pitchFamily="18" charset="0"/>
+                                  <a:ea typeface="Times New Roman" panose="02020603050405020304" pitchFamily="18" charset="0"/>
+                                  <a:cs typeface="Times New Roman" panose="02020603050405020304" pitchFamily="18" charset="0"/>
+                                </a:rPr>
+                              </m:ctrlPr>
+                            </m:sSubSupPr>
+                            <m:e>
+                              <m:acc>
+                                <m:accPr>
+                                  <m:chr m:val="̇"/>
+                                  <m:ctrlPr>
+                                    <a:rPr lang="es-CO" sz="1800" i="1">
+                                      <a:effectLst/>
+                                      <a:latin typeface="Cambria Math" panose="02040503050406030204" pitchFamily="18" charset="0"/>
+                                      <a:ea typeface="Times New Roman" panose="02020603050405020304" pitchFamily="18" charset="0"/>
+                                      <a:cs typeface="Times New Roman" panose="02020603050405020304" pitchFamily="18" charset="0"/>
+                                    </a:rPr>
+                                  </m:ctrlPr>
+                                </m:accPr>
+                                <m:e>
+                                  <m:r>
+                                    <a:rPr lang="es-CO" sz="1800" i="1">
+                                      <a:effectLst/>
+                                      <a:latin typeface="Cambria Math" panose="02040503050406030204" pitchFamily="18" charset="0"/>
+                                      <a:ea typeface="Times New Roman" panose="02020603050405020304" pitchFamily="18" charset="0"/>
+                                      <a:cs typeface="Times New Roman" panose="02020603050405020304" pitchFamily="18" charset="0"/>
+                                    </a:rPr>
+                                    <m:t>𝐿</m:t>
+                                  </m:r>
+                                </m:e>
+                              </m:acc>
+                            </m:e>
+                            <m:sub>
+                              <m:r>
+                                <a:rPr lang="es-CO" sz="1800" i="1">
+                                  <a:effectLst/>
+                                  <a:latin typeface="Cambria Math" panose="02040503050406030204" pitchFamily="18" charset="0"/>
+                                  <a:ea typeface="Times New Roman" panose="02020603050405020304" pitchFamily="18" charset="0"/>
+                                  <a:cs typeface="Times New Roman" panose="02020603050405020304" pitchFamily="18" charset="0"/>
+                                </a:rPr>
+                                <m:t>𝐹</m:t>
+                              </m:r>
+                            </m:sub>
+                            <m:sup>
+                              <m:r>
+                                <a:rPr lang="es-CO" sz="1800" i="1">
+                                  <a:effectLst/>
+                                  <a:latin typeface="Cambria Math" panose="02040503050406030204" pitchFamily="18" charset="0"/>
+                                  <a:ea typeface="Times New Roman" panose="02020603050405020304" pitchFamily="18" charset="0"/>
+                                  <a:cs typeface="Times New Roman" panose="02020603050405020304" pitchFamily="18" charset="0"/>
+                                </a:rPr>
+                                <m:t>𝐷</m:t>
+                              </m:r>
+                            </m:sup>
+                          </m:sSubSup>
+                          <m:r>
+                            <a:rPr lang="en-GB" sz="1800" i="1">
+                              <a:effectLst/>
+                              <a:latin typeface="Cambria Math" panose="02040503050406030204" pitchFamily="18" charset="0"/>
+                              <a:ea typeface="Times New Roman" panose="02020603050405020304" pitchFamily="18" charset="0"/>
+                              <a:cs typeface="Times New Roman" panose="02020603050405020304" pitchFamily="18" charset="0"/>
+                            </a:rPr>
+                            <m:t>+</m:t>
+                          </m:r>
+                          <m:sSubSup>
+                            <m:sSubSupPr>
+                              <m:ctrlPr>
+                                <a:rPr lang="es-CO" sz="1800" i="1">
+                                  <a:effectLst/>
+                                  <a:latin typeface="Cambria Math" panose="02040503050406030204" pitchFamily="18" charset="0"/>
+                                  <a:ea typeface="Times New Roman" panose="02020603050405020304" pitchFamily="18" charset="0"/>
+                                  <a:cs typeface="Times New Roman" panose="02020603050405020304" pitchFamily="18" charset="0"/>
+                                </a:rPr>
+                              </m:ctrlPr>
+                            </m:sSubSupPr>
+                            <m:e>
+                              <m:acc>
+                                <m:accPr>
+                                  <m:chr m:val="̇"/>
+                                  <m:ctrlPr>
+                                    <a:rPr lang="es-CO" sz="1800" i="1">
+                                      <a:effectLst/>
+                                      <a:latin typeface="Cambria Math" panose="02040503050406030204" pitchFamily="18" charset="0"/>
+                                      <a:ea typeface="Times New Roman" panose="02020603050405020304" pitchFamily="18" charset="0"/>
+                                      <a:cs typeface="Times New Roman" panose="02020603050405020304" pitchFamily="18" charset="0"/>
+                                    </a:rPr>
+                                  </m:ctrlPr>
+                                </m:accPr>
+                                <m:e>
+                                  <m:r>
+                                    <a:rPr lang="es-CO" sz="1800" i="1">
+                                      <a:effectLst/>
+                                      <a:latin typeface="Cambria Math" panose="02040503050406030204" pitchFamily="18" charset="0"/>
+                                      <a:ea typeface="Times New Roman" panose="02020603050405020304" pitchFamily="18" charset="0"/>
+                                      <a:cs typeface="Times New Roman" panose="02020603050405020304" pitchFamily="18" charset="0"/>
+                                    </a:rPr>
+                                    <m:t>𝐿</m:t>
+                                  </m:r>
+                                </m:e>
+                              </m:acc>
+                            </m:e>
+                            <m:sub>
+                              <m:r>
+                                <a:rPr lang="es-CO" sz="1800" i="1">
+                                  <a:effectLst/>
+                                  <a:latin typeface="Cambria Math" panose="02040503050406030204" pitchFamily="18" charset="0"/>
+                                  <a:ea typeface="Times New Roman" panose="02020603050405020304" pitchFamily="18" charset="0"/>
+                                  <a:cs typeface="Times New Roman" panose="02020603050405020304" pitchFamily="18" charset="0"/>
+                                </a:rPr>
+                                <m:t>𝐻</m:t>
+                              </m:r>
+                            </m:sub>
+                            <m:sup>
+                              <m:r>
+                                <a:rPr lang="es-CO" sz="1800" i="1">
+                                  <a:effectLst/>
+                                  <a:latin typeface="Cambria Math" panose="02040503050406030204" pitchFamily="18" charset="0"/>
+                                  <a:ea typeface="Times New Roman" panose="02020603050405020304" pitchFamily="18" charset="0"/>
+                                  <a:cs typeface="Times New Roman" panose="02020603050405020304" pitchFamily="18" charset="0"/>
+                                </a:rPr>
+                                <m:t>𝐷</m:t>
+                              </m:r>
+                            </m:sup>
+                          </m:sSubSup>
+                          <m:r>
+                            <a:rPr lang="en-GB" sz="1800" i="1">
+                              <a:effectLst/>
+                              <a:latin typeface="Cambria Math" panose="02040503050406030204" pitchFamily="18" charset="0"/>
+                              <a:ea typeface="Times New Roman" panose="02020603050405020304" pitchFamily="18" charset="0"/>
+                              <a:cs typeface="Times New Roman" panose="02020603050405020304" pitchFamily="18" charset="0"/>
+                            </a:rPr>
+                            <m:t>+</m:t>
+                          </m:r>
+                          <m:sSubSup>
+                            <m:sSubSupPr>
+                              <m:ctrlPr>
+                                <a:rPr lang="es-CO" sz="1800" i="1">
+                                  <a:effectLst/>
+                                  <a:latin typeface="Cambria Math" panose="02040503050406030204" pitchFamily="18" charset="0"/>
+                                  <a:ea typeface="Times New Roman" panose="02020603050405020304" pitchFamily="18" charset="0"/>
+                                  <a:cs typeface="Times New Roman" panose="02020603050405020304" pitchFamily="18" charset="0"/>
+                                </a:rPr>
+                              </m:ctrlPr>
+                            </m:sSubSupPr>
+                            <m:e>
+                              <m:acc>
+                                <m:accPr>
+                                  <m:chr m:val="̇"/>
+                                  <m:ctrlPr>
+                                    <a:rPr lang="es-CO" sz="1800" i="1">
+                                      <a:effectLst/>
+                                      <a:latin typeface="Cambria Math" panose="02040503050406030204" pitchFamily="18" charset="0"/>
+                                      <a:ea typeface="Times New Roman" panose="02020603050405020304" pitchFamily="18" charset="0"/>
+                                      <a:cs typeface="Times New Roman" panose="02020603050405020304" pitchFamily="18" charset="0"/>
+                                    </a:rPr>
+                                  </m:ctrlPr>
+                                </m:accPr>
+                                <m:e>
+                                  <m:r>
+                                    <a:rPr lang="es-CO" sz="1800" i="1">
+                                      <a:effectLst/>
+                                      <a:latin typeface="Cambria Math" panose="02040503050406030204" pitchFamily="18" charset="0"/>
+                                      <a:ea typeface="Times New Roman" panose="02020603050405020304" pitchFamily="18" charset="0"/>
+                                      <a:cs typeface="Times New Roman" panose="02020603050405020304" pitchFamily="18" charset="0"/>
+                                    </a:rPr>
+                                    <m:t>𝐵</m:t>
+                                  </m:r>
+                                </m:e>
+                              </m:acc>
+                            </m:e>
+                            <m:sub>
+                              <m:r>
+                                <a:rPr lang="es-CO" sz="1800" i="1">
+                                  <a:effectLst/>
+                                  <a:latin typeface="Cambria Math" panose="02040503050406030204" pitchFamily="18" charset="0"/>
+                                  <a:ea typeface="Times New Roman" panose="02020603050405020304" pitchFamily="18" charset="0"/>
+                                  <a:cs typeface="Times New Roman" panose="02020603050405020304" pitchFamily="18" charset="0"/>
+                                </a:rPr>
+                                <m:t>𝐺</m:t>
+                              </m:r>
+                            </m:sub>
+                            <m:sup>
+                              <m:r>
+                                <a:rPr lang="es-CO" sz="1800" i="1">
+                                  <a:effectLst/>
+                                  <a:latin typeface="Cambria Math" panose="02040503050406030204" pitchFamily="18" charset="0"/>
+                                  <a:ea typeface="Times New Roman" panose="02020603050405020304" pitchFamily="18" charset="0"/>
+                                  <a:cs typeface="Times New Roman" panose="02020603050405020304" pitchFamily="18" charset="0"/>
+                                </a:rPr>
+                                <m:t>𝐵</m:t>
+                              </m:r>
+                            </m:sup>
+                          </m:sSubSup>
+                        </m:e>
+                      </m:d>
+                      <m:r>
+                        <a:rPr lang="en-GB" sz="1800" i="1">
+                          <a:effectLst/>
+                          <a:latin typeface="Cambria Math" panose="02040503050406030204" pitchFamily="18" charset="0"/>
+                          <a:ea typeface="Times New Roman" panose="02020603050405020304" pitchFamily="18" charset="0"/>
+                          <a:cs typeface="Times New Roman" panose="02020603050405020304" pitchFamily="18" charset="0"/>
+                        </a:rPr>
+                        <m:t>+</m:t>
+                      </m:r>
+                      <m:r>
+                        <a:rPr lang="es-CO" sz="1800" i="1">
+                          <a:effectLst/>
+                          <a:latin typeface="Cambria Math" panose="02040503050406030204" pitchFamily="18" charset="0"/>
+                          <a:ea typeface="Times New Roman" panose="02020603050405020304" pitchFamily="18" charset="0"/>
+                          <a:cs typeface="Times New Roman" panose="02020603050405020304" pitchFamily="18" charset="0"/>
+                        </a:rPr>
+                        <m:t>𝑟𝑟𝑟</m:t>
+                      </m:r>
+                      <m:r>
+                        <a:rPr lang="en-US" sz="1800" i="1">
+                          <a:effectLst/>
+                          <a:latin typeface="Cambria Math" panose="02040503050406030204" pitchFamily="18" charset="0"/>
+                          <a:ea typeface="Times New Roman" panose="02020603050405020304" pitchFamily="18" charset="0"/>
+                          <a:cs typeface="Times New Roman" panose="02020603050405020304" pitchFamily="18" charset="0"/>
+                        </a:rPr>
+                        <m:t>⋅</m:t>
+                      </m:r>
+                      <m:d>
+                        <m:dPr>
+                          <m:ctrlPr>
+                            <a:rPr lang="es-CO" sz="1800" i="1">
+                              <a:effectLst/>
+                              <a:latin typeface="Cambria Math" panose="02040503050406030204" pitchFamily="18" charset="0"/>
+                              <a:ea typeface="Times New Roman" panose="02020603050405020304" pitchFamily="18" charset="0"/>
+                              <a:cs typeface="Times New Roman" panose="02020603050405020304" pitchFamily="18" charset="0"/>
+                            </a:rPr>
+                          </m:ctrlPr>
+                        </m:dPr>
+                        <m:e>
+                          <m:sSup>
+                            <m:sSupPr>
+                              <m:ctrlPr>
+                                <a:rPr lang="es-CO" sz="1800" i="1">
+                                  <a:effectLst/>
+                                  <a:latin typeface="Cambria Math" panose="02040503050406030204" pitchFamily="18" charset="0"/>
+                                  <a:ea typeface="Times New Roman" panose="02020603050405020304" pitchFamily="18" charset="0"/>
+                                  <a:cs typeface="Times New Roman" panose="02020603050405020304" pitchFamily="18" charset="0"/>
+                                </a:rPr>
+                              </m:ctrlPr>
+                            </m:sSupPr>
+                            <m:e>
+                              <m:r>
+                                <a:rPr lang="en-US" sz="1800" i="1">
+                                  <a:effectLst/>
+                                  <a:latin typeface="Cambria Math" panose="02040503050406030204" pitchFamily="18" charset="0"/>
+                                  <a:ea typeface="Times New Roman" panose="02020603050405020304" pitchFamily="18" charset="0"/>
+                                  <a:cs typeface="Times New Roman" panose="02020603050405020304" pitchFamily="18" charset="0"/>
+                                </a:rPr>
+                                <m:t>𝐷</m:t>
+                              </m:r>
+                            </m:e>
+                            <m:sup>
+                              <m:r>
+                                <a:rPr lang="en-US" sz="1800" i="1">
+                                  <a:effectLst/>
+                                  <a:latin typeface="Cambria Math" panose="02040503050406030204" pitchFamily="18" charset="0"/>
+                                  <a:ea typeface="Times New Roman" panose="02020603050405020304" pitchFamily="18" charset="0"/>
+                                  <a:cs typeface="Times New Roman" panose="02020603050405020304" pitchFamily="18" charset="0"/>
+                                </a:rPr>
+                                <m:t>𝐷</m:t>
+                              </m:r>
+                            </m:sup>
+                          </m:sSup>
+                          <m:r>
+                            <a:rPr lang="en-US" sz="1800" i="1">
+                              <a:effectLst/>
+                              <a:latin typeface="Cambria Math" panose="02040503050406030204" pitchFamily="18" charset="0"/>
+                              <a:ea typeface="Times New Roman" panose="02020603050405020304" pitchFamily="18" charset="0"/>
+                              <a:cs typeface="Times New Roman" panose="02020603050405020304" pitchFamily="18" charset="0"/>
+                            </a:rPr>
+                            <m:t>+</m:t>
+                          </m:r>
+                          <m:sSup>
+                            <m:sSupPr>
+                              <m:ctrlPr>
+                                <a:rPr lang="es-CO" sz="1800" i="1">
+                                  <a:effectLst/>
+                                  <a:latin typeface="Cambria Math" panose="02040503050406030204" pitchFamily="18" charset="0"/>
+                                  <a:ea typeface="Times New Roman" panose="02020603050405020304" pitchFamily="18" charset="0"/>
+                                  <a:cs typeface="Times New Roman" panose="02020603050405020304" pitchFamily="18" charset="0"/>
+                                </a:rPr>
+                              </m:ctrlPr>
+                            </m:sSupPr>
+                            <m:e>
+                              <m:acc>
+                                <m:accPr>
+                                  <m:chr m:val="̇"/>
+                                  <m:ctrlPr>
+                                    <a:rPr lang="es-CO" sz="1800" i="1">
+                                      <a:effectLst/>
+                                      <a:latin typeface="Cambria Math" panose="02040503050406030204" pitchFamily="18" charset="0"/>
+                                      <a:ea typeface="Times New Roman" panose="02020603050405020304" pitchFamily="18" charset="0"/>
+                                      <a:cs typeface="Times New Roman" panose="02020603050405020304" pitchFamily="18" charset="0"/>
+                                    </a:rPr>
+                                  </m:ctrlPr>
+                                </m:accPr>
+                                <m:e>
+                                  <m:r>
+                                    <a:rPr lang="en-US" sz="1800" i="1">
+                                      <a:effectLst/>
+                                      <a:latin typeface="Cambria Math" panose="02040503050406030204" pitchFamily="18" charset="0"/>
+                                      <a:ea typeface="Times New Roman" panose="02020603050405020304" pitchFamily="18" charset="0"/>
+                                      <a:cs typeface="Times New Roman" panose="02020603050405020304" pitchFamily="18" charset="0"/>
+                                    </a:rPr>
+                                    <m:t>𝐷</m:t>
+                                  </m:r>
+                                </m:e>
+                              </m:acc>
+                            </m:e>
+                            <m:sup>
+                              <m:r>
+                                <a:rPr lang="en-US" sz="1800" i="1">
+                                  <a:effectLst/>
+                                  <a:latin typeface="Cambria Math" panose="02040503050406030204" pitchFamily="18" charset="0"/>
+                                  <a:ea typeface="Times New Roman" panose="02020603050405020304" pitchFamily="18" charset="0"/>
+                                  <a:cs typeface="Times New Roman" panose="02020603050405020304" pitchFamily="18" charset="0"/>
+                                </a:rPr>
+                                <m:t>𝐷</m:t>
+                              </m:r>
+                            </m:sup>
+                          </m:sSup>
+                          <m:r>
+                            <a:rPr lang="en-US" sz="1800" i="1">
+                              <a:effectLst/>
+                              <a:latin typeface="Cambria Math" panose="02040503050406030204" pitchFamily="18" charset="0"/>
+                              <a:ea typeface="Times New Roman" panose="02020603050405020304" pitchFamily="18" charset="0"/>
+                              <a:cs typeface="Times New Roman" panose="02020603050405020304" pitchFamily="18" charset="0"/>
+                            </a:rPr>
+                            <m:t> </m:t>
+                          </m:r>
+                        </m:e>
+                      </m:d>
+                      <m:r>
+                        <a:rPr lang="en-US" sz="1800" i="1">
+                          <a:effectLst/>
+                          <a:latin typeface="Cambria Math" panose="02040503050406030204" pitchFamily="18" charset="0"/>
+                          <a:ea typeface="Times New Roman" panose="02020603050405020304" pitchFamily="18" charset="0"/>
+                          <a:cs typeface="Times New Roman" panose="02020603050405020304" pitchFamily="18" charset="0"/>
+                        </a:rPr>
+                        <m:t>−</m:t>
+                      </m:r>
+                      <m:d>
+                        <m:dPr>
+                          <m:ctrlPr>
+                            <a:rPr lang="es-CO" sz="1800" i="1">
+                              <a:effectLst/>
+                              <a:latin typeface="Cambria Math" panose="02040503050406030204" pitchFamily="18" charset="0"/>
+                              <a:ea typeface="Times New Roman" panose="02020603050405020304" pitchFamily="18" charset="0"/>
+                              <a:cs typeface="Times New Roman" panose="02020603050405020304" pitchFamily="18" charset="0"/>
+                            </a:rPr>
+                          </m:ctrlPr>
+                        </m:dPr>
+                        <m:e>
+                          <m:sSup>
+                            <m:sSupPr>
+                              <m:ctrlPr>
+                                <a:rPr lang="es-CO" sz="1800" i="1">
+                                  <a:effectLst/>
+                                  <a:latin typeface="Cambria Math" panose="02040503050406030204" pitchFamily="18" charset="0"/>
+                                  <a:ea typeface="Times New Roman" panose="02020603050405020304" pitchFamily="18" charset="0"/>
+                                  <a:cs typeface="Times New Roman" panose="02020603050405020304" pitchFamily="18" charset="0"/>
+                                </a:rPr>
+                              </m:ctrlPr>
+                            </m:sSupPr>
+                            <m:e>
+                              <m:acc>
+                                <m:accPr>
+                                  <m:chr m:val="̇"/>
+                                  <m:ctrlPr>
+                                    <a:rPr lang="es-CO" sz="1800" i="1">
+                                      <a:effectLst/>
+                                      <a:latin typeface="Cambria Math" panose="02040503050406030204" pitchFamily="18" charset="0"/>
+                                      <a:ea typeface="Times New Roman" panose="02020603050405020304" pitchFamily="18" charset="0"/>
+                                      <a:cs typeface="Times New Roman" panose="02020603050405020304" pitchFamily="18" charset="0"/>
+                                    </a:rPr>
+                                  </m:ctrlPr>
+                                </m:accPr>
+                                <m:e>
+                                  <m:r>
+                                    <a:rPr lang="en-US" sz="1800" i="1">
+                                      <a:effectLst/>
+                                      <a:latin typeface="Cambria Math" panose="02040503050406030204" pitchFamily="18" charset="0"/>
+                                      <a:ea typeface="Times New Roman" panose="02020603050405020304" pitchFamily="18" charset="0"/>
+                                      <a:cs typeface="Times New Roman" panose="02020603050405020304" pitchFamily="18" charset="0"/>
+                                    </a:rPr>
+                                    <m:t>𝐷</m:t>
+                                  </m:r>
+                                </m:e>
+                              </m:acc>
+                            </m:e>
+                            <m:sup>
+                              <m:r>
+                                <a:rPr lang="en-US" sz="1800" i="1">
+                                  <a:effectLst/>
+                                  <a:latin typeface="Cambria Math" panose="02040503050406030204" pitchFamily="18" charset="0"/>
+                                  <a:ea typeface="Times New Roman" panose="02020603050405020304" pitchFamily="18" charset="0"/>
+                                  <a:cs typeface="Times New Roman" panose="02020603050405020304" pitchFamily="18" charset="0"/>
+                                </a:rPr>
+                                <m:t>𝐷</m:t>
+                              </m:r>
+                            </m:sup>
+                          </m:sSup>
+                          <m:r>
+                            <a:rPr lang="en-US" sz="1800" i="1">
+                              <a:effectLst/>
+                              <a:latin typeface="Cambria Math" panose="02040503050406030204" pitchFamily="18" charset="0"/>
+                              <a:ea typeface="Times New Roman" panose="02020603050405020304" pitchFamily="18" charset="0"/>
+                              <a:cs typeface="Times New Roman" panose="02020603050405020304" pitchFamily="18" charset="0"/>
+                            </a:rPr>
+                            <m:t>+</m:t>
+                          </m:r>
+                          <m:acc>
+                            <m:accPr>
+                              <m:chr m:val="̇"/>
+                              <m:ctrlPr>
+                                <a:rPr lang="es-CO" sz="1800" i="1">
+                                  <a:effectLst/>
+                                  <a:latin typeface="Cambria Math" panose="02040503050406030204" pitchFamily="18" charset="0"/>
+                                  <a:ea typeface="Times New Roman" panose="02020603050405020304" pitchFamily="18" charset="0"/>
+                                  <a:cs typeface="Times New Roman" panose="02020603050405020304" pitchFamily="18" charset="0"/>
+                                </a:rPr>
+                              </m:ctrlPr>
+                            </m:accPr>
+                            <m:e>
+                              <m:r>
+                                <a:rPr lang="en-US" sz="1800" i="1">
+                                  <a:effectLst/>
+                                  <a:latin typeface="Cambria Math" panose="02040503050406030204" pitchFamily="18" charset="0"/>
+                                  <a:ea typeface="Times New Roman" panose="02020603050405020304" pitchFamily="18" charset="0"/>
+                                  <a:cs typeface="Times New Roman" panose="02020603050405020304" pitchFamily="18" charset="0"/>
+                                </a:rPr>
+                                <m:t>𝑂𝐹</m:t>
+                              </m:r>
+                            </m:e>
+                          </m:acc>
+                        </m:e>
+                      </m:d>
+                      <m:r>
+                        <a:rPr lang="en-US" sz="1800" i="1">
+                          <a:effectLst/>
+                          <a:latin typeface="Cambria Math" panose="02040503050406030204" pitchFamily="18" charset="0"/>
+                          <a:ea typeface="Times New Roman" panose="02020603050405020304" pitchFamily="18" charset="0"/>
+                          <a:cs typeface="Times New Roman" panose="02020603050405020304" pitchFamily="18" charset="0"/>
+                        </a:rPr>
+                        <m:t>−</m:t>
+                      </m:r>
+                      <m:sSup>
+                        <m:sSupPr>
+                          <m:ctrlPr>
+                            <a:rPr lang="es-CO" sz="1800" i="1">
+                              <a:effectLst/>
+                              <a:latin typeface="Cambria Math" panose="02040503050406030204" pitchFamily="18" charset="0"/>
+                              <a:ea typeface="Times New Roman" panose="02020603050405020304" pitchFamily="18" charset="0"/>
+                              <a:cs typeface="Times New Roman" panose="02020603050405020304" pitchFamily="18" charset="0"/>
+                            </a:rPr>
+                          </m:ctrlPr>
+                        </m:sSupPr>
+                        <m:e>
+                          <m:r>
+                            <a:rPr lang="en-US" sz="1800" i="1">
+                              <a:effectLst/>
+                              <a:latin typeface="Cambria Math" panose="02040503050406030204" pitchFamily="18" charset="0"/>
+                              <a:ea typeface="Times New Roman" panose="02020603050405020304" pitchFamily="18" charset="0"/>
+                              <a:cs typeface="Times New Roman" panose="02020603050405020304" pitchFamily="18" charset="0"/>
+                            </a:rPr>
+                            <m:t>𝑅</m:t>
+                          </m:r>
+                        </m:e>
+                        <m:sup>
+                          <m:r>
+                            <a:rPr lang="en-US" sz="1800" i="1">
+                              <a:effectLst/>
+                              <a:latin typeface="Cambria Math" panose="02040503050406030204" pitchFamily="18" charset="0"/>
+                              <a:ea typeface="Times New Roman" panose="02020603050405020304" pitchFamily="18" charset="0"/>
+                              <a:cs typeface="Times New Roman" panose="02020603050405020304" pitchFamily="18" charset="0"/>
+                            </a:rPr>
+                            <m:t>𝐷</m:t>
+                          </m:r>
+                        </m:sup>
+                      </m:sSup>
+                      <m:r>
+                        <a:rPr lang="en-US" sz="1800" i="1">
+                          <a:effectLst/>
+                          <a:latin typeface="Cambria Math" panose="02040503050406030204" pitchFamily="18" charset="0"/>
+                          <a:ea typeface="Times New Roman" panose="02020603050405020304" pitchFamily="18" charset="0"/>
+                          <a:cs typeface="Times New Roman" panose="02020603050405020304" pitchFamily="18" charset="0"/>
+                        </a:rPr>
+                        <m:t>−</m:t>
+                      </m:r>
+                      <m:d>
+                        <m:dPr>
+                          <m:ctrlPr>
+                            <a:rPr lang="es-CO" sz="1800" i="1">
+                              <a:effectLst/>
+                              <a:latin typeface="Cambria Math" panose="02040503050406030204" pitchFamily="18" charset="0"/>
+                              <a:ea typeface="Times New Roman" panose="02020603050405020304" pitchFamily="18" charset="0"/>
+                              <a:cs typeface="Times New Roman" panose="02020603050405020304" pitchFamily="18" charset="0"/>
+                            </a:rPr>
+                          </m:ctrlPr>
+                        </m:dPr>
+                        <m:e>
+                          <m:sSub>
+                            <m:sSubPr>
+                              <m:ctrlPr>
+                                <a:rPr lang="es-CO" sz="1800" i="1">
+                                  <a:effectLst/>
+                                  <a:latin typeface="Cambria Math" panose="02040503050406030204" pitchFamily="18" charset="0"/>
+                                  <a:ea typeface="Calibri" panose="020F0502020204030204" pitchFamily="34" charset="0"/>
+                                  <a:cs typeface="Times New Roman" panose="02020603050405020304" pitchFamily="18" charset="0"/>
+                                </a:rPr>
+                              </m:ctrlPr>
+                            </m:sSubPr>
+                            <m:e>
+                              <m:r>
+                                <a:rPr lang="en-GB" sz="1800" i="1">
+                                  <a:effectLst/>
+                                  <a:latin typeface="Cambria Math" panose="02040503050406030204" pitchFamily="18" charset="0"/>
+                                  <a:ea typeface="Calibri" panose="020F0502020204030204" pitchFamily="34" charset="0"/>
+                                  <a:cs typeface="Times New Roman" panose="02020603050405020304" pitchFamily="18" charset="0"/>
+                                </a:rPr>
+                                <m:t>1− </m:t>
+                              </m:r>
+                              <m:r>
+                                <a:rPr lang="en-GB" sz="1800" i="1">
+                                  <a:effectLst/>
+                                  <a:latin typeface="Cambria Math" panose="02040503050406030204" pitchFamily="18" charset="0"/>
+                                  <a:ea typeface="Calibri" panose="020F0502020204030204" pitchFamily="34" charset="0"/>
+                                  <a:cs typeface="Times New Roman" panose="02020603050405020304" pitchFamily="18" charset="0"/>
+                                </a:rPr>
+                                <m:t>𝜉</m:t>
+                              </m:r>
+                            </m:e>
+                            <m:sub>
+                              <m:r>
+                                <a:rPr lang="en-GB" sz="1800" i="1">
+                                  <a:effectLst/>
+                                  <a:latin typeface="Cambria Math" panose="02040503050406030204" pitchFamily="18" charset="0"/>
+                                  <a:ea typeface="Calibri" panose="020F0502020204030204" pitchFamily="34" charset="0"/>
+                                  <a:cs typeface="Times New Roman" panose="02020603050405020304" pitchFamily="18" charset="0"/>
+                                </a:rPr>
+                                <m:t>𝐹</m:t>
+                              </m:r>
+                            </m:sub>
+                          </m:sSub>
+                        </m:e>
+                      </m:d>
+                      <m:r>
+                        <a:rPr lang="en-GB" sz="1800" i="1">
+                          <a:effectLst/>
+                          <a:latin typeface="Cambria Math" panose="02040503050406030204" pitchFamily="18" charset="0"/>
+                          <a:ea typeface="Calibri" panose="020F0502020204030204" pitchFamily="34" charset="0"/>
+                          <a:cs typeface="Times New Roman" panose="02020603050405020304" pitchFamily="18" charset="0"/>
+                        </a:rPr>
+                        <m:t>⋅</m:t>
+                      </m:r>
+                      <m:r>
+                        <a:rPr lang="en-GB" sz="1800" i="1">
+                          <a:effectLst/>
+                          <a:latin typeface="Cambria Math" panose="02040503050406030204" pitchFamily="18" charset="0"/>
+                          <a:ea typeface="Calibri" panose="020F0502020204030204" pitchFamily="34" charset="0"/>
+                          <a:cs typeface="Times New Roman" panose="02020603050405020304" pitchFamily="18" charset="0"/>
+                        </a:rPr>
+                        <m:t>𝐹𝐷</m:t>
+                      </m:r>
+                      <m:sSup>
+                        <m:sSupPr>
+                          <m:ctrlPr>
+                            <a:rPr lang="es-CO" sz="1800" i="1">
+                              <a:effectLst/>
+                              <a:latin typeface="Cambria Math" panose="02040503050406030204" pitchFamily="18" charset="0"/>
+                              <a:ea typeface="Calibri" panose="020F0502020204030204" pitchFamily="34" charset="0"/>
+                              <a:cs typeface="Times New Roman" panose="02020603050405020304" pitchFamily="18" charset="0"/>
+                            </a:rPr>
+                          </m:ctrlPr>
+                        </m:sSupPr>
+                        <m:e>
+                          <m:r>
+                            <a:rPr lang="en-GB" sz="1800" i="1">
+                              <a:effectLst/>
+                              <a:latin typeface="Cambria Math" panose="02040503050406030204" pitchFamily="18" charset="0"/>
+                              <a:ea typeface="Calibri" panose="020F0502020204030204" pitchFamily="34" charset="0"/>
+                              <a:cs typeface="Times New Roman" panose="02020603050405020304" pitchFamily="18" charset="0"/>
+                            </a:rPr>
+                            <m:t>𝐼</m:t>
+                          </m:r>
+                        </m:e>
+                        <m:sup>
+                          <m:r>
+                            <a:rPr lang="en-GB" sz="1800" i="1">
+                              <a:effectLst/>
+                              <a:latin typeface="Cambria Math" panose="02040503050406030204" pitchFamily="18" charset="0"/>
+                              <a:ea typeface="Calibri" panose="020F0502020204030204" pitchFamily="34" charset="0"/>
+                              <a:cs typeface="Times New Roman" panose="02020603050405020304" pitchFamily="18" charset="0"/>
+                            </a:rPr>
+                            <m:t>𝑃</m:t>
+                          </m:r>
+                        </m:sup>
+                      </m:sSup>
+                      <m:r>
+                        <a:rPr lang="en-GB" sz="1800" i="1">
+                          <a:effectLst/>
+                          <a:latin typeface="Cambria Math" panose="02040503050406030204" pitchFamily="18" charset="0"/>
+                          <a:ea typeface="Calibri" panose="020F0502020204030204" pitchFamily="34" charset="0"/>
+                          <a:cs typeface="Times New Roman" panose="02020603050405020304" pitchFamily="18" charset="0"/>
+                        </a:rPr>
+                        <m:t>⋅</m:t>
+                      </m:r>
+                      <m:sSup>
+                        <m:sSupPr>
+                          <m:ctrlPr>
+                            <a:rPr lang="es-CO" sz="1800" i="1">
+                              <a:effectLst/>
+                              <a:latin typeface="Cambria Math" panose="02040503050406030204" pitchFamily="18" charset="0"/>
+                              <a:ea typeface="Calibri" panose="020F0502020204030204" pitchFamily="34" charset="0"/>
+                              <a:cs typeface="Times New Roman" panose="02020603050405020304" pitchFamily="18" charset="0"/>
+                            </a:rPr>
+                          </m:ctrlPr>
+                        </m:sSupPr>
+                        <m:e>
+                          <m:r>
+                            <a:rPr lang="en-GB" sz="1800" i="1">
+                              <a:effectLst/>
+                              <a:latin typeface="Cambria Math" panose="02040503050406030204" pitchFamily="18" charset="0"/>
+                              <a:ea typeface="Calibri" panose="020F0502020204030204" pitchFamily="34" charset="0"/>
+                              <a:cs typeface="Times New Roman" panose="02020603050405020304" pitchFamily="18" charset="0"/>
+                            </a:rPr>
+                            <m:t>𝑒</m:t>
+                          </m:r>
+                        </m:e>
+                        <m:sup>
+                          <m:r>
+                            <a:rPr lang="en-GB" sz="1800" i="1">
+                              <a:effectLst/>
+                              <a:latin typeface="Cambria Math" panose="02040503050406030204" pitchFamily="18" charset="0"/>
+                              <a:ea typeface="Calibri" panose="020F0502020204030204" pitchFamily="34" charset="0"/>
+                              <a:cs typeface="Times New Roman" panose="02020603050405020304" pitchFamily="18" charset="0"/>
+                            </a:rPr>
+                            <m:t>𝑁</m:t>
+                          </m:r>
+                        </m:sup>
+                      </m:sSup>
+                      <m:r>
+                        <a:rPr lang="en-GB" sz="1800" i="1">
+                          <a:effectLst/>
+                          <a:latin typeface="Cambria Math" panose="02040503050406030204" pitchFamily="18" charset="0"/>
+                          <a:ea typeface="Calibri" panose="020F0502020204030204" pitchFamily="34" charset="0"/>
+                          <a:cs typeface="Times New Roman" panose="02020603050405020304" pitchFamily="18" charset="0"/>
+                        </a:rPr>
+                        <m:t>  (4)  </m:t>
+                      </m:r>
+                    </m:oMath>
+                  </m:oMathPara>
+                </a14:m>
+                <a:endParaRPr lang="es-CO" sz="1800" dirty="0">
+                  <a:effectLst/>
+                  <a:latin typeface="Calibri" panose="020F0502020204030204" pitchFamily="34" charset="0"/>
+                  <a:ea typeface="Calibri" panose="020F0502020204030204" pitchFamily="34" charset="0"/>
+                  <a:cs typeface="Times New Roman" panose="02020603050405020304" pitchFamily="18" charset="0"/>
+                </a:endParaRPr>
+              </a:p>
+              <a:p>
+                <a:pPr marL="0" indent="0" algn="just">
+                  <a:buNone/>
+                </a:pPr>
+                <a:endParaRPr lang="en-GB" sz="2000" dirty="0">
+                  <a:latin typeface="Century Gothic" panose="020B0502020202020204" pitchFamily="34" charset="0"/>
+                </a:endParaRPr>
+              </a:p>
+              <a:p>
+                <a:pPr algn="just"/>
+                <a:endParaRPr lang="en-GB" sz="2000" dirty="0">
+                  <a:latin typeface="Century Gothic" panose="020B0502020202020204" pitchFamily="34" charset="0"/>
+                </a:endParaRPr>
+              </a:p>
+            </p:txBody>
+          </p:sp>
+        </mc:Choice>
+        <mc:Fallback>
+          <p:sp>
+            <p:nvSpPr>
+              <p:cNvPr id="2" name="Marcador de contenido 1">
+                <a:extLst>
+                  <a:ext uri="{FF2B5EF4-FFF2-40B4-BE49-F238E27FC236}">
+                    <a16:creationId xmlns:a16="http://schemas.microsoft.com/office/drawing/2014/main" id="{1E76053E-E553-4C2C-919A-CE7A30FA73F9}"/>
+                  </a:ext>
+                </a:extLst>
+              </p:cNvPr>
+              <p:cNvSpPr>
+                <a:spLocks noGrp="1" noRot="1" noChangeAspect="1" noMove="1" noResize="1" noEditPoints="1" noAdjustHandles="1" noChangeArrowheads="1" noChangeShapeType="1" noTextEdit="1"/>
+              </p:cNvSpPr>
+              <p:nvPr>
+                <p:ph idx="1"/>
+              </p:nvPr>
+            </p:nvSpPr>
+            <p:spPr>
+              <a:xfrm>
+                <a:off x="944251" y="1499017"/>
+                <a:ext cx="10303497" cy="4002374"/>
+              </a:xfrm>
+              <a:blipFill>
+                <a:blip r:embed="rId2"/>
+                <a:stretch>
+                  <a:fillRect l="-533" t="-915" r="-592"/>
+                </a:stretch>
+              </a:blipFill>
+            </p:spPr>
+            <p:txBody>
+              <a:bodyPr/>
+              <a:lstStyle/>
+              <a:p>
+                <a:r>
+                  <a:rPr lang="es-CO">
+                    <a:noFill/>
+                  </a:rPr>
+                  <a:t> </a:t>
+                </a:r>
+              </a:p>
+            </p:txBody>
+          </p:sp>
+        </mc:Fallback>
+      </mc:AlternateContent>
       <p:sp>
         <p:nvSpPr>
           <p:cNvPr id="3" name="Título 2">
@@ -3892,38 +7144,1473 @@
           <a:chExt cx="0" cy="0"/>
         </a:xfrm>
       </p:grpSpPr>
-      <p:pic>
-        <p:nvPicPr>
-          <p:cNvPr id="8" name="Marcador de contenido 7">
+      <mc:AlternateContent xmlns:mc="http://schemas.openxmlformats.org/markup-compatibility/2006">
+        <mc:Choice xmlns:a14="http://schemas.microsoft.com/office/drawing/2010/main" Requires="a14">
+          <p:sp>
+            <p:nvSpPr>
+              <p:cNvPr id="2" name="Marcador de contenido 1">
+                <a:extLst>
+                  <a:ext uri="{FF2B5EF4-FFF2-40B4-BE49-F238E27FC236}">
+                    <a16:creationId xmlns:a16="http://schemas.microsoft.com/office/drawing/2014/main" id="{1E76053E-E553-4C2C-919A-CE7A30FA73F9}"/>
+                  </a:ext>
+                </a:extLst>
+              </p:cNvPr>
+              <p:cNvSpPr>
+                <a:spLocks noGrp="1"/>
+              </p:cNvSpPr>
+              <p:nvPr>
+                <p:ph idx="1"/>
+              </p:nvPr>
+            </p:nvSpPr>
+            <p:spPr>
+              <a:xfrm>
+                <a:off x="449705" y="1484027"/>
+                <a:ext cx="11037886" cy="4002374"/>
+              </a:xfrm>
+            </p:spPr>
+            <p:txBody>
+              <a:bodyPr>
+                <a:noAutofit/>
+              </a:bodyPr>
+              <a:lstStyle/>
+              <a:p>
+                <a:pPr algn="just"/>
+                <a:r>
+                  <a:rPr lang="es-CO" sz="2000" dirty="0">
+                    <a:latin typeface="Century Gothic" panose="020B0502020202020204" pitchFamily="34" charset="0"/>
+                  </a:rPr>
+                  <a:t> Total FDI growth is given by:</a:t>
+                </a:r>
+              </a:p>
+              <a:p>
+                <a:pPr marL="0" indent="0" algn="just">
+                  <a:buNone/>
+                </a:pPr>
+                <a14:m>
+                  <m:oMathPara xmlns:m="http://schemas.openxmlformats.org/officeDocument/2006/math">
+                    <m:oMathParaPr>
+                      <m:jc m:val="centerGroup"/>
+                    </m:oMathParaPr>
+                    <m:oMath xmlns:m="http://schemas.openxmlformats.org/officeDocument/2006/math">
+                      <m:acc>
+                        <m:accPr>
+                          <m:chr m:val="̇"/>
+                          <m:ctrlPr>
+                            <a:rPr lang="es-CO" sz="1800" i="1" smtClean="0">
+                              <a:effectLst/>
+                              <a:latin typeface="Cambria Math" panose="02040503050406030204" pitchFamily="18" charset="0"/>
+                              <a:ea typeface="Times New Roman" panose="02020603050405020304" pitchFamily="18" charset="0"/>
+                              <a:cs typeface="Times New Roman" panose="02020603050405020304" pitchFamily="18" charset="0"/>
+                            </a:rPr>
+                          </m:ctrlPr>
+                        </m:accPr>
+                        <m:e>
+                          <m:r>
+                            <a:rPr lang="es-CO" sz="1800" i="1">
+                              <a:effectLst/>
+                              <a:latin typeface="Cambria Math" panose="02040503050406030204" pitchFamily="18" charset="0"/>
+                              <a:ea typeface="Times New Roman" panose="02020603050405020304" pitchFamily="18" charset="0"/>
+                              <a:cs typeface="Times New Roman" panose="02020603050405020304" pitchFamily="18" charset="0"/>
+                            </a:rPr>
+                            <m:t>𝐹𝐷𝐼</m:t>
+                          </m:r>
+                        </m:e>
+                      </m:acc>
+                      <m:r>
+                        <a:rPr lang="es-CO" sz="1800" i="1">
+                          <a:effectLst/>
+                          <a:latin typeface="Cambria Math" panose="02040503050406030204" pitchFamily="18" charset="0"/>
+                          <a:ea typeface="Times New Roman" panose="02020603050405020304" pitchFamily="18" charset="0"/>
+                          <a:cs typeface="Times New Roman" panose="02020603050405020304" pitchFamily="18" charset="0"/>
+                        </a:rPr>
+                        <m:t>= </m:t>
+                      </m:r>
+                      <m:sSub>
+                        <m:sSubPr>
+                          <m:ctrlPr>
+                            <a:rPr lang="es-CO" sz="1800" i="1">
+                              <a:effectLst/>
+                              <a:latin typeface="Cambria Math" panose="02040503050406030204" pitchFamily="18" charset="0"/>
+                              <a:ea typeface="Times New Roman" panose="02020603050405020304" pitchFamily="18" charset="0"/>
+                              <a:cs typeface="Times New Roman" panose="02020603050405020304" pitchFamily="18" charset="0"/>
+                            </a:rPr>
+                          </m:ctrlPr>
+                        </m:sSubPr>
+                        <m:e>
+                          <m:r>
+                            <a:rPr lang="es-CO" sz="1800" i="1">
+                              <a:effectLst/>
+                              <a:latin typeface="Cambria Math" panose="02040503050406030204" pitchFamily="18" charset="0"/>
+                              <a:ea typeface="Times New Roman" panose="02020603050405020304" pitchFamily="18" charset="0"/>
+                              <a:cs typeface="Times New Roman" panose="02020603050405020304" pitchFamily="18" charset="0"/>
+                            </a:rPr>
+                            <m:t>𝛾</m:t>
+                          </m:r>
+                        </m:e>
+                        <m:sub>
+                          <m:r>
+                            <a:rPr lang="es-CO" sz="1800" i="1">
+                              <a:effectLst/>
+                              <a:latin typeface="Cambria Math" panose="02040503050406030204" pitchFamily="18" charset="0"/>
+                              <a:ea typeface="Times New Roman" panose="02020603050405020304" pitchFamily="18" charset="0"/>
+                              <a:cs typeface="Times New Roman" panose="02020603050405020304" pitchFamily="18" charset="0"/>
+                            </a:rPr>
+                            <m:t>𝐹𝐷𝐼</m:t>
+                          </m:r>
+                        </m:sub>
+                      </m:sSub>
+                      <m:r>
+                        <a:rPr lang="es-CO" sz="1800" i="1">
+                          <a:effectLst/>
+                          <a:latin typeface="Cambria Math" panose="02040503050406030204" pitchFamily="18" charset="0"/>
+                          <a:ea typeface="Times New Roman" panose="02020603050405020304" pitchFamily="18" charset="0"/>
+                          <a:cs typeface="Times New Roman" panose="02020603050405020304" pitchFamily="18" charset="0"/>
+                        </a:rPr>
+                        <m:t>∙</m:t>
+                      </m:r>
+                      <m:r>
+                        <a:rPr lang="es-CO" sz="1800" i="1">
+                          <a:effectLst/>
+                          <a:latin typeface="Cambria Math" panose="02040503050406030204" pitchFamily="18" charset="0"/>
+                          <a:ea typeface="Times New Roman" panose="02020603050405020304" pitchFamily="18" charset="0"/>
+                          <a:cs typeface="Times New Roman" panose="02020603050405020304" pitchFamily="18" charset="0"/>
+                        </a:rPr>
+                        <m:t>𝐹𝐷𝐼</m:t>
+                      </m:r>
+                      <m:r>
+                        <a:rPr lang="es-CO" sz="1800" i="1" smtClean="0">
+                          <a:effectLst/>
+                          <a:latin typeface="Cambria Math" panose="02040503050406030204" pitchFamily="18" charset="0"/>
+                          <a:ea typeface="Times New Roman" panose="02020603050405020304" pitchFamily="18" charset="0"/>
+                          <a:cs typeface="Times New Roman" panose="02020603050405020304" pitchFamily="18" charset="0"/>
+                        </a:rPr>
+                        <m:t> </m:t>
+                      </m:r>
+                      <m:r>
+                        <a:rPr lang="es-CO" sz="1800" b="0" i="1" smtClean="0">
+                          <a:effectLst/>
+                          <a:latin typeface="Cambria Math" panose="02040503050406030204" pitchFamily="18" charset="0"/>
+                          <a:ea typeface="Times New Roman" panose="02020603050405020304" pitchFamily="18" charset="0"/>
+                          <a:cs typeface="Times New Roman" panose="02020603050405020304" pitchFamily="18" charset="0"/>
+                        </a:rPr>
+                        <m:t>     (5)</m:t>
+                      </m:r>
+                    </m:oMath>
+                  </m:oMathPara>
+                </a14:m>
+                <a:endParaRPr lang="es-CO" sz="2000" dirty="0">
+                  <a:effectLst/>
+                  <a:latin typeface="Calibri" panose="020F0502020204030204" pitchFamily="34" charset="0"/>
+                  <a:ea typeface="Calibri" panose="020F0502020204030204" pitchFamily="34" charset="0"/>
+                  <a:cs typeface="Times New Roman" panose="02020603050405020304" pitchFamily="18" charset="0"/>
+                </a:endParaRPr>
+              </a:p>
+              <a:p>
+                <a:pPr marL="0" indent="0" algn="just">
+                  <a:buNone/>
+                </a:pPr>
+                <a:endParaRPr lang="en-GB" sz="2000" dirty="0">
+                  <a:latin typeface="Century Gothic" panose="020B0502020202020204" pitchFamily="34" charset="0"/>
+                </a:endParaRPr>
+              </a:p>
+              <a:p>
+                <a:pPr algn="just"/>
+                <a:r>
+                  <a:rPr lang="en-GB" sz="2000" dirty="0">
+                    <a:latin typeface="Century Gothic" panose="020B0502020202020204" pitchFamily="34" charset="0"/>
+                  </a:rPr>
+                  <a:t> FDI growth rate follows a dynamic behaviour described by the following equations. </a:t>
+                </a:r>
+              </a:p>
+              <a:p>
+                <a:pPr marL="0" indent="0" algn="just">
+                  <a:buNone/>
+                </a:pPr>
+                <a:endParaRPr lang="en-GB" sz="2000" dirty="0">
+                  <a:latin typeface="Century Gothic" panose="020B0502020202020204" pitchFamily="34" charset="0"/>
+                </a:endParaRPr>
+              </a:p>
+              <a:p>
+                <a:pPr marL="0" indent="0" algn="just">
+                  <a:buNone/>
+                </a:pPr>
+                <a14:m>
+                  <m:oMathPara xmlns:m="http://schemas.openxmlformats.org/officeDocument/2006/math">
+                    <m:oMathParaPr>
+                      <m:jc m:val="centerGroup"/>
+                    </m:oMathParaPr>
+                    <m:oMath xmlns:m="http://schemas.openxmlformats.org/officeDocument/2006/math">
+                      <m:acc>
+                        <m:accPr>
+                          <m:chr m:val="̇"/>
+                          <m:ctrlPr>
+                            <a:rPr lang="es-CO" sz="1800" i="1" smtClean="0">
+                              <a:effectLst/>
+                              <a:latin typeface="Cambria Math" panose="02040503050406030204" pitchFamily="18" charset="0"/>
+                              <a:ea typeface="Times New Roman" panose="02020603050405020304" pitchFamily="18" charset="0"/>
+                              <a:cs typeface="Times New Roman" panose="02020603050405020304" pitchFamily="18" charset="0"/>
+                            </a:rPr>
+                          </m:ctrlPr>
+                        </m:accPr>
+                        <m:e>
+                          <m:sSub>
+                            <m:sSubPr>
+                              <m:ctrlPr>
+                                <a:rPr lang="es-CO" sz="1800" i="1">
+                                  <a:effectLst/>
+                                  <a:latin typeface="Cambria Math" panose="02040503050406030204" pitchFamily="18" charset="0"/>
+                                  <a:ea typeface="Times New Roman" panose="02020603050405020304" pitchFamily="18" charset="0"/>
+                                  <a:cs typeface="Times New Roman" panose="02020603050405020304" pitchFamily="18" charset="0"/>
+                                </a:rPr>
+                              </m:ctrlPr>
+                            </m:sSubPr>
+                            <m:e>
+                              <m:r>
+                                <a:rPr lang="es-CO" sz="1800" i="1">
+                                  <a:effectLst/>
+                                  <a:latin typeface="Cambria Math" panose="02040503050406030204" pitchFamily="18" charset="0"/>
+                                  <a:ea typeface="Times New Roman" panose="02020603050405020304" pitchFamily="18" charset="0"/>
+                                  <a:cs typeface="Times New Roman" panose="02020603050405020304" pitchFamily="18" charset="0"/>
+                                </a:rPr>
+                                <m:t>𝛾</m:t>
+                              </m:r>
+                            </m:e>
+                            <m:sub>
+                              <m:r>
+                                <a:rPr lang="es-CO" sz="1800" i="1">
+                                  <a:effectLst/>
+                                  <a:latin typeface="Cambria Math" panose="02040503050406030204" pitchFamily="18" charset="0"/>
+                                  <a:ea typeface="Times New Roman" panose="02020603050405020304" pitchFamily="18" charset="0"/>
+                                  <a:cs typeface="Times New Roman" panose="02020603050405020304" pitchFamily="18" charset="0"/>
+                                </a:rPr>
+                                <m:t>𝐹𝐷𝐼</m:t>
+                              </m:r>
+                            </m:sub>
+                          </m:sSub>
+                        </m:e>
+                      </m:acc>
+                      <m:r>
+                        <a:rPr lang="es-CO" sz="1800" i="1">
+                          <a:effectLst/>
+                          <a:latin typeface="Cambria Math" panose="02040503050406030204" pitchFamily="18" charset="0"/>
+                          <a:ea typeface="Times New Roman" panose="02020603050405020304" pitchFamily="18" charset="0"/>
+                          <a:cs typeface="Times New Roman" panose="02020603050405020304" pitchFamily="18" charset="0"/>
+                        </a:rPr>
+                        <m:t>= </m:t>
+                      </m:r>
+                      <m:sSub>
+                        <m:sSubPr>
+                          <m:ctrlPr>
+                            <a:rPr lang="es-CO" sz="1800" i="1">
+                              <a:effectLst/>
+                              <a:latin typeface="Cambria Math" panose="02040503050406030204" pitchFamily="18" charset="0"/>
+                              <a:ea typeface="Times New Roman" panose="02020603050405020304" pitchFamily="18" charset="0"/>
+                              <a:cs typeface="Times New Roman" panose="02020603050405020304" pitchFamily="18" charset="0"/>
+                            </a:rPr>
+                          </m:ctrlPr>
+                        </m:sSubPr>
+                        <m:e>
+                          <m:r>
+                            <a:rPr lang="es-CO" sz="1800" i="1">
+                              <a:effectLst/>
+                              <a:latin typeface="Cambria Math" panose="02040503050406030204" pitchFamily="18" charset="0"/>
+                              <a:ea typeface="Times New Roman" panose="02020603050405020304" pitchFamily="18" charset="0"/>
+                              <a:cs typeface="Times New Roman" panose="02020603050405020304" pitchFamily="18" charset="0"/>
+                            </a:rPr>
+                            <m:t>𝛾</m:t>
+                          </m:r>
+                        </m:e>
+                        <m:sub>
+                          <m:r>
+                            <a:rPr lang="es-CO" sz="1800" i="1">
+                              <a:effectLst/>
+                              <a:latin typeface="Cambria Math" panose="02040503050406030204" pitchFamily="18" charset="0"/>
+                              <a:ea typeface="Times New Roman" panose="02020603050405020304" pitchFamily="18" charset="0"/>
+                              <a:cs typeface="Times New Roman" panose="02020603050405020304" pitchFamily="18" charset="0"/>
+                            </a:rPr>
+                            <m:t>𝐹𝐷𝐼</m:t>
+                          </m:r>
+                        </m:sub>
+                      </m:sSub>
+                      <m:r>
+                        <a:rPr lang="es-CO" sz="1800" i="1">
+                          <a:effectLst/>
+                          <a:latin typeface="Cambria Math" panose="02040503050406030204" pitchFamily="18" charset="0"/>
+                          <a:ea typeface="Times New Roman" panose="02020603050405020304" pitchFamily="18" charset="0"/>
+                          <a:cs typeface="Times New Roman" panose="02020603050405020304" pitchFamily="18" charset="0"/>
+                        </a:rPr>
+                        <m:t>∙ </m:t>
+                      </m:r>
+                      <m:d>
+                        <m:dPr>
+                          <m:ctrlPr>
+                            <a:rPr lang="es-CO" sz="1800" i="1">
+                              <a:effectLst/>
+                              <a:latin typeface="Cambria Math" panose="02040503050406030204" pitchFamily="18" charset="0"/>
+                              <a:ea typeface="Times New Roman" panose="02020603050405020304" pitchFamily="18" charset="0"/>
+                              <a:cs typeface="Times New Roman" panose="02020603050405020304" pitchFamily="18" charset="0"/>
+                            </a:rPr>
+                          </m:ctrlPr>
+                        </m:dPr>
+                        <m:e>
+                          <m:r>
+                            <a:rPr lang="es-CO" sz="1800" i="1">
+                              <a:effectLst/>
+                              <a:latin typeface="Cambria Math" panose="02040503050406030204" pitchFamily="18" charset="0"/>
+                              <a:ea typeface="Times New Roman" panose="02020603050405020304" pitchFamily="18" charset="0"/>
+                              <a:cs typeface="Times New Roman" panose="02020603050405020304" pitchFamily="18" charset="0"/>
+                            </a:rPr>
+                            <m:t>1+ </m:t>
+                          </m:r>
+                          <m:sSub>
+                            <m:sSubPr>
+                              <m:ctrlPr>
+                                <a:rPr lang="es-CO" sz="1800" i="1">
+                                  <a:effectLst/>
+                                  <a:latin typeface="Cambria Math" panose="02040503050406030204" pitchFamily="18" charset="0"/>
+                                  <a:ea typeface="Times New Roman" panose="02020603050405020304" pitchFamily="18" charset="0"/>
+                                  <a:cs typeface="Times New Roman" panose="02020603050405020304" pitchFamily="18" charset="0"/>
+                                </a:rPr>
+                              </m:ctrlPr>
+                            </m:sSubPr>
+                            <m:e>
+                              <m:r>
+                                <a:rPr lang="es-CO" sz="1800" i="1">
+                                  <a:effectLst/>
+                                  <a:latin typeface="Cambria Math" panose="02040503050406030204" pitchFamily="18" charset="0"/>
+                                  <a:ea typeface="Times New Roman" panose="02020603050405020304" pitchFamily="18" charset="0"/>
+                                  <a:cs typeface="Times New Roman" panose="02020603050405020304" pitchFamily="18" charset="0"/>
+                                </a:rPr>
+                                <m:t>𝜂</m:t>
+                              </m:r>
+                            </m:e>
+                            <m:sub>
+                              <m:r>
+                                <a:rPr lang="es-CO" sz="1800" i="1">
+                                  <a:effectLst/>
+                                  <a:latin typeface="Cambria Math" panose="02040503050406030204" pitchFamily="18" charset="0"/>
+                                  <a:ea typeface="Times New Roman" panose="02020603050405020304" pitchFamily="18" charset="0"/>
+                                  <a:cs typeface="Times New Roman" panose="02020603050405020304" pitchFamily="18" charset="0"/>
+                                </a:rPr>
+                                <m:t>1</m:t>
+                              </m:r>
+                            </m:sub>
+                          </m:sSub>
+                          <m:d>
+                            <m:dPr>
+                              <m:ctrlPr>
+                                <a:rPr lang="es-CO" sz="1800" i="1">
+                                  <a:effectLst/>
+                                  <a:latin typeface="Cambria Math" panose="02040503050406030204" pitchFamily="18" charset="0"/>
+                                  <a:ea typeface="Times New Roman" panose="02020603050405020304" pitchFamily="18" charset="0"/>
+                                  <a:cs typeface="Times New Roman" panose="02020603050405020304" pitchFamily="18" charset="0"/>
+                                </a:rPr>
+                              </m:ctrlPr>
+                            </m:dPr>
+                            <m:e>
+                              <m:f>
+                                <m:fPr>
+                                  <m:type m:val="skw"/>
+                                  <m:ctrlPr>
+                                    <a:rPr lang="es-CO" sz="1800" i="1">
+                                      <a:effectLst/>
+                                      <a:latin typeface="Cambria Math" panose="02040503050406030204" pitchFamily="18" charset="0"/>
+                                      <a:ea typeface="Times New Roman" panose="02020603050405020304" pitchFamily="18" charset="0"/>
+                                      <a:cs typeface="Times New Roman" panose="02020603050405020304" pitchFamily="18" charset="0"/>
+                                    </a:rPr>
+                                  </m:ctrlPr>
+                                </m:fPr>
+                                <m:num>
+                                  <m:acc>
+                                    <m:accPr>
+                                      <m:chr m:val="̇"/>
+                                      <m:ctrlPr>
+                                        <a:rPr lang="es-CO" sz="1800" i="1">
+                                          <a:effectLst/>
+                                          <a:latin typeface="Cambria Math" panose="02040503050406030204" pitchFamily="18" charset="0"/>
+                                          <a:ea typeface="Times New Roman" panose="02020603050405020304" pitchFamily="18" charset="0"/>
+                                          <a:cs typeface="Times New Roman" panose="02020603050405020304" pitchFamily="18" charset="0"/>
+                                        </a:rPr>
+                                      </m:ctrlPr>
+                                    </m:accPr>
+                                    <m:e>
+                                      <m:r>
+                                        <a:rPr lang="es-CO" sz="1800" i="1">
+                                          <a:effectLst/>
+                                          <a:latin typeface="Cambria Math" panose="02040503050406030204" pitchFamily="18" charset="0"/>
+                                          <a:ea typeface="Times New Roman" panose="02020603050405020304" pitchFamily="18" charset="0"/>
+                                          <a:cs typeface="Times New Roman" panose="02020603050405020304" pitchFamily="18" charset="0"/>
+                                        </a:rPr>
+                                        <m:t>𝐺𝐷𝑃</m:t>
+                                      </m:r>
+                                    </m:e>
+                                  </m:acc>
+                                </m:num>
+                                <m:den>
+                                  <m:r>
+                                    <a:rPr lang="es-CO" sz="1800" i="1">
+                                      <a:effectLst/>
+                                      <a:latin typeface="Cambria Math" panose="02040503050406030204" pitchFamily="18" charset="0"/>
+                                      <a:ea typeface="Times New Roman" panose="02020603050405020304" pitchFamily="18" charset="0"/>
+                                      <a:cs typeface="Times New Roman" panose="02020603050405020304" pitchFamily="18" charset="0"/>
+                                    </a:rPr>
+                                    <m:t>𝐺𝐷𝑃</m:t>
+                                  </m:r>
+                                </m:den>
+                              </m:f>
+                              <m:r>
+                                <a:rPr lang="es-CO" sz="1800" i="1">
+                                  <a:effectLst/>
+                                  <a:latin typeface="Cambria Math" panose="02040503050406030204" pitchFamily="18" charset="0"/>
+                                  <a:ea typeface="Times New Roman" panose="02020603050405020304" pitchFamily="18" charset="0"/>
+                                  <a:cs typeface="Times New Roman" panose="02020603050405020304" pitchFamily="18" charset="0"/>
+                                </a:rPr>
+                                <m:t>− </m:t>
+                              </m:r>
+                              <m:f>
+                                <m:fPr>
+                                  <m:type m:val="skw"/>
+                                  <m:ctrlPr>
+                                    <a:rPr lang="es-CO" sz="1800" i="1">
+                                      <a:effectLst/>
+                                      <a:latin typeface="Cambria Math" panose="02040503050406030204" pitchFamily="18" charset="0"/>
+                                      <a:ea typeface="Times New Roman" panose="02020603050405020304" pitchFamily="18" charset="0"/>
+                                      <a:cs typeface="Times New Roman" panose="02020603050405020304" pitchFamily="18" charset="0"/>
+                                    </a:rPr>
+                                  </m:ctrlPr>
+                                </m:fPr>
+                                <m:num>
+                                  <m:sSup>
+                                    <m:sSupPr>
+                                      <m:ctrlPr>
+                                        <a:rPr lang="es-CO" sz="1800" i="1">
+                                          <a:effectLst/>
+                                          <a:latin typeface="Cambria Math" panose="02040503050406030204" pitchFamily="18" charset="0"/>
+                                          <a:ea typeface="Times New Roman" panose="02020603050405020304" pitchFamily="18" charset="0"/>
+                                          <a:cs typeface="Times New Roman" panose="02020603050405020304" pitchFamily="18" charset="0"/>
+                                        </a:rPr>
+                                      </m:ctrlPr>
+                                    </m:sSupPr>
+                                    <m:e>
+                                      <m:acc>
+                                        <m:accPr>
+                                          <m:chr m:val="̇"/>
+                                          <m:ctrlPr>
+                                            <a:rPr lang="es-CO" sz="1800" i="1">
+                                              <a:effectLst/>
+                                              <a:latin typeface="Cambria Math" panose="02040503050406030204" pitchFamily="18" charset="0"/>
+                                              <a:ea typeface="Times New Roman" panose="02020603050405020304" pitchFamily="18" charset="0"/>
+                                              <a:cs typeface="Times New Roman" panose="02020603050405020304" pitchFamily="18" charset="0"/>
+                                            </a:rPr>
+                                          </m:ctrlPr>
+                                        </m:accPr>
+                                        <m:e>
+                                          <m:r>
+                                            <a:rPr lang="es-CO" sz="1800" i="1">
+                                              <a:effectLst/>
+                                              <a:latin typeface="Cambria Math" panose="02040503050406030204" pitchFamily="18" charset="0"/>
+                                              <a:ea typeface="Times New Roman" panose="02020603050405020304" pitchFamily="18" charset="0"/>
+                                              <a:cs typeface="Times New Roman" panose="02020603050405020304" pitchFamily="18" charset="0"/>
+                                            </a:rPr>
+                                            <m:t>𝐺𝐷𝑃</m:t>
+                                          </m:r>
+                                        </m:e>
+                                      </m:acc>
+                                    </m:e>
+                                    <m:sup>
+                                      <m:r>
+                                        <a:rPr lang="es-CO" sz="1800" i="1">
+                                          <a:effectLst/>
+                                          <a:latin typeface="Cambria Math" panose="02040503050406030204" pitchFamily="18" charset="0"/>
+                                          <a:ea typeface="Times New Roman" panose="02020603050405020304" pitchFamily="18" charset="0"/>
+                                          <a:cs typeface="Times New Roman" panose="02020603050405020304" pitchFamily="18" charset="0"/>
+                                        </a:rPr>
+                                        <m:t>𝑊</m:t>
+                                      </m:r>
+                                    </m:sup>
+                                  </m:sSup>
+                                </m:num>
+                                <m:den>
+                                  <m:r>
+                                    <a:rPr lang="es-CO" sz="1800" i="1">
+                                      <a:effectLst/>
+                                      <a:latin typeface="Cambria Math" panose="02040503050406030204" pitchFamily="18" charset="0"/>
+                                      <a:ea typeface="Times New Roman" panose="02020603050405020304" pitchFamily="18" charset="0"/>
+                                      <a:cs typeface="Times New Roman" panose="02020603050405020304" pitchFamily="18" charset="0"/>
+                                    </a:rPr>
+                                    <m:t>𝐺𝐷</m:t>
+                                  </m:r>
+                                  <m:sSup>
+                                    <m:sSupPr>
+                                      <m:ctrlPr>
+                                        <a:rPr lang="es-CO" sz="1800" i="1">
+                                          <a:effectLst/>
+                                          <a:latin typeface="Cambria Math" panose="02040503050406030204" pitchFamily="18" charset="0"/>
+                                          <a:ea typeface="Times New Roman" panose="02020603050405020304" pitchFamily="18" charset="0"/>
+                                          <a:cs typeface="Times New Roman" panose="02020603050405020304" pitchFamily="18" charset="0"/>
+                                        </a:rPr>
+                                      </m:ctrlPr>
+                                    </m:sSupPr>
+                                    <m:e>
+                                      <m:r>
+                                        <a:rPr lang="es-CO" sz="1800" i="1">
+                                          <a:effectLst/>
+                                          <a:latin typeface="Cambria Math" panose="02040503050406030204" pitchFamily="18" charset="0"/>
+                                          <a:ea typeface="Times New Roman" panose="02020603050405020304" pitchFamily="18" charset="0"/>
+                                          <a:cs typeface="Times New Roman" panose="02020603050405020304" pitchFamily="18" charset="0"/>
+                                        </a:rPr>
+                                        <m:t>𝑃</m:t>
+                                      </m:r>
+                                    </m:e>
+                                    <m:sup>
+                                      <m:r>
+                                        <a:rPr lang="es-CO" sz="1800" i="1">
+                                          <a:effectLst/>
+                                          <a:latin typeface="Cambria Math" panose="02040503050406030204" pitchFamily="18" charset="0"/>
+                                          <a:ea typeface="Times New Roman" panose="02020603050405020304" pitchFamily="18" charset="0"/>
+                                          <a:cs typeface="Times New Roman" panose="02020603050405020304" pitchFamily="18" charset="0"/>
+                                        </a:rPr>
+                                        <m:t>𝑊</m:t>
+                                      </m:r>
+                                    </m:sup>
+                                  </m:sSup>
+                                </m:den>
+                              </m:f>
+                              <m:r>
+                                <a:rPr lang="es-CO" sz="1800" i="1">
+                                  <a:effectLst/>
+                                  <a:latin typeface="Cambria Math" panose="02040503050406030204" pitchFamily="18" charset="0"/>
+                                  <a:ea typeface="Times New Roman" panose="02020603050405020304" pitchFamily="18" charset="0"/>
+                                  <a:cs typeface="Times New Roman" panose="02020603050405020304" pitchFamily="18" charset="0"/>
+                                </a:rPr>
+                                <m:t>  </m:t>
+                              </m:r>
+                            </m:e>
+                          </m:d>
+                          <m:r>
+                            <a:rPr lang="es-CO" sz="1800" i="1">
+                              <a:effectLst/>
+                              <a:latin typeface="Cambria Math" panose="02040503050406030204" pitchFamily="18" charset="0"/>
+                              <a:ea typeface="Times New Roman" panose="02020603050405020304" pitchFamily="18" charset="0"/>
+                              <a:cs typeface="Times New Roman" panose="02020603050405020304" pitchFamily="18" charset="0"/>
+                            </a:rPr>
+                            <m:t>+ </m:t>
+                          </m:r>
+                          <m:sSub>
+                            <m:sSubPr>
+                              <m:ctrlPr>
+                                <a:rPr lang="es-CO" sz="1800" i="1">
+                                  <a:effectLst/>
+                                  <a:latin typeface="Cambria Math" panose="02040503050406030204" pitchFamily="18" charset="0"/>
+                                  <a:ea typeface="Times New Roman" panose="02020603050405020304" pitchFamily="18" charset="0"/>
+                                  <a:cs typeface="Times New Roman" panose="02020603050405020304" pitchFamily="18" charset="0"/>
+                                </a:rPr>
+                              </m:ctrlPr>
+                            </m:sSubPr>
+                            <m:e>
+                              <m:r>
+                                <a:rPr lang="es-CO" sz="1800" i="1">
+                                  <a:effectLst/>
+                                  <a:latin typeface="Cambria Math" panose="02040503050406030204" pitchFamily="18" charset="0"/>
+                                  <a:ea typeface="Times New Roman" panose="02020603050405020304" pitchFamily="18" charset="0"/>
+                                  <a:cs typeface="Times New Roman" panose="02020603050405020304" pitchFamily="18" charset="0"/>
+                                </a:rPr>
+                                <m:t>𝜂</m:t>
+                              </m:r>
+                            </m:e>
+                            <m:sub>
+                              <m:r>
+                                <a:rPr lang="es-CO" sz="1800" i="1">
+                                  <a:effectLst/>
+                                  <a:latin typeface="Cambria Math" panose="02040503050406030204" pitchFamily="18" charset="0"/>
+                                  <a:ea typeface="Times New Roman" panose="02020603050405020304" pitchFamily="18" charset="0"/>
+                                  <a:cs typeface="Times New Roman" panose="02020603050405020304" pitchFamily="18" charset="0"/>
+                                </a:rPr>
+                                <m:t>2</m:t>
+                              </m:r>
+                            </m:sub>
+                          </m:sSub>
+                          <m:d>
+                            <m:dPr>
+                              <m:ctrlPr>
+                                <a:rPr lang="es-CO" sz="1800" i="1">
+                                  <a:effectLst/>
+                                  <a:latin typeface="Cambria Math" panose="02040503050406030204" pitchFamily="18" charset="0"/>
+                                  <a:ea typeface="Times New Roman" panose="02020603050405020304" pitchFamily="18" charset="0"/>
+                                  <a:cs typeface="Times New Roman" panose="02020603050405020304" pitchFamily="18" charset="0"/>
+                                </a:rPr>
+                              </m:ctrlPr>
+                            </m:dPr>
+                            <m:e>
+                              <m:sSubSup>
+                                <m:sSubSupPr>
+                                  <m:ctrlPr>
+                                    <a:rPr lang="es-CO" sz="1800" i="1">
+                                      <a:effectLst/>
+                                      <a:latin typeface="Cambria Math" panose="02040503050406030204" pitchFamily="18" charset="0"/>
+                                      <a:ea typeface="Times New Roman" panose="02020603050405020304" pitchFamily="18" charset="0"/>
+                                      <a:cs typeface="Times New Roman" panose="02020603050405020304" pitchFamily="18" charset="0"/>
+                                    </a:rPr>
+                                  </m:ctrlPr>
+                                </m:sSubSupPr>
+                                <m:e>
+                                  <m:r>
+                                    <a:rPr lang="es-CO" sz="1800" i="1">
+                                      <a:effectLst/>
+                                      <a:latin typeface="Cambria Math" panose="02040503050406030204" pitchFamily="18" charset="0"/>
+                                      <a:ea typeface="Times New Roman" panose="02020603050405020304" pitchFamily="18" charset="0"/>
+                                      <a:cs typeface="Times New Roman" panose="02020603050405020304" pitchFamily="18" charset="0"/>
+                                    </a:rPr>
+                                    <m:t>𝑟</m:t>
+                                  </m:r>
+                                </m:e>
+                                <m:sub>
+                                  <m:r>
+                                    <a:rPr lang="es-CO" sz="1800" i="1">
+                                      <a:effectLst/>
+                                      <a:latin typeface="Cambria Math" panose="02040503050406030204" pitchFamily="18" charset="0"/>
+                                      <a:ea typeface="Times New Roman" panose="02020603050405020304" pitchFamily="18" charset="0"/>
+                                      <a:cs typeface="Times New Roman" panose="02020603050405020304" pitchFamily="18" charset="0"/>
+                                    </a:rPr>
+                                    <m:t>𝐹𝐷𝐼</m:t>
+                                  </m:r>
+                                </m:sub>
+                                <m:sup>
+                                  <m:r>
+                                    <a:rPr lang="es-CO" sz="1800" i="1">
+                                      <a:effectLst/>
+                                      <a:latin typeface="Cambria Math" panose="02040503050406030204" pitchFamily="18" charset="0"/>
+                                      <a:ea typeface="Times New Roman" panose="02020603050405020304" pitchFamily="18" charset="0"/>
+                                      <a:cs typeface="Times New Roman" panose="02020603050405020304" pitchFamily="18" charset="0"/>
+                                    </a:rPr>
+                                    <m:t>𝑒</m:t>
+                                  </m:r>
+                                </m:sup>
+                              </m:sSubSup>
+                              <m:r>
+                                <a:rPr lang="es-CO" sz="1800" i="1">
+                                  <a:effectLst/>
+                                  <a:latin typeface="Cambria Math" panose="02040503050406030204" pitchFamily="18" charset="0"/>
+                                  <a:ea typeface="Times New Roman" panose="02020603050405020304" pitchFamily="18" charset="0"/>
+                                  <a:cs typeface="Times New Roman" panose="02020603050405020304" pitchFamily="18" charset="0"/>
+                                </a:rPr>
+                                <m:t>−</m:t>
+                              </m:r>
+                              <m:sSup>
+                                <m:sSupPr>
+                                  <m:ctrlPr>
+                                    <a:rPr lang="es-CO" sz="1800" i="1">
+                                      <a:effectLst/>
+                                      <a:latin typeface="Cambria Math" panose="02040503050406030204" pitchFamily="18" charset="0"/>
+                                      <a:ea typeface="Times New Roman" panose="02020603050405020304" pitchFamily="18" charset="0"/>
+                                      <a:cs typeface="Times New Roman" panose="02020603050405020304" pitchFamily="18" charset="0"/>
+                                    </a:rPr>
+                                  </m:ctrlPr>
+                                </m:sSupPr>
+                                <m:e>
+                                  <m:r>
+                                    <a:rPr lang="es-CO" sz="1800" i="1">
+                                      <a:effectLst/>
+                                      <a:latin typeface="Cambria Math" panose="02040503050406030204" pitchFamily="18" charset="0"/>
+                                      <a:ea typeface="Times New Roman" panose="02020603050405020304" pitchFamily="18" charset="0"/>
+                                      <a:cs typeface="Times New Roman" panose="02020603050405020304" pitchFamily="18" charset="0"/>
+                                    </a:rPr>
+                                    <m:t>𝑟</m:t>
+                                  </m:r>
+                                </m:e>
+                                <m:sup>
+                                  <m:r>
+                                    <a:rPr lang="es-CO" sz="1800" i="1">
+                                      <a:effectLst/>
+                                      <a:latin typeface="Cambria Math" panose="02040503050406030204" pitchFamily="18" charset="0"/>
+                                      <a:ea typeface="Times New Roman" panose="02020603050405020304" pitchFamily="18" charset="0"/>
+                                      <a:cs typeface="Times New Roman" panose="02020603050405020304" pitchFamily="18" charset="0"/>
+                                    </a:rPr>
+                                    <m:t>𝑊</m:t>
+                                  </m:r>
+                                  <m:r>
+                                    <a:rPr lang="es-CO" sz="1800" i="1">
+                                      <a:effectLst/>
+                                      <a:latin typeface="Cambria Math" panose="02040503050406030204" pitchFamily="18" charset="0"/>
+                                      <a:ea typeface="Times New Roman" panose="02020603050405020304" pitchFamily="18" charset="0"/>
+                                      <a:cs typeface="Times New Roman" panose="02020603050405020304" pitchFamily="18" charset="0"/>
+                                    </a:rPr>
+                                    <m:t>,</m:t>
+                                  </m:r>
+                                  <m:r>
+                                    <a:rPr lang="es-CO" sz="1800" i="1">
+                                      <a:effectLst/>
+                                      <a:latin typeface="Cambria Math" panose="02040503050406030204" pitchFamily="18" charset="0"/>
+                                      <a:ea typeface="Times New Roman" panose="02020603050405020304" pitchFamily="18" charset="0"/>
+                                      <a:cs typeface="Times New Roman" panose="02020603050405020304" pitchFamily="18" charset="0"/>
+                                    </a:rPr>
+                                    <m:t>𝑒</m:t>
+                                  </m:r>
+                                </m:sup>
+                              </m:sSup>
+                            </m:e>
+                          </m:d>
+                        </m:e>
+                      </m:d>
+                      <m:r>
+                        <a:rPr lang="es-CO" sz="1800" i="1">
+                          <a:effectLst/>
+                          <a:latin typeface="Cambria Math" panose="02040503050406030204" pitchFamily="18" charset="0"/>
+                          <a:ea typeface="Times New Roman" panose="02020603050405020304" pitchFamily="18" charset="0"/>
+                          <a:cs typeface="Times New Roman" panose="02020603050405020304" pitchFamily="18" charset="0"/>
+                        </a:rPr>
+                        <m:t>   (6)</m:t>
+                      </m:r>
+                    </m:oMath>
+                  </m:oMathPara>
+                </a14:m>
+                <a:endParaRPr lang="es-CO" sz="1800" dirty="0">
+                  <a:effectLst/>
+                  <a:latin typeface="Calibri" panose="020F0502020204030204" pitchFamily="34" charset="0"/>
+                  <a:ea typeface="Calibri" panose="020F0502020204030204" pitchFamily="34" charset="0"/>
+                  <a:cs typeface="Times New Roman" panose="02020603050405020304" pitchFamily="18" charset="0"/>
+                </a:endParaRPr>
+              </a:p>
+              <a:p>
+                <a:pPr marL="0" indent="0" algn="ctr">
+                  <a:lnSpc>
+                    <a:spcPct val="150000"/>
+                  </a:lnSpc>
+                  <a:spcAft>
+                    <a:spcPts val="800"/>
+                  </a:spcAft>
+                  <a:buNone/>
+                </a:pPr>
+                <a14:m>
+                  <m:oMathPara xmlns:m="http://schemas.openxmlformats.org/officeDocument/2006/math">
+                    <m:oMathParaPr>
+                      <m:jc m:val="centerGroup"/>
+                    </m:oMathParaPr>
+                    <m:oMath xmlns:m="http://schemas.openxmlformats.org/officeDocument/2006/math">
+                      <m:sSubSup>
+                        <m:sSubSupPr>
+                          <m:ctrlPr>
+                            <a:rPr lang="es-CO" sz="1800" i="1" smtClean="0">
+                              <a:effectLst/>
+                              <a:latin typeface="Cambria Math" panose="02040503050406030204" pitchFamily="18" charset="0"/>
+                              <a:ea typeface="Times New Roman" panose="02020603050405020304" pitchFamily="18" charset="0"/>
+                              <a:cs typeface="Times New Roman" panose="02020603050405020304" pitchFamily="18" charset="0"/>
+                            </a:rPr>
+                          </m:ctrlPr>
+                        </m:sSubSupPr>
+                        <m:e>
+                          <m:r>
+                            <a:rPr lang="es-CO" sz="1800" i="1">
+                              <a:effectLst/>
+                              <a:latin typeface="Cambria Math" panose="02040503050406030204" pitchFamily="18" charset="0"/>
+                              <a:ea typeface="Times New Roman" panose="02020603050405020304" pitchFamily="18" charset="0"/>
+                              <a:cs typeface="Times New Roman" panose="02020603050405020304" pitchFamily="18" charset="0"/>
+                            </a:rPr>
+                            <m:t>𝑟</m:t>
+                          </m:r>
+                        </m:e>
+                        <m:sub>
+                          <m:r>
+                            <a:rPr lang="es-CO" sz="1800" i="1">
+                              <a:effectLst/>
+                              <a:latin typeface="Cambria Math" panose="02040503050406030204" pitchFamily="18" charset="0"/>
+                              <a:ea typeface="Times New Roman" panose="02020603050405020304" pitchFamily="18" charset="0"/>
+                              <a:cs typeface="Times New Roman" panose="02020603050405020304" pitchFamily="18" charset="0"/>
+                            </a:rPr>
+                            <m:t>𝐹𝐷𝐼</m:t>
+                          </m:r>
+                        </m:sub>
+                        <m:sup>
+                          <m:r>
+                            <a:rPr lang="es-CO" sz="1800" i="1">
+                              <a:effectLst/>
+                              <a:latin typeface="Cambria Math" panose="02040503050406030204" pitchFamily="18" charset="0"/>
+                              <a:ea typeface="Times New Roman" panose="02020603050405020304" pitchFamily="18" charset="0"/>
+                              <a:cs typeface="Times New Roman" panose="02020603050405020304" pitchFamily="18" charset="0"/>
+                            </a:rPr>
+                            <m:t>𝑒</m:t>
+                          </m:r>
+                        </m:sup>
+                      </m:sSubSup>
+                      <m:r>
+                        <a:rPr lang="es-CO" sz="1800" i="1">
+                          <a:effectLst/>
+                          <a:latin typeface="Cambria Math" panose="02040503050406030204" pitchFamily="18" charset="0"/>
+                          <a:ea typeface="Times New Roman" panose="02020603050405020304" pitchFamily="18" charset="0"/>
+                          <a:cs typeface="Times New Roman" panose="02020603050405020304" pitchFamily="18" charset="0"/>
+                        </a:rPr>
+                        <m:t>= </m:t>
+                      </m:r>
+                      <m:f>
+                        <m:fPr>
+                          <m:ctrlPr>
+                            <a:rPr lang="es-CO" sz="1800" i="1">
+                              <a:effectLst/>
+                              <a:latin typeface="Cambria Math" panose="02040503050406030204" pitchFamily="18" charset="0"/>
+                              <a:ea typeface="Times New Roman" panose="02020603050405020304" pitchFamily="18" charset="0"/>
+                              <a:cs typeface="Times New Roman" panose="02020603050405020304" pitchFamily="18" charset="0"/>
+                            </a:rPr>
+                          </m:ctrlPr>
+                        </m:fPr>
+                        <m:num>
+                          <m:d>
+                            <m:dPr>
+                              <m:ctrlPr>
+                                <a:rPr lang="es-CO" sz="1800" i="1">
+                                  <a:effectLst/>
+                                  <a:latin typeface="Cambria Math" panose="02040503050406030204" pitchFamily="18" charset="0"/>
+                                  <a:ea typeface="Times New Roman" panose="02020603050405020304" pitchFamily="18" charset="0"/>
+                                  <a:cs typeface="Times New Roman" panose="02020603050405020304" pitchFamily="18" charset="0"/>
+                                </a:rPr>
+                              </m:ctrlPr>
+                            </m:dPr>
+                            <m:e>
+                              <m:r>
+                                <a:rPr lang="es-CO" sz="1800" i="1">
+                                  <a:effectLst/>
+                                  <a:latin typeface="Cambria Math" panose="02040503050406030204" pitchFamily="18" charset="0"/>
+                                  <a:ea typeface="Times New Roman" panose="02020603050405020304" pitchFamily="18" charset="0"/>
+                                  <a:cs typeface="Times New Roman" panose="02020603050405020304" pitchFamily="18" charset="0"/>
+                                </a:rPr>
+                                <m:t>1 + </m:t>
+                              </m:r>
+                              <m:f>
+                                <m:fPr>
+                                  <m:type m:val="skw"/>
+                                  <m:ctrlPr>
+                                    <a:rPr lang="es-CO" sz="1800" i="1">
+                                      <a:effectLst/>
+                                      <a:latin typeface="Cambria Math" panose="02040503050406030204" pitchFamily="18" charset="0"/>
+                                      <a:ea typeface="Times New Roman" panose="02020603050405020304" pitchFamily="18" charset="0"/>
+                                      <a:cs typeface="Times New Roman" panose="02020603050405020304" pitchFamily="18" charset="0"/>
+                                    </a:rPr>
+                                  </m:ctrlPr>
+                                </m:fPr>
+                                <m:num>
+                                  <m:r>
+                                    <a:rPr lang="es-CO" sz="1800" i="1">
+                                      <a:effectLst/>
+                                      <a:latin typeface="Cambria Math" panose="02040503050406030204" pitchFamily="18" charset="0"/>
+                                      <a:ea typeface="Times New Roman" panose="02020603050405020304" pitchFamily="18" charset="0"/>
+                                      <a:cs typeface="Times New Roman" panose="02020603050405020304" pitchFamily="18" charset="0"/>
+                                    </a:rPr>
+                                    <m:t>𝐷𝑖</m:t>
+                                  </m:r>
+                                  <m:sSup>
+                                    <m:sSupPr>
+                                      <m:ctrlPr>
+                                        <a:rPr lang="es-CO" sz="1800" i="1">
+                                          <a:effectLst/>
+                                          <a:latin typeface="Cambria Math" panose="02040503050406030204" pitchFamily="18" charset="0"/>
+                                          <a:ea typeface="Times New Roman" panose="02020603050405020304" pitchFamily="18" charset="0"/>
+                                          <a:cs typeface="Times New Roman" panose="02020603050405020304" pitchFamily="18" charset="0"/>
+                                        </a:rPr>
+                                      </m:ctrlPr>
+                                    </m:sSupPr>
+                                    <m:e>
+                                      <m:r>
+                                        <a:rPr lang="es-CO" sz="1800" i="1">
+                                          <a:effectLst/>
+                                          <a:latin typeface="Cambria Math" panose="02040503050406030204" pitchFamily="18" charset="0"/>
+                                          <a:ea typeface="Times New Roman" panose="02020603050405020304" pitchFamily="18" charset="0"/>
+                                          <a:cs typeface="Times New Roman" panose="02020603050405020304" pitchFamily="18" charset="0"/>
+                                        </a:rPr>
+                                        <m:t>𝑣</m:t>
+                                      </m:r>
+                                    </m:e>
+                                    <m:sup>
+                                      <m:r>
+                                        <a:rPr lang="es-CO" sz="1800" i="1">
+                                          <a:effectLst/>
+                                          <a:latin typeface="Cambria Math" panose="02040503050406030204" pitchFamily="18" charset="0"/>
+                                          <a:ea typeface="Times New Roman" panose="02020603050405020304" pitchFamily="18" charset="0"/>
+                                          <a:cs typeface="Times New Roman" panose="02020603050405020304" pitchFamily="18" charset="0"/>
+                                        </a:rPr>
+                                        <m:t>𝑅𝑜𝑊</m:t>
+                                      </m:r>
+                                      <m:r>
+                                        <a:rPr lang="es-CO" sz="1800" i="1">
+                                          <a:effectLst/>
+                                          <a:latin typeface="Cambria Math" panose="02040503050406030204" pitchFamily="18" charset="0"/>
+                                          <a:ea typeface="Times New Roman" panose="02020603050405020304" pitchFamily="18" charset="0"/>
+                                          <a:cs typeface="Times New Roman" panose="02020603050405020304" pitchFamily="18" charset="0"/>
+                                        </a:rPr>
+                                        <m:t>,</m:t>
+                                      </m:r>
+                                      <m:r>
+                                        <a:rPr lang="es-CO" sz="1800" i="1">
+                                          <a:effectLst/>
+                                          <a:latin typeface="Cambria Math" panose="02040503050406030204" pitchFamily="18" charset="0"/>
+                                          <a:ea typeface="Times New Roman" panose="02020603050405020304" pitchFamily="18" charset="0"/>
+                                          <a:cs typeface="Times New Roman" panose="02020603050405020304" pitchFamily="18" charset="0"/>
+                                        </a:rPr>
+                                        <m:t>𝑒</m:t>
+                                      </m:r>
+                                    </m:sup>
+                                  </m:sSup>
+                                </m:num>
+                                <m:den>
+                                  <m:r>
+                                    <a:rPr lang="es-CO" sz="1800" i="1">
+                                      <a:effectLst/>
+                                      <a:latin typeface="Cambria Math" panose="02040503050406030204" pitchFamily="18" charset="0"/>
+                                      <a:ea typeface="Times New Roman" panose="02020603050405020304" pitchFamily="18" charset="0"/>
+                                      <a:cs typeface="Times New Roman" panose="02020603050405020304" pitchFamily="18" charset="0"/>
+                                    </a:rPr>
+                                    <m:t>𝐸</m:t>
+                                  </m:r>
+                                  <m:sSup>
+                                    <m:sSupPr>
+                                      <m:ctrlPr>
+                                        <a:rPr lang="es-CO" sz="1800" i="1">
+                                          <a:effectLst/>
+                                          <a:latin typeface="Cambria Math" panose="02040503050406030204" pitchFamily="18" charset="0"/>
+                                          <a:ea typeface="Times New Roman" panose="02020603050405020304" pitchFamily="18" charset="0"/>
+                                          <a:cs typeface="Times New Roman" panose="02020603050405020304" pitchFamily="18" charset="0"/>
+                                        </a:rPr>
+                                      </m:ctrlPr>
+                                    </m:sSupPr>
+                                    <m:e>
+                                      <m:r>
+                                        <a:rPr lang="es-CO" sz="1800" i="1">
+                                          <a:effectLst/>
+                                          <a:latin typeface="Cambria Math" panose="02040503050406030204" pitchFamily="18" charset="0"/>
+                                          <a:ea typeface="Times New Roman" panose="02020603050405020304" pitchFamily="18" charset="0"/>
+                                          <a:cs typeface="Times New Roman" panose="02020603050405020304" pitchFamily="18" charset="0"/>
+                                        </a:rPr>
+                                        <m:t>𝑄</m:t>
+                                      </m:r>
+                                    </m:e>
+                                    <m:sup>
+                                      <m:r>
+                                        <a:rPr lang="es-CO" sz="1800" i="1">
+                                          <a:effectLst/>
+                                          <a:latin typeface="Cambria Math" panose="02040503050406030204" pitchFamily="18" charset="0"/>
+                                          <a:ea typeface="Times New Roman" panose="02020603050405020304" pitchFamily="18" charset="0"/>
+                                          <a:cs typeface="Times New Roman" panose="02020603050405020304" pitchFamily="18" charset="0"/>
+                                        </a:rPr>
+                                        <m:t>𝑅𝑜𝑊</m:t>
+                                      </m:r>
+                                    </m:sup>
+                                  </m:sSup>
+                                </m:den>
+                              </m:f>
+                            </m:e>
+                          </m:d>
+                          <m:d>
+                            <m:dPr>
+                              <m:ctrlPr>
+                                <a:rPr lang="es-CO" sz="1800" i="1">
+                                  <a:effectLst/>
+                                  <a:latin typeface="Cambria Math" panose="02040503050406030204" pitchFamily="18" charset="0"/>
+                                  <a:ea typeface="Times New Roman" panose="02020603050405020304" pitchFamily="18" charset="0"/>
+                                  <a:cs typeface="Times New Roman" panose="02020603050405020304" pitchFamily="18" charset="0"/>
+                                </a:rPr>
+                              </m:ctrlPr>
+                            </m:dPr>
+                            <m:e>
+                              <m:r>
+                                <a:rPr lang="es-CO" sz="1800" i="1">
+                                  <a:effectLst/>
+                                  <a:latin typeface="Cambria Math" panose="02040503050406030204" pitchFamily="18" charset="0"/>
+                                  <a:ea typeface="Times New Roman" panose="02020603050405020304" pitchFamily="18" charset="0"/>
+                                  <a:cs typeface="Times New Roman" panose="02020603050405020304" pitchFamily="18" charset="0"/>
+                                </a:rPr>
+                                <m:t>1 − </m:t>
+                              </m:r>
+                              <m:r>
+                                <a:rPr lang="es-CO" sz="1800" i="1">
+                                  <a:effectLst/>
+                                  <a:latin typeface="Cambria Math" panose="02040503050406030204" pitchFamily="18" charset="0"/>
+                                  <a:ea typeface="Times New Roman" panose="02020603050405020304" pitchFamily="18" charset="0"/>
+                                  <a:cs typeface="Times New Roman" panose="02020603050405020304" pitchFamily="18" charset="0"/>
+                                </a:rPr>
+                                <m:t>𝑟𝑠𝑘</m:t>
+                              </m:r>
+                            </m:e>
+                          </m:d>
+                        </m:num>
+                        <m:den>
+                          <m:d>
+                            <m:dPr>
+                              <m:ctrlPr>
+                                <a:rPr lang="es-CO" sz="1800" i="1">
+                                  <a:effectLst/>
+                                  <a:latin typeface="Cambria Math" panose="02040503050406030204" pitchFamily="18" charset="0"/>
+                                  <a:ea typeface="Times New Roman" panose="02020603050405020304" pitchFamily="18" charset="0"/>
+                                  <a:cs typeface="Times New Roman" panose="02020603050405020304" pitchFamily="18" charset="0"/>
+                                </a:rPr>
+                              </m:ctrlPr>
+                            </m:dPr>
+                            <m:e>
+                              <m:f>
+                                <m:fPr>
+                                  <m:ctrlPr>
+                                    <a:rPr lang="es-CO" sz="1800" i="1">
+                                      <a:effectLst/>
+                                      <a:latin typeface="Cambria Math" panose="02040503050406030204" pitchFamily="18" charset="0"/>
+                                      <a:ea typeface="Times New Roman" panose="02020603050405020304" pitchFamily="18" charset="0"/>
+                                      <a:cs typeface="Times New Roman" panose="02020603050405020304" pitchFamily="18" charset="0"/>
+                                    </a:rPr>
+                                  </m:ctrlPr>
+                                </m:fPr>
+                                <m:num>
+                                  <m:sSup>
+                                    <m:sSupPr>
+                                      <m:ctrlPr>
+                                        <a:rPr lang="es-CO" sz="1800" i="1">
+                                          <a:effectLst/>
+                                          <a:latin typeface="Cambria Math" panose="02040503050406030204" pitchFamily="18" charset="0"/>
+                                          <a:ea typeface="Times New Roman" panose="02020603050405020304" pitchFamily="18" charset="0"/>
+                                          <a:cs typeface="Times New Roman" panose="02020603050405020304" pitchFamily="18" charset="0"/>
+                                        </a:rPr>
+                                      </m:ctrlPr>
+                                    </m:sSupPr>
+                                    <m:e>
+                                      <m:r>
+                                        <a:rPr lang="es-CO" sz="1800" i="1">
+                                          <a:effectLst/>
+                                          <a:latin typeface="Cambria Math" panose="02040503050406030204" pitchFamily="18" charset="0"/>
+                                          <a:ea typeface="Times New Roman" panose="02020603050405020304" pitchFamily="18" charset="0"/>
+                                          <a:cs typeface="Times New Roman" panose="02020603050405020304" pitchFamily="18" charset="0"/>
+                                        </a:rPr>
+                                        <m:t>𝑒</m:t>
+                                      </m:r>
+                                    </m:e>
+                                    <m:sup>
+                                      <m:r>
+                                        <a:rPr lang="es-CO" sz="1800" i="1">
+                                          <a:effectLst/>
+                                          <a:latin typeface="Cambria Math" panose="02040503050406030204" pitchFamily="18" charset="0"/>
+                                          <a:ea typeface="Times New Roman" panose="02020603050405020304" pitchFamily="18" charset="0"/>
+                                          <a:cs typeface="Times New Roman" panose="02020603050405020304" pitchFamily="18" charset="0"/>
+                                        </a:rPr>
+                                        <m:t>𝑁</m:t>
+                                      </m:r>
+                                      <m:r>
+                                        <a:rPr lang="es-CO" sz="1800" i="1">
+                                          <a:effectLst/>
+                                          <a:latin typeface="Cambria Math" panose="02040503050406030204" pitchFamily="18" charset="0"/>
+                                          <a:ea typeface="Times New Roman" panose="02020603050405020304" pitchFamily="18" charset="0"/>
+                                          <a:cs typeface="Times New Roman" panose="02020603050405020304" pitchFamily="18" charset="0"/>
+                                        </a:rPr>
+                                        <m:t>,</m:t>
+                                      </m:r>
+                                      <m:r>
+                                        <a:rPr lang="es-CO" sz="1800" i="1">
+                                          <a:effectLst/>
+                                          <a:latin typeface="Cambria Math" panose="02040503050406030204" pitchFamily="18" charset="0"/>
+                                          <a:ea typeface="Times New Roman" panose="02020603050405020304" pitchFamily="18" charset="0"/>
+                                          <a:cs typeface="Times New Roman" panose="02020603050405020304" pitchFamily="18" charset="0"/>
+                                        </a:rPr>
+                                        <m:t>𝑒</m:t>
+                                      </m:r>
+                                    </m:sup>
+                                  </m:sSup>
+                                  <m:r>
+                                    <a:rPr lang="es-CO" sz="1800" i="1">
+                                      <a:effectLst/>
+                                      <a:latin typeface="Cambria Math" panose="02040503050406030204" pitchFamily="18" charset="0"/>
+                                      <a:ea typeface="Times New Roman" panose="02020603050405020304" pitchFamily="18" charset="0"/>
+                                      <a:cs typeface="Times New Roman" panose="02020603050405020304" pitchFamily="18" charset="0"/>
+                                    </a:rPr>
+                                    <m:t> +  </m:t>
+                                  </m:r>
+                                  <m:sSup>
+                                    <m:sSupPr>
+                                      <m:ctrlPr>
+                                        <a:rPr lang="es-CO" sz="1800" i="1">
+                                          <a:effectLst/>
+                                          <a:latin typeface="Cambria Math" panose="02040503050406030204" pitchFamily="18" charset="0"/>
+                                          <a:ea typeface="Times New Roman" panose="02020603050405020304" pitchFamily="18" charset="0"/>
+                                          <a:cs typeface="Times New Roman" panose="02020603050405020304" pitchFamily="18" charset="0"/>
+                                        </a:rPr>
+                                      </m:ctrlPr>
+                                    </m:sSupPr>
+                                    <m:e>
+                                      <m:acc>
+                                        <m:accPr>
+                                          <m:chr m:val="̇"/>
+                                          <m:ctrlPr>
+                                            <a:rPr lang="es-CO" sz="1800" i="1">
+                                              <a:effectLst/>
+                                              <a:latin typeface="Cambria Math" panose="02040503050406030204" pitchFamily="18" charset="0"/>
+                                              <a:ea typeface="Times New Roman" panose="02020603050405020304" pitchFamily="18" charset="0"/>
+                                              <a:cs typeface="Times New Roman" panose="02020603050405020304" pitchFamily="18" charset="0"/>
+                                            </a:rPr>
+                                          </m:ctrlPr>
+                                        </m:accPr>
+                                        <m:e>
+                                          <m:r>
+                                            <a:rPr lang="es-CO" sz="1800" i="1">
+                                              <a:effectLst/>
+                                              <a:latin typeface="Cambria Math" panose="02040503050406030204" pitchFamily="18" charset="0"/>
+                                              <a:ea typeface="Times New Roman" panose="02020603050405020304" pitchFamily="18" charset="0"/>
+                                              <a:cs typeface="Times New Roman" panose="02020603050405020304" pitchFamily="18" charset="0"/>
+                                            </a:rPr>
+                                            <m:t>𝑒</m:t>
+                                          </m:r>
+                                        </m:e>
+                                      </m:acc>
+                                    </m:e>
+                                    <m:sup>
+                                      <m:r>
+                                        <a:rPr lang="es-CO" sz="1800" i="1">
+                                          <a:effectLst/>
+                                          <a:latin typeface="Cambria Math" panose="02040503050406030204" pitchFamily="18" charset="0"/>
+                                          <a:ea typeface="Times New Roman" panose="02020603050405020304" pitchFamily="18" charset="0"/>
+                                          <a:cs typeface="Times New Roman" panose="02020603050405020304" pitchFamily="18" charset="0"/>
+                                        </a:rPr>
+                                        <m:t>𝑁</m:t>
+                                      </m:r>
+                                      <m:r>
+                                        <a:rPr lang="es-CO" sz="1800" i="1">
+                                          <a:effectLst/>
+                                          <a:latin typeface="Cambria Math" panose="02040503050406030204" pitchFamily="18" charset="0"/>
+                                          <a:ea typeface="Times New Roman" panose="02020603050405020304" pitchFamily="18" charset="0"/>
+                                          <a:cs typeface="Times New Roman" panose="02020603050405020304" pitchFamily="18" charset="0"/>
+                                        </a:rPr>
+                                        <m:t>,</m:t>
+                                      </m:r>
+                                      <m:r>
+                                        <a:rPr lang="es-CO" sz="1800" i="1">
+                                          <a:effectLst/>
+                                          <a:latin typeface="Cambria Math" panose="02040503050406030204" pitchFamily="18" charset="0"/>
+                                          <a:ea typeface="Times New Roman" panose="02020603050405020304" pitchFamily="18" charset="0"/>
+                                          <a:cs typeface="Times New Roman" panose="02020603050405020304" pitchFamily="18" charset="0"/>
+                                        </a:rPr>
+                                        <m:t>𝑒</m:t>
+                                      </m:r>
+                                    </m:sup>
+                                  </m:sSup>
+                                </m:num>
+                                <m:den>
+                                  <m:sSup>
+                                    <m:sSupPr>
+                                      <m:ctrlPr>
+                                        <a:rPr lang="es-CO" sz="1800" i="1">
+                                          <a:effectLst/>
+                                          <a:latin typeface="Cambria Math" panose="02040503050406030204" pitchFamily="18" charset="0"/>
+                                          <a:ea typeface="Times New Roman" panose="02020603050405020304" pitchFamily="18" charset="0"/>
+                                          <a:cs typeface="Times New Roman" panose="02020603050405020304" pitchFamily="18" charset="0"/>
+                                        </a:rPr>
+                                      </m:ctrlPr>
+                                    </m:sSupPr>
+                                    <m:e>
+                                      <m:r>
+                                        <a:rPr lang="es-CO" sz="1800" i="1">
+                                          <a:effectLst/>
+                                          <a:latin typeface="Cambria Math" panose="02040503050406030204" pitchFamily="18" charset="0"/>
+                                          <a:ea typeface="Times New Roman" panose="02020603050405020304" pitchFamily="18" charset="0"/>
+                                          <a:cs typeface="Times New Roman" panose="02020603050405020304" pitchFamily="18" charset="0"/>
+                                        </a:rPr>
+                                        <m:t>𝑒</m:t>
+                                      </m:r>
+                                    </m:e>
+                                    <m:sup>
+                                      <m:r>
+                                        <a:rPr lang="es-CO" sz="1800" i="1">
+                                          <a:effectLst/>
+                                          <a:latin typeface="Cambria Math" panose="02040503050406030204" pitchFamily="18" charset="0"/>
+                                          <a:ea typeface="Times New Roman" panose="02020603050405020304" pitchFamily="18" charset="0"/>
+                                          <a:cs typeface="Times New Roman" panose="02020603050405020304" pitchFamily="18" charset="0"/>
+                                        </a:rPr>
+                                        <m:t>𝑁</m:t>
+                                      </m:r>
+                                    </m:sup>
+                                  </m:sSup>
+                                </m:den>
+                              </m:f>
+                            </m:e>
+                          </m:d>
+                        </m:den>
+                      </m:f>
+                      <m:r>
+                        <a:rPr lang="es-CO" sz="1800" i="1">
+                          <a:effectLst/>
+                          <a:latin typeface="Cambria Math" panose="02040503050406030204" pitchFamily="18" charset="0"/>
+                          <a:ea typeface="Times New Roman" panose="02020603050405020304" pitchFamily="18" charset="0"/>
+                          <a:cs typeface="Times New Roman" panose="02020603050405020304" pitchFamily="18" charset="0"/>
+                        </a:rPr>
+                        <m:t>   </m:t>
+                      </m:r>
+                      <m:d>
+                        <m:dPr>
+                          <m:ctrlPr>
+                            <a:rPr lang="es-CO" sz="1800" i="1">
+                              <a:effectLst/>
+                              <a:latin typeface="Cambria Math" panose="02040503050406030204" pitchFamily="18" charset="0"/>
+                              <a:ea typeface="Times New Roman" panose="02020603050405020304" pitchFamily="18" charset="0"/>
+                              <a:cs typeface="Times New Roman" panose="02020603050405020304" pitchFamily="18" charset="0"/>
+                            </a:rPr>
+                          </m:ctrlPr>
+                        </m:dPr>
+                        <m:e>
+                          <m:r>
+                            <a:rPr lang="es-CO" sz="1800" i="1">
+                              <a:effectLst/>
+                              <a:latin typeface="Cambria Math" panose="02040503050406030204" pitchFamily="18" charset="0"/>
+                              <a:ea typeface="Times New Roman" panose="02020603050405020304" pitchFamily="18" charset="0"/>
+                              <a:cs typeface="Times New Roman" panose="02020603050405020304" pitchFamily="18" charset="0"/>
+                            </a:rPr>
+                            <m:t>7</m:t>
+                          </m:r>
+                        </m:e>
+                      </m:d>
+                    </m:oMath>
+                  </m:oMathPara>
+                </a14:m>
+                <a:endParaRPr lang="es-CO" sz="1800" i="1" dirty="0">
+                  <a:effectLst/>
+                  <a:latin typeface="Cambria Math" panose="02040503050406030204" pitchFamily="18" charset="0"/>
+                  <a:ea typeface="Times New Roman" panose="02020603050405020304" pitchFamily="18" charset="0"/>
+                  <a:cs typeface="Times New Roman" panose="02020603050405020304" pitchFamily="18" charset="0"/>
+                </a:endParaRPr>
+              </a:p>
+              <a:p>
+                <a:pPr marL="0" indent="0" algn="ctr">
+                  <a:lnSpc>
+                    <a:spcPct val="150000"/>
+                  </a:lnSpc>
+                  <a:spcAft>
+                    <a:spcPts val="800"/>
+                  </a:spcAft>
+                  <a:buNone/>
+                </a:pPr>
+                <a14:m>
+                  <m:oMathPara xmlns:m="http://schemas.openxmlformats.org/officeDocument/2006/math">
+                    <m:oMathParaPr>
+                      <m:jc m:val="centerGroup"/>
+                    </m:oMathParaPr>
+                    <m:oMath xmlns:m="http://schemas.openxmlformats.org/officeDocument/2006/math">
+                      <m:sSup>
+                        <m:sSupPr>
+                          <m:ctrlPr>
+                            <a:rPr lang="es-CO" sz="1800" i="1">
+                              <a:effectLst/>
+                              <a:latin typeface="Cambria Math" panose="02040503050406030204" pitchFamily="18" charset="0"/>
+                              <a:ea typeface="Times New Roman" panose="02020603050405020304" pitchFamily="18" charset="0"/>
+                              <a:cs typeface="Times New Roman" panose="02020603050405020304" pitchFamily="18" charset="0"/>
+                            </a:rPr>
+                          </m:ctrlPr>
+                        </m:sSupPr>
+                        <m:e>
+                          <m:r>
+                            <a:rPr lang="es-CO" sz="1800" i="1">
+                              <a:effectLst/>
+                              <a:latin typeface="Cambria Math" panose="02040503050406030204" pitchFamily="18" charset="0"/>
+                              <a:ea typeface="Times New Roman" panose="02020603050405020304" pitchFamily="18" charset="0"/>
+                              <a:cs typeface="Times New Roman" panose="02020603050405020304" pitchFamily="18" charset="0"/>
+                            </a:rPr>
+                            <m:t>𝑟</m:t>
+                          </m:r>
+                        </m:e>
+                        <m:sup>
+                          <m:r>
+                            <a:rPr lang="es-CO" sz="1800" i="1">
+                              <a:effectLst/>
+                              <a:latin typeface="Cambria Math" panose="02040503050406030204" pitchFamily="18" charset="0"/>
+                              <a:ea typeface="Times New Roman" panose="02020603050405020304" pitchFamily="18" charset="0"/>
+                              <a:cs typeface="Times New Roman" panose="02020603050405020304" pitchFamily="18" charset="0"/>
+                            </a:rPr>
+                            <m:t>𝑊</m:t>
+                          </m:r>
+                          <m:r>
+                            <a:rPr lang="es-CO" sz="1800" i="1">
+                              <a:effectLst/>
+                              <a:latin typeface="Cambria Math" panose="02040503050406030204" pitchFamily="18" charset="0"/>
+                              <a:ea typeface="Times New Roman" panose="02020603050405020304" pitchFamily="18" charset="0"/>
+                              <a:cs typeface="Times New Roman" panose="02020603050405020304" pitchFamily="18" charset="0"/>
+                            </a:rPr>
+                            <m:t>,</m:t>
+                          </m:r>
+                          <m:r>
+                            <a:rPr lang="es-CO" sz="1800" i="1">
+                              <a:effectLst/>
+                              <a:latin typeface="Cambria Math" panose="02040503050406030204" pitchFamily="18" charset="0"/>
+                              <a:ea typeface="Times New Roman" panose="02020603050405020304" pitchFamily="18" charset="0"/>
+                              <a:cs typeface="Times New Roman" panose="02020603050405020304" pitchFamily="18" charset="0"/>
+                            </a:rPr>
+                            <m:t>𝑒</m:t>
+                          </m:r>
+                        </m:sup>
+                      </m:sSup>
+                      <m:r>
+                        <a:rPr lang="es-CO" sz="1800" i="1">
+                          <a:effectLst/>
+                          <a:latin typeface="Cambria Math" panose="02040503050406030204" pitchFamily="18" charset="0"/>
+                          <a:ea typeface="Times New Roman" panose="02020603050405020304" pitchFamily="18" charset="0"/>
+                          <a:cs typeface="Times New Roman" panose="02020603050405020304" pitchFamily="18" charset="0"/>
+                        </a:rPr>
+                        <m:t>=1+</m:t>
+                      </m:r>
+                      <m:sSubSup>
+                        <m:sSubSupPr>
+                          <m:ctrlPr>
+                            <a:rPr lang="es-CO" sz="1800" i="1">
+                              <a:effectLst/>
+                              <a:latin typeface="Cambria Math" panose="02040503050406030204" pitchFamily="18" charset="0"/>
+                              <a:ea typeface="Times New Roman" panose="02020603050405020304" pitchFamily="18" charset="0"/>
+                              <a:cs typeface="Times New Roman" panose="02020603050405020304" pitchFamily="18" charset="0"/>
+                            </a:rPr>
+                          </m:ctrlPr>
+                        </m:sSubSupPr>
+                        <m:e>
+                          <m:r>
+                            <a:rPr lang="es-CO" sz="1800" i="1">
+                              <a:effectLst/>
+                              <a:latin typeface="Cambria Math" panose="02040503050406030204" pitchFamily="18" charset="0"/>
+                              <a:ea typeface="Times New Roman" panose="02020603050405020304" pitchFamily="18" charset="0"/>
+                              <a:cs typeface="Times New Roman" panose="02020603050405020304" pitchFamily="18" charset="0"/>
+                            </a:rPr>
+                            <m:t>𝑖</m:t>
+                          </m:r>
+                        </m:e>
+                        <m:sub>
+                          <m:r>
+                            <a:rPr lang="es-CO" sz="1800" i="1">
+                              <a:effectLst/>
+                              <a:latin typeface="Cambria Math" panose="02040503050406030204" pitchFamily="18" charset="0"/>
+                              <a:ea typeface="Times New Roman" panose="02020603050405020304" pitchFamily="18" charset="0"/>
+                              <a:cs typeface="Times New Roman" panose="02020603050405020304" pitchFamily="18" charset="0"/>
+                            </a:rPr>
+                            <m:t>𝐺</m:t>
+                          </m:r>
+                        </m:sub>
+                        <m:sup>
+                          <m:r>
+                            <a:rPr lang="es-CO" sz="1800" i="1">
+                              <a:effectLst/>
+                              <a:latin typeface="Cambria Math" panose="02040503050406030204" pitchFamily="18" charset="0"/>
+                              <a:ea typeface="Times New Roman" panose="02020603050405020304" pitchFamily="18" charset="0"/>
+                              <a:cs typeface="Times New Roman" panose="02020603050405020304" pitchFamily="18" charset="0"/>
+                            </a:rPr>
+                            <m:t>𝑊</m:t>
+                          </m:r>
+                        </m:sup>
+                      </m:sSubSup>
+                      <m:r>
+                        <a:rPr lang="es-CO" sz="1800" i="1">
+                          <a:effectLst/>
+                          <a:latin typeface="Cambria Math" panose="02040503050406030204" pitchFamily="18" charset="0"/>
+                          <a:ea typeface="Times New Roman" panose="02020603050405020304" pitchFamily="18" charset="0"/>
+                          <a:cs typeface="Times New Roman" panose="02020603050405020304" pitchFamily="18" charset="0"/>
+                        </a:rPr>
+                        <m:t>     (8)</m:t>
+                      </m:r>
+                    </m:oMath>
+                  </m:oMathPara>
+                </a14:m>
+                <a:endParaRPr lang="es-CO" sz="1800" dirty="0">
+                  <a:effectLst/>
+                  <a:latin typeface="Calibri" panose="020F0502020204030204" pitchFamily="34" charset="0"/>
+                  <a:ea typeface="Calibri" panose="020F0502020204030204" pitchFamily="34" charset="0"/>
+                  <a:cs typeface="Times New Roman" panose="02020603050405020304" pitchFamily="18" charset="0"/>
+                </a:endParaRPr>
+              </a:p>
+              <a:p>
+                <a:pPr marL="0" indent="0" algn="just">
+                  <a:buNone/>
+                </a:pPr>
+                <a:endParaRPr lang="en-GB" sz="2000" dirty="0">
+                  <a:latin typeface="Century Gothic" panose="020B0502020202020204" pitchFamily="34" charset="0"/>
+                </a:endParaRPr>
+              </a:p>
+              <a:p>
+                <a:pPr algn="just"/>
+                <a:endParaRPr lang="en-GB" sz="2000" dirty="0">
+                  <a:latin typeface="Century Gothic" panose="020B0502020202020204" pitchFamily="34" charset="0"/>
+                </a:endParaRPr>
+              </a:p>
+            </p:txBody>
+          </p:sp>
+        </mc:Choice>
+        <mc:Fallback>
+          <p:sp>
+            <p:nvSpPr>
+              <p:cNvPr id="2" name="Marcador de contenido 1">
+                <a:extLst>
+                  <a:ext uri="{FF2B5EF4-FFF2-40B4-BE49-F238E27FC236}">
+                    <a16:creationId xmlns:a16="http://schemas.microsoft.com/office/drawing/2014/main" id="{1E76053E-E553-4C2C-919A-CE7A30FA73F9}"/>
+                  </a:ext>
+                </a:extLst>
+              </p:cNvPr>
+              <p:cNvSpPr>
+                <a:spLocks noGrp="1" noRot="1" noChangeAspect="1" noMove="1" noResize="1" noEditPoints="1" noAdjustHandles="1" noChangeArrowheads="1" noChangeShapeType="1" noTextEdit="1"/>
+              </p:cNvSpPr>
+              <p:nvPr>
+                <p:ph idx="1"/>
+              </p:nvPr>
+            </p:nvSpPr>
+            <p:spPr>
+              <a:xfrm>
+                <a:off x="449705" y="1484027"/>
+                <a:ext cx="11037886" cy="4002374"/>
+              </a:xfrm>
+              <a:blipFill>
+                <a:blip r:embed="rId2"/>
+                <a:stretch>
+                  <a:fillRect l="-497" t="-761" b="-9132"/>
+                </a:stretch>
+              </a:blipFill>
+            </p:spPr>
+            <p:txBody>
+              <a:bodyPr/>
+              <a:lstStyle/>
+              <a:p>
+                <a:r>
+                  <a:rPr lang="es-CO">
+                    <a:noFill/>
+                  </a:rPr>
+                  <a:t> </a:t>
+                </a:r>
+              </a:p>
+            </p:txBody>
+          </p:sp>
+        </mc:Fallback>
+      </mc:AlternateContent>
+      <p:sp>
+        <p:nvSpPr>
+          <p:cNvPr id="3" name="Título 2">
             <a:extLst>
               <a:ext uri="{FF2B5EF4-FFF2-40B4-BE49-F238E27FC236}">
-                <a16:creationId xmlns:a16="http://schemas.microsoft.com/office/drawing/2014/main" id="{71FA55C1-9DA3-4EFB-A177-365ED7222DD4}"/>
+                <a16:creationId xmlns:a16="http://schemas.microsoft.com/office/drawing/2014/main" id="{5DA68AA8-71CC-44C3-BE34-4520548865CD}"/>
               </a:ext>
             </a:extLst>
           </p:cNvPr>
-          <p:cNvPicPr>
-            <a:picLocks noGrp="1" noChangeAspect="1"/>
-          </p:cNvPicPr>
+          <p:cNvSpPr>
+            <a:spLocks noGrp="1"/>
+          </p:cNvSpPr>
           <p:nvPr>
-            <p:ph idx="1"/>
+            <p:ph type="title"/>
           </p:nvPr>
-        </p:nvPicPr>
-        <p:blipFill rotWithShape="1">
-          <a:blip r:embed="rId2"/>
-          <a:srcRect l="2356" t="11507" r="34613" b="9345"/>
-          <a:stretch/>
-        </p:blipFill>
+        </p:nvSpPr>
         <p:spPr>
           <a:xfrm>
-            <a:off x="904974" y="311086"/>
-            <a:ext cx="10510886" cy="5486399"/>
+            <a:off x="779281" y="274637"/>
+            <a:ext cx="7694645" cy="979127"/>
           </a:xfrm>
         </p:spPr>
-      </p:pic>
+        <p:txBody>
+          <a:bodyPr>
+            <a:normAutofit/>
+          </a:bodyPr>
+          <a:lstStyle/>
+          <a:p>
+            <a:pPr algn="l"/>
+            <a:r>
+              <a:rPr lang="es-CO" b="1" dirty="0">
+                <a:latin typeface="Century Gothic" panose="020B0502020202020204" pitchFamily="34" charset="0"/>
+              </a:rPr>
+              <a:t>Foreign Direct Investment. </a:t>
+            </a:r>
+          </a:p>
+        </p:txBody>
+      </p:sp>
     </p:spTree>
     <p:extLst>
       <p:ext uri="{BB962C8B-B14F-4D97-AF65-F5344CB8AC3E}">
-        <p14:creationId xmlns:p14="http://schemas.microsoft.com/office/powerpoint/2010/main" val="304498920"/>
+        <p14:creationId xmlns:p14="http://schemas.microsoft.com/office/powerpoint/2010/main" val="996406539"/>
       </p:ext>
     </p:extLst>
   </p:cSld>
@@ -3950,9 +8637,1341 @@
           <a:chExt cx="0" cy="0"/>
         </a:xfrm>
       </p:grpSpPr>
+      <mc:AlternateContent xmlns:mc="http://schemas.openxmlformats.org/markup-compatibility/2006">
+        <mc:Choice xmlns:a14="http://schemas.microsoft.com/office/drawing/2010/main" Requires="a14">
+          <p:sp>
+            <p:nvSpPr>
+              <p:cNvPr id="2" name="Marcador de contenido 1">
+                <a:extLst>
+                  <a:ext uri="{FF2B5EF4-FFF2-40B4-BE49-F238E27FC236}">
+                    <a16:creationId xmlns:a16="http://schemas.microsoft.com/office/drawing/2014/main" id="{1E76053E-E553-4C2C-919A-CE7A30FA73F9}"/>
+                  </a:ext>
+                </a:extLst>
+              </p:cNvPr>
+              <p:cNvSpPr>
+                <a:spLocks noGrp="1"/>
+              </p:cNvSpPr>
+              <p:nvPr>
+                <p:ph idx="1"/>
+              </p:nvPr>
+            </p:nvSpPr>
+            <p:spPr>
+              <a:xfrm>
+                <a:off x="449705" y="1364104"/>
+                <a:ext cx="11037886" cy="4631961"/>
+              </a:xfrm>
+            </p:spPr>
+            <p:txBody>
+              <a:bodyPr>
+                <a:noAutofit/>
+              </a:bodyPr>
+              <a:lstStyle/>
+              <a:p>
+                <a:pPr algn="just"/>
+                <a:r>
+                  <a:rPr lang="en-GB" sz="2000" dirty="0">
+                    <a:latin typeface="Century Gothic" panose="020B0502020202020204" pitchFamily="34" charset="0"/>
+                  </a:rPr>
+                  <a:t> The ratio of greenfield FDI to total FDI is represented by: </a:t>
+                </a:r>
+              </a:p>
+              <a:p>
+                <a:pPr marL="0" indent="0" algn="just">
+                  <a:buNone/>
+                </a:pPr>
+                <a:endParaRPr lang="en-GB" sz="2000" dirty="0">
+                  <a:effectLst/>
+                  <a:latin typeface="Century Gothic" panose="020B0502020202020204" pitchFamily="34" charset="0"/>
+                  <a:ea typeface="Calibri" panose="020F0502020204030204" pitchFamily="34" charset="0"/>
+                  <a:cs typeface="Times New Roman" panose="02020603050405020304" pitchFamily="18" charset="0"/>
+                </a:endParaRPr>
+              </a:p>
+              <a:p>
+                <a:pPr marL="0" indent="0" algn="ctr">
+                  <a:buNone/>
+                </a:pPr>
+                <a14:m>
+                  <m:oMathPara xmlns:m="http://schemas.openxmlformats.org/officeDocument/2006/math">
+                    <m:oMathParaPr>
+                      <m:jc m:val="centerGroup"/>
+                    </m:oMathParaPr>
+                    <m:oMath xmlns:m="http://schemas.openxmlformats.org/officeDocument/2006/math">
+                      <m:r>
+                        <a:rPr lang="es-CO" sz="1800" i="1" smtClean="0">
+                          <a:effectLst/>
+                          <a:latin typeface="Cambria Math" panose="02040503050406030204" pitchFamily="18" charset="0"/>
+                          <a:ea typeface="Times New Roman" panose="02020603050405020304" pitchFamily="18" charset="0"/>
+                          <a:cs typeface="Times New Roman" panose="02020603050405020304" pitchFamily="18" charset="0"/>
+                        </a:rPr>
+                        <m:t>𝐹𝐷</m:t>
+                      </m:r>
+                      <m:sSup>
+                        <m:sSupPr>
+                          <m:ctrlPr>
+                            <a:rPr lang="es-CO" sz="1800" i="1">
+                              <a:effectLst/>
+                              <a:latin typeface="Cambria Math" panose="02040503050406030204" pitchFamily="18" charset="0"/>
+                              <a:ea typeface="Times New Roman" panose="02020603050405020304" pitchFamily="18" charset="0"/>
+                              <a:cs typeface="Times New Roman" panose="02020603050405020304" pitchFamily="18" charset="0"/>
+                            </a:rPr>
+                          </m:ctrlPr>
+                        </m:sSupPr>
+                        <m:e>
+                          <m:r>
+                            <a:rPr lang="es-CO" sz="1800" i="1">
+                              <a:effectLst/>
+                              <a:latin typeface="Cambria Math" panose="02040503050406030204" pitchFamily="18" charset="0"/>
+                              <a:ea typeface="Times New Roman" panose="02020603050405020304" pitchFamily="18" charset="0"/>
+                              <a:cs typeface="Times New Roman" panose="02020603050405020304" pitchFamily="18" charset="0"/>
+                            </a:rPr>
+                            <m:t>𝐼</m:t>
+                          </m:r>
+                        </m:e>
+                        <m:sup>
+                          <m:r>
+                            <a:rPr lang="es-CO" sz="1800" i="1">
+                              <a:effectLst/>
+                              <a:latin typeface="Cambria Math" panose="02040503050406030204" pitchFamily="18" charset="0"/>
+                              <a:ea typeface="Times New Roman" panose="02020603050405020304" pitchFamily="18" charset="0"/>
+                              <a:cs typeface="Times New Roman" panose="02020603050405020304" pitchFamily="18" charset="0"/>
+                            </a:rPr>
+                            <m:t>𝐺</m:t>
+                          </m:r>
+                        </m:sup>
+                      </m:sSup>
+                      <m:r>
+                        <a:rPr lang="es-CO" sz="1800" i="1">
+                          <a:effectLst/>
+                          <a:latin typeface="Cambria Math" panose="02040503050406030204" pitchFamily="18" charset="0"/>
+                          <a:ea typeface="Times New Roman" panose="02020603050405020304" pitchFamily="18" charset="0"/>
+                          <a:cs typeface="Times New Roman" panose="02020603050405020304" pitchFamily="18" charset="0"/>
+                        </a:rPr>
+                        <m:t>= </m:t>
+                      </m:r>
+                      <m:sSub>
+                        <m:sSubPr>
+                          <m:ctrlPr>
+                            <a:rPr lang="es-CO" sz="1800" i="1">
+                              <a:effectLst/>
+                              <a:latin typeface="Cambria Math" panose="02040503050406030204" pitchFamily="18" charset="0"/>
+                              <a:ea typeface="Times New Roman" panose="02020603050405020304" pitchFamily="18" charset="0"/>
+                              <a:cs typeface="Times New Roman" panose="02020603050405020304" pitchFamily="18" charset="0"/>
+                            </a:rPr>
+                          </m:ctrlPr>
+                        </m:sSubPr>
+                        <m:e>
+                          <m:r>
+                            <a:rPr lang="es-CO" sz="1800" i="1">
+                              <a:effectLst/>
+                              <a:latin typeface="Cambria Math" panose="02040503050406030204" pitchFamily="18" charset="0"/>
+                              <a:ea typeface="Times New Roman" panose="02020603050405020304" pitchFamily="18" charset="0"/>
+                              <a:cs typeface="Times New Roman" panose="02020603050405020304" pitchFamily="18" charset="0"/>
+                            </a:rPr>
+                            <m:t>𝜙</m:t>
+                          </m:r>
+                        </m:e>
+                        <m:sub>
+                          <m:r>
+                            <a:rPr lang="es-CO" sz="1800" i="1">
+                              <a:effectLst/>
+                              <a:latin typeface="Cambria Math" panose="02040503050406030204" pitchFamily="18" charset="0"/>
+                              <a:ea typeface="Times New Roman" panose="02020603050405020304" pitchFamily="18" charset="0"/>
+                              <a:cs typeface="Times New Roman" panose="02020603050405020304" pitchFamily="18" charset="0"/>
+                            </a:rPr>
+                            <m:t>𝐺</m:t>
+                          </m:r>
+                        </m:sub>
+                      </m:sSub>
+                      <m:r>
+                        <a:rPr lang="es-CO" sz="1800" i="1">
+                          <a:effectLst/>
+                          <a:latin typeface="Cambria Math" panose="02040503050406030204" pitchFamily="18" charset="0"/>
+                          <a:ea typeface="Times New Roman" panose="02020603050405020304" pitchFamily="18" charset="0"/>
+                          <a:cs typeface="Times New Roman" panose="02020603050405020304" pitchFamily="18" charset="0"/>
+                        </a:rPr>
+                        <m:t>∙</m:t>
+                      </m:r>
+                      <m:r>
+                        <a:rPr lang="es-CO" sz="1800" i="1">
+                          <a:effectLst/>
+                          <a:latin typeface="Cambria Math" panose="02040503050406030204" pitchFamily="18" charset="0"/>
+                          <a:ea typeface="Times New Roman" panose="02020603050405020304" pitchFamily="18" charset="0"/>
+                          <a:cs typeface="Times New Roman" panose="02020603050405020304" pitchFamily="18" charset="0"/>
+                        </a:rPr>
+                        <m:t>𝐹𝐷𝐼</m:t>
+                      </m:r>
+                      <m:r>
+                        <a:rPr lang="es-CO" sz="1800" i="1">
+                          <a:effectLst/>
+                          <a:latin typeface="Cambria Math" panose="02040503050406030204" pitchFamily="18" charset="0"/>
+                          <a:ea typeface="Times New Roman" panose="02020603050405020304" pitchFamily="18" charset="0"/>
+                          <a:cs typeface="Times New Roman" panose="02020603050405020304" pitchFamily="18" charset="0"/>
+                        </a:rPr>
+                        <m:t>       </m:t>
+                      </m:r>
+                      <m:d>
+                        <m:dPr>
+                          <m:ctrlPr>
+                            <a:rPr lang="es-CO" sz="1800" i="1">
+                              <a:effectLst/>
+                              <a:latin typeface="Cambria Math" panose="02040503050406030204" pitchFamily="18" charset="0"/>
+                              <a:ea typeface="Times New Roman" panose="02020603050405020304" pitchFamily="18" charset="0"/>
+                              <a:cs typeface="Times New Roman" panose="02020603050405020304" pitchFamily="18" charset="0"/>
+                            </a:rPr>
+                          </m:ctrlPr>
+                        </m:dPr>
+                        <m:e>
+                          <m:r>
+                            <a:rPr lang="es-CO" sz="1800" i="1">
+                              <a:effectLst/>
+                              <a:latin typeface="Cambria Math" panose="02040503050406030204" pitchFamily="18" charset="0"/>
+                              <a:ea typeface="Times New Roman" panose="02020603050405020304" pitchFamily="18" charset="0"/>
+                              <a:cs typeface="Times New Roman" panose="02020603050405020304" pitchFamily="18" charset="0"/>
+                            </a:rPr>
+                            <m:t>9</m:t>
+                          </m:r>
+                        </m:e>
+                      </m:d>
+                    </m:oMath>
+                  </m:oMathPara>
+                </a14:m>
+                <a:endParaRPr lang="es-CO" sz="1800" i="1" dirty="0">
+                  <a:effectLst/>
+                  <a:latin typeface="Cambria Math" panose="02040503050406030204" pitchFamily="18" charset="0"/>
+                  <a:ea typeface="Times New Roman" panose="02020603050405020304" pitchFamily="18" charset="0"/>
+                  <a:cs typeface="Times New Roman" panose="02020603050405020304" pitchFamily="18" charset="0"/>
+                </a:endParaRPr>
+              </a:p>
+              <a:p>
+                <a:pPr marL="0" indent="0" algn="ctr">
+                  <a:buNone/>
+                </a:pPr>
+                <a14:m>
+                  <m:oMathPara xmlns:m="http://schemas.openxmlformats.org/officeDocument/2006/math">
+                    <m:oMathParaPr>
+                      <m:jc m:val="centerGroup"/>
+                    </m:oMathParaPr>
+                    <m:oMath xmlns:m="http://schemas.openxmlformats.org/officeDocument/2006/math">
+                      <m:acc>
+                        <m:accPr>
+                          <m:chr m:val="̇"/>
+                          <m:ctrlPr>
+                            <a:rPr lang="es-CO" sz="1800" i="1">
+                              <a:effectLst/>
+                              <a:latin typeface="Cambria Math" panose="02040503050406030204" pitchFamily="18" charset="0"/>
+                              <a:ea typeface="Times New Roman" panose="02020603050405020304" pitchFamily="18" charset="0"/>
+                              <a:cs typeface="Times New Roman" panose="02020603050405020304" pitchFamily="18" charset="0"/>
+                            </a:rPr>
+                          </m:ctrlPr>
+                        </m:accPr>
+                        <m:e>
+                          <m:sSub>
+                            <m:sSubPr>
+                              <m:ctrlPr>
+                                <a:rPr lang="es-CO" sz="1800" i="1">
+                                  <a:effectLst/>
+                                  <a:latin typeface="Cambria Math" panose="02040503050406030204" pitchFamily="18" charset="0"/>
+                                  <a:ea typeface="Times New Roman" panose="02020603050405020304" pitchFamily="18" charset="0"/>
+                                  <a:cs typeface="Times New Roman" panose="02020603050405020304" pitchFamily="18" charset="0"/>
+                                </a:rPr>
+                              </m:ctrlPr>
+                            </m:sSubPr>
+                            <m:e>
+                              <m:r>
+                                <a:rPr lang="es-CO" sz="1800" i="1">
+                                  <a:effectLst/>
+                                  <a:latin typeface="Cambria Math" panose="02040503050406030204" pitchFamily="18" charset="0"/>
+                                  <a:ea typeface="Times New Roman" panose="02020603050405020304" pitchFamily="18" charset="0"/>
+                                  <a:cs typeface="Times New Roman" panose="02020603050405020304" pitchFamily="18" charset="0"/>
+                                </a:rPr>
+                                <m:t>𝜙</m:t>
+                              </m:r>
+                            </m:e>
+                            <m:sub>
+                              <m:r>
+                                <a:rPr lang="es-CO" sz="1800" i="1">
+                                  <a:effectLst/>
+                                  <a:latin typeface="Cambria Math" panose="02040503050406030204" pitchFamily="18" charset="0"/>
+                                  <a:ea typeface="Times New Roman" panose="02020603050405020304" pitchFamily="18" charset="0"/>
+                                  <a:cs typeface="Times New Roman" panose="02020603050405020304" pitchFamily="18" charset="0"/>
+                                </a:rPr>
+                                <m:t>𝐺</m:t>
+                              </m:r>
+                            </m:sub>
+                          </m:sSub>
+                        </m:e>
+                      </m:acc>
+                      <m:r>
+                        <a:rPr lang="es-CO" sz="1800" i="1">
+                          <a:effectLst/>
+                          <a:latin typeface="Cambria Math" panose="02040503050406030204" pitchFamily="18" charset="0"/>
+                          <a:ea typeface="Times New Roman" panose="02020603050405020304" pitchFamily="18" charset="0"/>
+                          <a:cs typeface="Times New Roman" panose="02020603050405020304" pitchFamily="18" charset="0"/>
+                        </a:rPr>
+                        <m:t>= </m:t>
+                      </m:r>
+                      <m:sSub>
+                        <m:sSubPr>
+                          <m:ctrlPr>
+                            <a:rPr lang="es-CO" sz="1800" i="1">
+                              <a:effectLst/>
+                              <a:latin typeface="Cambria Math" panose="02040503050406030204" pitchFamily="18" charset="0"/>
+                              <a:ea typeface="Times New Roman" panose="02020603050405020304" pitchFamily="18" charset="0"/>
+                              <a:cs typeface="Times New Roman" panose="02020603050405020304" pitchFamily="18" charset="0"/>
+                            </a:rPr>
+                          </m:ctrlPr>
+                        </m:sSubPr>
+                        <m:e>
+                          <m:r>
+                            <a:rPr lang="es-CO" sz="1800" i="1">
+                              <a:effectLst/>
+                              <a:latin typeface="Cambria Math" panose="02040503050406030204" pitchFamily="18" charset="0"/>
+                              <a:ea typeface="Times New Roman" panose="02020603050405020304" pitchFamily="18" charset="0"/>
+                              <a:cs typeface="Times New Roman" panose="02020603050405020304" pitchFamily="18" charset="0"/>
+                            </a:rPr>
+                            <m:t>𝜙</m:t>
+                          </m:r>
+                        </m:e>
+                        <m:sub>
+                          <m:r>
+                            <a:rPr lang="es-CO" sz="1800" i="1">
+                              <a:effectLst/>
+                              <a:latin typeface="Cambria Math" panose="02040503050406030204" pitchFamily="18" charset="0"/>
+                              <a:ea typeface="Times New Roman" panose="02020603050405020304" pitchFamily="18" charset="0"/>
+                              <a:cs typeface="Times New Roman" panose="02020603050405020304" pitchFamily="18" charset="0"/>
+                            </a:rPr>
+                            <m:t>𝐺</m:t>
+                          </m:r>
+                        </m:sub>
+                      </m:sSub>
+                      <m:r>
+                        <a:rPr lang="es-CO" sz="1800" i="1">
+                          <a:effectLst/>
+                          <a:latin typeface="Cambria Math" panose="02040503050406030204" pitchFamily="18" charset="0"/>
+                          <a:ea typeface="Times New Roman" panose="02020603050405020304" pitchFamily="18" charset="0"/>
+                          <a:cs typeface="Times New Roman" panose="02020603050405020304" pitchFamily="18" charset="0"/>
+                        </a:rPr>
+                        <m:t>∙</m:t>
+                      </m:r>
+                      <m:d>
+                        <m:dPr>
+                          <m:ctrlPr>
+                            <a:rPr lang="es-CO" sz="1800" i="1">
+                              <a:effectLst/>
+                              <a:latin typeface="Cambria Math" panose="02040503050406030204" pitchFamily="18" charset="0"/>
+                              <a:ea typeface="Times New Roman" panose="02020603050405020304" pitchFamily="18" charset="0"/>
+                              <a:cs typeface="Times New Roman" panose="02020603050405020304" pitchFamily="18" charset="0"/>
+                            </a:rPr>
+                          </m:ctrlPr>
+                        </m:dPr>
+                        <m:e>
+                          <m:r>
+                            <a:rPr lang="es-CO" sz="1800" i="1">
+                              <a:effectLst/>
+                              <a:latin typeface="Cambria Math" panose="02040503050406030204" pitchFamily="18" charset="0"/>
+                              <a:ea typeface="Times New Roman" panose="02020603050405020304" pitchFamily="18" charset="0"/>
+                              <a:cs typeface="Times New Roman" panose="02020603050405020304" pitchFamily="18" charset="0"/>
+                            </a:rPr>
+                            <m:t>1+</m:t>
+                          </m:r>
+                          <m:r>
+                            <a:rPr lang="es-CO" sz="1800" i="1">
+                              <a:effectLst/>
+                              <a:latin typeface="Cambria Math" panose="02040503050406030204" pitchFamily="18" charset="0"/>
+                              <a:ea typeface="Calibri" panose="020F0502020204030204" pitchFamily="34" charset="0"/>
+                              <a:cs typeface="Times New Roman" panose="02020603050405020304" pitchFamily="18" charset="0"/>
+                            </a:rPr>
+                            <m:t> </m:t>
+                          </m:r>
+                          <m:sSub>
+                            <m:sSubPr>
+                              <m:ctrlPr>
+                                <a:rPr lang="es-CO" sz="1800" i="1">
+                                  <a:effectLst/>
+                                  <a:latin typeface="Cambria Math" panose="02040503050406030204" pitchFamily="18" charset="0"/>
+                                  <a:ea typeface="Calibri" panose="020F0502020204030204" pitchFamily="34" charset="0"/>
+                                  <a:cs typeface="Times New Roman" panose="02020603050405020304" pitchFamily="18" charset="0"/>
+                                </a:rPr>
+                              </m:ctrlPr>
+                            </m:sSubPr>
+                            <m:e>
+                              <m:r>
+                                <a:rPr lang="en-GB" sz="1800" i="1">
+                                  <a:effectLst/>
+                                  <a:latin typeface="Cambria Math" panose="02040503050406030204" pitchFamily="18" charset="0"/>
+                                  <a:ea typeface="Calibri" panose="020F0502020204030204" pitchFamily="34" charset="0"/>
+                                  <a:cs typeface="Times New Roman" panose="02020603050405020304" pitchFamily="18" charset="0"/>
+                                </a:rPr>
+                                <m:t>𝜙</m:t>
+                              </m:r>
+                            </m:e>
+                            <m:sub>
+                              <m:r>
+                                <a:rPr lang="en-GB" sz="1800" i="1">
+                                  <a:effectLst/>
+                                  <a:latin typeface="Cambria Math" panose="02040503050406030204" pitchFamily="18" charset="0"/>
+                                  <a:ea typeface="Calibri" panose="020F0502020204030204" pitchFamily="34" charset="0"/>
+                                  <a:cs typeface="Times New Roman" panose="02020603050405020304" pitchFamily="18" charset="0"/>
+                                </a:rPr>
+                                <m:t>1</m:t>
+                              </m:r>
+                            </m:sub>
+                          </m:sSub>
+                          <m:r>
+                            <a:rPr lang="en-GB" sz="1800" i="1">
+                              <a:effectLst/>
+                              <a:latin typeface="Cambria Math" panose="02040503050406030204" pitchFamily="18" charset="0"/>
+                              <a:ea typeface="Calibri" panose="020F0502020204030204" pitchFamily="34" charset="0"/>
+                              <a:cs typeface="Times New Roman" panose="02020603050405020304" pitchFamily="18" charset="0"/>
+                            </a:rPr>
+                            <m:t>⋅</m:t>
+                          </m:r>
+                          <m:d>
+                            <m:dPr>
+                              <m:ctrlPr>
+                                <a:rPr lang="es-CO" sz="1800" i="1">
+                                  <a:effectLst/>
+                                  <a:latin typeface="Cambria Math" panose="02040503050406030204" pitchFamily="18" charset="0"/>
+                                  <a:ea typeface="Calibri" panose="020F0502020204030204" pitchFamily="34" charset="0"/>
+                                  <a:cs typeface="Times New Roman" panose="02020603050405020304" pitchFamily="18" charset="0"/>
+                                </a:rPr>
+                              </m:ctrlPr>
+                            </m:dPr>
+                            <m:e>
+                              <m:d>
+                                <m:dPr>
+                                  <m:ctrlPr>
+                                    <a:rPr lang="es-CO" sz="1800" i="1">
+                                      <a:effectLst/>
+                                      <a:latin typeface="Cambria Math" panose="02040503050406030204" pitchFamily="18" charset="0"/>
+                                      <a:ea typeface="Calibri" panose="020F0502020204030204" pitchFamily="34" charset="0"/>
+                                      <a:cs typeface="Times New Roman" panose="02020603050405020304" pitchFamily="18" charset="0"/>
+                                    </a:rPr>
+                                  </m:ctrlPr>
+                                </m:dPr>
+                                <m:e>
+                                  <m:sSubSup>
+                                    <m:sSubSupPr>
+                                      <m:ctrlPr>
+                                        <a:rPr lang="es-CO" sz="1800" i="1">
+                                          <a:effectLst/>
+                                          <a:latin typeface="Cambria Math" panose="02040503050406030204" pitchFamily="18" charset="0"/>
+                                          <a:ea typeface="Calibri" panose="020F0502020204030204" pitchFamily="34" charset="0"/>
+                                          <a:cs typeface="Times New Roman" panose="02020603050405020304" pitchFamily="18" charset="0"/>
+                                        </a:rPr>
+                                      </m:ctrlPr>
+                                    </m:sSubSupPr>
+                                    <m:e>
+                                      <m:r>
+                                        <a:rPr lang="en-GB" sz="1800" i="1">
+                                          <a:effectLst/>
+                                          <a:latin typeface="Cambria Math" panose="02040503050406030204" pitchFamily="18" charset="0"/>
+                                          <a:ea typeface="Calibri" panose="020F0502020204030204" pitchFamily="34" charset="0"/>
+                                          <a:cs typeface="Times New Roman" panose="02020603050405020304" pitchFamily="18" charset="0"/>
+                                        </a:rPr>
+                                        <m:t>𝑟</m:t>
+                                      </m:r>
+                                    </m:e>
+                                    <m:sub>
+                                      <m:r>
+                                        <a:rPr lang="en-GB" sz="1800" i="1">
+                                          <a:effectLst/>
+                                          <a:latin typeface="Cambria Math" panose="02040503050406030204" pitchFamily="18" charset="0"/>
+                                          <a:ea typeface="Calibri" panose="020F0502020204030204" pitchFamily="34" charset="0"/>
+                                          <a:cs typeface="Times New Roman" panose="02020603050405020304" pitchFamily="18" charset="0"/>
+                                        </a:rPr>
+                                        <m:t>𝐹</m:t>
+                                      </m:r>
+                                    </m:sub>
+                                    <m:sup>
+                                      <m:r>
+                                        <a:rPr lang="en-GB" sz="1800" i="1">
+                                          <a:effectLst/>
+                                          <a:latin typeface="Cambria Math" panose="02040503050406030204" pitchFamily="18" charset="0"/>
+                                          <a:ea typeface="Calibri" panose="020F0502020204030204" pitchFamily="34" charset="0"/>
+                                          <a:cs typeface="Times New Roman" panose="02020603050405020304" pitchFamily="18" charset="0"/>
+                                        </a:rPr>
+                                        <m:t>𝑒</m:t>
+                                      </m:r>
+                                    </m:sup>
+                                  </m:sSubSup>
+                                  <m:r>
+                                    <a:rPr lang="en-GB" sz="1800" i="1">
+                                      <a:effectLst/>
+                                      <a:latin typeface="Cambria Math" panose="02040503050406030204" pitchFamily="18" charset="0"/>
+                                      <a:ea typeface="Calibri" panose="020F0502020204030204" pitchFamily="34" charset="0"/>
+                                      <a:cs typeface="Times New Roman" panose="02020603050405020304" pitchFamily="18" charset="0"/>
+                                    </a:rPr>
+                                    <m:t>− </m:t>
+                                  </m:r>
+                                  <m:f>
+                                    <m:fPr>
+                                      <m:ctrlPr>
+                                        <a:rPr lang="es-CO" sz="1800" i="1">
+                                          <a:effectLst/>
+                                          <a:latin typeface="Cambria Math" panose="02040503050406030204" pitchFamily="18" charset="0"/>
+                                          <a:ea typeface="Calibri" panose="020F0502020204030204" pitchFamily="34" charset="0"/>
+                                          <a:cs typeface="Times New Roman" panose="02020603050405020304" pitchFamily="18" charset="0"/>
+                                        </a:rPr>
+                                      </m:ctrlPr>
+                                    </m:fPr>
+                                    <m:num>
+                                      <m:acc>
+                                        <m:accPr>
+                                          <m:chr m:val="̇"/>
+                                          <m:ctrlPr>
+                                            <a:rPr lang="es-CO" sz="1800" i="1">
+                                              <a:effectLst/>
+                                              <a:latin typeface="Cambria Math" panose="02040503050406030204" pitchFamily="18" charset="0"/>
+                                              <a:ea typeface="Calibri" panose="020F0502020204030204" pitchFamily="34" charset="0"/>
+                                              <a:cs typeface="Times New Roman" panose="02020603050405020304" pitchFamily="18" charset="0"/>
+                                            </a:rPr>
+                                          </m:ctrlPr>
+                                        </m:accPr>
+                                        <m:e>
+                                          <m:r>
+                                            <a:rPr lang="en-GB" sz="1800" i="1">
+                                              <a:effectLst/>
+                                              <a:latin typeface="Cambria Math" panose="02040503050406030204" pitchFamily="18" charset="0"/>
+                                              <a:ea typeface="Calibri" panose="020F0502020204030204" pitchFamily="34" charset="0"/>
+                                              <a:cs typeface="Times New Roman" panose="02020603050405020304" pitchFamily="18" charset="0"/>
+                                            </a:rPr>
+                                            <m:t>𝑝</m:t>
+                                          </m:r>
+                                        </m:e>
+                                      </m:acc>
+                                    </m:num>
+                                    <m:den>
+                                      <m:r>
+                                        <a:rPr lang="en-GB" sz="1800" i="1">
+                                          <a:effectLst/>
+                                          <a:latin typeface="Cambria Math" panose="02040503050406030204" pitchFamily="18" charset="0"/>
+                                          <a:ea typeface="Calibri" panose="020F0502020204030204" pitchFamily="34" charset="0"/>
+                                          <a:cs typeface="Times New Roman" panose="02020603050405020304" pitchFamily="18" charset="0"/>
+                                        </a:rPr>
+                                        <m:t>𝑝</m:t>
+                                      </m:r>
+                                    </m:den>
+                                  </m:f>
+                                  <m:r>
+                                    <a:rPr lang="en-GB" sz="1800" i="1">
+                                      <a:effectLst/>
+                                      <a:latin typeface="Cambria Math" panose="02040503050406030204" pitchFamily="18" charset="0"/>
+                                      <a:ea typeface="Calibri" panose="020F0502020204030204" pitchFamily="34" charset="0"/>
+                                      <a:cs typeface="Times New Roman" panose="02020603050405020304" pitchFamily="18" charset="0"/>
+                                    </a:rPr>
+                                    <m:t> </m:t>
+                                  </m:r>
+                                </m:e>
+                              </m:d>
+                              <m:d>
+                                <m:dPr>
+                                  <m:ctrlPr>
+                                    <a:rPr lang="es-CO" sz="1800" i="1">
+                                      <a:effectLst/>
+                                      <a:latin typeface="Cambria Math" panose="02040503050406030204" pitchFamily="18" charset="0"/>
+                                      <a:ea typeface="Times New Roman" panose="02020603050405020304" pitchFamily="18" charset="0"/>
+                                      <a:cs typeface="Times New Roman" panose="02020603050405020304" pitchFamily="18" charset="0"/>
+                                    </a:rPr>
+                                  </m:ctrlPr>
+                                </m:dPr>
+                                <m:e>
+                                  <m:r>
+                                    <a:rPr lang="es-CO" sz="1800" i="1">
+                                      <a:effectLst/>
+                                      <a:latin typeface="Cambria Math" panose="02040503050406030204" pitchFamily="18" charset="0"/>
+                                      <a:ea typeface="Times New Roman" panose="02020603050405020304" pitchFamily="18" charset="0"/>
+                                      <a:cs typeface="Times New Roman" panose="02020603050405020304" pitchFamily="18" charset="0"/>
+                                    </a:rPr>
+                                    <m:t>1−</m:t>
+                                  </m:r>
+                                  <m:sSub>
+                                    <m:sSubPr>
+                                      <m:ctrlPr>
+                                        <a:rPr lang="es-CO" sz="1800" i="1">
+                                          <a:effectLst/>
+                                          <a:latin typeface="Cambria Math" panose="02040503050406030204" pitchFamily="18" charset="0"/>
+                                          <a:ea typeface="Calibri" panose="020F0502020204030204" pitchFamily="34" charset="0"/>
+                                          <a:cs typeface="Times New Roman" panose="02020603050405020304" pitchFamily="18" charset="0"/>
+                                        </a:rPr>
+                                      </m:ctrlPr>
+                                    </m:sSubPr>
+                                    <m:e>
+                                      <m:r>
+                                        <a:rPr lang="en-GB" sz="1800" i="1">
+                                          <a:effectLst/>
+                                          <a:latin typeface="Cambria Math" panose="02040503050406030204" pitchFamily="18" charset="0"/>
+                                          <a:ea typeface="Calibri" panose="020F0502020204030204" pitchFamily="34" charset="0"/>
+                                          <a:cs typeface="Times New Roman" panose="02020603050405020304" pitchFamily="18" charset="0"/>
+                                        </a:rPr>
+                                        <m:t>𝜙</m:t>
+                                      </m:r>
+                                    </m:e>
+                                    <m:sub>
+                                      <m:r>
+                                        <a:rPr lang="en-GB" sz="1800" i="1">
+                                          <a:effectLst/>
+                                          <a:latin typeface="Cambria Math" panose="02040503050406030204" pitchFamily="18" charset="0"/>
+                                          <a:ea typeface="Calibri" panose="020F0502020204030204" pitchFamily="34" charset="0"/>
+                                          <a:cs typeface="Times New Roman" panose="02020603050405020304" pitchFamily="18" charset="0"/>
+                                        </a:rPr>
+                                        <m:t>2</m:t>
+                                      </m:r>
+                                    </m:sub>
+                                  </m:sSub>
+                                </m:e>
+                              </m:d>
+                            </m:e>
+                          </m:d>
+                        </m:e>
+                      </m:d>
+                      <m:r>
+                        <a:rPr lang="es-CO" sz="1800" i="1">
+                          <a:effectLst/>
+                          <a:latin typeface="Cambria Math" panose="02040503050406030204" pitchFamily="18" charset="0"/>
+                          <a:ea typeface="Times New Roman" panose="02020603050405020304" pitchFamily="18" charset="0"/>
+                          <a:cs typeface="Times New Roman" panose="02020603050405020304" pitchFamily="18" charset="0"/>
+                        </a:rPr>
+                        <m:t>     (10)</m:t>
+                      </m:r>
+                    </m:oMath>
+                  </m:oMathPara>
+                </a14:m>
+                <a:endParaRPr lang="es-CO" sz="1800" dirty="0">
+                  <a:effectLst/>
+                  <a:latin typeface="Calibri" panose="020F0502020204030204" pitchFamily="34" charset="0"/>
+                  <a:ea typeface="Calibri" panose="020F0502020204030204" pitchFamily="34" charset="0"/>
+                  <a:cs typeface="Times New Roman" panose="02020603050405020304" pitchFamily="18" charset="0"/>
+                </a:endParaRPr>
+              </a:p>
+              <a:p>
+                <a:pPr marL="0" indent="0" algn="just">
+                  <a:buNone/>
+                </a:pPr>
+                <a:endParaRPr lang="es-CO" sz="1800" dirty="0">
+                  <a:effectLst/>
+                  <a:latin typeface="Calibri" panose="020F0502020204030204" pitchFamily="34" charset="0"/>
+                  <a:ea typeface="Calibri" panose="020F0502020204030204" pitchFamily="34" charset="0"/>
+                  <a:cs typeface="Times New Roman" panose="02020603050405020304" pitchFamily="18" charset="0"/>
+                </a:endParaRPr>
+              </a:p>
+              <a:p>
+                <a:pPr algn="just"/>
+                <a:r>
+                  <a:rPr lang="en-GB" sz="2000" dirty="0">
+                    <a:latin typeface="Century Gothic" panose="020B0502020202020204" pitchFamily="34" charset="0"/>
+                  </a:rPr>
+                  <a:t>The ratio of non – greenfield FDI to total FDI is a residual:</a:t>
+                </a:r>
+              </a:p>
+              <a:p>
+                <a:pPr algn="just"/>
+                <a:endParaRPr lang="en-GB" sz="2000" dirty="0">
+                  <a:latin typeface="Century Gothic" panose="020B0502020202020204" pitchFamily="34" charset="0"/>
+                </a:endParaRPr>
+              </a:p>
+              <a:p>
+                <a:pPr marL="0" indent="0" algn="just">
+                  <a:buNone/>
+                </a:pPr>
+                <a14:m>
+                  <m:oMathPara xmlns:m="http://schemas.openxmlformats.org/officeDocument/2006/math">
+                    <m:oMathParaPr>
+                      <m:jc m:val="centerGroup"/>
+                    </m:oMathParaPr>
+                    <m:oMath xmlns:m="http://schemas.openxmlformats.org/officeDocument/2006/math">
+                      <m:r>
+                        <a:rPr lang="es-CO" sz="1800" i="1" smtClean="0">
+                          <a:effectLst/>
+                          <a:latin typeface="Cambria Math" panose="02040503050406030204" pitchFamily="18" charset="0"/>
+                          <a:ea typeface="Times New Roman" panose="02020603050405020304" pitchFamily="18" charset="0"/>
+                          <a:cs typeface="Times New Roman" panose="02020603050405020304" pitchFamily="18" charset="0"/>
+                        </a:rPr>
+                        <m:t>𝐹𝐷</m:t>
+                      </m:r>
+                      <m:sSup>
+                        <m:sSupPr>
+                          <m:ctrlPr>
+                            <a:rPr lang="es-CO" sz="1800" i="1">
+                              <a:effectLst/>
+                              <a:latin typeface="Cambria Math" panose="02040503050406030204" pitchFamily="18" charset="0"/>
+                              <a:ea typeface="Times New Roman" panose="02020603050405020304" pitchFamily="18" charset="0"/>
+                              <a:cs typeface="Times New Roman" panose="02020603050405020304" pitchFamily="18" charset="0"/>
+                            </a:rPr>
+                          </m:ctrlPr>
+                        </m:sSupPr>
+                        <m:e>
+                          <m:r>
+                            <a:rPr lang="es-CO" sz="1800" i="1">
+                              <a:effectLst/>
+                              <a:latin typeface="Cambria Math" panose="02040503050406030204" pitchFamily="18" charset="0"/>
+                              <a:ea typeface="Times New Roman" panose="02020603050405020304" pitchFamily="18" charset="0"/>
+                              <a:cs typeface="Times New Roman" panose="02020603050405020304" pitchFamily="18" charset="0"/>
+                            </a:rPr>
+                            <m:t>𝐼</m:t>
+                          </m:r>
+                        </m:e>
+                        <m:sup>
+                          <m:r>
+                            <a:rPr lang="es-CO" sz="1800" i="1">
+                              <a:effectLst/>
+                              <a:latin typeface="Cambria Math" panose="02040503050406030204" pitchFamily="18" charset="0"/>
+                              <a:ea typeface="Times New Roman" panose="02020603050405020304" pitchFamily="18" charset="0"/>
+                              <a:cs typeface="Times New Roman" panose="02020603050405020304" pitchFamily="18" charset="0"/>
+                            </a:rPr>
+                            <m:t>𝑃</m:t>
+                          </m:r>
+                        </m:sup>
+                      </m:sSup>
+                      <m:r>
+                        <a:rPr lang="es-CO" sz="1800" i="1">
+                          <a:effectLst/>
+                          <a:latin typeface="Cambria Math" panose="02040503050406030204" pitchFamily="18" charset="0"/>
+                          <a:ea typeface="Times New Roman" panose="02020603050405020304" pitchFamily="18" charset="0"/>
+                          <a:cs typeface="Times New Roman" panose="02020603050405020304" pitchFamily="18" charset="0"/>
+                        </a:rPr>
+                        <m:t>=</m:t>
+                      </m:r>
+                      <m:d>
+                        <m:dPr>
+                          <m:ctrlPr>
+                            <a:rPr lang="es-CO" sz="1800" i="1">
+                              <a:effectLst/>
+                              <a:latin typeface="Cambria Math" panose="02040503050406030204" pitchFamily="18" charset="0"/>
+                              <a:ea typeface="Times New Roman" panose="02020603050405020304" pitchFamily="18" charset="0"/>
+                              <a:cs typeface="Times New Roman" panose="02020603050405020304" pitchFamily="18" charset="0"/>
+                            </a:rPr>
+                          </m:ctrlPr>
+                        </m:dPr>
+                        <m:e>
+                          <m:r>
+                            <a:rPr lang="es-CO" sz="1800" i="1">
+                              <a:effectLst/>
+                              <a:latin typeface="Cambria Math" panose="02040503050406030204" pitchFamily="18" charset="0"/>
+                              <a:ea typeface="Times New Roman" panose="02020603050405020304" pitchFamily="18" charset="0"/>
+                              <a:cs typeface="Times New Roman" panose="02020603050405020304" pitchFamily="18" charset="0"/>
+                            </a:rPr>
+                            <m:t>1−</m:t>
+                          </m:r>
+                          <m:sSub>
+                            <m:sSubPr>
+                              <m:ctrlPr>
+                                <a:rPr lang="es-CO" sz="1800" i="1">
+                                  <a:effectLst/>
+                                  <a:latin typeface="Cambria Math" panose="02040503050406030204" pitchFamily="18" charset="0"/>
+                                  <a:ea typeface="Times New Roman" panose="02020603050405020304" pitchFamily="18" charset="0"/>
+                                  <a:cs typeface="Times New Roman" panose="02020603050405020304" pitchFamily="18" charset="0"/>
+                                </a:rPr>
+                              </m:ctrlPr>
+                            </m:sSubPr>
+                            <m:e>
+                              <m:r>
+                                <a:rPr lang="es-CO" sz="1800" i="1">
+                                  <a:effectLst/>
+                                  <a:latin typeface="Cambria Math" panose="02040503050406030204" pitchFamily="18" charset="0"/>
+                                  <a:ea typeface="Times New Roman" panose="02020603050405020304" pitchFamily="18" charset="0"/>
+                                  <a:cs typeface="Times New Roman" panose="02020603050405020304" pitchFamily="18" charset="0"/>
+                                </a:rPr>
+                                <m:t>𝜙</m:t>
+                              </m:r>
+                            </m:e>
+                            <m:sub>
+                              <m:r>
+                                <a:rPr lang="es-CO" sz="1800" i="1">
+                                  <a:effectLst/>
+                                  <a:latin typeface="Cambria Math" panose="02040503050406030204" pitchFamily="18" charset="0"/>
+                                  <a:ea typeface="Times New Roman" panose="02020603050405020304" pitchFamily="18" charset="0"/>
+                                  <a:cs typeface="Times New Roman" panose="02020603050405020304" pitchFamily="18" charset="0"/>
+                                </a:rPr>
+                                <m:t>𝐺</m:t>
+                              </m:r>
+                            </m:sub>
+                          </m:sSub>
+                        </m:e>
+                      </m:d>
+                      <m:r>
+                        <a:rPr lang="es-CO" sz="1800" i="1">
+                          <a:effectLst/>
+                          <a:latin typeface="Cambria Math" panose="02040503050406030204" pitchFamily="18" charset="0"/>
+                          <a:ea typeface="Times New Roman" panose="02020603050405020304" pitchFamily="18" charset="0"/>
+                          <a:cs typeface="Times New Roman" panose="02020603050405020304" pitchFamily="18" charset="0"/>
+                        </a:rPr>
+                        <m:t> ∙</m:t>
+                      </m:r>
+                      <m:r>
+                        <a:rPr lang="es-CO" sz="1800" i="1">
+                          <a:effectLst/>
+                          <a:latin typeface="Cambria Math" panose="02040503050406030204" pitchFamily="18" charset="0"/>
+                          <a:ea typeface="Times New Roman" panose="02020603050405020304" pitchFamily="18" charset="0"/>
+                          <a:cs typeface="Times New Roman" panose="02020603050405020304" pitchFamily="18" charset="0"/>
+                        </a:rPr>
+                        <m:t>𝐹𝐷𝐼</m:t>
+                      </m:r>
+                      <m:r>
+                        <a:rPr lang="es-CO" sz="1800" i="1">
+                          <a:effectLst/>
+                          <a:latin typeface="Cambria Math" panose="02040503050406030204" pitchFamily="18" charset="0"/>
+                          <a:ea typeface="Times New Roman" panose="02020603050405020304" pitchFamily="18" charset="0"/>
+                          <a:cs typeface="Times New Roman" panose="02020603050405020304" pitchFamily="18" charset="0"/>
+                        </a:rPr>
+                        <m:t>    (11)</m:t>
+                      </m:r>
+                    </m:oMath>
+                  </m:oMathPara>
+                </a14:m>
+                <a:endParaRPr lang="es-CO" sz="1800" dirty="0">
+                  <a:latin typeface="Calibri" panose="020F0502020204030204" pitchFamily="34" charset="0"/>
+                  <a:ea typeface="Calibri" panose="020F0502020204030204" pitchFamily="34" charset="0"/>
+                  <a:cs typeface="Times New Roman" panose="02020603050405020304" pitchFamily="18" charset="0"/>
+                </a:endParaRPr>
+              </a:p>
+              <a:p>
+                <a:pPr marL="0" indent="0" algn="just">
+                  <a:buNone/>
+                </a:pPr>
+                <a:endParaRPr lang="es-CO" sz="1800" dirty="0">
+                  <a:effectLst/>
+                  <a:latin typeface="Calibri" panose="020F0502020204030204" pitchFamily="34" charset="0"/>
+                  <a:ea typeface="Calibri" panose="020F0502020204030204" pitchFamily="34" charset="0"/>
+                  <a:cs typeface="Times New Roman" panose="02020603050405020304" pitchFamily="18" charset="0"/>
+                </a:endParaRPr>
+              </a:p>
+              <a:p>
+                <a:pPr algn="just"/>
+                <a:r>
+                  <a:rPr lang="en-GB" sz="2000" dirty="0">
+                    <a:latin typeface="Century Gothic" panose="020B0502020202020204" pitchFamily="34" charset="0"/>
+                  </a:rPr>
+                  <a:t>The allocation of non – greenfield FDI between firms and banks by the following equation:                   </a:t>
+                </a:r>
+                <a14:m>
+                  <m:oMath xmlns:m="http://schemas.openxmlformats.org/officeDocument/2006/math">
+                    <m:acc>
+                      <m:accPr>
+                        <m:chr m:val="̇"/>
+                        <m:ctrlPr>
+                          <a:rPr lang="es-CO" sz="1800" i="1" smtClean="0">
+                            <a:effectLst/>
+                            <a:latin typeface="Cambria Math" panose="02040503050406030204" pitchFamily="18" charset="0"/>
+                            <a:ea typeface="Times New Roman" panose="02020603050405020304" pitchFamily="18" charset="0"/>
+                            <a:cs typeface="Times New Roman" panose="02020603050405020304" pitchFamily="18" charset="0"/>
+                          </a:rPr>
+                        </m:ctrlPr>
+                      </m:accPr>
+                      <m:e>
+                        <m:sSub>
+                          <m:sSubPr>
+                            <m:ctrlPr>
+                              <a:rPr lang="es-CO" sz="1800" i="1">
+                                <a:effectLst/>
+                                <a:latin typeface="Cambria Math" panose="02040503050406030204" pitchFamily="18" charset="0"/>
+                                <a:ea typeface="Times New Roman" panose="02020603050405020304" pitchFamily="18" charset="0"/>
+                                <a:cs typeface="Times New Roman" panose="02020603050405020304" pitchFamily="18" charset="0"/>
+                              </a:rPr>
+                            </m:ctrlPr>
+                          </m:sSubPr>
+                          <m:e>
+                            <m:r>
+                              <a:rPr lang="es-CO" sz="1800" i="1">
+                                <a:effectLst/>
+                                <a:latin typeface="Cambria Math" panose="02040503050406030204" pitchFamily="18" charset="0"/>
+                                <a:ea typeface="Times New Roman" panose="02020603050405020304" pitchFamily="18" charset="0"/>
+                                <a:cs typeface="Times New Roman" panose="02020603050405020304" pitchFamily="18" charset="0"/>
+                              </a:rPr>
+                              <m:t>𝜉</m:t>
+                            </m:r>
+                          </m:e>
+                          <m:sub>
+                            <m:r>
+                              <a:rPr lang="es-CO" sz="1800" i="1">
+                                <a:effectLst/>
+                                <a:latin typeface="Cambria Math" panose="02040503050406030204" pitchFamily="18" charset="0"/>
+                                <a:ea typeface="Times New Roman" panose="02020603050405020304" pitchFamily="18" charset="0"/>
+                                <a:cs typeface="Times New Roman" panose="02020603050405020304" pitchFamily="18" charset="0"/>
+                              </a:rPr>
+                              <m:t>𝐹</m:t>
+                            </m:r>
+                          </m:sub>
+                        </m:sSub>
+                      </m:e>
+                    </m:acc>
+                    <m:r>
+                      <a:rPr lang="es-CO" sz="1800" i="1">
+                        <a:effectLst/>
+                        <a:latin typeface="Cambria Math" panose="02040503050406030204" pitchFamily="18" charset="0"/>
+                        <a:ea typeface="Times New Roman" panose="02020603050405020304" pitchFamily="18" charset="0"/>
+                        <a:cs typeface="Times New Roman" panose="02020603050405020304" pitchFamily="18" charset="0"/>
+                      </a:rPr>
+                      <m:t>= </m:t>
+                    </m:r>
+                    <m:sSub>
+                      <m:sSubPr>
+                        <m:ctrlPr>
+                          <a:rPr lang="es-CO" sz="1800" i="1">
+                            <a:effectLst/>
+                            <a:latin typeface="Cambria Math" panose="02040503050406030204" pitchFamily="18" charset="0"/>
+                            <a:ea typeface="Times New Roman" panose="02020603050405020304" pitchFamily="18" charset="0"/>
+                            <a:cs typeface="Times New Roman" panose="02020603050405020304" pitchFamily="18" charset="0"/>
+                          </a:rPr>
+                        </m:ctrlPr>
+                      </m:sSubPr>
+                      <m:e>
+                        <m:r>
+                          <a:rPr lang="es-CO" sz="1800" i="1">
+                            <a:effectLst/>
+                            <a:latin typeface="Cambria Math" panose="02040503050406030204" pitchFamily="18" charset="0"/>
+                            <a:ea typeface="Times New Roman" panose="02020603050405020304" pitchFamily="18" charset="0"/>
+                            <a:cs typeface="Times New Roman" panose="02020603050405020304" pitchFamily="18" charset="0"/>
+                          </a:rPr>
+                          <m:t>𝜉</m:t>
+                        </m:r>
+                      </m:e>
+                      <m:sub>
+                        <m:r>
+                          <a:rPr lang="es-CO" sz="1800" i="1">
+                            <a:effectLst/>
+                            <a:latin typeface="Cambria Math" panose="02040503050406030204" pitchFamily="18" charset="0"/>
+                            <a:ea typeface="Times New Roman" panose="02020603050405020304" pitchFamily="18" charset="0"/>
+                            <a:cs typeface="Times New Roman" panose="02020603050405020304" pitchFamily="18" charset="0"/>
+                          </a:rPr>
+                          <m:t>𝐹</m:t>
+                        </m:r>
+                      </m:sub>
+                    </m:sSub>
+                    <m:r>
+                      <a:rPr lang="es-CO" sz="1800" i="1">
+                        <a:effectLst/>
+                        <a:latin typeface="Cambria Math" panose="02040503050406030204" pitchFamily="18" charset="0"/>
+                        <a:ea typeface="Times New Roman" panose="02020603050405020304" pitchFamily="18" charset="0"/>
+                        <a:cs typeface="Times New Roman" panose="02020603050405020304" pitchFamily="18" charset="0"/>
+                      </a:rPr>
+                      <m:t>∙</m:t>
+                    </m:r>
+                    <m:d>
+                      <m:dPr>
+                        <m:ctrlPr>
+                          <a:rPr lang="es-CO" sz="1800" i="1">
+                            <a:effectLst/>
+                            <a:latin typeface="Cambria Math" panose="02040503050406030204" pitchFamily="18" charset="0"/>
+                            <a:ea typeface="Times New Roman" panose="02020603050405020304" pitchFamily="18" charset="0"/>
+                            <a:cs typeface="Times New Roman" panose="02020603050405020304" pitchFamily="18" charset="0"/>
+                          </a:rPr>
+                        </m:ctrlPr>
+                      </m:dPr>
+                      <m:e>
+                        <m:r>
+                          <a:rPr lang="es-CO" sz="1800" i="1">
+                            <a:effectLst/>
+                            <a:latin typeface="Cambria Math" panose="02040503050406030204" pitchFamily="18" charset="0"/>
+                            <a:ea typeface="Times New Roman" panose="02020603050405020304" pitchFamily="18" charset="0"/>
+                            <a:cs typeface="Times New Roman" panose="02020603050405020304" pitchFamily="18" charset="0"/>
+                          </a:rPr>
+                          <m:t>1+ </m:t>
+                        </m:r>
+                        <m:sSub>
+                          <m:sSubPr>
+                            <m:ctrlPr>
+                              <a:rPr lang="es-CO" sz="1800" i="1">
+                                <a:effectLst/>
+                                <a:latin typeface="Cambria Math" panose="02040503050406030204" pitchFamily="18" charset="0"/>
+                                <a:ea typeface="Times New Roman" panose="02020603050405020304" pitchFamily="18" charset="0"/>
+                                <a:cs typeface="Times New Roman" panose="02020603050405020304" pitchFamily="18" charset="0"/>
+                              </a:rPr>
+                            </m:ctrlPr>
+                          </m:sSubPr>
+                          <m:e>
+                            <m:r>
+                              <a:rPr lang="es-CO" sz="1800" i="1">
+                                <a:effectLst/>
+                                <a:latin typeface="Cambria Math" panose="02040503050406030204" pitchFamily="18" charset="0"/>
+                                <a:ea typeface="Times New Roman" panose="02020603050405020304" pitchFamily="18" charset="0"/>
+                                <a:cs typeface="Times New Roman" panose="02020603050405020304" pitchFamily="18" charset="0"/>
+                              </a:rPr>
+                              <m:t>𝜉</m:t>
+                            </m:r>
+                          </m:e>
+                          <m:sub>
+                            <m:r>
+                              <a:rPr lang="es-CO" sz="1800" i="1">
+                                <a:effectLst/>
+                                <a:latin typeface="Cambria Math" panose="02040503050406030204" pitchFamily="18" charset="0"/>
+                                <a:ea typeface="Times New Roman" panose="02020603050405020304" pitchFamily="18" charset="0"/>
+                                <a:cs typeface="Times New Roman" panose="02020603050405020304" pitchFamily="18" charset="0"/>
+                              </a:rPr>
+                              <m:t>1</m:t>
+                            </m:r>
+                          </m:sub>
+                        </m:sSub>
+                        <m:d>
+                          <m:dPr>
+                            <m:ctrlPr>
+                              <a:rPr lang="es-CO" sz="1800" i="1">
+                                <a:effectLst/>
+                                <a:latin typeface="Cambria Math" panose="02040503050406030204" pitchFamily="18" charset="0"/>
+                                <a:ea typeface="Times New Roman" panose="02020603050405020304" pitchFamily="18" charset="0"/>
+                                <a:cs typeface="Times New Roman" panose="02020603050405020304" pitchFamily="18" charset="0"/>
+                              </a:rPr>
+                            </m:ctrlPr>
+                          </m:dPr>
+                          <m:e>
+                            <m:r>
+                              <a:rPr lang="es-CO" sz="1800" i="1">
+                                <a:effectLst/>
+                                <a:latin typeface="Cambria Math" panose="02040503050406030204" pitchFamily="18" charset="0"/>
+                                <a:ea typeface="Times New Roman" panose="02020603050405020304" pitchFamily="18" charset="0"/>
+                                <a:cs typeface="Times New Roman" panose="02020603050405020304" pitchFamily="18" charset="0"/>
+                              </a:rPr>
+                              <m:t> </m:t>
+                            </m:r>
+                            <m:f>
+                              <m:fPr>
+                                <m:type m:val="skw"/>
+                                <m:ctrlPr>
+                                  <a:rPr lang="es-CO" sz="1800" i="1">
+                                    <a:effectLst/>
+                                    <a:latin typeface="Cambria Math" panose="02040503050406030204" pitchFamily="18" charset="0"/>
+                                    <a:ea typeface="Times New Roman" panose="02020603050405020304" pitchFamily="18" charset="0"/>
+                                    <a:cs typeface="Times New Roman" panose="02020603050405020304" pitchFamily="18" charset="0"/>
+                                  </a:rPr>
+                                </m:ctrlPr>
+                              </m:fPr>
+                              <m:num>
+                                <m:r>
+                                  <a:rPr lang="es-CO" sz="1800" i="1">
+                                    <a:effectLst/>
+                                    <a:latin typeface="Cambria Math" panose="02040503050406030204" pitchFamily="18" charset="0"/>
+                                    <a:ea typeface="Times New Roman" panose="02020603050405020304" pitchFamily="18" charset="0"/>
+                                    <a:cs typeface="Times New Roman" panose="02020603050405020304" pitchFamily="18" charset="0"/>
+                                  </a:rPr>
+                                  <m:t>𝐷𝑖</m:t>
+                                </m:r>
+                                <m:sSubSup>
+                                  <m:sSubSupPr>
+                                    <m:ctrlPr>
+                                      <a:rPr lang="es-CO" sz="1800" i="1">
+                                        <a:effectLst/>
+                                        <a:latin typeface="Cambria Math" panose="02040503050406030204" pitchFamily="18" charset="0"/>
+                                        <a:ea typeface="Times New Roman" panose="02020603050405020304" pitchFamily="18" charset="0"/>
+                                        <a:cs typeface="Times New Roman" panose="02020603050405020304" pitchFamily="18" charset="0"/>
+                                      </a:rPr>
+                                    </m:ctrlPr>
+                                  </m:sSubSupPr>
+                                  <m:e>
+                                    <m:r>
+                                      <a:rPr lang="es-CO" sz="1800" i="1">
+                                        <a:effectLst/>
+                                        <a:latin typeface="Cambria Math" panose="02040503050406030204" pitchFamily="18" charset="0"/>
+                                        <a:ea typeface="Times New Roman" panose="02020603050405020304" pitchFamily="18" charset="0"/>
+                                        <a:cs typeface="Times New Roman" panose="02020603050405020304" pitchFamily="18" charset="0"/>
+                                      </a:rPr>
+                                      <m:t>𝑣</m:t>
+                                    </m:r>
+                                  </m:e>
+                                  <m:sub>
+                                    <m:r>
+                                      <a:rPr lang="es-CO" sz="1800" i="1">
+                                        <a:effectLst/>
+                                        <a:latin typeface="Cambria Math" panose="02040503050406030204" pitchFamily="18" charset="0"/>
+                                        <a:ea typeface="Times New Roman" panose="02020603050405020304" pitchFamily="18" charset="0"/>
+                                        <a:cs typeface="Times New Roman" panose="02020603050405020304" pitchFamily="18" charset="0"/>
+                                      </a:rPr>
+                                      <m:t>𝐹</m:t>
+                                    </m:r>
+                                  </m:sub>
+                                  <m:sup>
+                                    <m:r>
+                                      <a:rPr lang="es-CO" sz="1800" i="1">
+                                        <a:effectLst/>
+                                        <a:latin typeface="Cambria Math" panose="02040503050406030204" pitchFamily="18" charset="0"/>
+                                        <a:ea typeface="Times New Roman" panose="02020603050405020304" pitchFamily="18" charset="0"/>
+                                        <a:cs typeface="Times New Roman" panose="02020603050405020304" pitchFamily="18" charset="0"/>
+                                      </a:rPr>
+                                      <m:t>𝑅𝑜𝑊</m:t>
+                                    </m:r>
+                                  </m:sup>
+                                </m:sSubSup>
+                              </m:num>
+                              <m:den>
+                                <m:r>
+                                  <a:rPr lang="es-CO" sz="1800" i="1">
+                                    <a:effectLst/>
+                                    <a:latin typeface="Cambria Math" panose="02040503050406030204" pitchFamily="18" charset="0"/>
+                                    <a:ea typeface="Times New Roman" panose="02020603050405020304" pitchFamily="18" charset="0"/>
+                                    <a:cs typeface="Times New Roman" panose="02020603050405020304" pitchFamily="18" charset="0"/>
+                                  </a:rPr>
+                                  <m:t>𝐸</m:t>
+                                </m:r>
+                                <m:sSubSup>
+                                  <m:sSubSupPr>
+                                    <m:ctrlPr>
+                                      <a:rPr lang="es-CO" sz="1800" i="1">
+                                        <a:effectLst/>
+                                        <a:latin typeface="Cambria Math" panose="02040503050406030204" pitchFamily="18" charset="0"/>
+                                        <a:ea typeface="Times New Roman" panose="02020603050405020304" pitchFamily="18" charset="0"/>
+                                        <a:cs typeface="Times New Roman" panose="02020603050405020304" pitchFamily="18" charset="0"/>
+                                      </a:rPr>
+                                    </m:ctrlPr>
+                                  </m:sSubSupPr>
+                                  <m:e>
+                                    <m:r>
+                                      <a:rPr lang="es-CO" sz="1800" i="1">
+                                        <a:effectLst/>
+                                        <a:latin typeface="Cambria Math" panose="02040503050406030204" pitchFamily="18" charset="0"/>
+                                        <a:ea typeface="Times New Roman" panose="02020603050405020304" pitchFamily="18" charset="0"/>
+                                        <a:cs typeface="Times New Roman" panose="02020603050405020304" pitchFamily="18" charset="0"/>
+                                      </a:rPr>
+                                      <m:t>𝑄</m:t>
+                                    </m:r>
+                                  </m:e>
+                                  <m:sub>
+                                    <m:r>
+                                      <a:rPr lang="es-CO" sz="1800" i="1">
+                                        <a:effectLst/>
+                                        <a:latin typeface="Cambria Math" panose="02040503050406030204" pitchFamily="18" charset="0"/>
+                                        <a:ea typeface="Times New Roman" panose="02020603050405020304" pitchFamily="18" charset="0"/>
+                                        <a:cs typeface="Times New Roman" panose="02020603050405020304" pitchFamily="18" charset="0"/>
+                                      </a:rPr>
+                                      <m:t>𝐹</m:t>
+                                    </m:r>
+                                  </m:sub>
+                                  <m:sup>
+                                    <m:r>
+                                      <a:rPr lang="es-CO" sz="1800" i="1">
+                                        <a:effectLst/>
+                                        <a:latin typeface="Cambria Math" panose="02040503050406030204" pitchFamily="18" charset="0"/>
+                                        <a:ea typeface="Times New Roman" panose="02020603050405020304" pitchFamily="18" charset="0"/>
+                                        <a:cs typeface="Times New Roman" panose="02020603050405020304" pitchFamily="18" charset="0"/>
+                                      </a:rPr>
+                                      <m:t>𝑅𝑜𝑊</m:t>
+                                    </m:r>
+                                  </m:sup>
+                                </m:sSubSup>
+                              </m:den>
+                            </m:f>
+                            <m:r>
+                              <a:rPr lang="es-CO" sz="1800" i="1">
+                                <a:effectLst/>
+                                <a:latin typeface="Cambria Math" panose="02040503050406030204" pitchFamily="18" charset="0"/>
+                                <a:ea typeface="Times New Roman" panose="02020603050405020304" pitchFamily="18" charset="0"/>
+                                <a:cs typeface="Times New Roman" panose="02020603050405020304" pitchFamily="18" charset="0"/>
+                              </a:rPr>
+                              <m:t>−  </m:t>
+                            </m:r>
+                            <m:f>
+                              <m:fPr>
+                                <m:type m:val="skw"/>
+                                <m:ctrlPr>
+                                  <a:rPr lang="es-CO" sz="1800" i="1">
+                                    <a:effectLst/>
+                                    <a:latin typeface="Cambria Math" panose="02040503050406030204" pitchFamily="18" charset="0"/>
+                                    <a:ea typeface="Times New Roman" panose="02020603050405020304" pitchFamily="18" charset="0"/>
+                                    <a:cs typeface="Times New Roman" panose="02020603050405020304" pitchFamily="18" charset="0"/>
+                                  </a:rPr>
+                                </m:ctrlPr>
+                              </m:fPr>
+                              <m:num>
+                                <m:r>
+                                  <a:rPr lang="es-CO" sz="1800" i="1">
+                                    <a:effectLst/>
+                                    <a:latin typeface="Cambria Math" panose="02040503050406030204" pitchFamily="18" charset="0"/>
+                                    <a:ea typeface="Times New Roman" panose="02020603050405020304" pitchFamily="18" charset="0"/>
+                                    <a:cs typeface="Times New Roman" panose="02020603050405020304" pitchFamily="18" charset="0"/>
+                                  </a:rPr>
+                                  <m:t>𝐷𝑖</m:t>
+                                </m:r>
+                                <m:sSubSup>
+                                  <m:sSubSupPr>
+                                    <m:ctrlPr>
+                                      <a:rPr lang="es-CO" sz="1800" i="1">
+                                        <a:effectLst/>
+                                        <a:latin typeface="Cambria Math" panose="02040503050406030204" pitchFamily="18" charset="0"/>
+                                        <a:ea typeface="Times New Roman" panose="02020603050405020304" pitchFamily="18" charset="0"/>
+                                        <a:cs typeface="Times New Roman" panose="02020603050405020304" pitchFamily="18" charset="0"/>
+                                      </a:rPr>
+                                    </m:ctrlPr>
+                                  </m:sSubSupPr>
+                                  <m:e>
+                                    <m:r>
+                                      <a:rPr lang="es-CO" sz="1800" i="1">
+                                        <a:effectLst/>
+                                        <a:latin typeface="Cambria Math" panose="02040503050406030204" pitchFamily="18" charset="0"/>
+                                        <a:ea typeface="Times New Roman" panose="02020603050405020304" pitchFamily="18" charset="0"/>
+                                        <a:cs typeface="Times New Roman" panose="02020603050405020304" pitchFamily="18" charset="0"/>
+                                      </a:rPr>
+                                      <m:t>𝑣</m:t>
+                                    </m:r>
+                                  </m:e>
+                                  <m:sub>
+                                    <m:r>
+                                      <a:rPr lang="es-CO" sz="1800" i="1">
+                                        <a:effectLst/>
+                                        <a:latin typeface="Cambria Math" panose="02040503050406030204" pitchFamily="18" charset="0"/>
+                                        <a:ea typeface="Times New Roman" panose="02020603050405020304" pitchFamily="18" charset="0"/>
+                                        <a:cs typeface="Times New Roman" panose="02020603050405020304" pitchFamily="18" charset="0"/>
+                                      </a:rPr>
+                                      <m:t>𝐵</m:t>
+                                    </m:r>
+                                  </m:sub>
+                                  <m:sup>
+                                    <m:r>
+                                      <a:rPr lang="es-CO" sz="1800" i="1">
+                                        <a:effectLst/>
+                                        <a:latin typeface="Cambria Math" panose="02040503050406030204" pitchFamily="18" charset="0"/>
+                                        <a:ea typeface="Times New Roman" panose="02020603050405020304" pitchFamily="18" charset="0"/>
+                                        <a:cs typeface="Times New Roman" panose="02020603050405020304" pitchFamily="18" charset="0"/>
+                                      </a:rPr>
+                                      <m:t>𝑅𝑜𝑊</m:t>
+                                    </m:r>
+                                  </m:sup>
+                                </m:sSubSup>
+                              </m:num>
+                              <m:den>
+                                <m:r>
+                                  <a:rPr lang="es-CO" sz="1800" i="1">
+                                    <a:effectLst/>
+                                    <a:latin typeface="Cambria Math" panose="02040503050406030204" pitchFamily="18" charset="0"/>
+                                    <a:ea typeface="Times New Roman" panose="02020603050405020304" pitchFamily="18" charset="0"/>
+                                    <a:cs typeface="Times New Roman" panose="02020603050405020304" pitchFamily="18" charset="0"/>
+                                  </a:rPr>
+                                  <m:t>𝐸</m:t>
+                                </m:r>
+                                <m:sSubSup>
+                                  <m:sSubSupPr>
+                                    <m:ctrlPr>
+                                      <a:rPr lang="es-CO" sz="1800" i="1">
+                                        <a:effectLst/>
+                                        <a:latin typeface="Cambria Math" panose="02040503050406030204" pitchFamily="18" charset="0"/>
+                                        <a:ea typeface="Times New Roman" panose="02020603050405020304" pitchFamily="18" charset="0"/>
+                                        <a:cs typeface="Times New Roman" panose="02020603050405020304" pitchFamily="18" charset="0"/>
+                                      </a:rPr>
+                                    </m:ctrlPr>
+                                  </m:sSubSupPr>
+                                  <m:e>
+                                    <m:r>
+                                      <a:rPr lang="es-CO" sz="1800" i="1">
+                                        <a:effectLst/>
+                                        <a:latin typeface="Cambria Math" panose="02040503050406030204" pitchFamily="18" charset="0"/>
+                                        <a:ea typeface="Times New Roman" panose="02020603050405020304" pitchFamily="18" charset="0"/>
+                                        <a:cs typeface="Times New Roman" panose="02020603050405020304" pitchFamily="18" charset="0"/>
+                                      </a:rPr>
+                                      <m:t>𝑄</m:t>
+                                    </m:r>
+                                  </m:e>
+                                  <m:sub>
+                                    <m:r>
+                                      <a:rPr lang="es-CO" sz="1800" i="1">
+                                        <a:effectLst/>
+                                        <a:latin typeface="Cambria Math" panose="02040503050406030204" pitchFamily="18" charset="0"/>
+                                        <a:ea typeface="Times New Roman" panose="02020603050405020304" pitchFamily="18" charset="0"/>
+                                        <a:cs typeface="Times New Roman" panose="02020603050405020304" pitchFamily="18" charset="0"/>
+                                      </a:rPr>
+                                      <m:t>𝐵</m:t>
+                                    </m:r>
+                                  </m:sub>
+                                  <m:sup>
+                                    <m:r>
+                                      <a:rPr lang="es-CO" sz="1800" i="1">
+                                        <a:effectLst/>
+                                        <a:latin typeface="Cambria Math" panose="02040503050406030204" pitchFamily="18" charset="0"/>
+                                        <a:ea typeface="Times New Roman" panose="02020603050405020304" pitchFamily="18" charset="0"/>
+                                        <a:cs typeface="Times New Roman" panose="02020603050405020304" pitchFamily="18" charset="0"/>
+                                      </a:rPr>
+                                      <m:t>𝑅𝑜𝑊</m:t>
+                                    </m:r>
+                                  </m:sup>
+                                </m:sSubSup>
+                              </m:den>
+                            </m:f>
+                          </m:e>
+                        </m:d>
+                      </m:e>
+                    </m:d>
+                    <m:r>
+                      <a:rPr lang="es-CO" sz="1800" i="1">
+                        <a:effectLst/>
+                        <a:latin typeface="Cambria Math" panose="02040503050406030204" pitchFamily="18" charset="0"/>
+                        <a:ea typeface="Times New Roman" panose="02020603050405020304" pitchFamily="18" charset="0"/>
+                        <a:cs typeface="Times New Roman" panose="02020603050405020304" pitchFamily="18" charset="0"/>
+                      </a:rPr>
+                      <m:t>   (12)</m:t>
+                    </m:r>
+                  </m:oMath>
+                </a14:m>
+                <a:endParaRPr lang="es-CO" sz="1800" dirty="0">
+                  <a:effectLst/>
+                  <a:latin typeface="Calibri" panose="020F0502020204030204" pitchFamily="34" charset="0"/>
+                  <a:ea typeface="Calibri" panose="020F0502020204030204" pitchFamily="34" charset="0"/>
+                  <a:cs typeface="Times New Roman" panose="02020603050405020304" pitchFamily="18" charset="0"/>
+                </a:endParaRPr>
+              </a:p>
+              <a:p>
+                <a:pPr algn="just"/>
+                <a:endParaRPr lang="en-GB" sz="2000" dirty="0">
+                  <a:latin typeface="Century Gothic" panose="020B0502020202020204" pitchFamily="34" charset="0"/>
+                </a:endParaRPr>
+              </a:p>
+              <a:p>
+                <a:pPr algn="just"/>
+                <a:endParaRPr lang="en-GB" sz="2000" dirty="0">
+                  <a:latin typeface="Century Gothic" panose="020B0502020202020204" pitchFamily="34" charset="0"/>
+                </a:endParaRPr>
+              </a:p>
+            </p:txBody>
+          </p:sp>
+        </mc:Choice>
+        <mc:Fallback>
+          <p:sp>
+            <p:nvSpPr>
+              <p:cNvPr id="2" name="Marcador de contenido 1">
+                <a:extLst>
+                  <a:ext uri="{FF2B5EF4-FFF2-40B4-BE49-F238E27FC236}">
+                    <a16:creationId xmlns:a16="http://schemas.microsoft.com/office/drawing/2014/main" id="{1E76053E-E553-4C2C-919A-CE7A30FA73F9}"/>
+                  </a:ext>
+                </a:extLst>
+              </p:cNvPr>
+              <p:cNvSpPr>
+                <a:spLocks noGrp="1" noRot="1" noChangeAspect="1" noMove="1" noResize="1" noEditPoints="1" noAdjustHandles="1" noChangeArrowheads="1" noChangeShapeType="1" noTextEdit="1"/>
+              </p:cNvSpPr>
+              <p:nvPr>
+                <p:ph idx="1"/>
+              </p:nvPr>
+            </p:nvSpPr>
+            <p:spPr>
+              <a:xfrm>
+                <a:off x="449705" y="1364104"/>
+                <a:ext cx="11037886" cy="4631961"/>
+              </a:xfrm>
+              <a:blipFill>
+                <a:blip r:embed="rId2"/>
+                <a:stretch>
+                  <a:fillRect l="-497" t="-789" r="-552"/>
+                </a:stretch>
+              </a:blipFill>
+            </p:spPr>
+            <p:txBody>
+              <a:bodyPr/>
+              <a:lstStyle/>
+              <a:p>
+                <a:r>
+                  <a:rPr lang="es-CO">
+                    <a:noFill/>
+                  </a:rPr>
+                  <a:t> </a:t>
+                </a:r>
+              </a:p>
+            </p:txBody>
+          </p:sp>
+        </mc:Fallback>
+      </mc:AlternateContent>
       <p:sp>
         <p:nvSpPr>
-          <p:cNvPr id="2" name="1 Título"/>
+          <p:cNvPr id="3" name="Título 2">
+            <a:extLst>
+              <a:ext uri="{FF2B5EF4-FFF2-40B4-BE49-F238E27FC236}">
+                <a16:creationId xmlns:a16="http://schemas.microsoft.com/office/drawing/2014/main" id="{5DA68AA8-71CC-44C3-BE34-4520548865CD}"/>
+              </a:ext>
+            </a:extLst>
+          </p:cNvPr>
           <p:cNvSpPr>
             <a:spLocks noGrp="1"/>
           </p:cNvSpPr>
@@ -3960,832 +9979,1034 @@
             <p:ph type="title"/>
           </p:nvPr>
         </p:nvSpPr>
-        <p:spPr/>
-        <p:txBody>
-          <a:bodyPr/>
-          <a:lstStyle/>
-          <a:p>
-            <a:r>
-              <a:rPr lang="es-CO" b="1" dirty="0">
-                <a:latin typeface="Century Gothic" panose="020B0502020202020204" pitchFamily="34" charset="0"/>
-              </a:rPr>
-              <a:t>References.</a:t>
-            </a:r>
-          </a:p>
-        </p:txBody>
-      </p:sp>
-      <p:sp>
-        <p:nvSpPr>
-          <p:cNvPr id="3" name="2 Marcador de contenido"/>
-          <p:cNvSpPr>
-            <a:spLocks noGrp="1"/>
-          </p:cNvSpPr>
-          <p:nvPr>
-            <p:ph idx="1"/>
-          </p:nvPr>
-        </p:nvSpPr>
-        <p:spPr/>
+        <p:spPr>
+          <a:xfrm>
+            <a:off x="779281" y="274637"/>
+            <a:ext cx="7694645" cy="979127"/>
+          </a:xfrm>
+        </p:spPr>
         <p:txBody>
           <a:bodyPr>
-            <a:normAutofit fontScale="85000" lnSpcReduction="10000"/>
+            <a:normAutofit/>
           </a:bodyPr>
           <a:lstStyle/>
           <a:p>
-            <a:pPr marL="0" indent="0" algn="just">
-              <a:buNone/>
-            </a:pPr>
-            <a:r>
-              <a:rPr lang="en-US" sz="2000" b="0" i="0" dirty="0">
-                <a:solidFill>
-                  <a:srgbClr val="333333"/>
-                </a:solidFill>
-                <a:effectLst/>
-                <a:latin typeface="Century Gothic" panose="020B0502020202020204" pitchFamily="34" charset="0"/>
-              </a:rPr>
-              <a:t>   </a:t>
-            </a:r>
-            <a:r>
-              <a:rPr lang="en-US" sz="2000" b="0" i="0" dirty="0" err="1">
-                <a:solidFill>
-                  <a:srgbClr val="333333"/>
-                </a:solidFill>
-                <a:effectLst/>
-                <a:latin typeface="Century Gothic" panose="020B0502020202020204" pitchFamily="34" charset="0"/>
-              </a:rPr>
-              <a:t>Bhaduri</a:t>
-            </a:r>
-            <a:r>
-              <a:rPr lang="en-US" sz="2000" b="0" i="0" dirty="0">
-                <a:solidFill>
-                  <a:srgbClr val="333333"/>
-                </a:solidFill>
-                <a:effectLst/>
-                <a:latin typeface="Century Gothic" panose="020B0502020202020204" pitchFamily="34" charset="0"/>
-              </a:rPr>
-              <a:t>, Amit &amp; </a:t>
-            </a:r>
-            <a:r>
-              <a:rPr lang="en-US" sz="2000" b="0" i="0" dirty="0" err="1">
-                <a:solidFill>
-                  <a:srgbClr val="333333"/>
-                </a:solidFill>
-                <a:effectLst/>
-                <a:latin typeface="Century Gothic" panose="020B0502020202020204" pitchFamily="34" charset="0"/>
-              </a:rPr>
-              <a:t>Marglin</a:t>
-            </a:r>
-            <a:r>
-              <a:rPr lang="en-US" sz="2000" b="0" i="0" dirty="0">
-                <a:solidFill>
-                  <a:srgbClr val="333333"/>
-                </a:solidFill>
-                <a:effectLst/>
-                <a:latin typeface="Century Gothic" panose="020B0502020202020204" pitchFamily="34" charset="0"/>
-              </a:rPr>
-              <a:t>, Stephen, 1990. "</a:t>
-            </a:r>
-            <a:r>
-              <a:rPr lang="en-US" sz="2000" b="1" i="0" u="none" strike="noStrike" dirty="0">
-                <a:solidFill>
-                  <a:srgbClr val="2D4E8B"/>
-                </a:solidFill>
-                <a:effectLst/>
-                <a:latin typeface="Century Gothic" panose="020B0502020202020204" pitchFamily="34" charset="0"/>
-                <a:hlinkClick r:id="rId2"/>
-              </a:rPr>
-              <a:t>Unemployment and the Real Wage: The Economic Basis for Contesting Political Ideologies</a:t>
-            </a:r>
-            <a:r>
-              <a:rPr lang="en-US" sz="2000" b="0" i="0" dirty="0">
-                <a:solidFill>
-                  <a:srgbClr val="333333"/>
-                </a:solidFill>
-                <a:effectLst/>
-                <a:latin typeface="Century Gothic" panose="020B0502020202020204" pitchFamily="34" charset="0"/>
-              </a:rPr>
-              <a:t>," </a:t>
-            </a:r>
-            <a:r>
-              <a:rPr lang="en-US" sz="2000" b="0" i="0" u="none" strike="noStrike" dirty="0">
-                <a:solidFill>
-                  <a:srgbClr val="2D4E8B"/>
-                </a:solidFill>
-                <a:effectLst/>
-                <a:latin typeface="Century Gothic" panose="020B0502020202020204" pitchFamily="34" charset="0"/>
-                <a:hlinkClick r:id="rId3"/>
-              </a:rPr>
-              <a:t>Cambridge Journal of Economics</a:t>
-            </a:r>
-            <a:r>
-              <a:rPr lang="en-US" sz="2000" b="0" i="0" dirty="0">
-                <a:solidFill>
-                  <a:srgbClr val="333333"/>
-                </a:solidFill>
-                <a:effectLst/>
-                <a:latin typeface="Century Gothic" panose="020B0502020202020204" pitchFamily="34" charset="0"/>
-              </a:rPr>
-              <a:t>, Oxford University Press, vol. 14(4), pages 375-393, December.</a:t>
-            </a:r>
-          </a:p>
-          <a:p>
-            <a:pPr marL="0" indent="0" algn="just">
-              <a:buNone/>
-            </a:pPr>
-            <a:endParaRPr lang="es-CO" sz="2000" dirty="0">
-              <a:latin typeface="Century Gothic" panose="020B0502020202020204" pitchFamily="34" charset="0"/>
-            </a:endParaRPr>
-          </a:p>
-          <a:p>
-            <a:pPr marL="0" indent="0" algn="just">
-              <a:buNone/>
-            </a:pPr>
-            <a:r>
-              <a:rPr lang="es-CO" sz="2000" dirty="0">
-                <a:latin typeface="Century Gothic" panose="020B0502020202020204" pitchFamily="34" charset="0"/>
-              </a:rPr>
-              <a:t>   </a:t>
-            </a:r>
-            <a:r>
-              <a:rPr lang="es-CO" sz="2000" dirty="0" err="1">
-                <a:latin typeface="Century Gothic" panose="020B0502020202020204" pitchFamily="34" charset="0"/>
-              </a:rPr>
-              <a:t>Caiani</a:t>
-            </a:r>
-            <a:r>
-              <a:rPr lang="es-CO" sz="2000" dirty="0">
-                <a:latin typeface="Century Gothic" panose="020B0502020202020204" pitchFamily="34" charset="0"/>
-              </a:rPr>
-              <a:t>, Alessandro &amp; </a:t>
-            </a:r>
-            <a:r>
-              <a:rPr lang="es-CO" sz="2000" dirty="0" err="1">
-                <a:latin typeface="Century Gothic" panose="020B0502020202020204" pitchFamily="34" charset="0"/>
-              </a:rPr>
-              <a:t>Godin</a:t>
-            </a:r>
-            <a:r>
-              <a:rPr lang="es-CO" sz="2000" dirty="0">
-                <a:latin typeface="Century Gothic" panose="020B0502020202020204" pitchFamily="34" charset="0"/>
-              </a:rPr>
-              <a:t>, Antoine &amp; </a:t>
-            </a:r>
-            <a:r>
-              <a:rPr lang="es-CO" sz="2000" dirty="0" err="1">
-                <a:latin typeface="Century Gothic" panose="020B0502020202020204" pitchFamily="34" charset="0"/>
-              </a:rPr>
-              <a:t>Caverzasi</a:t>
-            </a:r>
-            <a:r>
-              <a:rPr lang="es-CO" sz="2000" dirty="0">
-                <a:latin typeface="Century Gothic" panose="020B0502020202020204" pitchFamily="34" charset="0"/>
-              </a:rPr>
-              <a:t>, Eugenio &amp; </a:t>
-            </a:r>
-            <a:r>
-              <a:rPr lang="es-CO" sz="2000" dirty="0" err="1">
-                <a:latin typeface="Century Gothic" panose="020B0502020202020204" pitchFamily="34" charset="0"/>
-              </a:rPr>
-              <a:t>Gallegati</a:t>
-            </a:r>
-            <a:r>
-              <a:rPr lang="es-CO" sz="2000" dirty="0">
-                <a:latin typeface="Century Gothic" panose="020B0502020202020204" pitchFamily="34" charset="0"/>
-              </a:rPr>
-              <a:t>, Mauro &amp; </a:t>
-            </a:r>
-            <a:r>
-              <a:rPr lang="es-CO" sz="2000" dirty="0" err="1">
-                <a:latin typeface="Century Gothic" panose="020B0502020202020204" pitchFamily="34" charset="0"/>
-              </a:rPr>
-              <a:t>Kinsella</a:t>
-            </a:r>
-            <a:r>
-              <a:rPr lang="es-CO" sz="2000" dirty="0">
-                <a:latin typeface="Century Gothic" panose="020B0502020202020204" pitchFamily="34" charset="0"/>
-              </a:rPr>
-              <a:t>, Stephen &amp; Stiglitz, Joseph E., 2016. "</a:t>
-            </a:r>
-            <a:r>
-              <a:rPr lang="es-CO" sz="2000" dirty="0" err="1">
-                <a:latin typeface="Century Gothic" panose="020B0502020202020204" pitchFamily="34" charset="0"/>
-                <a:hlinkClick r:id="rId4"/>
-              </a:rPr>
-              <a:t>Agent</a:t>
-            </a:r>
-            <a:r>
-              <a:rPr lang="es-CO" sz="2000" dirty="0">
-                <a:latin typeface="Century Gothic" panose="020B0502020202020204" pitchFamily="34" charset="0"/>
-                <a:hlinkClick r:id="rId4"/>
-              </a:rPr>
-              <a:t> </a:t>
-            </a:r>
-            <a:r>
-              <a:rPr lang="es-CO" sz="2000" dirty="0" err="1">
-                <a:latin typeface="Century Gothic" panose="020B0502020202020204" pitchFamily="34" charset="0"/>
-                <a:hlinkClick r:id="rId4"/>
-              </a:rPr>
-              <a:t>based</a:t>
-            </a:r>
-            <a:r>
-              <a:rPr lang="es-CO" sz="2000" dirty="0">
-                <a:latin typeface="Century Gothic" panose="020B0502020202020204" pitchFamily="34" charset="0"/>
-                <a:hlinkClick r:id="rId4"/>
-              </a:rPr>
-              <a:t>-stock </a:t>
-            </a:r>
-            <a:r>
-              <a:rPr lang="es-CO" sz="2000" dirty="0" err="1">
-                <a:latin typeface="Century Gothic" panose="020B0502020202020204" pitchFamily="34" charset="0"/>
-                <a:hlinkClick r:id="rId4"/>
-              </a:rPr>
-              <a:t>flow</a:t>
-            </a:r>
-            <a:r>
-              <a:rPr lang="es-CO" sz="2000" dirty="0">
-                <a:latin typeface="Century Gothic" panose="020B0502020202020204" pitchFamily="34" charset="0"/>
-                <a:hlinkClick r:id="rId4"/>
-              </a:rPr>
-              <a:t> </a:t>
-            </a:r>
-            <a:r>
-              <a:rPr lang="es-CO" sz="2000" dirty="0" err="1">
-                <a:latin typeface="Century Gothic" panose="020B0502020202020204" pitchFamily="34" charset="0"/>
-                <a:hlinkClick r:id="rId4"/>
-              </a:rPr>
-              <a:t>consistent</a:t>
-            </a:r>
-            <a:r>
-              <a:rPr lang="es-CO" sz="2000" dirty="0">
-                <a:latin typeface="Century Gothic" panose="020B0502020202020204" pitchFamily="34" charset="0"/>
-                <a:hlinkClick r:id="rId4"/>
-              </a:rPr>
-              <a:t> </a:t>
-            </a:r>
-            <a:r>
-              <a:rPr lang="es-CO" sz="2000" dirty="0" err="1">
-                <a:latin typeface="Century Gothic" panose="020B0502020202020204" pitchFamily="34" charset="0"/>
-                <a:hlinkClick r:id="rId4"/>
-              </a:rPr>
-              <a:t>macroeconomics</a:t>
-            </a:r>
-            <a:r>
-              <a:rPr lang="es-CO" sz="2000" dirty="0">
-                <a:latin typeface="Century Gothic" panose="020B0502020202020204" pitchFamily="34" charset="0"/>
-                <a:hlinkClick r:id="rId4"/>
-              </a:rPr>
-              <a:t>: </a:t>
-            </a:r>
-            <a:r>
-              <a:rPr lang="es-CO" sz="2000" dirty="0" err="1">
-                <a:latin typeface="Century Gothic" panose="020B0502020202020204" pitchFamily="34" charset="0"/>
-                <a:hlinkClick r:id="rId4"/>
-              </a:rPr>
-              <a:t>Towards</a:t>
-            </a:r>
-            <a:r>
-              <a:rPr lang="es-CO" sz="2000" dirty="0">
-                <a:latin typeface="Century Gothic" panose="020B0502020202020204" pitchFamily="34" charset="0"/>
-                <a:hlinkClick r:id="rId4"/>
-              </a:rPr>
-              <a:t> a </a:t>
-            </a:r>
-            <a:r>
-              <a:rPr lang="es-CO" sz="2000" dirty="0" err="1">
-                <a:latin typeface="Century Gothic" panose="020B0502020202020204" pitchFamily="34" charset="0"/>
-                <a:hlinkClick r:id="rId4"/>
-              </a:rPr>
-              <a:t>benchmark</a:t>
-            </a:r>
-            <a:r>
-              <a:rPr lang="es-CO" sz="2000" dirty="0">
-                <a:latin typeface="Century Gothic" panose="020B0502020202020204" pitchFamily="34" charset="0"/>
-                <a:hlinkClick r:id="rId4"/>
-              </a:rPr>
-              <a:t> </a:t>
-            </a:r>
-            <a:r>
-              <a:rPr lang="es-CO" sz="2000" dirty="0" err="1">
-                <a:latin typeface="Century Gothic" panose="020B0502020202020204" pitchFamily="34" charset="0"/>
-                <a:hlinkClick r:id="rId4"/>
-              </a:rPr>
-              <a:t>model</a:t>
-            </a:r>
-            <a:r>
-              <a:rPr lang="es-CO" sz="2000" dirty="0">
-                <a:latin typeface="Century Gothic" panose="020B0502020202020204" pitchFamily="34" charset="0"/>
-              </a:rPr>
-              <a:t>," </a:t>
-            </a:r>
-            <a:r>
-              <a:rPr lang="es-CO" sz="2000" dirty="0" err="1">
-                <a:latin typeface="Century Gothic" panose="020B0502020202020204" pitchFamily="34" charset="0"/>
-                <a:hlinkClick r:id="rId5"/>
-              </a:rPr>
-              <a:t>Journal</a:t>
-            </a:r>
-            <a:r>
-              <a:rPr lang="es-CO" sz="2000" dirty="0">
-                <a:latin typeface="Century Gothic" panose="020B0502020202020204" pitchFamily="34" charset="0"/>
-                <a:hlinkClick r:id="rId5"/>
-              </a:rPr>
-              <a:t> of </a:t>
-            </a:r>
-            <a:r>
-              <a:rPr lang="es-CO" sz="2000" dirty="0" err="1">
-                <a:latin typeface="Century Gothic" panose="020B0502020202020204" pitchFamily="34" charset="0"/>
-                <a:hlinkClick r:id="rId5"/>
-              </a:rPr>
-              <a:t>Economic</a:t>
-            </a:r>
-            <a:r>
-              <a:rPr lang="es-CO" sz="2000" dirty="0">
-                <a:latin typeface="Century Gothic" panose="020B0502020202020204" pitchFamily="34" charset="0"/>
-                <a:hlinkClick r:id="rId5"/>
-              </a:rPr>
-              <a:t> Dynamics and Control</a:t>
-            </a:r>
-            <a:r>
-              <a:rPr lang="es-CO" sz="2000" dirty="0">
-                <a:latin typeface="Century Gothic" panose="020B0502020202020204" pitchFamily="34" charset="0"/>
-              </a:rPr>
-              <a:t>, </a:t>
-            </a:r>
-            <a:r>
-              <a:rPr lang="es-CO" sz="2000" dirty="0" err="1">
-                <a:latin typeface="Century Gothic" panose="020B0502020202020204" pitchFamily="34" charset="0"/>
-              </a:rPr>
-              <a:t>Elsevier</a:t>
-            </a:r>
-            <a:r>
-              <a:rPr lang="es-CO" sz="2000" dirty="0">
-                <a:latin typeface="Century Gothic" panose="020B0502020202020204" pitchFamily="34" charset="0"/>
-              </a:rPr>
-              <a:t>, vol. 69(C), </a:t>
-            </a:r>
-            <a:r>
-              <a:rPr lang="es-CO" sz="2000" dirty="0" err="1">
-                <a:latin typeface="Century Gothic" panose="020B0502020202020204" pitchFamily="34" charset="0"/>
-              </a:rPr>
-              <a:t>pages</a:t>
-            </a:r>
-            <a:r>
-              <a:rPr lang="es-CO" sz="2000" dirty="0">
-                <a:latin typeface="Century Gothic" panose="020B0502020202020204" pitchFamily="34" charset="0"/>
-              </a:rPr>
-              <a:t> 375-408.</a:t>
-            </a:r>
-          </a:p>
-          <a:p>
-            <a:pPr marL="0" indent="0" algn="just">
-              <a:buNone/>
-            </a:pPr>
-            <a:endParaRPr lang="es-CO" sz="2000" dirty="0">
-              <a:latin typeface="Century Gothic" panose="020B0502020202020204" pitchFamily="34" charset="0"/>
-            </a:endParaRPr>
-          </a:p>
-          <a:p>
-            <a:pPr marL="0" indent="0" algn="just">
-              <a:buNone/>
-            </a:pPr>
-            <a:r>
-              <a:rPr lang="es-CO" sz="2000" dirty="0">
-                <a:latin typeface="Century Gothic" panose="020B0502020202020204" pitchFamily="34" charset="0"/>
-              </a:rPr>
-              <a:t>  </a:t>
-            </a:r>
-            <a:r>
-              <a:rPr lang="es-CO" sz="2000" dirty="0" err="1">
-                <a:latin typeface="Century Gothic" panose="020B0502020202020204" pitchFamily="34" charset="0"/>
-              </a:rPr>
-              <a:t>Dafermos</a:t>
-            </a:r>
-            <a:r>
-              <a:rPr lang="es-CO" sz="2000" dirty="0">
-                <a:latin typeface="Century Gothic" panose="020B0502020202020204" pitchFamily="34" charset="0"/>
-              </a:rPr>
-              <a:t>, </a:t>
-            </a:r>
-            <a:r>
-              <a:rPr lang="es-CO" sz="2000" dirty="0" err="1">
-                <a:latin typeface="Century Gothic" panose="020B0502020202020204" pitchFamily="34" charset="0"/>
-              </a:rPr>
-              <a:t>Yannis</a:t>
-            </a:r>
-            <a:r>
-              <a:rPr lang="es-CO" sz="2000" dirty="0">
-                <a:latin typeface="Century Gothic" panose="020B0502020202020204" pitchFamily="34" charset="0"/>
-              </a:rPr>
-              <a:t>,  2012. "</a:t>
-            </a:r>
-            <a:r>
-              <a:rPr lang="es-CO" sz="2000" dirty="0">
-                <a:latin typeface="Century Gothic" panose="020B0502020202020204" pitchFamily="34" charset="0"/>
-                <a:hlinkClick r:id="rId6"/>
-              </a:rPr>
-              <a:t>Liquidity </a:t>
-            </a:r>
-            <a:r>
-              <a:rPr lang="es-CO" sz="2000" dirty="0" err="1">
-                <a:latin typeface="Century Gothic" panose="020B0502020202020204" pitchFamily="34" charset="0"/>
-                <a:hlinkClick r:id="rId6"/>
-              </a:rPr>
-              <a:t>preference</a:t>
-            </a:r>
-            <a:r>
-              <a:rPr lang="es-CO" sz="2000" dirty="0">
-                <a:latin typeface="Century Gothic" panose="020B0502020202020204" pitchFamily="34" charset="0"/>
-                <a:hlinkClick r:id="rId6"/>
-              </a:rPr>
-              <a:t>, </a:t>
-            </a:r>
-            <a:r>
-              <a:rPr lang="es-CO" sz="2000" dirty="0" err="1">
-                <a:latin typeface="Century Gothic" panose="020B0502020202020204" pitchFamily="34" charset="0"/>
-                <a:hlinkClick r:id="rId6"/>
-              </a:rPr>
-              <a:t>uncertainty</a:t>
-            </a:r>
-            <a:r>
-              <a:rPr lang="es-CO" sz="2000" dirty="0">
-                <a:latin typeface="Century Gothic" panose="020B0502020202020204" pitchFamily="34" charset="0"/>
-                <a:hlinkClick r:id="rId6"/>
-              </a:rPr>
-              <a:t>, and </a:t>
-            </a:r>
-            <a:r>
-              <a:rPr lang="es-CO" sz="2000" dirty="0" err="1">
-                <a:latin typeface="Century Gothic" panose="020B0502020202020204" pitchFamily="34" charset="0"/>
-                <a:hlinkClick r:id="rId6"/>
-              </a:rPr>
-              <a:t>recession</a:t>
-            </a:r>
-            <a:r>
-              <a:rPr lang="es-CO" sz="2000" dirty="0">
-                <a:latin typeface="Century Gothic" panose="020B0502020202020204" pitchFamily="34" charset="0"/>
-                <a:hlinkClick r:id="rId6"/>
-              </a:rPr>
-              <a:t> in a stock-</a:t>
-            </a:r>
-            <a:r>
-              <a:rPr lang="es-CO" sz="2000" dirty="0" err="1">
-                <a:latin typeface="Century Gothic" panose="020B0502020202020204" pitchFamily="34" charset="0"/>
-                <a:hlinkClick r:id="rId6"/>
-              </a:rPr>
-              <a:t>flow</a:t>
-            </a:r>
-            <a:r>
-              <a:rPr lang="es-CO" sz="2000" dirty="0">
-                <a:latin typeface="Century Gothic" panose="020B0502020202020204" pitchFamily="34" charset="0"/>
-                <a:hlinkClick r:id="rId6"/>
-              </a:rPr>
-              <a:t> </a:t>
-            </a:r>
-            <a:r>
-              <a:rPr lang="es-CO" sz="2000" dirty="0" err="1">
-                <a:latin typeface="Century Gothic" panose="020B0502020202020204" pitchFamily="34" charset="0"/>
-                <a:hlinkClick r:id="rId6"/>
-              </a:rPr>
-              <a:t>consistent</a:t>
-            </a:r>
-            <a:r>
-              <a:rPr lang="es-CO" sz="2000" dirty="0">
-                <a:latin typeface="Century Gothic" panose="020B0502020202020204" pitchFamily="34" charset="0"/>
-                <a:hlinkClick r:id="rId6"/>
-              </a:rPr>
-              <a:t> </a:t>
-            </a:r>
-            <a:r>
-              <a:rPr lang="es-CO" sz="2000" dirty="0" err="1">
-                <a:latin typeface="Century Gothic" panose="020B0502020202020204" pitchFamily="34" charset="0"/>
-                <a:hlinkClick r:id="rId6"/>
-              </a:rPr>
-              <a:t>model</a:t>
-            </a:r>
-            <a:r>
-              <a:rPr lang="es-CO" sz="2000" dirty="0">
-                <a:latin typeface="Century Gothic" panose="020B0502020202020204" pitchFamily="34" charset="0"/>
-              </a:rPr>
-              <a:t>," </a:t>
-            </a:r>
-            <a:r>
-              <a:rPr lang="es-CO" sz="2000" dirty="0" err="1">
-                <a:latin typeface="Century Gothic" panose="020B0502020202020204" pitchFamily="34" charset="0"/>
-                <a:hlinkClick r:id="rId7"/>
-              </a:rPr>
-              <a:t>Journal</a:t>
-            </a:r>
-            <a:r>
-              <a:rPr lang="es-CO" sz="2000" dirty="0">
-                <a:latin typeface="Century Gothic" panose="020B0502020202020204" pitchFamily="34" charset="0"/>
-                <a:hlinkClick r:id="rId7"/>
-              </a:rPr>
-              <a:t> of Post </a:t>
-            </a:r>
-            <a:r>
-              <a:rPr lang="es-CO" sz="2000" dirty="0" err="1">
-                <a:latin typeface="Century Gothic" panose="020B0502020202020204" pitchFamily="34" charset="0"/>
-                <a:hlinkClick r:id="rId7"/>
-              </a:rPr>
-              <a:t>Keynesian</a:t>
-            </a:r>
-            <a:r>
-              <a:rPr lang="es-CO" sz="2000" dirty="0">
-                <a:latin typeface="Century Gothic" panose="020B0502020202020204" pitchFamily="34" charset="0"/>
-                <a:hlinkClick r:id="rId7"/>
-              </a:rPr>
-              <a:t> </a:t>
-            </a:r>
-            <a:r>
-              <a:rPr lang="es-CO" sz="2000" dirty="0" err="1">
-                <a:latin typeface="Century Gothic" panose="020B0502020202020204" pitchFamily="34" charset="0"/>
-                <a:hlinkClick r:id="rId7"/>
-              </a:rPr>
-              <a:t>Economics</a:t>
-            </a:r>
-            <a:r>
-              <a:rPr lang="es-CO" sz="2000" dirty="0">
-                <a:latin typeface="Century Gothic" panose="020B0502020202020204" pitchFamily="34" charset="0"/>
-              </a:rPr>
-              <a:t>, Taylor &amp; Francis </a:t>
-            </a:r>
-            <a:r>
-              <a:rPr lang="es-CO" sz="2000" dirty="0" err="1">
-                <a:latin typeface="Century Gothic" panose="020B0502020202020204" pitchFamily="34" charset="0"/>
-              </a:rPr>
-              <a:t>Journals</a:t>
-            </a:r>
-            <a:r>
-              <a:rPr lang="es-CO" sz="2000" dirty="0">
-                <a:latin typeface="Century Gothic" panose="020B0502020202020204" pitchFamily="34" charset="0"/>
-              </a:rPr>
-              <a:t>, vol. 34(4), </a:t>
-            </a:r>
-            <a:r>
-              <a:rPr lang="es-CO" sz="2000" dirty="0" err="1">
-                <a:latin typeface="Century Gothic" panose="020B0502020202020204" pitchFamily="34" charset="0"/>
-              </a:rPr>
-              <a:t>pages</a:t>
-            </a:r>
-            <a:r>
-              <a:rPr lang="es-CO" sz="2000" dirty="0">
-                <a:latin typeface="Century Gothic" panose="020B0502020202020204" pitchFamily="34" charset="0"/>
-              </a:rPr>
-              <a:t> 749-776.</a:t>
-            </a:r>
-          </a:p>
-          <a:p>
-            <a:pPr marL="0" indent="0" algn="just">
-              <a:buNone/>
-            </a:pPr>
-            <a:endParaRPr lang="es-CO" sz="2000" dirty="0">
-              <a:latin typeface="Century Gothic" panose="020B0502020202020204" pitchFamily="34" charset="0"/>
-            </a:endParaRPr>
-          </a:p>
-          <a:p>
-            <a:pPr marL="0" indent="0" algn="just">
-              <a:buNone/>
-            </a:pPr>
-            <a:r>
-              <a:rPr lang="en-US" sz="2000" dirty="0">
-                <a:latin typeface="Century Gothic" panose="020B0502020202020204" pitchFamily="34" charset="0"/>
-              </a:rPr>
-              <a:t>  </a:t>
-            </a:r>
-            <a:r>
-              <a:rPr lang="es-CO" sz="2000" dirty="0" err="1">
-                <a:latin typeface="Century Gothic" panose="020B0502020202020204" pitchFamily="34" charset="0"/>
-              </a:rPr>
-              <a:t>Till</a:t>
-            </a:r>
-            <a:r>
-              <a:rPr lang="es-CO" sz="2000" dirty="0">
-                <a:latin typeface="Century Gothic" panose="020B0502020202020204" pitchFamily="34" charset="0"/>
-              </a:rPr>
-              <a:t> van </a:t>
-            </a:r>
-            <a:r>
-              <a:rPr lang="es-CO" sz="2000" dirty="0" err="1">
-                <a:latin typeface="Century Gothic" panose="020B0502020202020204" pitchFamily="34" charset="0"/>
-              </a:rPr>
-              <a:t>Treeck</a:t>
-            </a:r>
-            <a:r>
-              <a:rPr lang="es-CO" sz="2000" dirty="0">
-                <a:latin typeface="Century Gothic" panose="020B0502020202020204" pitchFamily="34" charset="0"/>
-              </a:rPr>
-              <a:t>, 2007. "</a:t>
-            </a:r>
-            <a:r>
-              <a:rPr lang="es-CO" sz="2000" b="1" dirty="0">
-                <a:latin typeface="Century Gothic" panose="020B0502020202020204" pitchFamily="34" charset="0"/>
-                <a:hlinkClick r:id="rId8"/>
-              </a:rPr>
-              <a:t>A </a:t>
-            </a:r>
-            <a:r>
-              <a:rPr lang="es-CO" sz="2000" b="1" dirty="0" err="1">
-                <a:latin typeface="Century Gothic" panose="020B0502020202020204" pitchFamily="34" charset="0"/>
-                <a:hlinkClick r:id="rId8"/>
-              </a:rPr>
-              <a:t>Synthetic</a:t>
-            </a:r>
-            <a:r>
-              <a:rPr lang="es-CO" sz="2000" b="1" dirty="0">
-                <a:latin typeface="Century Gothic" panose="020B0502020202020204" pitchFamily="34" charset="0"/>
-                <a:hlinkClick r:id="rId8"/>
-              </a:rPr>
-              <a:t>, Stock-Flow </a:t>
-            </a:r>
-            <a:r>
-              <a:rPr lang="es-CO" sz="2000" b="1" dirty="0" err="1">
-                <a:latin typeface="Century Gothic" panose="020B0502020202020204" pitchFamily="34" charset="0"/>
-                <a:hlinkClick r:id="rId8"/>
-              </a:rPr>
-              <a:t>Consistent</a:t>
-            </a:r>
-            <a:r>
-              <a:rPr lang="es-CO" sz="2000" b="1" dirty="0">
-                <a:latin typeface="Century Gothic" panose="020B0502020202020204" pitchFamily="34" charset="0"/>
-                <a:hlinkClick r:id="rId8"/>
-              </a:rPr>
-              <a:t> </a:t>
-            </a:r>
-            <a:r>
-              <a:rPr lang="es-CO" sz="2000" b="1" dirty="0" err="1">
-                <a:latin typeface="Century Gothic" panose="020B0502020202020204" pitchFamily="34" charset="0"/>
-                <a:hlinkClick r:id="rId8"/>
-              </a:rPr>
-              <a:t>Macroeconomic</a:t>
-            </a:r>
-            <a:r>
-              <a:rPr lang="es-CO" sz="2000" b="1" dirty="0">
-                <a:latin typeface="Century Gothic" panose="020B0502020202020204" pitchFamily="34" charset="0"/>
-                <a:hlinkClick r:id="rId8"/>
-              </a:rPr>
-              <a:t> </a:t>
-            </a:r>
-            <a:r>
-              <a:rPr lang="es-CO" sz="2000" b="1" dirty="0" err="1">
-                <a:latin typeface="Century Gothic" panose="020B0502020202020204" pitchFamily="34" charset="0"/>
-                <a:hlinkClick r:id="rId8"/>
-              </a:rPr>
-              <a:t>Model</a:t>
-            </a:r>
-            <a:r>
-              <a:rPr lang="es-CO" sz="2000" b="1" dirty="0">
-                <a:latin typeface="Century Gothic" panose="020B0502020202020204" pitchFamily="34" charset="0"/>
-                <a:hlinkClick r:id="rId8"/>
-              </a:rPr>
-              <a:t> </a:t>
-            </a:r>
-            <a:r>
-              <a:rPr lang="es-CO" sz="2000" b="1" dirty="0" err="1">
-                <a:latin typeface="Century Gothic" panose="020B0502020202020204" pitchFamily="34" charset="0"/>
-                <a:hlinkClick r:id="rId8"/>
-              </a:rPr>
-              <a:t>of</a:t>
-            </a:r>
-            <a:r>
-              <a:rPr lang="es-CO" sz="2000" b="1" dirty="0">
-                <a:latin typeface="Century Gothic" panose="020B0502020202020204" pitchFamily="34" charset="0"/>
-                <a:hlinkClick r:id="rId8"/>
-              </a:rPr>
-              <a:t> </a:t>
-            </a:r>
-            <a:r>
-              <a:rPr lang="es-CO" sz="2000" b="1" dirty="0" err="1">
-                <a:latin typeface="Century Gothic" panose="020B0502020202020204" pitchFamily="34" charset="0"/>
-                <a:hlinkClick r:id="rId8"/>
-              </a:rPr>
-              <a:t>Financialisation</a:t>
-            </a:r>
-            <a:r>
-              <a:rPr lang="es-CO" sz="2000" dirty="0">
-                <a:latin typeface="Century Gothic" panose="020B0502020202020204" pitchFamily="34" charset="0"/>
-              </a:rPr>
-              <a:t>," </a:t>
-            </a:r>
-            <a:r>
-              <a:rPr lang="es-CO" sz="2000" dirty="0">
-                <a:latin typeface="Century Gothic" panose="020B0502020202020204" pitchFamily="34" charset="0"/>
-                <a:hlinkClick r:id="rId9"/>
-              </a:rPr>
-              <a:t>IMK </a:t>
-            </a:r>
-            <a:r>
-              <a:rPr lang="es-CO" sz="2000" dirty="0" err="1">
-                <a:latin typeface="Century Gothic" panose="020B0502020202020204" pitchFamily="34" charset="0"/>
-                <a:hlinkClick r:id="rId9"/>
-              </a:rPr>
-              <a:t>Working</a:t>
-            </a:r>
-            <a:r>
-              <a:rPr lang="es-CO" sz="2000" dirty="0">
-                <a:latin typeface="Century Gothic" panose="020B0502020202020204" pitchFamily="34" charset="0"/>
-                <a:hlinkClick r:id="rId9"/>
-              </a:rPr>
-              <a:t> </a:t>
-            </a:r>
-            <a:r>
-              <a:rPr lang="es-CO" sz="2000" dirty="0" err="1">
-                <a:latin typeface="Century Gothic" panose="020B0502020202020204" pitchFamily="34" charset="0"/>
-                <a:hlinkClick r:id="rId9"/>
-              </a:rPr>
-              <a:t>Paper</a:t>
-            </a:r>
-            <a:r>
-              <a:rPr lang="es-CO" sz="2000" dirty="0">
-                <a:latin typeface="Century Gothic" panose="020B0502020202020204" pitchFamily="34" charset="0"/>
-              </a:rPr>
-              <a:t> 06-2007, IMK at </a:t>
-            </a:r>
-            <a:r>
-              <a:rPr lang="es-CO" sz="2000" dirty="0" err="1">
-                <a:latin typeface="Century Gothic" panose="020B0502020202020204" pitchFamily="34" charset="0"/>
-              </a:rPr>
-              <a:t>the</a:t>
-            </a:r>
-            <a:r>
-              <a:rPr lang="es-CO" sz="2000" dirty="0">
-                <a:latin typeface="Century Gothic" panose="020B0502020202020204" pitchFamily="34" charset="0"/>
-              </a:rPr>
-              <a:t> Hans </a:t>
-            </a:r>
-            <a:r>
-              <a:rPr lang="es-CO" sz="2000" dirty="0" err="1">
-                <a:latin typeface="Century Gothic" panose="020B0502020202020204" pitchFamily="34" charset="0"/>
-              </a:rPr>
-              <a:t>Boeckler</a:t>
-            </a:r>
-            <a:r>
-              <a:rPr lang="es-CO" sz="2000" dirty="0">
-                <a:latin typeface="Century Gothic" panose="020B0502020202020204" pitchFamily="34" charset="0"/>
-              </a:rPr>
-              <a:t> </a:t>
-            </a:r>
-            <a:r>
-              <a:rPr lang="es-CO" sz="2000" dirty="0" err="1">
-                <a:latin typeface="Century Gothic" panose="020B0502020202020204" pitchFamily="34" charset="0"/>
-              </a:rPr>
-              <a:t>Foundation</a:t>
-            </a:r>
-            <a:r>
-              <a:rPr lang="es-CO" sz="2000" dirty="0">
-                <a:latin typeface="Century Gothic" panose="020B0502020202020204" pitchFamily="34" charset="0"/>
-              </a:rPr>
-              <a:t>, </a:t>
-            </a:r>
-            <a:r>
-              <a:rPr lang="es-CO" sz="2000" dirty="0" err="1">
-                <a:latin typeface="Century Gothic" panose="020B0502020202020204" pitchFamily="34" charset="0"/>
-              </a:rPr>
-              <a:t>Macroeconomic</a:t>
-            </a:r>
-            <a:r>
-              <a:rPr lang="es-CO" sz="2000" dirty="0">
-                <a:latin typeface="Century Gothic" panose="020B0502020202020204" pitchFamily="34" charset="0"/>
-              </a:rPr>
-              <a:t> </a:t>
-            </a:r>
-            <a:r>
-              <a:rPr lang="es-CO" sz="2000" dirty="0" err="1">
-                <a:latin typeface="Century Gothic" panose="020B0502020202020204" pitchFamily="34" charset="0"/>
-              </a:rPr>
-              <a:t>Policy</a:t>
-            </a:r>
-            <a:r>
-              <a:rPr lang="es-CO" sz="2000" dirty="0">
-                <a:latin typeface="Century Gothic" panose="020B0502020202020204" pitchFamily="34" charset="0"/>
-              </a:rPr>
-              <a:t> </a:t>
-            </a:r>
-            <a:r>
-              <a:rPr lang="es-CO" sz="2000" dirty="0" err="1">
-                <a:latin typeface="Century Gothic" panose="020B0502020202020204" pitchFamily="34" charset="0"/>
-              </a:rPr>
-              <a:t>Institute</a:t>
-            </a:r>
-            <a:r>
-              <a:rPr lang="es-CO" sz="2000" dirty="0">
-                <a:latin typeface="Century Gothic" panose="020B0502020202020204" pitchFamily="34" charset="0"/>
-              </a:rPr>
-              <a:t>.</a:t>
-            </a:r>
-          </a:p>
-          <a:p>
-            <a:pPr marL="0" indent="0" algn="just">
-              <a:buNone/>
-            </a:pPr>
-            <a:endParaRPr lang="es-CO" sz="1800" dirty="0">
-              <a:latin typeface="Century Gothic" panose="020B0502020202020204" pitchFamily="34" charset="0"/>
-            </a:endParaRPr>
+            <a:pPr algn="l"/>
+            <a:r>
+              <a:rPr lang="es-CO" b="1" dirty="0">
+                <a:latin typeface="Century Gothic" panose="020B0502020202020204" pitchFamily="34" charset="0"/>
+              </a:rPr>
+              <a:t>Foreign Direct Investment. </a:t>
+            </a:r>
           </a:p>
         </p:txBody>
       </p:sp>
     </p:spTree>
     <p:extLst>
       <p:ext uri="{BB962C8B-B14F-4D97-AF65-F5344CB8AC3E}">
-        <p14:creationId xmlns:p14="http://schemas.microsoft.com/office/powerpoint/2010/main" val="4283329658"/>
+        <p14:creationId xmlns:p14="http://schemas.microsoft.com/office/powerpoint/2010/main" val="2218609711"/>
+      </p:ext>
+    </p:extLst>
+  </p:cSld>
+  <p:clrMapOvr>
+    <a:masterClrMapping/>
+  </p:clrMapOvr>
+</p:sld>
+</file>
+
+<file path=ppt/slides/slide9.xml><?xml version="1.0" encoding="utf-8"?>
+<p:sld xmlns:a="http://schemas.openxmlformats.org/drawingml/2006/main" xmlns:r="http://schemas.openxmlformats.org/officeDocument/2006/relationships" xmlns:p="http://schemas.openxmlformats.org/presentationml/2006/main">
+  <p:cSld>
+    <p:spTree>
+      <p:nvGrpSpPr>
+        <p:cNvPr id="1" name=""/>
+        <p:cNvGrpSpPr/>
+        <p:nvPr/>
+      </p:nvGrpSpPr>
+      <p:grpSpPr>
+        <a:xfrm>
+          <a:off x="0" y="0"/>
+          <a:ext cx="0" cy="0"/>
+          <a:chOff x="0" y="0"/>
+          <a:chExt cx="0" cy="0"/>
+        </a:xfrm>
+      </p:grpSpPr>
+      <mc:AlternateContent xmlns:mc="http://schemas.openxmlformats.org/markup-compatibility/2006">
+        <mc:Choice xmlns:a14="http://schemas.microsoft.com/office/drawing/2010/main" Requires="a14">
+          <p:sp>
+            <p:nvSpPr>
+              <p:cNvPr id="2" name="Marcador de contenido 1">
+                <a:extLst>
+                  <a:ext uri="{FF2B5EF4-FFF2-40B4-BE49-F238E27FC236}">
+                    <a16:creationId xmlns:a16="http://schemas.microsoft.com/office/drawing/2014/main" id="{1E76053E-E553-4C2C-919A-CE7A30FA73F9}"/>
+                  </a:ext>
+                </a:extLst>
+              </p:cNvPr>
+              <p:cNvSpPr>
+                <a:spLocks noGrp="1"/>
+              </p:cNvSpPr>
+              <p:nvPr>
+                <p:ph idx="1"/>
+              </p:nvPr>
+            </p:nvSpPr>
+            <p:spPr>
+              <a:xfrm>
+                <a:off x="614596" y="1454046"/>
+                <a:ext cx="10628026" cy="3927423"/>
+              </a:xfrm>
+            </p:spPr>
+            <p:txBody>
+              <a:bodyPr>
+                <a:noAutofit/>
+              </a:bodyPr>
+              <a:lstStyle/>
+              <a:p>
+                <a:pPr algn="just"/>
+                <a:r>
+                  <a:rPr lang="en-GB" sz="2000" dirty="0">
+                    <a:effectLst/>
+                    <a:latin typeface="Century Gothic" panose="020B0502020202020204" pitchFamily="34" charset="0"/>
+                    <a:ea typeface="Times New Roman" panose="02020603050405020304" pitchFamily="18" charset="0"/>
+                  </a:rPr>
+                  <a:t> The financial counterpart of these FDI flows is given by the issuance of new equities by the firms and banks, which leads to private equity accumulation by the rest of the world</a:t>
+                </a:r>
+                <a:endParaRPr lang="en-GB" sz="2000" dirty="0">
+                  <a:latin typeface="Century Gothic" panose="020B0502020202020204" pitchFamily="34" charset="0"/>
+                </a:endParaRPr>
+              </a:p>
+              <a:p>
+                <a:pPr marL="0" indent="0" algn="just">
+                  <a:buNone/>
+                </a:pPr>
+                <a14:m>
+                  <m:oMathPara xmlns:m="http://schemas.openxmlformats.org/officeDocument/2006/math">
+                    <m:oMathParaPr>
+                      <m:jc m:val="centerGroup"/>
+                    </m:oMathParaPr>
+                    <m:oMath xmlns:m="http://schemas.openxmlformats.org/officeDocument/2006/math">
+                      <m:sSub>
+                        <m:sSubPr>
+                          <m:ctrlPr>
+                            <a:rPr lang="es-CO" sz="1800" i="1" smtClean="0">
+                              <a:effectLst/>
+                              <a:latin typeface="Cambria Math" panose="02040503050406030204" pitchFamily="18" charset="0"/>
+                              <a:ea typeface="Times New Roman" panose="02020603050405020304" pitchFamily="18" charset="0"/>
+                              <a:cs typeface="Times New Roman" panose="02020603050405020304" pitchFamily="18" charset="0"/>
+                            </a:rPr>
+                          </m:ctrlPr>
+                        </m:sSubPr>
+                        <m:e>
+                          <m:acc>
+                            <m:accPr>
+                              <m:chr m:val="̇"/>
+                              <m:ctrlPr>
+                                <a:rPr lang="es-CO" sz="1800" i="1">
+                                  <a:effectLst/>
+                                  <a:latin typeface="Cambria Math" panose="02040503050406030204" pitchFamily="18" charset="0"/>
+                                  <a:ea typeface="Times New Roman" panose="02020603050405020304" pitchFamily="18" charset="0"/>
+                                  <a:cs typeface="Times New Roman" panose="02020603050405020304" pitchFamily="18" charset="0"/>
+                                </a:rPr>
+                              </m:ctrlPr>
+                            </m:accPr>
+                            <m:e>
+                              <m:r>
+                                <a:rPr lang="es-CO" sz="1800" i="1">
+                                  <a:effectLst/>
+                                  <a:latin typeface="Cambria Math" panose="02040503050406030204" pitchFamily="18" charset="0"/>
+                                  <a:ea typeface="Times New Roman" panose="02020603050405020304" pitchFamily="18" charset="0"/>
+                                  <a:cs typeface="Times New Roman" panose="02020603050405020304" pitchFamily="18" charset="0"/>
+                                </a:rPr>
+                                <m:t>𝐸𝑄</m:t>
+                              </m:r>
+                            </m:e>
+                          </m:acc>
+                        </m:e>
+                        <m:sub>
+                          <m:r>
+                            <a:rPr lang="es-CO" sz="1800" i="1">
+                              <a:effectLst/>
+                              <a:latin typeface="Cambria Math" panose="02040503050406030204" pitchFamily="18" charset="0"/>
+                              <a:ea typeface="Times New Roman" panose="02020603050405020304" pitchFamily="18" charset="0"/>
+                              <a:cs typeface="Times New Roman" panose="02020603050405020304" pitchFamily="18" charset="0"/>
+                            </a:rPr>
+                            <m:t>𝑤</m:t>
+                          </m:r>
+                        </m:sub>
+                      </m:sSub>
+                      <m:r>
+                        <a:rPr lang="es-CO" sz="1800" i="1">
+                          <a:effectLst/>
+                          <a:latin typeface="Cambria Math" panose="02040503050406030204" pitchFamily="18" charset="0"/>
+                          <a:ea typeface="Times New Roman" panose="02020603050405020304" pitchFamily="18" charset="0"/>
+                          <a:cs typeface="Times New Roman" panose="02020603050405020304" pitchFamily="18" charset="0"/>
+                        </a:rPr>
+                        <m:t>= </m:t>
+                      </m:r>
+                      <m:sSubSup>
+                        <m:sSubSupPr>
+                          <m:ctrlPr>
+                            <a:rPr lang="es-CO" sz="1800" i="1">
+                              <a:effectLst/>
+                              <a:latin typeface="Cambria Math" panose="02040503050406030204" pitchFamily="18" charset="0"/>
+                              <a:ea typeface="Times New Roman" panose="02020603050405020304" pitchFamily="18" charset="0"/>
+                              <a:cs typeface="Times New Roman" panose="02020603050405020304" pitchFamily="18" charset="0"/>
+                            </a:rPr>
+                          </m:ctrlPr>
+                        </m:sSubSupPr>
+                        <m:e>
+                          <m:acc>
+                            <m:accPr>
+                              <m:chr m:val="̇"/>
+                              <m:ctrlPr>
+                                <a:rPr lang="es-CO" sz="1800" i="1">
+                                  <a:effectLst/>
+                                  <a:latin typeface="Cambria Math" panose="02040503050406030204" pitchFamily="18" charset="0"/>
+                                  <a:ea typeface="Times New Roman" panose="02020603050405020304" pitchFamily="18" charset="0"/>
+                                  <a:cs typeface="Times New Roman" panose="02020603050405020304" pitchFamily="18" charset="0"/>
+                                </a:rPr>
+                              </m:ctrlPr>
+                            </m:accPr>
+                            <m:e>
+                              <m:r>
+                                <a:rPr lang="es-CO" sz="1800" i="1">
+                                  <a:effectLst/>
+                                  <a:latin typeface="Cambria Math" panose="02040503050406030204" pitchFamily="18" charset="0"/>
+                                  <a:ea typeface="Times New Roman" panose="02020603050405020304" pitchFamily="18" charset="0"/>
+                                  <a:cs typeface="Times New Roman" panose="02020603050405020304" pitchFamily="18" charset="0"/>
+                                </a:rPr>
+                                <m:t>𝐸𝑄</m:t>
+                              </m:r>
+                            </m:e>
+                          </m:acc>
+                        </m:e>
+                        <m:sub>
+                          <m:r>
+                            <a:rPr lang="es-CO" sz="1800" i="1">
+                              <a:effectLst/>
+                              <a:latin typeface="Cambria Math" panose="02040503050406030204" pitchFamily="18" charset="0"/>
+                              <a:ea typeface="Times New Roman" panose="02020603050405020304" pitchFamily="18" charset="0"/>
+                              <a:cs typeface="Times New Roman" panose="02020603050405020304" pitchFamily="18" charset="0"/>
+                            </a:rPr>
+                            <m:t>𝐹</m:t>
+                          </m:r>
+                        </m:sub>
+                        <m:sup>
+                          <m:r>
+                            <a:rPr lang="es-CO" sz="1800" i="1">
+                              <a:effectLst/>
+                              <a:latin typeface="Cambria Math" panose="02040503050406030204" pitchFamily="18" charset="0"/>
+                              <a:ea typeface="Times New Roman" panose="02020603050405020304" pitchFamily="18" charset="0"/>
+                              <a:cs typeface="Times New Roman" panose="02020603050405020304" pitchFamily="18" charset="0"/>
+                            </a:rPr>
+                            <m:t>𝑅𝑜𝑊</m:t>
+                          </m:r>
+                        </m:sup>
+                      </m:sSubSup>
+                      <m:r>
+                        <a:rPr lang="es-CO" sz="1800" i="1">
+                          <a:effectLst/>
+                          <a:latin typeface="Cambria Math" panose="02040503050406030204" pitchFamily="18" charset="0"/>
+                          <a:ea typeface="Times New Roman" panose="02020603050405020304" pitchFamily="18" charset="0"/>
+                          <a:cs typeface="Times New Roman" panose="02020603050405020304" pitchFamily="18" charset="0"/>
+                        </a:rPr>
+                        <m:t>+ </m:t>
+                      </m:r>
+                      <m:sSubSup>
+                        <m:sSubSupPr>
+                          <m:ctrlPr>
+                            <a:rPr lang="es-CO" sz="1800" i="1">
+                              <a:effectLst/>
+                              <a:latin typeface="Cambria Math" panose="02040503050406030204" pitchFamily="18" charset="0"/>
+                              <a:ea typeface="Times New Roman" panose="02020603050405020304" pitchFamily="18" charset="0"/>
+                              <a:cs typeface="Times New Roman" panose="02020603050405020304" pitchFamily="18" charset="0"/>
+                            </a:rPr>
+                          </m:ctrlPr>
+                        </m:sSubSupPr>
+                        <m:e>
+                          <m:acc>
+                            <m:accPr>
+                              <m:chr m:val="̇"/>
+                              <m:ctrlPr>
+                                <a:rPr lang="es-CO" sz="1800" i="1">
+                                  <a:effectLst/>
+                                  <a:latin typeface="Cambria Math" panose="02040503050406030204" pitchFamily="18" charset="0"/>
+                                  <a:ea typeface="Times New Roman" panose="02020603050405020304" pitchFamily="18" charset="0"/>
+                                  <a:cs typeface="Times New Roman" panose="02020603050405020304" pitchFamily="18" charset="0"/>
+                                </a:rPr>
+                              </m:ctrlPr>
+                            </m:accPr>
+                            <m:e>
+                              <m:r>
+                                <a:rPr lang="es-CO" sz="1800" i="1">
+                                  <a:effectLst/>
+                                  <a:latin typeface="Cambria Math" panose="02040503050406030204" pitchFamily="18" charset="0"/>
+                                  <a:ea typeface="Times New Roman" panose="02020603050405020304" pitchFamily="18" charset="0"/>
+                                  <a:cs typeface="Times New Roman" panose="02020603050405020304" pitchFamily="18" charset="0"/>
+                                </a:rPr>
+                                <m:t>𝐸𝑄</m:t>
+                              </m:r>
+                            </m:e>
+                          </m:acc>
+                        </m:e>
+                        <m:sub>
+                          <m:r>
+                            <a:rPr lang="es-CO" sz="1800" i="1">
+                              <a:effectLst/>
+                              <a:latin typeface="Cambria Math" panose="02040503050406030204" pitchFamily="18" charset="0"/>
+                              <a:ea typeface="Times New Roman" panose="02020603050405020304" pitchFamily="18" charset="0"/>
+                              <a:cs typeface="Times New Roman" panose="02020603050405020304" pitchFamily="18" charset="0"/>
+                            </a:rPr>
+                            <m:t>𝐵</m:t>
+                          </m:r>
+                        </m:sub>
+                        <m:sup>
+                          <m:r>
+                            <a:rPr lang="es-CO" sz="1800" i="1">
+                              <a:effectLst/>
+                              <a:latin typeface="Cambria Math" panose="02040503050406030204" pitchFamily="18" charset="0"/>
+                              <a:ea typeface="Times New Roman" panose="02020603050405020304" pitchFamily="18" charset="0"/>
+                              <a:cs typeface="Times New Roman" panose="02020603050405020304" pitchFamily="18" charset="0"/>
+                            </a:rPr>
+                            <m:t>𝑅𝑜𝑊</m:t>
+                          </m:r>
+                        </m:sup>
+                      </m:sSubSup>
+                      <m:r>
+                        <a:rPr lang="es-CO" sz="1800" i="1">
+                          <a:effectLst/>
+                          <a:latin typeface="Cambria Math" panose="02040503050406030204" pitchFamily="18" charset="0"/>
+                          <a:ea typeface="Times New Roman" panose="02020603050405020304" pitchFamily="18" charset="0"/>
+                          <a:cs typeface="Times New Roman" panose="02020603050405020304" pitchFamily="18" charset="0"/>
+                        </a:rPr>
+                        <m:t>   (13) </m:t>
+                      </m:r>
+                    </m:oMath>
+                  </m:oMathPara>
+                </a14:m>
+                <a:endParaRPr lang="es-CO" sz="1800" dirty="0">
+                  <a:effectLst/>
+                  <a:latin typeface="Calibri" panose="020F0502020204030204" pitchFamily="34" charset="0"/>
+                  <a:ea typeface="Calibri" panose="020F0502020204030204" pitchFamily="34" charset="0"/>
+                  <a:cs typeface="Times New Roman" panose="02020603050405020304" pitchFamily="18" charset="0"/>
+                </a:endParaRPr>
+              </a:p>
+              <a:p>
+                <a:pPr marL="0" indent="0" algn="just">
+                  <a:buNone/>
+                </a:pPr>
+                <a:endParaRPr lang="es-CO" sz="1800" dirty="0">
+                  <a:latin typeface="Calibri" panose="020F0502020204030204" pitchFamily="34" charset="0"/>
+                  <a:ea typeface="Calibri" panose="020F0502020204030204" pitchFamily="34" charset="0"/>
+                  <a:cs typeface="Times New Roman" panose="02020603050405020304" pitchFamily="18" charset="0"/>
+                </a:endParaRPr>
+              </a:p>
+              <a:p>
+                <a:pPr marL="0" indent="0" algn="just">
+                  <a:buNone/>
+                </a:pPr>
+                <a:endParaRPr lang="es-CO" sz="1800" dirty="0">
+                  <a:effectLst/>
+                  <a:latin typeface="Calibri" panose="020F0502020204030204" pitchFamily="34" charset="0"/>
+                  <a:ea typeface="Calibri" panose="020F0502020204030204" pitchFamily="34" charset="0"/>
+                  <a:cs typeface="Times New Roman" panose="02020603050405020304" pitchFamily="18" charset="0"/>
+                </a:endParaRPr>
+              </a:p>
+              <a:p>
+                <a:pPr algn="just"/>
+                <a:r>
+                  <a:rPr lang="en-GB" sz="1800" dirty="0">
+                    <a:effectLst/>
+                    <a:latin typeface="Century Gothic" panose="020B0502020202020204" pitchFamily="34" charset="0"/>
+                    <a:ea typeface="Times New Roman" panose="02020603050405020304" pitchFamily="18" charset="0"/>
+                  </a:rPr>
+                  <a:t>The accumulation of equities issued by the firms and the banks is presented in equations (14) and (15): </a:t>
+                </a:r>
+                <a:endParaRPr lang="en-GB" sz="1800" dirty="0">
+                  <a:latin typeface="Times New Roman" panose="02020603050405020304" pitchFamily="18" charset="0"/>
+                </a:endParaRPr>
+              </a:p>
+              <a:p>
+                <a:pPr marL="0" indent="0" algn="ctr">
+                  <a:lnSpc>
+                    <a:spcPct val="150000"/>
+                  </a:lnSpc>
+                  <a:buNone/>
+                </a:pPr>
+                <a14:m>
+                  <m:oMath xmlns:m="http://schemas.openxmlformats.org/officeDocument/2006/math">
+                    <m:sSubSup>
+                      <m:sSubSupPr>
+                        <m:ctrlPr>
+                          <a:rPr lang="es-CO" sz="1800" i="1" smtClean="0">
+                            <a:effectLst/>
+                            <a:latin typeface="Cambria Math" panose="02040503050406030204" pitchFamily="18" charset="0"/>
+                            <a:ea typeface="Times New Roman" panose="02020603050405020304" pitchFamily="18" charset="0"/>
+                            <a:cs typeface="Times New Roman" panose="02020603050405020304" pitchFamily="18" charset="0"/>
+                          </a:rPr>
+                        </m:ctrlPr>
+                      </m:sSubSupPr>
+                      <m:e>
+                        <m:acc>
+                          <m:accPr>
+                            <m:chr m:val="̇"/>
+                            <m:ctrlPr>
+                              <a:rPr lang="es-CO" sz="1800" i="1">
+                                <a:effectLst/>
+                                <a:latin typeface="Cambria Math" panose="02040503050406030204" pitchFamily="18" charset="0"/>
+                                <a:ea typeface="Times New Roman" panose="02020603050405020304" pitchFamily="18" charset="0"/>
+                                <a:cs typeface="Times New Roman" panose="02020603050405020304" pitchFamily="18" charset="0"/>
+                              </a:rPr>
+                            </m:ctrlPr>
+                          </m:accPr>
+                          <m:e>
+                            <m:r>
+                              <a:rPr lang="es-CO" sz="1800" i="1">
+                                <a:effectLst/>
+                                <a:latin typeface="Cambria Math" panose="02040503050406030204" pitchFamily="18" charset="0"/>
+                                <a:ea typeface="Times New Roman" panose="02020603050405020304" pitchFamily="18" charset="0"/>
+                                <a:cs typeface="Times New Roman" panose="02020603050405020304" pitchFamily="18" charset="0"/>
+                              </a:rPr>
+                              <m:t>𝐸𝑄</m:t>
+                            </m:r>
+                          </m:e>
+                        </m:acc>
+                      </m:e>
+                      <m:sub>
+                        <m:r>
+                          <a:rPr lang="es-CO" sz="1800" i="1">
+                            <a:effectLst/>
+                            <a:latin typeface="Cambria Math" panose="02040503050406030204" pitchFamily="18" charset="0"/>
+                            <a:ea typeface="Times New Roman" panose="02020603050405020304" pitchFamily="18" charset="0"/>
+                            <a:cs typeface="Times New Roman" panose="02020603050405020304" pitchFamily="18" charset="0"/>
+                          </a:rPr>
+                          <m:t>𝐹</m:t>
+                        </m:r>
+                      </m:sub>
+                      <m:sup>
+                        <m:r>
+                          <a:rPr lang="es-CO" sz="1800" i="1">
+                            <a:effectLst/>
+                            <a:latin typeface="Cambria Math" panose="02040503050406030204" pitchFamily="18" charset="0"/>
+                            <a:ea typeface="Times New Roman" panose="02020603050405020304" pitchFamily="18" charset="0"/>
+                            <a:cs typeface="Times New Roman" panose="02020603050405020304" pitchFamily="18" charset="0"/>
+                          </a:rPr>
+                          <m:t>𝑅𝑜𝑊</m:t>
+                        </m:r>
+                      </m:sup>
+                    </m:sSubSup>
+                    <m:r>
+                      <a:rPr lang="es-CO" sz="1800" i="1">
+                        <a:effectLst/>
+                        <a:latin typeface="Cambria Math" panose="02040503050406030204" pitchFamily="18" charset="0"/>
+                        <a:ea typeface="Times New Roman" panose="02020603050405020304" pitchFamily="18" charset="0"/>
+                        <a:cs typeface="Times New Roman" panose="02020603050405020304" pitchFamily="18" charset="0"/>
+                      </a:rPr>
+                      <m:t>= </m:t>
+                    </m:r>
+                    <m:sSub>
+                      <m:sSubPr>
+                        <m:ctrlPr>
+                          <a:rPr lang="es-CO" sz="1800" i="1">
+                            <a:effectLst/>
+                            <a:latin typeface="Cambria Math" panose="02040503050406030204" pitchFamily="18" charset="0"/>
+                            <a:ea typeface="Times New Roman" panose="02020603050405020304" pitchFamily="18" charset="0"/>
+                            <a:cs typeface="Times New Roman" panose="02020603050405020304" pitchFamily="18" charset="0"/>
+                          </a:rPr>
+                        </m:ctrlPr>
+                      </m:sSubPr>
+                      <m:e>
+                        <m:r>
+                          <a:rPr lang="es-CO" sz="1800" i="1">
+                            <a:effectLst/>
+                            <a:latin typeface="Cambria Math" panose="02040503050406030204" pitchFamily="18" charset="0"/>
+                            <a:ea typeface="Times New Roman" panose="02020603050405020304" pitchFamily="18" charset="0"/>
+                            <a:cs typeface="Times New Roman" panose="02020603050405020304" pitchFamily="18" charset="0"/>
+                          </a:rPr>
+                          <m:t>𝜉</m:t>
+                        </m:r>
+                      </m:e>
+                      <m:sub>
+                        <m:r>
+                          <a:rPr lang="es-CO" sz="1800" i="1">
+                            <a:effectLst/>
+                            <a:latin typeface="Cambria Math" panose="02040503050406030204" pitchFamily="18" charset="0"/>
+                            <a:ea typeface="Times New Roman" panose="02020603050405020304" pitchFamily="18" charset="0"/>
+                            <a:cs typeface="Times New Roman" panose="02020603050405020304" pitchFamily="18" charset="0"/>
+                          </a:rPr>
+                          <m:t>𝐹</m:t>
+                        </m:r>
+                      </m:sub>
+                    </m:sSub>
+                    <m:r>
+                      <a:rPr lang="es-CO" sz="1800" i="1">
+                        <a:effectLst/>
+                        <a:latin typeface="Cambria Math" panose="02040503050406030204" pitchFamily="18" charset="0"/>
+                        <a:ea typeface="Times New Roman" panose="02020603050405020304" pitchFamily="18" charset="0"/>
+                        <a:cs typeface="Times New Roman" panose="02020603050405020304" pitchFamily="18" charset="0"/>
+                      </a:rPr>
+                      <m:t>∙</m:t>
+                    </m:r>
+                    <m:r>
+                      <a:rPr lang="es-CO" sz="1800" i="1">
+                        <a:effectLst/>
+                        <a:latin typeface="Cambria Math" panose="02040503050406030204" pitchFamily="18" charset="0"/>
+                        <a:ea typeface="Times New Roman" panose="02020603050405020304" pitchFamily="18" charset="0"/>
+                        <a:cs typeface="Times New Roman" panose="02020603050405020304" pitchFamily="18" charset="0"/>
+                      </a:rPr>
+                      <m:t>𝐹𝐷</m:t>
+                    </m:r>
+                    <m:sSup>
+                      <m:sSupPr>
+                        <m:ctrlPr>
+                          <a:rPr lang="es-CO" sz="1800" i="1">
+                            <a:effectLst/>
+                            <a:latin typeface="Cambria Math" panose="02040503050406030204" pitchFamily="18" charset="0"/>
+                            <a:ea typeface="Times New Roman" panose="02020603050405020304" pitchFamily="18" charset="0"/>
+                            <a:cs typeface="Times New Roman" panose="02020603050405020304" pitchFamily="18" charset="0"/>
+                          </a:rPr>
+                        </m:ctrlPr>
+                      </m:sSupPr>
+                      <m:e>
+                        <m:r>
+                          <a:rPr lang="es-CO" sz="1800" i="1">
+                            <a:effectLst/>
+                            <a:latin typeface="Cambria Math" panose="02040503050406030204" pitchFamily="18" charset="0"/>
+                            <a:ea typeface="Times New Roman" panose="02020603050405020304" pitchFamily="18" charset="0"/>
+                            <a:cs typeface="Times New Roman" panose="02020603050405020304" pitchFamily="18" charset="0"/>
+                          </a:rPr>
+                          <m:t>𝐼</m:t>
+                        </m:r>
+                      </m:e>
+                      <m:sup>
+                        <m:r>
+                          <a:rPr lang="es-CO" sz="1800" i="1">
+                            <a:effectLst/>
+                            <a:latin typeface="Cambria Math" panose="02040503050406030204" pitchFamily="18" charset="0"/>
+                            <a:ea typeface="Times New Roman" panose="02020603050405020304" pitchFamily="18" charset="0"/>
+                            <a:cs typeface="Times New Roman" panose="02020603050405020304" pitchFamily="18" charset="0"/>
+                          </a:rPr>
+                          <m:t>𝑃</m:t>
+                        </m:r>
+                      </m:sup>
+                    </m:sSup>
+                    <m:r>
+                      <a:rPr lang="es-CO" sz="1800" i="1">
+                        <a:effectLst/>
+                        <a:latin typeface="Cambria Math" panose="02040503050406030204" pitchFamily="18" charset="0"/>
+                        <a:ea typeface="Times New Roman" panose="02020603050405020304" pitchFamily="18" charset="0"/>
+                        <a:cs typeface="Times New Roman" panose="02020603050405020304" pitchFamily="18" charset="0"/>
+                      </a:rPr>
+                      <m:t>∙</m:t>
+                    </m:r>
+                    <m:sSup>
+                      <m:sSupPr>
+                        <m:ctrlPr>
+                          <a:rPr lang="es-CO" sz="1800" i="1">
+                            <a:effectLst/>
+                            <a:latin typeface="Cambria Math" panose="02040503050406030204" pitchFamily="18" charset="0"/>
+                            <a:ea typeface="Times New Roman" panose="02020603050405020304" pitchFamily="18" charset="0"/>
+                            <a:cs typeface="Times New Roman" panose="02020603050405020304" pitchFamily="18" charset="0"/>
+                          </a:rPr>
+                        </m:ctrlPr>
+                      </m:sSupPr>
+                      <m:e>
+                        <m:r>
+                          <a:rPr lang="es-CO" sz="1800" i="1">
+                            <a:effectLst/>
+                            <a:latin typeface="Cambria Math" panose="02040503050406030204" pitchFamily="18" charset="0"/>
+                            <a:ea typeface="Times New Roman" panose="02020603050405020304" pitchFamily="18" charset="0"/>
+                            <a:cs typeface="Times New Roman" panose="02020603050405020304" pitchFamily="18" charset="0"/>
+                          </a:rPr>
+                          <m:t>𝑒</m:t>
+                        </m:r>
+                      </m:e>
+                      <m:sup>
+                        <m:r>
+                          <a:rPr lang="es-CO" sz="1800" i="1">
+                            <a:effectLst/>
+                            <a:latin typeface="Cambria Math" panose="02040503050406030204" pitchFamily="18" charset="0"/>
+                            <a:ea typeface="Times New Roman" panose="02020603050405020304" pitchFamily="18" charset="0"/>
+                            <a:cs typeface="Times New Roman" panose="02020603050405020304" pitchFamily="18" charset="0"/>
+                          </a:rPr>
+                          <m:t>𝑁</m:t>
+                        </m:r>
+                      </m:sup>
+                    </m:sSup>
+                    <m:r>
+                      <a:rPr lang="es-CO" sz="1800" i="1">
+                        <a:effectLst/>
+                        <a:latin typeface="Cambria Math" panose="02040503050406030204" pitchFamily="18" charset="0"/>
+                        <a:ea typeface="Times New Roman" panose="02020603050405020304" pitchFamily="18" charset="0"/>
+                        <a:cs typeface="Times New Roman" panose="02020603050405020304" pitchFamily="18" charset="0"/>
+                      </a:rPr>
+                      <m:t>+</m:t>
+                    </m:r>
+                    <m:r>
+                      <a:rPr lang="es-CO" sz="1800" i="1">
+                        <a:effectLst/>
+                        <a:latin typeface="Cambria Math" panose="02040503050406030204" pitchFamily="18" charset="0"/>
+                        <a:ea typeface="Times New Roman" panose="02020603050405020304" pitchFamily="18" charset="0"/>
+                        <a:cs typeface="Times New Roman" panose="02020603050405020304" pitchFamily="18" charset="0"/>
+                      </a:rPr>
+                      <m:t>𝐹𝐷</m:t>
+                    </m:r>
+                    <m:sSup>
+                      <m:sSupPr>
+                        <m:ctrlPr>
+                          <a:rPr lang="es-CO" sz="1800" i="1">
+                            <a:effectLst/>
+                            <a:latin typeface="Cambria Math" panose="02040503050406030204" pitchFamily="18" charset="0"/>
+                            <a:ea typeface="Times New Roman" panose="02020603050405020304" pitchFamily="18" charset="0"/>
+                            <a:cs typeface="Times New Roman" panose="02020603050405020304" pitchFamily="18" charset="0"/>
+                          </a:rPr>
+                        </m:ctrlPr>
+                      </m:sSupPr>
+                      <m:e>
+                        <m:r>
+                          <a:rPr lang="es-CO" sz="1800" i="1">
+                            <a:effectLst/>
+                            <a:latin typeface="Cambria Math" panose="02040503050406030204" pitchFamily="18" charset="0"/>
+                            <a:ea typeface="Times New Roman" panose="02020603050405020304" pitchFamily="18" charset="0"/>
+                            <a:cs typeface="Times New Roman" panose="02020603050405020304" pitchFamily="18" charset="0"/>
+                          </a:rPr>
+                          <m:t>𝐼</m:t>
+                        </m:r>
+                      </m:e>
+                      <m:sup>
+                        <m:r>
+                          <a:rPr lang="es-CO" sz="1800" i="1">
+                            <a:effectLst/>
+                            <a:latin typeface="Cambria Math" panose="02040503050406030204" pitchFamily="18" charset="0"/>
+                            <a:ea typeface="Times New Roman" panose="02020603050405020304" pitchFamily="18" charset="0"/>
+                            <a:cs typeface="Times New Roman" panose="02020603050405020304" pitchFamily="18" charset="0"/>
+                          </a:rPr>
+                          <m:t>𝐺</m:t>
+                        </m:r>
+                      </m:sup>
+                    </m:sSup>
+                    <m:r>
+                      <a:rPr lang="es-CO" sz="1800" i="1">
+                        <a:effectLst/>
+                        <a:latin typeface="Cambria Math" panose="02040503050406030204" pitchFamily="18" charset="0"/>
+                        <a:ea typeface="Times New Roman" panose="02020603050405020304" pitchFamily="18" charset="0"/>
+                        <a:cs typeface="Times New Roman" panose="02020603050405020304" pitchFamily="18" charset="0"/>
+                      </a:rPr>
+                      <m:t>∙</m:t>
+                    </m:r>
+                    <m:sSup>
+                      <m:sSupPr>
+                        <m:ctrlPr>
+                          <a:rPr lang="es-CO" sz="1800" i="1">
+                            <a:effectLst/>
+                            <a:latin typeface="Cambria Math" panose="02040503050406030204" pitchFamily="18" charset="0"/>
+                            <a:ea typeface="Times New Roman" panose="02020603050405020304" pitchFamily="18" charset="0"/>
+                            <a:cs typeface="Times New Roman" panose="02020603050405020304" pitchFamily="18" charset="0"/>
+                          </a:rPr>
+                        </m:ctrlPr>
+                      </m:sSupPr>
+                      <m:e>
+                        <m:r>
+                          <a:rPr lang="es-CO" sz="1800" i="1">
+                            <a:effectLst/>
+                            <a:latin typeface="Cambria Math" panose="02040503050406030204" pitchFamily="18" charset="0"/>
+                            <a:ea typeface="Times New Roman" panose="02020603050405020304" pitchFamily="18" charset="0"/>
+                            <a:cs typeface="Times New Roman" panose="02020603050405020304" pitchFamily="18" charset="0"/>
+                          </a:rPr>
+                          <m:t>𝑒</m:t>
+                        </m:r>
+                      </m:e>
+                      <m:sup>
+                        <m:r>
+                          <a:rPr lang="es-CO" sz="1800" i="1">
+                            <a:effectLst/>
+                            <a:latin typeface="Cambria Math" panose="02040503050406030204" pitchFamily="18" charset="0"/>
+                            <a:ea typeface="Times New Roman" panose="02020603050405020304" pitchFamily="18" charset="0"/>
+                            <a:cs typeface="Times New Roman" panose="02020603050405020304" pitchFamily="18" charset="0"/>
+                          </a:rPr>
+                          <m:t>𝑁</m:t>
+                        </m:r>
+                      </m:sup>
+                    </m:sSup>
+                    <m:r>
+                      <a:rPr lang="es-CO" sz="1800" i="1">
+                        <a:effectLst/>
+                        <a:latin typeface="Cambria Math" panose="02040503050406030204" pitchFamily="18" charset="0"/>
+                        <a:ea typeface="Times New Roman" panose="02020603050405020304" pitchFamily="18" charset="0"/>
+                        <a:cs typeface="Times New Roman" panose="02020603050405020304" pitchFamily="18" charset="0"/>
+                      </a:rPr>
+                      <m:t>  (14)</m:t>
+                    </m:r>
+                  </m:oMath>
+                </a14:m>
+                <a:r>
+                  <a:rPr lang="es-CO" sz="1800" dirty="0">
+                    <a:effectLst/>
+                    <a:latin typeface="Times New Roman" panose="02020603050405020304" pitchFamily="18" charset="0"/>
+                    <a:ea typeface="Times New Roman" panose="02020603050405020304" pitchFamily="18" charset="0"/>
+                    <a:cs typeface="Times New Roman" panose="02020603050405020304" pitchFamily="18" charset="0"/>
+                  </a:rPr>
+                  <a:t> </a:t>
+                </a:r>
+                <a:endParaRPr lang="es-CO" sz="1800" dirty="0">
+                  <a:effectLst/>
+                  <a:latin typeface="Calibri" panose="020F0502020204030204" pitchFamily="34" charset="0"/>
+                  <a:ea typeface="Calibri" panose="020F0502020204030204" pitchFamily="34" charset="0"/>
+                  <a:cs typeface="Times New Roman" panose="02020603050405020304" pitchFamily="18" charset="0"/>
+                </a:endParaRPr>
+              </a:p>
+              <a:p>
+                <a:pPr marL="0" indent="0" algn="ctr">
+                  <a:lnSpc>
+                    <a:spcPct val="150000"/>
+                  </a:lnSpc>
+                  <a:spcAft>
+                    <a:spcPts val="800"/>
+                  </a:spcAft>
+                  <a:buNone/>
+                </a:pPr>
+                <a14:m>
+                  <m:oMathPara xmlns:m="http://schemas.openxmlformats.org/officeDocument/2006/math">
+                    <m:oMathParaPr>
+                      <m:jc m:val="centerGroup"/>
+                    </m:oMathParaPr>
+                    <m:oMath xmlns:m="http://schemas.openxmlformats.org/officeDocument/2006/math">
+                      <m:sSubSup>
+                        <m:sSubSupPr>
+                          <m:ctrlPr>
+                            <a:rPr lang="es-CO" sz="1800" i="1">
+                              <a:effectLst/>
+                              <a:latin typeface="Cambria Math" panose="02040503050406030204" pitchFamily="18" charset="0"/>
+                              <a:ea typeface="Times New Roman" panose="02020603050405020304" pitchFamily="18" charset="0"/>
+                              <a:cs typeface="Times New Roman" panose="02020603050405020304" pitchFamily="18" charset="0"/>
+                            </a:rPr>
+                          </m:ctrlPr>
+                        </m:sSubSupPr>
+                        <m:e>
+                          <m:acc>
+                            <m:accPr>
+                              <m:chr m:val="̇"/>
+                              <m:ctrlPr>
+                                <a:rPr lang="es-CO" sz="1800" i="1">
+                                  <a:effectLst/>
+                                  <a:latin typeface="Cambria Math" panose="02040503050406030204" pitchFamily="18" charset="0"/>
+                                  <a:ea typeface="Times New Roman" panose="02020603050405020304" pitchFamily="18" charset="0"/>
+                                  <a:cs typeface="Times New Roman" panose="02020603050405020304" pitchFamily="18" charset="0"/>
+                                </a:rPr>
+                              </m:ctrlPr>
+                            </m:accPr>
+                            <m:e>
+                              <m:r>
+                                <a:rPr lang="es-CO" sz="1800" i="1">
+                                  <a:effectLst/>
+                                  <a:latin typeface="Cambria Math" panose="02040503050406030204" pitchFamily="18" charset="0"/>
+                                  <a:ea typeface="Times New Roman" panose="02020603050405020304" pitchFamily="18" charset="0"/>
+                                  <a:cs typeface="Times New Roman" panose="02020603050405020304" pitchFamily="18" charset="0"/>
+                                </a:rPr>
+                                <m:t>𝐸𝑄</m:t>
+                              </m:r>
+                            </m:e>
+                          </m:acc>
+                        </m:e>
+                        <m:sub>
+                          <m:r>
+                            <a:rPr lang="es-CO" sz="1800" i="1">
+                              <a:effectLst/>
+                              <a:latin typeface="Cambria Math" panose="02040503050406030204" pitchFamily="18" charset="0"/>
+                              <a:ea typeface="Times New Roman" panose="02020603050405020304" pitchFamily="18" charset="0"/>
+                              <a:cs typeface="Times New Roman" panose="02020603050405020304" pitchFamily="18" charset="0"/>
+                            </a:rPr>
+                            <m:t>𝐵</m:t>
+                          </m:r>
+                        </m:sub>
+                        <m:sup>
+                          <m:r>
+                            <a:rPr lang="es-CO" sz="1800" i="1">
+                              <a:effectLst/>
+                              <a:latin typeface="Cambria Math" panose="02040503050406030204" pitchFamily="18" charset="0"/>
+                              <a:ea typeface="Times New Roman" panose="02020603050405020304" pitchFamily="18" charset="0"/>
+                              <a:cs typeface="Times New Roman" panose="02020603050405020304" pitchFamily="18" charset="0"/>
+                            </a:rPr>
+                            <m:t>𝑅𝑜𝑊</m:t>
+                          </m:r>
+                        </m:sup>
+                      </m:sSubSup>
+                      <m:r>
+                        <a:rPr lang="es-CO" sz="1800" i="1">
+                          <a:effectLst/>
+                          <a:latin typeface="Cambria Math" panose="02040503050406030204" pitchFamily="18" charset="0"/>
+                          <a:ea typeface="Times New Roman" panose="02020603050405020304" pitchFamily="18" charset="0"/>
+                          <a:cs typeface="Times New Roman" panose="02020603050405020304" pitchFamily="18" charset="0"/>
+                        </a:rPr>
+                        <m:t>=</m:t>
+                      </m:r>
+                      <m:d>
+                        <m:dPr>
+                          <m:ctrlPr>
+                            <a:rPr lang="es-CO" sz="1800" i="1">
+                              <a:effectLst/>
+                              <a:latin typeface="Cambria Math" panose="02040503050406030204" pitchFamily="18" charset="0"/>
+                              <a:ea typeface="Times New Roman" panose="02020603050405020304" pitchFamily="18" charset="0"/>
+                              <a:cs typeface="Times New Roman" panose="02020603050405020304" pitchFamily="18" charset="0"/>
+                            </a:rPr>
+                          </m:ctrlPr>
+                        </m:dPr>
+                        <m:e>
+                          <m:r>
+                            <a:rPr lang="es-CO" sz="1800" i="1">
+                              <a:effectLst/>
+                              <a:latin typeface="Cambria Math" panose="02040503050406030204" pitchFamily="18" charset="0"/>
+                              <a:ea typeface="Times New Roman" panose="02020603050405020304" pitchFamily="18" charset="0"/>
+                              <a:cs typeface="Times New Roman" panose="02020603050405020304" pitchFamily="18" charset="0"/>
+                            </a:rPr>
+                            <m:t>1−</m:t>
+                          </m:r>
+                          <m:sSub>
+                            <m:sSubPr>
+                              <m:ctrlPr>
+                                <a:rPr lang="es-CO" sz="1800" i="1">
+                                  <a:effectLst/>
+                                  <a:latin typeface="Cambria Math" panose="02040503050406030204" pitchFamily="18" charset="0"/>
+                                  <a:ea typeface="Times New Roman" panose="02020603050405020304" pitchFamily="18" charset="0"/>
+                                  <a:cs typeface="Times New Roman" panose="02020603050405020304" pitchFamily="18" charset="0"/>
+                                </a:rPr>
+                              </m:ctrlPr>
+                            </m:sSubPr>
+                            <m:e>
+                              <m:r>
+                                <a:rPr lang="es-CO" sz="1800" i="1">
+                                  <a:effectLst/>
+                                  <a:latin typeface="Cambria Math" panose="02040503050406030204" pitchFamily="18" charset="0"/>
+                                  <a:ea typeface="Times New Roman" panose="02020603050405020304" pitchFamily="18" charset="0"/>
+                                  <a:cs typeface="Times New Roman" panose="02020603050405020304" pitchFamily="18" charset="0"/>
+                                </a:rPr>
+                                <m:t>𝜉</m:t>
+                              </m:r>
+                            </m:e>
+                            <m:sub>
+                              <m:r>
+                                <a:rPr lang="es-CO" sz="1800" i="1">
+                                  <a:effectLst/>
+                                  <a:latin typeface="Cambria Math" panose="02040503050406030204" pitchFamily="18" charset="0"/>
+                                  <a:ea typeface="Times New Roman" panose="02020603050405020304" pitchFamily="18" charset="0"/>
+                                  <a:cs typeface="Times New Roman" panose="02020603050405020304" pitchFamily="18" charset="0"/>
+                                </a:rPr>
+                                <m:t>𝐹</m:t>
+                              </m:r>
+                            </m:sub>
+                          </m:sSub>
+                        </m:e>
+                      </m:d>
+                      <m:r>
+                        <a:rPr lang="es-CO" sz="1800" i="1">
+                          <a:effectLst/>
+                          <a:latin typeface="Cambria Math" panose="02040503050406030204" pitchFamily="18" charset="0"/>
+                          <a:ea typeface="Times New Roman" panose="02020603050405020304" pitchFamily="18" charset="0"/>
+                          <a:cs typeface="Times New Roman" panose="02020603050405020304" pitchFamily="18" charset="0"/>
+                        </a:rPr>
+                        <m:t> ∙</m:t>
+                      </m:r>
+                      <m:r>
+                        <a:rPr lang="es-CO" sz="1800" i="1">
+                          <a:effectLst/>
+                          <a:latin typeface="Cambria Math" panose="02040503050406030204" pitchFamily="18" charset="0"/>
+                          <a:ea typeface="Times New Roman" panose="02020603050405020304" pitchFamily="18" charset="0"/>
+                          <a:cs typeface="Times New Roman" panose="02020603050405020304" pitchFamily="18" charset="0"/>
+                        </a:rPr>
+                        <m:t>𝐹𝐷</m:t>
+                      </m:r>
+                      <m:sSup>
+                        <m:sSupPr>
+                          <m:ctrlPr>
+                            <a:rPr lang="es-CO" sz="1800" i="1">
+                              <a:effectLst/>
+                              <a:latin typeface="Cambria Math" panose="02040503050406030204" pitchFamily="18" charset="0"/>
+                              <a:ea typeface="Times New Roman" panose="02020603050405020304" pitchFamily="18" charset="0"/>
+                              <a:cs typeface="Times New Roman" panose="02020603050405020304" pitchFamily="18" charset="0"/>
+                            </a:rPr>
+                          </m:ctrlPr>
+                        </m:sSupPr>
+                        <m:e>
+                          <m:r>
+                            <a:rPr lang="es-CO" sz="1800" i="1">
+                              <a:effectLst/>
+                              <a:latin typeface="Cambria Math" panose="02040503050406030204" pitchFamily="18" charset="0"/>
+                              <a:ea typeface="Times New Roman" panose="02020603050405020304" pitchFamily="18" charset="0"/>
+                              <a:cs typeface="Times New Roman" panose="02020603050405020304" pitchFamily="18" charset="0"/>
+                            </a:rPr>
+                            <m:t>𝐼</m:t>
+                          </m:r>
+                        </m:e>
+                        <m:sup>
+                          <m:r>
+                            <a:rPr lang="es-CO" sz="1800" i="1">
+                              <a:effectLst/>
+                              <a:latin typeface="Cambria Math" panose="02040503050406030204" pitchFamily="18" charset="0"/>
+                              <a:ea typeface="Times New Roman" panose="02020603050405020304" pitchFamily="18" charset="0"/>
+                              <a:cs typeface="Times New Roman" panose="02020603050405020304" pitchFamily="18" charset="0"/>
+                            </a:rPr>
+                            <m:t>𝑃</m:t>
+                          </m:r>
+                        </m:sup>
+                      </m:sSup>
+                      <m:r>
+                        <a:rPr lang="es-CO" sz="1800" i="1">
+                          <a:effectLst/>
+                          <a:latin typeface="Cambria Math" panose="02040503050406030204" pitchFamily="18" charset="0"/>
+                          <a:ea typeface="Times New Roman" panose="02020603050405020304" pitchFamily="18" charset="0"/>
+                          <a:cs typeface="Times New Roman" panose="02020603050405020304" pitchFamily="18" charset="0"/>
+                        </a:rPr>
+                        <m:t>∙</m:t>
+                      </m:r>
+                      <m:sSup>
+                        <m:sSupPr>
+                          <m:ctrlPr>
+                            <a:rPr lang="es-CO" sz="1800" i="1">
+                              <a:effectLst/>
+                              <a:latin typeface="Cambria Math" panose="02040503050406030204" pitchFamily="18" charset="0"/>
+                              <a:ea typeface="Times New Roman" panose="02020603050405020304" pitchFamily="18" charset="0"/>
+                              <a:cs typeface="Times New Roman" panose="02020603050405020304" pitchFamily="18" charset="0"/>
+                            </a:rPr>
+                          </m:ctrlPr>
+                        </m:sSupPr>
+                        <m:e>
+                          <m:r>
+                            <a:rPr lang="es-CO" sz="1800" i="1">
+                              <a:effectLst/>
+                              <a:latin typeface="Cambria Math" panose="02040503050406030204" pitchFamily="18" charset="0"/>
+                              <a:ea typeface="Times New Roman" panose="02020603050405020304" pitchFamily="18" charset="0"/>
+                              <a:cs typeface="Times New Roman" panose="02020603050405020304" pitchFamily="18" charset="0"/>
+                            </a:rPr>
+                            <m:t>𝑒</m:t>
+                          </m:r>
+                        </m:e>
+                        <m:sup>
+                          <m:r>
+                            <a:rPr lang="es-CO" sz="1800" i="1">
+                              <a:effectLst/>
+                              <a:latin typeface="Cambria Math" panose="02040503050406030204" pitchFamily="18" charset="0"/>
+                              <a:ea typeface="Times New Roman" panose="02020603050405020304" pitchFamily="18" charset="0"/>
+                              <a:cs typeface="Times New Roman" panose="02020603050405020304" pitchFamily="18" charset="0"/>
+                            </a:rPr>
+                            <m:t>𝑁</m:t>
+                          </m:r>
+                        </m:sup>
+                      </m:sSup>
+                      <m:r>
+                        <a:rPr lang="es-CO" sz="1800" i="1">
+                          <a:effectLst/>
+                          <a:latin typeface="Cambria Math" panose="02040503050406030204" pitchFamily="18" charset="0"/>
+                          <a:ea typeface="Times New Roman" panose="02020603050405020304" pitchFamily="18" charset="0"/>
+                          <a:cs typeface="Times New Roman" panose="02020603050405020304" pitchFamily="18" charset="0"/>
+                        </a:rPr>
+                        <m:t>   (15)</m:t>
+                      </m:r>
+                    </m:oMath>
+                  </m:oMathPara>
+                </a14:m>
+                <a:endParaRPr lang="es-CO" sz="1800" dirty="0">
+                  <a:effectLst/>
+                  <a:latin typeface="Calibri" panose="020F0502020204030204" pitchFamily="34" charset="0"/>
+                  <a:ea typeface="Calibri" panose="020F0502020204030204" pitchFamily="34" charset="0"/>
+                  <a:cs typeface="Times New Roman" panose="02020603050405020304" pitchFamily="18" charset="0"/>
+                </a:endParaRPr>
+              </a:p>
+              <a:p>
+                <a:pPr marL="0" indent="0" algn="just">
+                  <a:buNone/>
+                </a:pPr>
+                <a:endParaRPr lang="en-GB" sz="2000" dirty="0">
+                  <a:latin typeface="Century Gothic" panose="020B0502020202020204" pitchFamily="34" charset="0"/>
+                </a:endParaRPr>
+              </a:p>
+            </p:txBody>
+          </p:sp>
+        </mc:Choice>
+        <mc:Fallback>
+          <p:sp>
+            <p:nvSpPr>
+              <p:cNvPr id="2" name="Marcador de contenido 1">
+                <a:extLst>
+                  <a:ext uri="{FF2B5EF4-FFF2-40B4-BE49-F238E27FC236}">
+                    <a16:creationId xmlns:a16="http://schemas.microsoft.com/office/drawing/2014/main" id="{1E76053E-E553-4C2C-919A-CE7A30FA73F9}"/>
+                  </a:ext>
+                </a:extLst>
+              </p:cNvPr>
+              <p:cNvSpPr>
+                <a:spLocks noGrp="1" noRot="1" noChangeAspect="1" noMove="1" noResize="1" noEditPoints="1" noAdjustHandles="1" noChangeArrowheads="1" noChangeShapeType="1" noTextEdit="1"/>
+              </p:cNvSpPr>
+              <p:nvPr>
+                <p:ph idx="1"/>
+              </p:nvPr>
+            </p:nvSpPr>
+            <p:spPr>
+              <a:xfrm>
+                <a:off x="614596" y="1454046"/>
+                <a:ext cx="10628026" cy="3927423"/>
+              </a:xfrm>
+              <a:blipFill>
+                <a:blip r:embed="rId2"/>
+                <a:stretch>
+                  <a:fillRect l="-516" t="-932" r="-574"/>
+                </a:stretch>
+              </a:blipFill>
+            </p:spPr>
+            <p:txBody>
+              <a:bodyPr/>
+              <a:lstStyle/>
+              <a:p>
+                <a:r>
+                  <a:rPr lang="es-CO">
+                    <a:noFill/>
+                  </a:rPr>
+                  <a:t> </a:t>
+                </a:r>
+              </a:p>
+            </p:txBody>
+          </p:sp>
+        </mc:Fallback>
+      </mc:AlternateContent>
+      <p:sp>
+        <p:nvSpPr>
+          <p:cNvPr id="3" name="Título 2">
+            <a:extLst>
+              <a:ext uri="{FF2B5EF4-FFF2-40B4-BE49-F238E27FC236}">
+                <a16:creationId xmlns:a16="http://schemas.microsoft.com/office/drawing/2014/main" id="{5DA68AA8-71CC-44C3-BE34-4520548865CD}"/>
+              </a:ext>
+            </a:extLst>
+          </p:cNvPr>
+          <p:cNvSpPr>
+            <a:spLocks noGrp="1"/>
+          </p:cNvSpPr>
+          <p:nvPr>
+            <p:ph type="title"/>
+          </p:nvPr>
+        </p:nvSpPr>
+        <p:spPr>
+          <a:xfrm>
+            <a:off x="779281" y="274637"/>
+            <a:ext cx="7694645" cy="979127"/>
+          </a:xfrm>
+        </p:spPr>
+        <p:txBody>
+          <a:bodyPr>
+            <a:normAutofit/>
+          </a:bodyPr>
+          <a:lstStyle/>
+          <a:p>
+            <a:pPr algn="l"/>
+            <a:r>
+              <a:rPr lang="es-CO" b="1" dirty="0">
+                <a:latin typeface="Century Gothic" panose="020B0502020202020204" pitchFamily="34" charset="0"/>
+              </a:rPr>
+              <a:t>Foreign Direct Investment. </a:t>
+            </a:r>
+          </a:p>
+        </p:txBody>
+      </p:sp>
+    </p:spTree>
+    <p:extLst>
+      <p:ext uri="{BB962C8B-B14F-4D97-AF65-F5344CB8AC3E}">
+        <p14:creationId xmlns:p14="http://schemas.microsoft.com/office/powerpoint/2010/main" val="3591545522"/>
       </p:ext>
     </p:extLst>
   </p:cSld>

--- a/Documentos/Modelling Colombia Economy- Stock-Flow Consistent Prototype Growth Model.pptx
+++ b/Documentos/Modelling Colombia Economy- Stock-Flow Consistent Prototype Growth Model.pptx
@@ -5,7 +5,7 @@
     <p:sldMasterId id="2147483660" r:id="rId1"/>
   </p:sldMasterIdLst>
   <p:notesMasterIdLst>
-    <p:notesMasterId r:id="rId14"/>
+    <p:notesMasterId r:id="rId19"/>
   </p:notesMasterIdLst>
   <p:sldIdLst>
     <p:sldId id="256" r:id="rId2"/>
@@ -18,8 +18,13 @@
     <p:sldId id="329" r:id="rId9"/>
     <p:sldId id="330" r:id="rId10"/>
     <p:sldId id="331" r:id="rId11"/>
-    <p:sldId id="327" r:id="rId12"/>
-    <p:sldId id="258" r:id="rId13"/>
+    <p:sldId id="332" r:id="rId12"/>
+    <p:sldId id="333" r:id="rId13"/>
+    <p:sldId id="334" r:id="rId14"/>
+    <p:sldId id="335" r:id="rId15"/>
+    <p:sldId id="337" r:id="rId16"/>
+    <p:sldId id="327" r:id="rId17"/>
+    <p:sldId id="258" r:id="rId18"/>
   </p:sldIdLst>
   <p:sldSz cx="12192000" cy="6858000"/>
   <p:notesSz cx="6858000" cy="9144000"/>
@@ -208,7 +213,7 @@
           <a:p>
             <a:fld id="{D42B63A8-CA22-F249-8B11-75777F973014}" type="datetimeFigureOut">
               <a:rPr lang="es-ES_tradnl" smtClean="0"/>
-              <a:t>05/10/2020</a:t>
+              <a:t>6/10/20</a:t>
             </a:fld>
             <a:endParaRPr lang="es-ES_tradnl"/>
           </a:p>
@@ -1495,7 +1500,7 @@
           <a:p>
             <a:fld id="{6C5AE33D-32CE-4125-A2FD-63556E695E13}" type="datetimeFigureOut">
               <a:rPr lang="es-CO" smtClean="0"/>
-              <a:t>5/10/2020</a:t>
+              <a:t>6/10/20</a:t>
             </a:fld>
             <a:endParaRPr lang="es-CO"/>
           </a:p>
@@ -2120,8 +2125,8 @@
           <a:chExt cx="0" cy="0"/>
         </a:xfrm>
       </p:grpSpPr>
-      <mc:AlternateContent xmlns:mc="http://schemas.openxmlformats.org/markup-compatibility/2006">
-        <mc:Choice xmlns:a14="http://schemas.microsoft.com/office/drawing/2010/main" Requires="a14">
+      <mc:AlternateContent xmlns:mc="http://schemas.openxmlformats.org/markup-compatibility/2006" xmlns:a14="http://schemas.microsoft.com/office/drawing/2010/main">
+        <mc:Choice Requires="a14">
           <p:sp>
             <p:nvSpPr>
               <p:cNvPr id="2" name="Marcador de contenido 1">
@@ -2833,7 +2838,7 @@
             </p:txBody>
           </p:sp>
         </mc:Choice>
-        <mc:Fallback>
+        <mc:Fallback xmlns="">
           <p:sp>
             <p:nvSpPr>
               <p:cNvPr id="2" name="Marcador de contenido 1">
@@ -2945,32 +2950,2363 @@
           <a:chExt cx="0" cy="0"/>
         </a:xfrm>
       </p:grpSpPr>
+      <mc:AlternateContent xmlns:mc="http://schemas.openxmlformats.org/markup-compatibility/2006" xmlns:a14="http://schemas.microsoft.com/office/drawing/2010/main">
+        <mc:Choice Requires="a14">
+          <p:sp>
+            <p:nvSpPr>
+              <p:cNvPr id="2" name="Marcador de contenido 1">
+                <a:extLst>
+                  <a:ext uri="{FF2B5EF4-FFF2-40B4-BE49-F238E27FC236}">
+                    <a16:creationId xmlns:a16="http://schemas.microsoft.com/office/drawing/2014/main" id="{1E76053E-E553-4C2C-919A-CE7A30FA73F9}"/>
+                  </a:ext>
+                </a:extLst>
+              </p:cNvPr>
+              <p:cNvSpPr>
+                <a:spLocks noGrp="1"/>
+              </p:cNvSpPr>
+              <p:nvPr>
+                <p:ph idx="1"/>
+              </p:nvPr>
+            </p:nvSpPr>
+            <p:spPr>
+              <a:xfrm>
+                <a:off x="588471" y="1858995"/>
+                <a:ext cx="10628026" cy="3927423"/>
+              </a:xfrm>
+            </p:spPr>
+            <p:txBody>
+              <a:bodyPr>
+                <a:noAutofit/>
+              </a:bodyPr>
+              <a:lstStyle/>
+              <a:p>
+                <a:pPr algn="just"/>
+                <a:r>
+                  <a:rPr lang="en-GB" sz="2000" dirty="0">
+                    <a:effectLst/>
+                    <a:latin typeface="Century Gothic" panose="020B0502020202020204" pitchFamily="34" charset="0"/>
+                    <a:ea typeface="Times New Roman" panose="02020603050405020304" pitchFamily="18" charset="0"/>
+                  </a:rPr>
+                  <a:t> </a:t>
+                </a:r>
+                <a:r>
+                  <a:rPr lang="es-CO" sz="2000" dirty="0">
+                    <a:latin typeface="Century Gothic" panose="020B0502020202020204" pitchFamily="34" charset="0"/>
+                    <a:ea typeface="Times New Roman" panose="02020603050405020304" pitchFamily="18" charset="0"/>
+                  </a:rPr>
+                  <a:t>The number of shares issued is defined as a proportion of the change in capital</a:t>
+                </a:r>
+                <a:endParaRPr lang="es-CO" sz="2000" dirty="0">
+                  <a:effectLst/>
+                  <a:latin typeface="Century Gothic" panose="020B0502020202020204" pitchFamily="34" charset="0"/>
+                  <a:ea typeface="Calibri" panose="020F0502020204030204" pitchFamily="34" charset="0"/>
+                  <a:cs typeface="Times New Roman" panose="02020603050405020304" pitchFamily="18" charset="0"/>
+                </a:endParaRPr>
+              </a:p>
+              <a:p>
+                <a:pPr marL="0" indent="0" algn="just">
+                  <a:buNone/>
+                </a:pPr>
+                <a:endParaRPr lang="en-GB" sz="2000" dirty="0">
+                  <a:latin typeface="Century Gothic" panose="020B0502020202020204" pitchFamily="34" charset="0"/>
+                </a:endParaRPr>
+              </a:p>
+              <a:p>
+                <a:pPr marL="0" indent="0" algn="just">
+                  <a:lnSpc>
+                    <a:spcPct val="107000"/>
+                  </a:lnSpc>
+                  <a:spcAft>
+                    <a:spcPts val="800"/>
+                  </a:spcAft>
+                  <a:buNone/>
+                </a:pPr>
+                <a:endParaRPr lang="es-CO" sz="1800" dirty="0">
+                  <a:effectLst/>
+                  <a:latin typeface="Calibri" panose="020F0502020204030204" pitchFamily="34" charset="0"/>
+                  <a:ea typeface="Calibri" panose="020F0502020204030204" pitchFamily="34" charset="0"/>
+                  <a:cs typeface="Times New Roman" panose="02020603050405020304" pitchFamily="18" charset="0"/>
+                </a:endParaRPr>
+              </a:p>
+              <a:p>
+                <a:pPr marL="0" indent="0" algn="just">
+                  <a:buNone/>
+                </a:pPr>
+                <a14:m>
+                  <m:oMathPara xmlns:m="http://schemas.openxmlformats.org/officeDocument/2006/math">
+                    <m:oMathParaPr>
+                      <m:jc m:val="centerGroup"/>
+                    </m:oMathParaPr>
+                    <m:oMath xmlns:m="http://schemas.openxmlformats.org/officeDocument/2006/math">
+                      <m:acc>
+                        <m:accPr>
+                          <m:chr m:val="̇"/>
+                          <m:ctrlPr>
+                            <a:rPr lang="es-CO" sz="1800" i="1">
+                              <a:latin typeface="Cambria Math" panose="02040503050406030204" pitchFamily="18" charset="0"/>
+                              <a:ea typeface="Cambria Math" panose="02040503050406030204" pitchFamily="18" charset="0"/>
+                            </a:rPr>
+                          </m:ctrlPr>
+                        </m:accPr>
+                        <m:e>
+                          <m:r>
+                            <a:rPr lang="en-GB" sz="1800" i="1">
+                              <a:latin typeface="Cambria Math" panose="02040503050406030204" pitchFamily="18" charset="0"/>
+                              <a:ea typeface="Cambria Math" panose="02040503050406030204" pitchFamily="18" charset="0"/>
+                            </a:rPr>
+                            <m:t>𝐸</m:t>
+                          </m:r>
+                          <m:sSup>
+                            <m:sSupPr>
+                              <m:ctrlPr>
+                                <a:rPr lang="es-CO" sz="1800" i="1">
+                                  <a:latin typeface="Cambria Math" panose="02040503050406030204" pitchFamily="18" charset="0"/>
+                                  <a:ea typeface="Cambria Math" panose="02040503050406030204" pitchFamily="18" charset="0"/>
+                                </a:rPr>
+                              </m:ctrlPr>
+                            </m:sSupPr>
+                            <m:e>
+                              <m:r>
+                                <a:rPr lang="en-GB" sz="1800" i="1">
+                                  <a:latin typeface="Cambria Math" panose="02040503050406030204" pitchFamily="18" charset="0"/>
+                                  <a:ea typeface="Cambria Math" panose="02040503050406030204" pitchFamily="18" charset="0"/>
+                                </a:rPr>
+                                <m:t>𝑄</m:t>
+                              </m:r>
+                            </m:e>
+                            <m:sup>
+                              <m:r>
+                                <a:rPr lang="en-GB" sz="1800" i="1">
+                                  <a:latin typeface="Cambria Math" panose="02040503050406030204" pitchFamily="18" charset="0"/>
+                                  <a:ea typeface="Cambria Math" panose="02040503050406030204" pitchFamily="18" charset="0"/>
+                                </a:rPr>
+                                <m:t>𝑠</m:t>
+                              </m:r>
+                            </m:sup>
+                          </m:sSup>
+                        </m:e>
+                      </m:acc>
+                      <m:r>
+                        <a:rPr lang="en-GB" sz="1800" i="1">
+                          <a:latin typeface="Cambria Math" panose="02040503050406030204" pitchFamily="18" charset="0"/>
+                          <a:ea typeface="Cambria Math" panose="02040503050406030204" pitchFamily="18" charset="0"/>
+                        </a:rPr>
+                        <m:t>=</m:t>
+                      </m:r>
+                      <m:sSub>
+                        <m:sSubPr>
+                          <m:ctrlPr>
+                            <a:rPr lang="es-ES" sz="1800" b="0" i="1" smtClean="0">
+                              <a:latin typeface="Cambria Math" panose="02040503050406030204" pitchFamily="18" charset="0"/>
+                              <a:ea typeface="Cambria Math" panose="02040503050406030204" pitchFamily="18" charset="0"/>
+                            </a:rPr>
+                          </m:ctrlPr>
+                        </m:sSubPr>
+                        <m:e>
+                          <m:r>
+                            <a:rPr lang="en-GB" sz="1800" i="1" smtClean="0">
+                              <a:latin typeface="Cambria Math" panose="02040503050406030204" pitchFamily="18" charset="0"/>
+                              <a:ea typeface="Cambria Math" panose="02040503050406030204" pitchFamily="18" charset="0"/>
+                            </a:rPr>
+                            <m:t>𝜗</m:t>
+                          </m:r>
+                        </m:e>
+                        <m:sub>
+                          <m:r>
+                            <a:rPr lang="es-ES" sz="1800" b="0" i="1" smtClean="0">
+                              <a:latin typeface="Cambria Math" panose="02040503050406030204" pitchFamily="18" charset="0"/>
+                              <a:ea typeface="Cambria Math" panose="02040503050406030204" pitchFamily="18" charset="0"/>
+                            </a:rPr>
+                            <m:t>𝐸𝑄</m:t>
+                          </m:r>
+                        </m:sub>
+                      </m:sSub>
+                      <m:acc>
+                        <m:accPr>
+                          <m:chr m:val="̇"/>
+                          <m:ctrlPr>
+                            <a:rPr lang="es-CO" sz="1800" i="1">
+                              <a:latin typeface="Cambria Math" panose="02040503050406030204" pitchFamily="18" charset="0"/>
+                              <a:ea typeface="Cambria Math" panose="02040503050406030204" pitchFamily="18" charset="0"/>
+                            </a:rPr>
+                          </m:ctrlPr>
+                        </m:accPr>
+                        <m:e>
+                          <m:r>
+                            <a:rPr lang="en-GB" sz="1800" i="1">
+                              <a:latin typeface="Cambria Math" panose="02040503050406030204" pitchFamily="18" charset="0"/>
+                              <a:ea typeface="Cambria Math" panose="02040503050406030204" pitchFamily="18" charset="0"/>
+                            </a:rPr>
+                            <m:t>𝐾</m:t>
+                          </m:r>
+                          <m:r>
+                            <a:rPr lang="es-ES" sz="1800" b="0" i="1" smtClean="0">
+                              <a:latin typeface="Cambria Math" panose="02040503050406030204" pitchFamily="18" charset="0"/>
+                              <a:ea typeface="Cambria Math" panose="02040503050406030204" pitchFamily="18" charset="0"/>
+                            </a:rPr>
+                            <m:t> </m:t>
+                          </m:r>
+                        </m:e>
+                      </m:acc>
+                      <m:r>
+                        <a:rPr lang="es-ES" sz="1800" b="0" i="1" smtClean="0">
+                          <a:latin typeface="Cambria Math" panose="02040503050406030204" pitchFamily="18" charset="0"/>
+                          <a:ea typeface="Cambria Math" panose="02040503050406030204" pitchFamily="18" charset="0"/>
+                        </a:rPr>
+                        <m:t>(18)</m:t>
+                      </m:r>
+                    </m:oMath>
+                  </m:oMathPara>
+                </a14:m>
+                <a:endParaRPr lang="es-CO" sz="1800" dirty="0">
+                  <a:latin typeface="Cambria Math" panose="02040503050406030204" pitchFamily="18" charset="0"/>
+                  <a:ea typeface="Cambria Math" panose="02040503050406030204" pitchFamily="18" charset="0"/>
+                </a:endParaRPr>
+              </a:p>
+              <a:p>
+                <a:pPr marL="0" indent="0" algn="just">
+                  <a:buNone/>
+                </a:pPr>
+                <a:endParaRPr lang="en-GB" sz="2000" dirty="0">
+                  <a:latin typeface="Century Gothic" panose="020B0502020202020204" pitchFamily="34" charset="0"/>
+                </a:endParaRPr>
+              </a:p>
+              <a:p>
+                <a:pPr marL="0" indent="0" algn="just">
+                  <a:buNone/>
+                </a:pPr>
+                <a:endParaRPr lang="en-GB" sz="2000" dirty="0">
+                  <a:latin typeface="Century Gothic" panose="020B0502020202020204" pitchFamily="34" charset="0"/>
+                </a:endParaRPr>
+              </a:p>
+              <a:p>
+                <a:pPr algn="just"/>
+                <a:r>
+                  <a:rPr lang="en-GB" sz="2000" dirty="0">
+                    <a:latin typeface="Century Gothic" panose="020B0502020202020204" pitchFamily="34" charset="0"/>
+                  </a:rPr>
+                  <a:t>From equation 2 we know that FDI influences investment, and that the latter affects the capital </a:t>
+                </a:r>
+              </a:p>
+            </p:txBody>
+          </p:sp>
+        </mc:Choice>
+        <mc:Fallback xmlns="">
+          <p:sp>
+            <p:nvSpPr>
+              <p:cNvPr id="2" name="Marcador de contenido 1">
+                <a:extLst>
+                  <a:ext uri="{FF2B5EF4-FFF2-40B4-BE49-F238E27FC236}">
+                    <a16:creationId xmlns:a16="http://schemas.microsoft.com/office/drawing/2014/main" id="{1E76053E-E553-4C2C-919A-CE7A30FA73F9}"/>
+                  </a:ext>
+                </a:extLst>
+              </p:cNvPr>
+              <p:cNvSpPr>
+                <a:spLocks noGrp="1" noRot="1" noChangeAspect="1" noMove="1" noResize="1" noEditPoints="1" noAdjustHandles="1" noChangeArrowheads="1" noChangeShapeType="1" noTextEdit="1"/>
+              </p:cNvSpPr>
+              <p:nvPr>
+                <p:ph idx="1"/>
+              </p:nvPr>
+            </p:nvSpPr>
+            <p:spPr>
+              <a:xfrm>
+                <a:off x="588471" y="1858995"/>
+                <a:ext cx="10628026" cy="3927423"/>
+              </a:xfrm>
+              <a:blipFill>
+                <a:blip r:embed="rId2"/>
+                <a:stretch>
+                  <a:fillRect l="-477" t="-968" r="-597"/>
+                </a:stretch>
+              </a:blipFill>
+            </p:spPr>
+            <p:txBody>
+              <a:bodyPr/>
+              <a:lstStyle/>
+              <a:p>
+                <a:r>
+                  <a:rPr lang="es-CO">
+                    <a:noFill/>
+                  </a:rPr>
+                  <a:t> </a:t>
+                </a:r>
+              </a:p>
+            </p:txBody>
+          </p:sp>
+        </mc:Fallback>
+      </mc:AlternateContent>
+      <p:sp>
+        <p:nvSpPr>
+          <p:cNvPr id="3" name="Título 2">
+            <a:extLst>
+              <a:ext uri="{FF2B5EF4-FFF2-40B4-BE49-F238E27FC236}">
+                <a16:creationId xmlns:a16="http://schemas.microsoft.com/office/drawing/2014/main" id="{5DA68AA8-71CC-44C3-BE34-4520548865CD}"/>
+              </a:ext>
+            </a:extLst>
+          </p:cNvPr>
+          <p:cNvSpPr>
+            <a:spLocks noGrp="1"/>
+          </p:cNvSpPr>
+          <p:nvPr>
+            <p:ph type="title"/>
+          </p:nvPr>
+        </p:nvSpPr>
+        <p:spPr>
+          <a:xfrm>
+            <a:off x="687841" y="457517"/>
+            <a:ext cx="7694645" cy="979127"/>
+          </a:xfrm>
+        </p:spPr>
+        <p:txBody>
+          <a:bodyPr>
+            <a:noAutofit/>
+          </a:bodyPr>
+          <a:lstStyle/>
+          <a:p>
+            <a:pPr algn="l"/>
+            <a:r>
+              <a:rPr lang="es-CO" b="1" dirty="0">
+                <a:latin typeface="Century Gothic" panose="020B0502020202020204" pitchFamily="34" charset="0"/>
+              </a:rPr>
+              <a:t>Equities and ownership structure </a:t>
+            </a:r>
+          </a:p>
+        </p:txBody>
+      </p:sp>
+    </p:spTree>
+    <p:extLst>
+      <p:ext uri="{BB962C8B-B14F-4D97-AF65-F5344CB8AC3E}">
+        <p14:creationId xmlns:p14="http://schemas.microsoft.com/office/powerpoint/2010/main" val="2405578853"/>
+      </p:ext>
+    </p:extLst>
+  </p:cSld>
+  <p:clrMapOvr>
+    <a:masterClrMapping/>
+  </p:clrMapOvr>
+</p:sld>
+</file>
+
+<file path=ppt/slides/slide12.xml><?xml version="1.0" encoding="utf-8"?>
+<p:sld xmlns:a="http://schemas.openxmlformats.org/drawingml/2006/main" xmlns:r="http://schemas.openxmlformats.org/officeDocument/2006/relationships" xmlns:p="http://schemas.openxmlformats.org/presentationml/2006/main">
+  <p:cSld>
+    <p:spTree>
+      <p:nvGrpSpPr>
+        <p:cNvPr id="1" name=""/>
+        <p:cNvGrpSpPr/>
+        <p:nvPr/>
+      </p:nvGrpSpPr>
+      <p:grpSpPr>
+        <a:xfrm>
+          <a:off x="0" y="0"/>
+          <a:ext cx="0" cy="0"/>
+          <a:chOff x="0" y="0"/>
+          <a:chExt cx="0" cy="0"/>
+        </a:xfrm>
+      </p:grpSpPr>
+      <mc:AlternateContent xmlns:mc="http://schemas.openxmlformats.org/markup-compatibility/2006" xmlns:a14="http://schemas.microsoft.com/office/drawing/2010/main">
+        <mc:Choice Requires="a14">
+          <p:sp>
+            <p:nvSpPr>
+              <p:cNvPr id="2" name="Marcador de contenido 1">
+                <a:extLst>
+                  <a:ext uri="{FF2B5EF4-FFF2-40B4-BE49-F238E27FC236}">
+                    <a16:creationId xmlns:a16="http://schemas.microsoft.com/office/drawing/2014/main" id="{1E76053E-E553-4C2C-919A-CE7A30FA73F9}"/>
+                  </a:ext>
+                </a:extLst>
+              </p:cNvPr>
+              <p:cNvSpPr>
+                <a:spLocks noGrp="1"/>
+              </p:cNvSpPr>
+              <p:nvPr>
+                <p:ph idx="1"/>
+              </p:nvPr>
+            </p:nvSpPr>
+            <p:spPr>
+              <a:xfrm>
+                <a:off x="549283" y="1715304"/>
+                <a:ext cx="10628026" cy="3927423"/>
+              </a:xfrm>
+            </p:spPr>
+            <p:txBody>
+              <a:bodyPr>
+                <a:noAutofit/>
+              </a:bodyPr>
+              <a:lstStyle/>
+              <a:p>
+                <a:pPr algn="just"/>
+                <a:r>
+                  <a:rPr lang="en-GB" sz="2000" dirty="0">
+                    <a:latin typeface="Century Gothic" panose="020B0502020202020204" pitchFamily="34" charset="0"/>
+                    <a:ea typeface="Times New Roman" panose="02020603050405020304" pitchFamily="18" charset="0"/>
+                  </a:rPr>
+                  <a:t>The shares available to international investors is a residue between the total shares issued and the shares demanded by households</a:t>
+                </a:r>
+                <a:endParaRPr lang="en-GB" sz="2000" dirty="0">
+                  <a:latin typeface="Century Gothic" panose="020B0502020202020204" pitchFamily="34" charset="0"/>
+                </a:endParaRPr>
+              </a:p>
+              <a:p>
+                <a:pPr marL="0" indent="0" algn="just">
+                  <a:lnSpc>
+                    <a:spcPct val="107000"/>
+                  </a:lnSpc>
+                  <a:spcAft>
+                    <a:spcPts val="800"/>
+                  </a:spcAft>
+                  <a:buNone/>
+                </a:pPr>
+                <a:endParaRPr lang="es-CO" sz="1800" dirty="0">
+                  <a:effectLst/>
+                  <a:latin typeface="Calibri" panose="020F0502020204030204" pitchFamily="34" charset="0"/>
+                  <a:ea typeface="Calibri" panose="020F0502020204030204" pitchFamily="34" charset="0"/>
+                  <a:cs typeface="Times New Roman" panose="02020603050405020304" pitchFamily="18" charset="0"/>
+                </a:endParaRPr>
+              </a:p>
+              <a:p>
+                <a:pPr marL="0" indent="0" algn="just">
+                  <a:buNone/>
+                </a:pPr>
+                <a14:m>
+                  <m:oMathPara xmlns:m="http://schemas.openxmlformats.org/officeDocument/2006/math">
+                    <m:oMathParaPr>
+                      <m:jc m:val="centerGroup"/>
+                    </m:oMathParaPr>
+                    <m:oMath xmlns:m="http://schemas.openxmlformats.org/officeDocument/2006/math">
+                      <m:sSubSup>
+                        <m:sSubSupPr>
+                          <m:ctrlPr>
+                            <a:rPr lang="es-CO" sz="1800" i="1">
+                              <a:latin typeface="Cambria Math" panose="02040503050406030204" pitchFamily="18" charset="0"/>
+                              <a:ea typeface="Cambria Math" panose="02040503050406030204" pitchFamily="18" charset="0"/>
+                            </a:rPr>
+                          </m:ctrlPr>
+                        </m:sSubSupPr>
+                        <m:e>
+                          <m:acc>
+                            <m:accPr>
+                              <m:chr m:val="̇"/>
+                              <m:ctrlPr>
+                                <a:rPr lang="es-CO" sz="1800" i="1">
+                                  <a:latin typeface="Cambria Math" panose="02040503050406030204" pitchFamily="18" charset="0"/>
+                                  <a:ea typeface="Cambria Math" panose="02040503050406030204" pitchFamily="18" charset="0"/>
+                                </a:rPr>
+                              </m:ctrlPr>
+                            </m:accPr>
+                            <m:e>
+                              <m:r>
+                                <a:rPr lang="es-CO" sz="1800" i="1">
+                                  <a:latin typeface="Cambria Math" panose="02040503050406030204" pitchFamily="18" charset="0"/>
+                                  <a:ea typeface="Cambria Math" panose="02040503050406030204" pitchFamily="18" charset="0"/>
+                                </a:rPr>
+                                <m:t>𝐸𝑄</m:t>
+                              </m:r>
+                            </m:e>
+                          </m:acc>
+                        </m:e>
+                        <m:sub>
+                          <m:r>
+                            <a:rPr lang="es-CO" sz="1800" i="1">
+                              <a:latin typeface="Cambria Math" panose="02040503050406030204" pitchFamily="18" charset="0"/>
+                              <a:ea typeface="Cambria Math" panose="02040503050406030204" pitchFamily="18" charset="0"/>
+                            </a:rPr>
+                            <m:t>𝐹</m:t>
+                          </m:r>
+                        </m:sub>
+                        <m:sup>
+                          <m:r>
+                            <a:rPr lang="es-ES" sz="1800" b="0" i="1" smtClean="0">
+                              <a:latin typeface="Cambria Math" panose="02040503050406030204" pitchFamily="18" charset="0"/>
+                              <a:ea typeface="Cambria Math" panose="02040503050406030204" pitchFamily="18" charset="0"/>
+                            </a:rPr>
+                            <m:t>𝑅𝑂𝑊</m:t>
+                          </m:r>
+                          <m:r>
+                            <a:rPr lang="es-ES" sz="1800" b="0" i="1" smtClean="0">
+                              <a:latin typeface="Cambria Math" panose="02040503050406030204" pitchFamily="18" charset="0"/>
+                              <a:ea typeface="Cambria Math" panose="02040503050406030204" pitchFamily="18" charset="0"/>
+                            </a:rPr>
+                            <m:t>, </m:t>
+                          </m:r>
+                          <m:r>
+                            <a:rPr lang="es-ES" sz="1800" b="0" i="1" smtClean="0">
+                              <a:latin typeface="Cambria Math" panose="02040503050406030204" pitchFamily="18" charset="0"/>
+                              <a:ea typeface="Cambria Math" panose="02040503050406030204" pitchFamily="18" charset="0"/>
+                            </a:rPr>
+                            <m:t>𝑠</m:t>
+                          </m:r>
+                        </m:sup>
+                      </m:sSubSup>
+                      <m:r>
+                        <a:rPr lang="en-GB" sz="1800" i="1">
+                          <a:latin typeface="Cambria Math" panose="02040503050406030204" pitchFamily="18" charset="0"/>
+                          <a:ea typeface="Cambria Math" panose="02040503050406030204" pitchFamily="18" charset="0"/>
+                        </a:rPr>
+                        <m:t>=</m:t>
+                      </m:r>
+                      <m:acc>
+                        <m:accPr>
+                          <m:chr m:val="̇"/>
+                          <m:ctrlPr>
+                            <a:rPr lang="es-CO" sz="1800" i="1">
+                              <a:latin typeface="Cambria Math" panose="02040503050406030204" pitchFamily="18" charset="0"/>
+                              <a:ea typeface="Cambria Math" panose="02040503050406030204" pitchFamily="18" charset="0"/>
+                            </a:rPr>
+                          </m:ctrlPr>
+                        </m:accPr>
+                        <m:e>
+                          <m:sSubSup>
+                            <m:sSubSupPr>
+                              <m:ctrlPr>
+                                <a:rPr lang="en-GB" sz="1800" i="1">
+                                  <a:latin typeface="Cambria Math" panose="02040503050406030204" pitchFamily="18" charset="0"/>
+                                  <a:ea typeface="Cambria Math" panose="02040503050406030204" pitchFamily="18" charset="0"/>
+                                </a:rPr>
+                              </m:ctrlPr>
+                            </m:sSubSupPr>
+                            <m:e>
+                              <m:r>
+                                <a:rPr lang="en-GB" sz="1800" i="1">
+                                  <a:latin typeface="Cambria Math" panose="02040503050406030204" pitchFamily="18" charset="0"/>
+                                  <a:ea typeface="Cambria Math" panose="02040503050406030204" pitchFamily="18" charset="0"/>
+                                </a:rPr>
+                                <m:t>𝐸𝑄</m:t>
+                              </m:r>
+                            </m:e>
+                            <m:sub>
+                              <m:r>
+                                <a:rPr lang="en-GB" sz="1800" i="1">
+                                  <a:latin typeface="Cambria Math" panose="02040503050406030204" pitchFamily="18" charset="0"/>
+                                  <a:ea typeface="Cambria Math" panose="02040503050406030204" pitchFamily="18" charset="0"/>
+                                </a:rPr>
+                                <m:t>𝐹</m:t>
+                              </m:r>
+                            </m:sub>
+                            <m:sup>
+                              <m:r>
+                                <a:rPr lang="es-ES" sz="1800" b="0" i="1" smtClean="0">
+                                  <a:latin typeface="Cambria Math" panose="02040503050406030204" pitchFamily="18" charset="0"/>
+                                  <a:ea typeface="Cambria Math" panose="02040503050406030204" pitchFamily="18" charset="0"/>
+                                </a:rPr>
+                                <m:t>𝑠</m:t>
+                              </m:r>
+                            </m:sup>
+                          </m:sSubSup>
+                        </m:e>
+                      </m:acc>
+                      <m:r>
+                        <a:rPr lang="en-GB" sz="1800" i="1">
+                          <a:latin typeface="Cambria Math" panose="02040503050406030204" pitchFamily="18" charset="0"/>
+                          <a:ea typeface="Cambria Math" panose="02040503050406030204" pitchFamily="18" charset="0"/>
+                        </a:rPr>
+                        <m:t>− </m:t>
+                      </m:r>
+                      <m:sSubSup>
+                        <m:sSubSupPr>
+                          <m:ctrlPr>
+                            <a:rPr lang="es-CO" sz="1800" i="1">
+                              <a:latin typeface="Cambria Math" panose="02040503050406030204" pitchFamily="18" charset="0"/>
+                              <a:ea typeface="Cambria Math" panose="02040503050406030204" pitchFamily="18" charset="0"/>
+                            </a:rPr>
+                          </m:ctrlPr>
+                        </m:sSubSupPr>
+                        <m:e>
+                          <m:acc>
+                            <m:accPr>
+                              <m:chr m:val="̇"/>
+                              <m:ctrlPr>
+                                <a:rPr lang="es-CO" sz="1800" i="1">
+                                  <a:latin typeface="Cambria Math" panose="02040503050406030204" pitchFamily="18" charset="0"/>
+                                  <a:ea typeface="Cambria Math" panose="02040503050406030204" pitchFamily="18" charset="0"/>
+                                </a:rPr>
+                              </m:ctrlPr>
+                            </m:accPr>
+                            <m:e>
+                              <m:r>
+                                <a:rPr lang="en-GB" sz="1800" i="1">
+                                  <a:latin typeface="Cambria Math" panose="02040503050406030204" pitchFamily="18" charset="0"/>
+                                  <a:ea typeface="Cambria Math" panose="02040503050406030204" pitchFamily="18" charset="0"/>
+                                </a:rPr>
+                                <m:t>𝐸𝑄</m:t>
+                              </m:r>
+                            </m:e>
+                          </m:acc>
+                        </m:e>
+                        <m:sub>
+                          <m:r>
+                            <a:rPr lang="en-GB" sz="1800" i="1">
+                              <a:latin typeface="Cambria Math" panose="02040503050406030204" pitchFamily="18" charset="0"/>
+                              <a:ea typeface="Cambria Math" panose="02040503050406030204" pitchFamily="18" charset="0"/>
+                            </a:rPr>
+                            <m:t>𝐹</m:t>
+                          </m:r>
+                        </m:sub>
+                        <m:sup>
+                          <m:r>
+                            <a:rPr lang="en-GB" sz="1800" i="1">
+                              <a:latin typeface="Cambria Math" panose="02040503050406030204" pitchFamily="18" charset="0"/>
+                              <a:ea typeface="Cambria Math" panose="02040503050406030204" pitchFamily="18" charset="0"/>
+                            </a:rPr>
+                            <m:t>𝐻</m:t>
+                          </m:r>
+                          <m:r>
+                            <a:rPr lang="en-GB" sz="1800" i="1">
+                              <a:latin typeface="Cambria Math" panose="02040503050406030204" pitchFamily="18" charset="0"/>
+                              <a:ea typeface="Cambria Math" panose="02040503050406030204" pitchFamily="18" charset="0"/>
+                            </a:rPr>
+                            <m:t>,</m:t>
+                          </m:r>
+                          <m:r>
+                            <a:rPr lang="en-GB" sz="1800" i="1">
+                              <a:latin typeface="Cambria Math" panose="02040503050406030204" pitchFamily="18" charset="0"/>
+                              <a:ea typeface="Cambria Math" panose="02040503050406030204" pitchFamily="18" charset="0"/>
+                            </a:rPr>
+                            <m:t>𝑑</m:t>
+                          </m:r>
+                        </m:sup>
+                      </m:sSubSup>
+                      <m:r>
+                        <a:rPr lang="es-ES" sz="1800" b="0" i="1" smtClean="0">
+                          <a:latin typeface="Cambria Math" panose="02040503050406030204" pitchFamily="18" charset="0"/>
+                          <a:ea typeface="Cambria Math" panose="02040503050406030204" pitchFamily="18" charset="0"/>
+                        </a:rPr>
+                        <m:t>(19)</m:t>
+                      </m:r>
+                    </m:oMath>
+                  </m:oMathPara>
+                </a14:m>
+                <a:endParaRPr lang="en-GB" sz="2000" dirty="0">
+                  <a:latin typeface="Century Gothic" panose="020B0502020202020204" pitchFamily="34" charset="0"/>
+                </a:endParaRPr>
+              </a:p>
+              <a:p>
+                <a:pPr marL="0" indent="0" algn="just">
+                  <a:buNone/>
+                </a:pPr>
+                <a:endParaRPr lang="en-GB" sz="2000" dirty="0">
+                  <a:latin typeface="Century Gothic" panose="020B0502020202020204" pitchFamily="34" charset="0"/>
+                </a:endParaRPr>
+              </a:p>
+              <a:p>
+                <a:pPr algn="just"/>
+                <a:r>
+                  <a:rPr lang="en-GB" sz="2000" dirty="0">
+                    <a:latin typeface="Century Gothic" panose="020B0502020202020204" pitchFamily="34" charset="0"/>
+                  </a:rPr>
+                  <a:t>The participation of foreign investors in the total number of shares of the firms derives as follows</a:t>
+                </a:r>
+              </a:p>
+              <a:p>
+                <a:pPr algn="just"/>
+                <a:endParaRPr lang="en-GB" sz="2000" dirty="0">
+                  <a:latin typeface="Century Gothic" panose="020B0502020202020204" pitchFamily="34" charset="0"/>
+                </a:endParaRPr>
+              </a:p>
+              <a:p>
+                <a:pPr marL="0" indent="0" algn="just">
+                  <a:buNone/>
+                </a:pPr>
+                <a14:m>
+                  <m:oMathPara xmlns:m="http://schemas.openxmlformats.org/officeDocument/2006/math">
+                    <m:oMathParaPr>
+                      <m:jc m:val="centerGroup"/>
+                    </m:oMathParaPr>
+                    <m:oMath xmlns:m="http://schemas.openxmlformats.org/officeDocument/2006/math">
+                      <m:r>
+                        <a:rPr lang="es-ES" sz="1800" b="0" i="1" smtClean="0">
+                          <a:latin typeface="Cambria Math" panose="02040503050406030204" pitchFamily="18" charset="0"/>
+                          <a:ea typeface="Cambria Math" panose="02040503050406030204" pitchFamily="18" charset="0"/>
+                        </a:rPr>
+                        <m:t>𝜚</m:t>
+                      </m:r>
+                      <m:r>
+                        <a:rPr lang="es-ES" sz="1800" b="0" i="1" smtClean="0">
+                          <a:latin typeface="Cambria Math" panose="02040503050406030204" pitchFamily="18" charset="0"/>
+                          <a:ea typeface="Cambria Math" panose="02040503050406030204" pitchFamily="18" charset="0"/>
+                        </a:rPr>
+                        <m:t>=</m:t>
+                      </m:r>
+                      <m:f>
+                        <m:fPr>
+                          <m:ctrlPr>
+                            <a:rPr lang="en-GB" sz="1800" i="1" smtClean="0">
+                              <a:latin typeface="Cambria Math" panose="02040503050406030204" pitchFamily="18" charset="0"/>
+                              <a:ea typeface="Cambria Math" panose="02040503050406030204" pitchFamily="18" charset="0"/>
+                            </a:rPr>
+                          </m:ctrlPr>
+                        </m:fPr>
+                        <m:num>
+                          <m:r>
+                            <a:rPr lang="es-ES" sz="1800" b="0" i="1" smtClean="0">
+                              <a:latin typeface="Cambria Math" panose="02040503050406030204" pitchFamily="18" charset="0"/>
+                              <a:ea typeface="Cambria Math" panose="02040503050406030204" pitchFamily="18" charset="0"/>
+                            </a:rPr>
+                            <m:t>𝐸</m:t>
+                          </m:r>
+                          <m:sSubSup>
+                            <m:sSubSupPr>
+                              <m:ctrlPr>
+                                <a:rPr lang="es-ES" sz="1800" b="0" i="1" smtClean="0">
+                                  <a:latin typeface="Cambria Math" panose="02040503050406030204" pitchFamily="18" charset="0"/>
+                                  <a:ea typeface="Cambria Math" panose="02040503050406030204" pitchFamily="18" charset="0"/>
+                                </a:rPr>
+                              </m:ctrlPr>
+                            </m:sSubSupPr>
+                            <m:e>
+                              <m:r>
+                                <a:rPr lang="es-ES" sz="1800" b="0" i="1" smtClean="0">
+                                  <a:latin typeface="Cambria Math" panose="02040503050406030204" pitchFamily="18" charset="0"/>
+                                  <a:ea typeface="Cambria Math" panose="02040503050406030204" pitchFamily="18" charset="0"/>
+                                </a:rPr>
+                                <m:t>𝑄</m:t>
+                              </m:r>
+                            </m:e>
+                            <m:sub>
+                              <m:r>
+                                <a:rPr lang="es-ES" sz="1800" b="0" i="1" smtClean="0">
+                                  <a:latin typeface="Cambria Math" panose="02040503050406030204" pitchFamily="18" charset="0"/>
+                                  <a:ea typeface="Cambria Math" panose="02040503050406030204" pitchFamily="18" charset="0"/>
+                                </a:rPr>
+                                <m:t>𝐹</m:t>
+                              </m:r>
+                            </m:sub>
+                            <m:sup>
+                              <m:r>
+                                <a:rPr lang="es-ES" sz="1800" b="0" i="1" smtClean="0">
+                                  <a:latin typeface="Cambria Math" panose="02040503050406030204" pitchFamily="18" charset="0"/>
+                                  <a:ea typeface="Cambria Math" panose="02040503050406030204" pitchFamily="18" charset="0"/>
+                                </a:rPr>
+                                <m:t>𝑅𝑂𝑊</m:t>
+                              </m:r>
+                            </m:sup>
+                          </m:sSubSup>
+                        </m:num>
+                        <m:den>
+                          <m:r>
+                            <a:rPr lang="es-ES" sz="1800" b="0" i="1" smtClean="0">
+                              <a:latin typeface="Cambria Math" panose="02040503050406030204" pitchFamily="18" charset="0"/>
+                              <a:ea typeface="Cambria Math" panose="02040503050406030204" pitchFamily="18" charset="0"/>
+                            </a:rPr>
+                            <m:t>𝐸</m:t>
+                          </m:r>
+                          <m:sSub>
+                            <m:sSubPr>
+                              <m:ctrlPr>
+                                <a:rPr lang="es-ES" sz="1800" b="0" i="1" smtClean="0">
+                                  <a:latin typeface="Cambria Math" panose="02040503050406030204" pitchFamily="18" charset="0"/>
+                                  <a:ea typeface="Cambria Math" panose="02040503050406030204" pitchFamily="18" charset="0"/>
+                                </a:rPr>
+                              </m:ctrlPr>
+                            </m:sSubPr>
+                            <m:e>
+                              <m:r>
+                                <a:rPr lang="es-ES" sz="1800" b="0" i="1" smtClean="0">
+                                  <a:latin typeface="Cambria Math" panose="02040503050406030204" pitchFamily="18" charset="0"/>
+                                  <a:ea typeface="Cambria Math" panose="02040503050406030204" pitchFamily="18" charset="0"/>
+                                </a:rPr>
+                                <m:t>𝑄</m:t>
+                              </m:r>
+                            </m:e>
+                            <m:sub>
+                              <m:r>
+                                <a:rPr lang="es-ES" sz="1800" b="0" i="1" smtClean="0">
+                                  <a:latin typeface="Cambria Math" panose="02040503050406030204" pitchFamily="18" charset="0"/>
+                                  <a:ea typeface="Cambria Math" panose="02040503050406030204" pitchFamily="18" charset="0"/>
+                                </a:rPr>
+                                <m:t>𝐹</m:t>
+                              </m:r>
+                            </m:sub>
+                          </m:sSub>
+                        </m:den>
+                      </m:f>
+                      <m:r>
+                        <a:rPr lang="es-ES" sz="1800" b="0" i="1" smtClean="0">
+                          <a:latin typeface="Cambria Math" panose="02040503050406030204" pitchFamily="18" charset="0"/>
+                          <a:ea typeface="Cambria Math" panose="02040503050406030204" pitchFamily="18" charset="0"/>
+                        </a:rPr>
+                        <m:t>(20)</m:t>
+                      </m:r>
+                    </m:oMath>
+                  </m:oMathPara>
+                </a14:m>
+                <a:endParaRPr lang="en-GB" sz="1800" dirty="0">
+                  <a:latin typeface="Century Gothic" panose="020B0502020202020204" pitchFamily="34" charset="0"/>
+                </a:endParaRPr>
+              </a:p>
+            </p:txBody>
+          </p:sp>
+        </mc:Choice>
+        <mc:Fallback xmlns="">
+          <p:sp>
+            <p:nvSpPr>
+              <p:cNvPr id="2" name="Marcador de contenido 1">
+                <a:extLst>
+                  <a:ext uri="{FF2B5EF4-FFF2-40B4-BE49-F238E27FC236}">
+                    <a16:creationId xmlns:a16="http://schemas.microsoft.com/office/drawing/2014/main" id="{1E76053E-E553-4C2C-919A-CE7A30FA73F9}"/>
+                  </a:ext>
+                </a:extLst>
+              </p:cNvPr>
+              <p:cNvSpPr>
+                <a:spLocks noGrp="1" noRot="1" noChangeAspect="1" noMove="1" noResize="1" noEditPoints="1" noAdjustHandles="1" noChangeArrowheads="1" noChangeShapeType="1" noTextEdit="1"/>
+              </p:cNvSpPr>
+              <p:nvPr>
+                <p:ph idx="1"/>
+              </p:nvPr>
+            </p:nvSpPr>
+            <p:spPr>
+              <a:xfrm>
+                <a:off x="549283" y="1715304"/>
+                <a:ext cx="10628026" cy="3927423"/>
+              </a:xfrm>
+              <a:blipFill>
+                <a:blip r:embed="rId2"/>
+                <a:stretch>
+                  <a:fillRect l="-477" t="-643" r="-1193"/>
+                </a:stretch>
+              </a:blipFill>
+            </p:spPr>
+            <p:txBody>
+              <a:bodyPr/>
+              <a:lstStyle/>
+              <a:p>
+                <a:r>
+                  <a:rPr lang="es-CO">
+                    <a:noFill/>
+                  </a:rPr>
+                  <a:t> </a:t>
+                </a:r>
+              </a:p>
+            </p:txBody>
+          </p:sp>
+        </mc:Fallback>
+      </mc:AlternateContent>
+      <p:sp>
+        <p:nvSpPr>
+          <p:cNvPr id="3" name="Título 2">
+            <a:extLst>
+              <a:ext uri="{FF2B5EF4-FFF2-40B4-BE49-F238E27FC236}">
+                <a16:creationId xmlns:a16="http://schemas.microsoft.com/office/drawing/2014/main" id="{5DA68AA8-71CC-44C3-BE34-4520548865CD}"/>
+              </a:ext>
+            </a:extLst>
+          </p:cNvPr>
+          <p:cNvSpPr>
+            <a:spLocks noGrp="1"/>
+          </p:cNvSpPr>
+          <p:nvPr>
+            <p:ph type="title"/>
+          </p:nvPr>
+        </p:nvSpPr>
+        <p:spPr>
+          <a:xfrm>
+            <a:off x="687841" y="457517"/>
+            <a:ext cx="7694645" cy="979127"/>
+          </a:xfrm>
+        </p:spPr>
+        <p:txBody>
+          <a:bodyPr>
+            <a:noAutofit/>
+          </a:bodyPr>
+          <a:lstStyle/>
+          <a:p>
+            <a:pPr algn="l"/>
+            <a:r>
+              <a:rPr lang="es-CO" b="1" dirty="0">
+                <a:latin typeface="Century Gothic" panose="020B0502020202020204" pitchFamily="34" charset="0"/>
+              </a:rPr>
+              <a:t>Equities and ownership structure </a:t>
+            </a:r>
+          </a:p>
+        </p:txBody>
+      </p:sp>
+    </p:spTree>
+    <p:extLst>
+      <p:ext uri="{BB962C8B-B14F-4D97-AF65-F5344CB8AC3E}">
+        <p14:creationId xmlns:p14="http://schemas.microsoft.com/office/powerpoint/2010/main" val="2280684295"/>
+      </p:ext>
+    </p:extLst>
+  </p:cSld>
+  <p:clrMapOvr>
+    <a:masterClrMapping/>
+  </p:clrMapOvr>
+</p:sld>
+</file>
+
+<file path=ppt/slides/slide13.xml><?xml version="1.0" encoding="utf-8"?>
+<p:sld xmlns:a="http://schemas.openxmlformats.org/drawingml/2006/main" xmlns:r="http://schemas.openxmlformats.org/officeDocument/2006/relationships" xmlns:p="http://schemas.openxmlformats.org/presentationml/2006/main">
+  <p:cSld>
+    <p:spTree>
+      <p:nvGrpSpPr>
+        <p:cNvPr id="1" name=""/>
+        <p:cNvGrpSpPr/>
+        <p:nvPr/>
+      </p:nvGrpSpPr>
+      <p:grpSpPr>
+        <a:xfrm>
+          <a:off x="0" y="0"/>
+          <a:ext cx="0" cy="0"/>
+          <a:chOff x="0" y="0"/>
+          <a:chExt cx="0" cy="0"/>
+        </a:xfrm>
+      </p:grpSpPr>
+      <mc:AlternateContent xmlns:mc="http://schemas.openxmlformats.org/markup-compatibility/2006" xmlns:a14="http://schemas.microsoft.com/office/drawing/2010/main">
+        <mc:Choice Requires="a14">
+          <p:sp>
+            <p:nvSpPr>
+              <p:cNvPr id="2" name="Marcador de contenido 1">
+                <a:extLst>
+                  <a:ext uri="{FF2B5EF4-FFF2-40B4-BE49-F238E27FC236}">
+                    <a16:creationId xmlns:a16="http://schemas.microsoft.com/office/drawing/2014/main" id="{1E76053E-E553-4C2C-919A-CE7A30FA73F9}"/>
+                  </a:ext>
+                </a:extLst>
+              </p:cNvPr>
+              <p:cNvSpPr>
+                <a:spLocks noGrp="1"/>
+              </p:cNvSpPr>
+              <p:nvPr>
+                <p:ph idx="1"/>
+              </p:nvPr>
+            </p:nvSpPr>
+            <p:spPr>
+              <a:xfrm>
+                <a:off x="687841" y="1832870"/>
+                <a:ext cx="10628026" cy="3927423"/>
+              </a:xfrm>
+            </p:spPr>
+            <p:txBody>
+              <a:bodyPr>
+                <a:noAutofit/>
+              </a:bodyPr>
+              <a:lstStyle/>
+              <a:p>
+                <a:pPr algn="just"/>
+                <a:r>
+                  <a:rPr lang="en-GB" sz="2000" dirty="0">
+                    <a:latin typeface="Century Gothic" panose="020B0502020202020204" pitchFamily="34" charset="0"/>
+                    <a:ea typeface="Times New Roman" panose="02020603050405020304" pitchFamily="18" charset="0"/>
+                  </a:rPr>
+                  <a:t>The demand for shares of households as a proportion of their liquid wealth plus loans has an autonomous component, in addition it is a function of the interest rate on deposits and the interest rate on public bonds</a:t>
+                </a:r>
+              </a:p>
+              <a:p>
+                <a:pPr marL="0" indent="0" algn="just">
+                  <a:buNone/>
+                </a:pPr>
+                <a:endParaRPr lang="es-ES" sz="1800" i="1" dirty="0"/>
+              </a:p>
+              <a:p>
+                <a:pPr marL="0" indent="0" algn="just">
+                  <a:buNone/>
+                </a:pPr>
+                <a:endParaRPr lang="es-ES" sz="1800" i="1" dirty="0"/>
+              </a:p>
+              <a:p>
+                <a:pPr marL="0" indent="0" algn="just">
+                  <a:buNone/>
+                </a:pPr>
+                <a:endParaRPr lang="es-ES" sz="1800" i="1" dirty="0"/>
+              </a:p>
+              <a:p>
+                <a:pPr marL="0" indent="0" algn="just">
+                  <a:buNone/>
+                </a:pPr>
+                <a14:m>
+                  <m:oMathPara xmlns:m="http://schemas.openxmlformats.org/officeDocument/2006/math">
+                    <m:oMathParaPr>
+                      <m:jc m:val="centerGroup"/>
+                    </m:oMathParaPr>
+                    <m:oMath xmlns:m="http://schemas.openxmlformats.org/officeDocument/2006/math">
+                      <m:f>
+                        <m:fPr>
+                          <m:ctrlPr>
+                            <a:rPr lang="es-CO" sz="1800" i="1">
+                              <a:latin typeface="Cambria Math" panose="02040503050406030204" pitchFamily="18" charset="0"/>
+                            </a:rPr>
+                          </m:ctrlPr>
+                        </m:fPr>
+                        <m:num>
+                          <m:sSub>
+                            <m:sSubPr>
+                              <m:ctrlPr>
+                                <a:rPr lang="es-ES" sz="1800" b="0" i="1" smtClean="0">
+                                  <a:latin typeface="Cambria Math" panose="02040503050406030204" pitchFamily="18" charset="0"/>
+                                </a:rPr>
+                              </m:ctrlPr>
+                            </m:sSubPr>
+                            <m:e>
+                              <m:r>
+                                <a:rPr lang="es-ES" sz="1800" b="0" i="1" smtClean="0">
+                                  <a:latin typeface="Cambria Math" panose="02040503050406030204" pitchFamily="18" charset="0"/>
+                                </a:rPr>
+                                <m:t>𝑃</m:t>
+                              </m:r>
+                            </m:e>
+                            <m:sub>
+                              <m:r>
+                                <a:rPr lang="es-ES" sz="1800" b="0" i="1" smtClean="0">
+                                  <a:latin typeface="Cambria Math" panose="02040503050406030204" pitchFamily="18" charset="0"/>
+                                </a:rPr>
+                                <m:t>𝐸</m:t>
+                              </m:r>
+                            </m:sub>
+                          </m:sSub>
+                          <m:sSubSup>
+                            <m:sSubSupPr>
+                              <m:ctrlPr>
+                                <a:rPr lang="es-CO" sz="1800" i="1">
+                                  <a:latin typeface="Cambria Math" panose="02040503050406030204" pitchFamily="18" charset="0"/>
+                                </a:rPr>
+                              </m:ctrlPr>
+                            </m:sSubSupPr>
+                            <m:e>
+                              <m:acc>
+                                <m:accPr>
+                                  <m:chr m:val="̇"/>
+                                  <m:ctrlPr>
+                                    <a:rPr lang="es-CO" sz="1800" i="1">
+                                      <a:latin typeface="Cambria Math" panose="02040503050406030204" pitchFamily="18" charset="0"/>
+                                    </a:rPr>
+                                  </m:ctrlPr>
+                                </m:accPr>
+                                <m:e>
+                                  <m:r>
+                                    <a:rPr lang="en-GB" sz="1800" i="1">
+                                      <a:latin typeface="Cambria Math" panose="02040503050406030204" pitchFamily="18" charset="0"/>
+                                    </a:rPr>
+                                    <m:t>𝐸𝑄</m:t>
+                                  </m:r>
+                                </m:e>
+                              </m:acc>
+                            </m:e>
+                            <m:sub>
+                              <m:r>
+                                <a:rPr lang="en-GB" sz="1800" i="1">
+                                  <a:latin typeface="Cambria Math" panose="02040503050406030204" pitchFamily="18" charset="0"/>
+                                </a:rPr>
+                                <m:t>𝐹</m:t>
+                              </m:r>
+                            </m:sub>
+                            <m:sup>
+                              <m:r>
+                                <a:rPr lang="en-GB" sz="1800" i="1">
+                                  <a:latin typeface="Cambria Math" panose="02040503050406030204" pitchFamily="18" charset="0"/>
+                                </a:rPr>
+                                <m:t>𝐻</m:t>
+                              </m:r>
+                              <m:r>
+                                <a:rPr lang="en-GB" sz="1800" i="1">
+                                  <a:latin typeface="Cambria Math" panose="02040503050406030204" pitchFamily="18" charset="0"/>
+                                </a:rPr>
+                                <m:t>,</m:t>
+                              </m:r>
+                              <m:r>
+                                <a:rPr lang="en-GB" sz="1800" i="1">
+                                  <a:latin typeface="Cambria Math" panose="02040503050406030204" pitchFamily="18" charset="0"/>
+                                </a:rPr>
+                                <m:t>𝑑</m:t>
+                              </m:r>
+                            </m:sup>
+                          </m:sSubSup>
+                        </m:num>
+                        <m:den>
+                          <m:sSub>
+                            <m:sSubPr>
+                              <m:ctrlPr>
+                                <a:rPr lang="es-CO" sz="1800" i="1">
+                                  <a:latin typeface="Cambria Math" panose="02040503050406030204" pitchFamily="18" charset="0"/>
+                                </a:rPr>
+                              </m:ctrlPr>
+                            </m:sSubPr>
+                            <m:e>
+                              <m:r>
+                                <a:rPr lang="en-GB" sz="1800" i="1">
+                                  <a:latin typeface="Cambria Math" panose="02040503050406030204" pitchFamily="18" charset="0"/>
+                                </a:rPr>
+                                <m:t>(</m:t>
+                              </m:r>
+                              <m:r>
+                                <a:rPr lang="es-ES" sz="1800" b="0" i="1" smtClean="0">
+                                  <a:latin typeface="Cambria Math" panose="02040503050406030204" pitchFamily="18" charset="0"/>
+                                </a:rPr>
+                                <m:t>𝑊</m:t>
+                              </m:r>
+                            </m:e>
+                            <m:sub>
+                              <m:r>
+                                <a:rPr lang="es-ES" sz="1800" b="0" i="1" smtClean="0">
+                                  <a:latin typeface="Cambria Math" panose="02040503050406030204" pitchFamily="18" charset="0"/>
+                                </a:rPr>
+                                <m:t>𝐻</m:t>
+                              </m:r>
+                            </m:sub>
+                          </m:sSub>
+                          <m:r>
+                            <a:rPr lang="en-GB" sz="1800" i="1">
+                              <a:latin typeface="Cambria Math" panose="02040503050406030204" pitchFamily="18" charset="0"/>
+                            </a:rPr>
+                            <m:t>+</m:t>
+                          </m:r>
+                          <m:sSub>
+                            <m:sSubPr>
+                              <m:ctrlPr>
+                                <a:rPr lang="es-CO" sz="1800" i="1">
+                                  <a:latin typeface="Cambria Math" panose="02040503050406030204" pitchFamily="18" charset="0"/>
+                                </a:rPr>
+                              </m:ctrlPr>
+                            </m:sSubPr>
+                            <m:e>
+                              <m:r>
+                                <a:rPr lang="en-GB" sz="1800" i="1">
+                                  <a:latin typeface="Cambria Math" panose="02040503050406030204" pitchFamily="18" charset="0"/>
+                                </a:rPr>
+                                <m:t>𝐿</m:t>
+                              </m:r>
+                            </m:e>
+                            <m:sub>
+                              <m:r>
+                                <a:rPr lang="es-ES" sz="1800" b="0" i="1" smtClean="0">
+                                  <a:latin typeface="Cambria Math" panose="02040503050406030204" pitchFamily="18" charset="0"/>
+                                </a:rPr>
+                                <m:t>𝐻</m:t>
+                              </m:r>
+                            </m:sub>
+                          </m:sSub>
+                          <m:r>
+                            <a:rPr lang="en-GB" sz="1800" i="1">
+                              <a:latin typeface="Cambria Math" panose="02040503050406030204" pitchFamily="18" charset="0"/>
+                            </a:rPr>
+                            <m:t>)</m:t>
+                          </m:r>
+                        </m:den>
+                      </m:f>
+                      <m:r>
+                        <a:rPr lang="en-GB" sz="1800" i="1">
+                          <a:latin typeface="Cambria Math" panose="02040503050406030204" pitchFamily="18" charset="0"/>
+                        </a:rPr>
+                        <m:t>=(</m:t>
+                      </m:r>
+                      <m:sSub>
+                        <m:sSubPr>
+                          <m:ctrlPr>
+                            <a:rPr lang="es-CO" sz="1800" i="1">
+                              <a:latin typeface="Cambria Math" panose="02040503050406030204" pitchFamily="18" charset="0"/>
+                            </a:rPr>
+                          </m:ctrlPr>
+                        </m:sSubPr>
+                        <m:e>
+                          <m:r>
+                            <a:rPr lang="en-GB" sz="1800" i="1">
+                              <a:latin typeface="Cambria Math" panose="02040503050406030204" pitchFamily="18" charset="0"/>
+                            </a:rPr>
+                            <m:t>𝜕</m:t>
+                          </m:r>
+                        </m:e>
+                        <m:sub>
+                          <m:r>
+                            <a:rPr lang="en-GB" sz="1800" i="1">
+                              <a:latin typeface="Cambria Math" panose="02040503050406030204" pitchFamily="18" charset="0"/>
+                            </a:rPr>
+                            <m:t>0</m:t>
+                          </m:r>
+                        </m:sub>
+                      </m:sSub>
+                      <m:r>
+                        <a:rPr lang="en-GB" sz="1800" i="1">
+                          <a:latin typeface="Cambria Math" panose="02040503050406030204" pitchFamily="18" charset="0"/>
+                        </a:rPr>
+                        <m:t>−</m:t>
+                      </m:r>
+                      <m:sSub>
+                        <m:sSubPr>
+                          <m:ctrlPr>
+                            <a:rPr lang="es-CO" sz="1800" i="1">
+                              <a:latin typeface="Cambria Math" panose="02040503050406030204" pitchFamily="18" charset="0"/>
+                            </a:rPr>
+                          </m:ctrlPr>
+                        </m:sSubPr>
+                        <m:e>
+                          <m:r>
+                            <a:rPr lang="en-GB" sz="1800" i="1">
+                              <a:latin typeface="Cambria Math" panose="02040503050406030204" pitchFamily="18" charset="0"/>
+                            </a:rPr>
+                            <m:t>𝜕</m:t>
+                          </m:r>
+                        </m:e>
+                        <m:sub>
+                          <m:r>
+                            <a:rPr lang="en-GB" sz="1800" i="1">
+                              <a:latin typeface="Cambria Math" panose="02040503050406030204" pitchFamily="18" charset="0"/>
+                            </a:rPr>
+                            <m:t>1</m:t>
+                          </m:r>
+                        </m:sub>
+                      </m:sSub>
+                      <m:sSup>
+                        <m:sSupPr>
+                          <m:ctrlPr>
+                            <a:rPr lang="es-ES" sz="1800" i="1">
+                              <a:latin typeface="Cambria Math" panose="02040503050406030204" pitchFamily="18" charset="0"/>
+                            </a:rPr>
+                          </m:ctrlPr>
+                        </m:sSupPr>
+                        <m:e>
+                          <m:r>
+                            <a:rPr lang="es-ES" sz="1800" b="0" i="1" smtClean="0">
+                              <a:latin typeface="Cambria Math" panose="02040503050406030204" pitchFamily="18" charset="0"/>
+                            </a:rPr>
+                            <m:t>𝑖</m:t>
+                          </m:r>
+                        </m:e>
+                        <m:sup>
+                          <m:r>
+                            <a:rPr lang="es-ES" sz="1800" b="0" i="1" smtClean="0">
+                              <a:latin typeface="Cambria Math" panose="02040503050406030204" pitchFamily="18" charset="0"/>
+                            </a:rPr>
+                            <m:t>𝐷</m:t>
+                          </m:r>
+                        </m:sup>
+                      </m:sSup>
+                      <m:r>
+                        <a:rPr lang="en-GB" sz="1800" i="1">
+                          <a:latin typeface="Cambria Math" panose="02040503050406030204" pitchFamily="18" charset="0"/>
+                        </a:rPr>
+                        <m:t>−</m:t>
+                      </m:r>
+                      <m:sSub>
+                        <m:sSubPr>
+                          <m:ctrlPr>
+                            <a:rPr lang="es-CO" sz="1800" i="1">
+                              <a:latin typeface="Cambria Math" panose="02040503050406030204" pitchFamily="18" charset="0"/>
+                            </a:rPr>
+                          </m:ctrlPr>
+                        </m:sSubPr>
+                        <m:e>
+                          <m:r>
+                            <a:rPr lang="en-GB" sz="1800" i="1">
+                              <a:latin typeface="Cambria Math" panose="02040503050406030204" pitchFamily="18" charset="0"/>
+                            </a:rPr>
+                            <m:t>𝜕</m:t>
+                          </m:r>
+                        </m:e>
+                        <m:sub>
+                          <m:r>
+                            <a:rPr lang="en-GB" sz="1800" i="1">
+                              <a:latin typeface="Cambria Math" panose="02040503050406030204" pitchFamily="18" charset="0"/>
+                            </a:rPr>
+                            <m:t>2</m:t>
+                          </m:r>
+                        </m:sub>
+                      </m:sSub>
+                      <m:sSup>
+                        <m:sSupPr>
+                          <m:ctrlPr>
+                            <a:rPr lang="es-ES" sz="1800" i="1">
+                              <a:latin typeface="Cambria Math" panose="02040503050406030204" pitchFamily="18" charset="0"/>
+                            </a:rPr>
+                          </m:ctrlPr>
+                        </m:sSupPr>
+                        <m:e>
+                          <m:r>
+                            <a:rPr lang="es-ES" sz="1800" b="0" i="1" smtClean="0">
+                              <a:latin typeface="Cambria Math" panose="02040503050406030204" pitchFamily="18" charset="0"/>
+                            </a:rPr>
+                            <m:t>𝑖</m:t>
+                          </m:r>
+                        </m:e>
+                        <m:sup>
+                          <m:r>
+                            <a:rPr lang="es-ES" sz="1800" b="0" i="1" smtClean="0">
+                              <a:latin typeface="Cambria Math" panose="02040503050406030204" pitchFamily="18" charset="0"/>
+                            </a:rPr>
+                            <m:t>𝐺</m:t>
+                          </m:r>
+                        </m:sup>
+                      </m:sSup>
+                      <m:r>
+                        <a:rPr lang="en-GB" sz="1800" i="1">
+                          <a:latin typeface="Cambria Math" panose="02040503050406030204" pitchFamily="18" charset="0"/>
+                        </a:rPr>
+                        <m:t>)</m:t>
+                      </m:r>
+                      <m:r>
+                        <a:rPr lang="es-ES" sz="1800" b="0" i="1" smtClean="0">
+                          <a:latin typeface="Cambria Math" panose="02040503050406030204" pitchFamily="18" charset="0"/>
+                          <a:ea typeface="Cambria Math" panose="02040503050406030204" pitchFamily="18" charset="0"/>
+                        </a:rPr>
+                        <m:t>(21)</m:t>
+                      </m:r>
+                    </m:oMath>
+                  </m:oMathPara>
+                </a14:m>
+                <a:endParaRPr lang="en-GB" sz="2000" dirty="0">
+                  <a:latin typeface="Century Gothic" panose="020B0502020202020204" pitchFamily="34" charset="0"/>
+                </a:endParaRPr>
+              </a:p>
+              <a:p>
+                <a:pPr marL="0" indent="0" algn="just">
+                  <a:buNone/>
+                </a:pPr>
+                <a:endParaRPr lang="en-GB" sz="2000" dirty="0">
+                  <a:latin typeface="Century Gothic" panose="020B0502020202020204" pitchFamily="34" charset="0"/>
+                </a:endParaRPr>
+              </a:p>
+              <a:p>
+                <a:pPr algn="just"/>
+                <a:r>
+                  <a:rPr lang="en-GB" sz="2000" dirty="0">
+                    <a:latin typeface="Century Gothic" panose="020B0502020202020204" pitchFamily="34" charset="0"/>
+                  </a:rPr>
+                  <a:t>(we should include the rate of return on investment in banks)</a:t>
+                </a:r>
+              </a:p>
+            </p:txBody>
+          </p:sp>
+        </mc:Choice>
+        <mc:Fallback xmlns="">
+          <p:sp>
+            <p:nvSpPr>
+              <p:cNvPr id="2" name="Marcador de contenido 1">
+                <a:extLst>
+                  <a:ext uri="{FF2B5EF4-FFF2-40B4-BE49-F238E27FC236}">
+                    <a16:creationId xmlns:a16="http://schemas.microsoft.com/office/drawing/2014/main" id="{1E76053E-E553-4C2C-919A-CE7A30FA73F9}"/>
+                  </a:ext>
+                </a:extLst>
+              </p:cNvPr>
+              <p:cNvSpPr>
+                <a:spLocks noGrp="1" noRot="1" noChangeAspect="1" noMove="1" noResize="1" noEditPoints="1" noAdjustHandles="1" noChangeArrowheads="1" noChangeShapeType="1" noTextEdit="1"/>
+              </p:cNvSpPr>
+              <p:nvPr>
+                <p:ph idx="1"/>
+              </p:nvPr>
+            </p:nvSpPr>
+            <p:spPr>
+              <a:xfrm>
+                <a:off x="687841" y="1832870"/>
+                <a:ext cx="10628026" cy="3927423"/>
+              </a:xfrm>
+              <a:blipFill>
+                <a:blip r:embed="rId2"/>
+                <a:stretch>
+                  <a:fillRect l="-597" t="-968" r="-717"/>
+                </a:stretch>
+              </a:blipFill>
+            </p:spPr>
+            <p:txBody>
+              <a:bodyPr/>
+              <a:lstStyle/>
+              <a:p>
+                <a:r>
+                  <a:rPr lang="es-CO">
+                    <a:noFill/>
+                  </a:rPr>
+                  <a:t> </a:t>
+                </a:r>
+              </a:p>
+            </p:txBody>
+          </p:sp>
+        </mc:Fallback>
+      </mc:AlternateContent>
+      <p:sp>
+        <p:nvSpPr>
+          <p:cNvPr id="3" name="Título 2">
+            <a:extLst>
+              <a:ext uri="{FF2B5EF4-FFF2-40B4-BE49-F238E27FC236}">
+                <a16:creationId xmlns:a16="http://schemas.microsoft.com/office/drawing/2014/main" id="{5DA68AA8-71CC-44C3-BE34-4520548865CD}"/>
+              </a:ext>
+            </a:extLst>
+          </p:cNvPr>
+          <p:cNvSpPr>
+            <a:spLocks noGrp="1"/>
+          </p:cNvSpPr>
+          <p:nvPr>
+            <p:ph type="title"/>
+          </p:nvPr>
+        </p:nvSpPr>
+        <p:spPr>
+          <a:xfrm>
+            <a:off x="687841" y="457517"/>
+            <a:ext cx="7694645" cy="979127"/>
+          </a:xfrm>
+        </p:spPr>
+        <p:txBody>
+          <a:bodyPr>
+            <a:noAutofit/>
+          </a:bodyPr>
+          <a:lstStyle/>
+          <a:p>
+            <a:pPr algn="l"/>
+            <a:r>
+              <a:rPr lang="es-CO" b="1" dirty="0">
+                <a:latin typeface="Century Gothic" panose="020B0502020202020204" pitchFamily="34" charset="0"/>
+              </a:rPr>
+              <a:t>Equities and ownership structure </a:t>
+            </a:r>
+          </a:p>
+        </p:txBody>
+      </p:sp>
+    </p:spTree>
+    <p:extLst>
+      <p:ext uri="{BB962C8B-B14F-4D97-AF65-F5344CB8AC3E}">
+        <p14:creationId xmlns:p14="http://schemas.microsoft.com/office/powerpoint/2010/main" val="151539734"/>
+      </p:ext>
+    </p:extLst>
+  </p:cSld>
+  <p:clrMapOvr>
+    <a:masterClrMapping/>
+  </p:clrMapOvr>
+</p:sld>
+</file>
+
+<file path=ppt/slides/slide14.xml><?xml version="1.0" encoding="utf-8"?>
+<p:sld xmlns:a="http://schemas.openxmlformats.org/drawingml/2006/main" xmlns:r="http://schemas.openxmlformats.org/officeDocument/2006/relationships" xmlns:p="http://schemas.openxmlformats.org/presentationml/2006/main">
+  <p:cSld>
+    <p:spTree>
+      <p:nvGrpSpPr>
+        <p:cNvPr id="1" name=""/>
+        <p:cNvGrpSpPr/>
+        <p:nvPr/>
+      </p:nvGrpSpPr>
+      <p:grpSpPr>
+        <a:xfrm>
+          <a:off x="0" y="0"/>
+          <a:ext cx="0" cy="0"/>
+          <a:chOff x="0" y="0"/>
+          <a:chExt cx="0" cy="0"/>
+        </a:xfrm>
+      </p:grpSpPr>
+      <mc:AlternateContent xmlns:mc="http://schemas.openxmlformats.org/markup-compatibility/2006" xmlns:a14="http://schemas.microsoft.com/office/drawing/2010/main">
+        <mc:Choice Requires="a14">
+          <p:sp>
+            <p:nvSpPr>
+              <p:cNvPr id="2" name="Marcador de contenido 1">
+                <a:extLst>
+                  <a:ext uri="{FF2B5EF4-FFF2-40B4-BE49-F238E27FC236}">
+                    <a16:creationId xmlns:a16="http://schemas.microsoft.com/office/drawing/2014/main" id="{1E76053E-E553-4C2C-919A-CE7A30FA73F9}"/>
+                  </a:ext>
+                </a:extLst>
+              </p:cNvPr>
+              <p:cNvSpPr>
+                <a:spLocks noGrp="1"/>
+              </p:cNvSpPr>
+              <p:nvPr>
+                <p:ph idx="1"/>
+              </p:nvPr>
+            </p:nvSpPr>
+            <p:spPr>
+              <a:xfrm>
+                <a:off x="687841" y="1845933"/>
+                <a:ext cx="10628026" cy="3927423"/>
+              </a:xfrm>
+            </p:spPr>
+            <p:txBody>
+              <a:bodyPr>
+                <a:noAutofit/>
+              </a:bodyPr>
+              <a:lstStyle/>
+              <a:p>
+                <a:pPr algn="just"/>
+                <a:r>
+                  <a:rPr lang="en-GB" sz="2000" dirty="0">
+                    <a:latin typeface="Century Gothic" panose="020B0502020202020204" pitchFamily="34" charset="0"/>
+                  </a:rPr>
+                  <a:t>Finally, the effective FDI will be equal to the value of the equities available to the rest of the world.</a:t>
+                </a:r>
+              </a:p>
+              <a:p>
+                <a:pPr marL="0" indent="0" algn="just">
+                  <a:buNone/>
+                </a:pPr>
+                <a:endParaRPr lang="en-GB" sz="2000" dirty="0">
+                  <a:latin typeface="Century Gothic" panose="020B0502020202020204" pitchFamily="34" charset="0"/>
+                </a:endParaRPr>
+              </a:p>
+              <a:p>
+                <a:pPr marL="0" indent="0" algn="just">
+                  <a:buNone/>
+                </a:pPr>
+                <a14:m>
+                  <m:oMathPara xmlns:m="http://schemas.openxmlformats.org/officeDocument/2006/math">
+                    <m:oMathParaPr>
+                      <m:jc m:val="centerGroup"/>
+                    </m:oMathParaPr>
+                    <m:oMath xmlns:m="http://schemas.openxmlformats.org/officeDocument/2006/math">
+                      <m:r>
+                        <a:rPr lang="es-ES" sz="1800" i="1" smtClean="0">
+                          <a:latin typeface="Cambria Math" panose="02040503050406030204" pitchFamily="18" charset="0"/>
+                          <a:ea typeface="Cambria Math" panose="02040503050406030204" pitchFamily="18" charset="0"/>
+                        </a:rPr>
+                        <m:t>𝐹</m:t>
+                      </m:r>
+                      <m:r>
+                        <a:rPr lang="es-ES" sz="1800" b="0" i="1" smtClean="0">
+                          <a:latin typeface="Cambria Math" panose="02040503050406030204" pitchFamily="18" charset="0"/>
+                          <a:ea typeface="Cambria Math" panose="02040503050406030204" pitchFamily="18" charset="0"/>
+                        </a:rPr>
+                        <m:t>𝐷</m:t>
+                      </m:r>
+                      <m:sSubSup>
+                        <m:sSubSupPr>
+                          <m:ctrlPr>
+                            <a:rPr lang="es-ES" sz="1800" b="0" i="1" smtClean="0">
+                              <a:latin typeface="Cambria Math" panose="02040503050406030204" pitchFamily="18" charset="0"/>
+                              <a:ea typeface="Cambria Math" panose="02040503050406030204" pitchFamily="18" charset="0"/>
+                            </a:rPr>
+                          </m:ctrlPr>
+                        </m:sSubSupPr>
+                        <m:e>
+                          <m:r>
+                            <a:rPr lang="es-ES" sz="1800" b="0" i="1" smtClean="0">
+                              <a:latin typeface="Cambria Math" panose="02040503050406030204" pitchFamily="18" charset="0"/>
+                              <a:ea typeface="Cambria Math" panose="02040503050406030204" pitchFamily="18" charset="0"/>
+                            </a:rPr>
+                            <m:t>𝐼</m:t>
+                          </m:r>
+                        </m:e>
+                        <m:sub>
+                          <m:r>
+                            <a:rPr lang="es-ES" sz="1800" b="0" i="1" smtClean="0">
+                              <a:latin typeface="Cambria Math" panose="02040503050406030204" pitchFamily="18" charset="0"/>
+                              <a:ea typeface="Cambria Math" panose="02040503050406030204" pitchFamily="18" charset="0"/>
+                            </a:rPr>
+                            <m:t>𝐹</m:t>
+                          </m:r>
+                        </m:sub>
+                        <m:sup>
+                          <m:r>
+                            <a:rPr lang="es-ES" sz="1800" b="0" i="1" smtClean="0">
+                              <a:latin typeface="Cambria Math" panose="02040503050406030204" pitchFamily="18" charset="0"/>
+                              <a:ea typeface="Cambria Math" panose="02040503050406030204" pitchFamily="18" charset="0"/>
+                            </a:rPr>
+                            <m:t>𝑒</m:t>
+                          </m:r>
+                        </m:sup>
+                      </m:sSubSup>
+                      <m:r>
+                        <a:rPr lang="en-GB" sz="1800" i="1">
+                          <a:latin typeface="Cambria Math" panose="02040503050406030204" pitchFamily="18" charset="0"/>
+                          <a:ea typeface="Cambria Math" panose="02040503050406030204" pitchFamily="18" charset="0"/>
+                        </a:rPr>
+                        <m:t>=</m:t>
+                      </m:r>
+                      <m:f>
+                        <m:fPr>
+                          <m:ctrlPr>
+                            <a:rPr lang="en-GB" sz="1800" i="1" smtClean="0">
+                              <a:latin typeface="Cambria Math" panose="02040503050406030204" pitchFamily="18" charset="0"/>
+                              <a:ea typeface="Cambria Math" panose="02040503050406030204" pitchFamily="18" charset="0"/>
+                            </a:rPr>
+                          </m:ctrlPr>
+                        </m:fPr>
+                        <m:num>
+                          <m:sSubSup>
+                            <m:sSubSupPr>
+                              <m:ctrlPr>
+                                <a:rPr lang="es-CO" sz="1800" i="1">
+                                  <a:latin typeface="Cambria Math" panose="02040503050406030204" pitchFamily="18" charset="0"/>
+                                  <a:ea typeface="Cambria Math" panose="02040503050406030204" pitchFamily="18" charset="0"/>
+                                </a:rPr>
+                              </m:ctrlPr>
+                            </m:sSubSupPr>
+                            <m:e>
+                              <m:sSub>
+                                <m:sSubPr>
+                                  <m:ctrlPr>
+                                    <a:rPr lang="es-ES" sz="1800" i="1">
+                                      <a:latin typeface="Cambria Math" panose="02040503050406030204" pitchFamily="18" charset="0"/>
+                                      <a:ea typeface="Cambria Math" panose="02040503050406030204" pitchFamily="18" charset="0"/>
+                                    </a:rPr>
+                                  </m:ctrlPr>
+                                </m:sSubPr>
+                                <m:e>
+                                  <m:r>
+                                    <a:rPr lang="es-ES" sz="1800" i="1">
+                                      <a:latin typeface="Cambria Math" panose="02040503050406030204" pitchFamily="18" charset="0"/>
+                                      <a:ea typeface="Cambria Math" panose="02040503050406030204" pitchFamily="18" charset="0"/>
+                                    </a:rPr>
+                                    <m:t>𝑃</m:t>
+                                  </m:r>
+                                </m:e>
+                                <m:sub>
+                                  <m:r>
+                                    <a:rPr lang="es-ES" sz="1800" i="1">
+                                      <a:latin typeface="Cambria Math" panose="02040503050406030204" pitchFamily="18" charset="0"/>
+                                      <a:ea typeface="Cambria Math" panose="02040503050406030204" pitchFamily="18" charset="0"/>
+                                    </a:rPr>
+                                    <m:t>𝐸</m:t>
+                                  </m:r>
+                                </m:sub>
+                              </m:sSub>
+                              <m:acc>
+                                <m:accPr>
+                                  <m:chr m:val="̇"/>
+                                  <m:ctrlPr>
+                                    <a:rPr lang="es-CO" sz="1800" i="1">
+                                      <a:latin typeface="Cambria Math" panose="02040503050406030204" pitchFamily="18" charset="0"/>
+                                      <a:ea typeface="Cambria Math" panose="02040503050406030204" pitchFamily="18" charset="0"/>
+                                    </a:rPr>
+                                  </m:ctrlPr>
+                                </m:accPr>
+                                <m:e>
+                                  <m:r>
+                                    <a:rPr lang="es-CO" sz="1800" i="1">
+                                      <a:latin typeface="Cambria Math" panose="02040503050406030204" pitchFamily="18" charset="0"/>
+                                      <a:ea typeface="Cambria Math" panose="02040503050406030204" pitchFamily="18" charset="0"/>
+                                    </a:rPr>
+                                    <m:t>𝐸𝑄</m:t>
+                                  </m:r>
+                                </m:e>
+                              </m:acc>
+                            </m:e>
+                            <m:sub>
+                              <m:r>
+                                <a:rPr lang="es-CO" sz="1800" i="1">
+                                  <a:latin typeface="Cambria Math" panose="02040503050406030204" pitchFamily="18" charset="0"/>
+                                  <a:ea typeface="Cambria Math" panose="02040503050406030204" pitchFamily="18" charset="0"/>
+                                </a:rPr>
+                                <m:t>𝐹</m:t>
+                              </m:r>
+                            </m:sub>
+                            <m:sup>
+                              <m:r>
+                                <a:rPr lang="es-ES" sz="1800" i="1">
+                                  <a:latin typeface="Cambria Math" panose="02040503050406030204" pitchFamily="18" charset="0"/>
+                                  <a:ea typeface="Cambria Math" panose="02040503050406030204" pitchFamily="18" charset="0"/>
+                                </a:rPr>
+                                <m:t>𝑅𝑂𝑊</m:t>
+                              </m:r>
+                              <m:r>
+                                <a:rPr lang="es-ES" sz="1800" i="1">
+                                  <a:latin typeface="Cambria Math" panose="02040503050406030204" pitchFamily="18" charset="0"/>
+                                  <a:ea typeface="Cambria Math" panose="02040503050406030204" pitchFamily="18" charset="0"/>
+                                </a:rPr>
+                                <m:t>, </m:t>
+                              </m:r>
+                              <m:r>
+                                <a:rPr lang="es-ES" sz="1800" i="1">
+                                  <a:latin typeface="Cambria Math" panose="02040503050406030204" pitchFamily="18" charset="0"/>
+                                  <a:ea typeface="Cambria Math" panose="02040503050406030204" pitchFamily="18" charset="0"/>
+                                </a:rPr>
+                                <m:t>𝑠</m:t>
+                              </m:r>
+                            </m:sup>
+                          </m:sSubSup>
+                        </m:num>
+                        <m:den>
+                          <m:sSub>
+                            <m:sSubPr>
+                              <m:ctrlPr>
+                                <a:rPr lang="es-ES" sz="1800" b="0" i="1" smtClean="0">
+                                  <a:latin typeface="Cambria Math" panose="02040503050406030204" pitchFamily="18" charset="0"/>
+                                  <a:ea typeface="Cambria Math" panose="02040503050406030204" pitchFamily="18" charset="0"/>
+                                </a:rPr>
+                              </m:ctrlPr>
+                            </m:sSubPr>
+                            <m:e>
+                              <m:r>
+                                <a:rPr lang="es-ES" sz="1800" b="0" i="1" smtClean="0">
+                                  <a:latin typeface="Cambria Math" panose="02040503050406030204" pitchFamily="18" charset="0"/>
+                                  <a:ea typeface="Cambria Math" panose="02040503050406030204" pitchFamily="18" charset="0"/>
+                                </a:rPr>
+                                <m:t>𝑒</m:t>
+                              </m:r>
+                            </m:e>
+                            <m:sub>
+                              <m:r>
+                                <a:rPr lang="es-ES" sz="1800" b="0" i="1" smtClean="0">
+                                  <a:latin typeface="Cambria Math" panose="02040503050406030204" pitchFamily="18" charset="0"/>
+                                  <a:ea typeface="Cambria Math" panose="02040503050406030204" pitchFamily="18" charset="0"/>
+                                </a:rPr>
+                                <m:t>𝑁</m:t>
+                              </m:r>
+                            </m:sub>
+                          </m:sSub>
+                        </m:den>
+                      </m:f>
+                      <m:r>
+                        <a:rPr lang="es-CO" sz="1800" i="1" smtClean="0">
+                          <a:latin typeface="Cambria Math" panose="02040503050406030204" pitchFamily="18" charset="0"/>
+                          <a:ea typeface="Cambria Math" panose="02040503050406030204" pitchFamily="18" charset="0"/>
+                        </a:rPr>
+                        <m:t> </m:t>
+                      </m:r>
+                      <m:r>
+                        <a:rPr lang="es-ES" sz="1800" b="0" i="1" smtClean="0">
+                          <a:latin typeface="Cambria Math" panose="02040503050406030204" pitchFamily="18" charset="0"/>
+                          <a:ea typeface="Cambria Math" panose="02040503050406030204" pitchFamily="18" charset="0"/>
+                        </a:rPr>
+                        <m:t>(23)</m:t>
+                      </m:r>
+                    </m:oMath>
+                  </m:oMathPara>
+                </a14:m>
+                <a:endParaRPr lang="es-CO" sz="1800" dirty="0">
+                  <a:latin typeface="Cambria Math" panose="02040503050406030204" pitchFamily="18" charset="0"/>
+                  <a:ea typeface="Cambria Math" panose="02040503050406030204" pitchFamily="18" charset="0"/>
+                </a:endParaRPr>
+              </a:p>
+              <a:p>
+                <a:pPr marL="0" indent="0" algn="just">
+                  <a:buNone/>
+                </a:pPr>
+                <a:endParaRPr lang="es-ES" sz="1800" i="1" dirty="0"/>
+              </a:p>
+              <a:p>
+                <a:pPr algn="just"/>
+                <a:r>
+                  <a:rPr lang="es-ES" sz="1800" i="1" dirty="0" err="1">
+                    <a:latin typeface="Century Gothic" panose="020B0502020202020204" pitchFamily="34" charset="0"/>
+                  </a:rPr>
+                  <a:t>The</a:t>
+                </a:r>
+                <a:r>
+                  <a:rPr lang="es-ES" sz="1800" i="1" dirty="0">
+                    <a:latin typeface="Century Gothic" panose="020B0502020202020204" pitchFamily="34" charset="0"/>
+                  </a:rPr>
+                  <a:t> </a:t>
+                </a:r>
+                <a:r>
+                  <a:rPr lang="es-ES" sz="1800" i="1" dirty="0" err="1">
+                    <a:latin typeface="Century Gothic" panose="020B0502020202020204" pitchFamily="34" charset="0"/>
+                  </a:rPr>
+                  <a:t>difference</a:t>
+                </a:r>
+                <a:r>
+                  <a:rPr lang="es-ES" sz="1800" i="1" dirty="0">
+                    <a:latin typeface="Century Gothic" panose="020B0502020202020204" pitchFamily="34" charset="0"/>
+                  </a:rPr>
+                  <a:t> </a:t>
+                </a:r>
+                <a:r>
+                  <a:rPr lang="es-ES" sz="1800" i="1" dirty="0" err="1">
+                    <a:latin typeface="Century Gothic" panose="020B0502020202020204" pitchFamily="34" charset="0"/>
+                  </a:rPr>
+                  <a:t>between</a:t>
+                </a:r>
+                <a:r>
+                  <a:rPr lang="es-ES" sz="1800" i="1" dirty="0">
+                    <a:latin typeface="Century Gothic" panose="020B0502020202020204" pitchFamily="34" charset="0"/>
+                  </a:rPr>
+                  <a:t> </a:t>
+                </a:r>
+                <a:r>
+                  <a:rPr lang="es-ES" sz="1800" i="1" dirty="0" err="1">
+                    <a:latin typeface="Century Gothic" panose="020B0502020202020204" pitchFamily="34" charset="0"/>
+                  </a:rPr>
+                  <a:t>the</a:t>
+                </a:r>
+                <a:r>
+                  <a:rPr lang="es-ES" sz="1800" i="1" dirty="0">
+                    <a:latin typeface="Century Gothic" panose="020B0502020202020204" pitchFamily="34" charset="0"/>
+                  </a:rPr>
+                  <a:t> </a:t>
+                </a:r>
+                <a:r>
+                  <a:rPr lang="es-ES" sz="1800" i="1" dirty="0" err="1">
+                    <a:latin typeface="Century Gothic" panose="020B0502020202020204" pitchFamily="34" charset="0"/>
+                  </a:rPr>
+                  <a:t>effective</a:t>
+                </a:r>
+                <a:r>
+                  <a:rPr lang="es-ES" sz="1800" i="1" dirty="0">
+                    <a:latin typeface="Century Gothic" panose="020B0502020202020204" pitchFamily="34" charset="0"/>
+                  </a:rPr>
+                  <a:t> and </a:t>
+                </a:r>
+                <a:r>
+                  <a:rPr lang="es-ES" sz="1800" i="1" dirty="0" err="1">
+                    <a:latin typeface="Century Gothic" panose="020B0502020202020204" pitchFamily="34" charset="0"/>
+                  </a:rPr>
+                  <a:t>desired</a:t>
+                </a:r>
+                <a:r>
+                  <a:rPr lang="es-ES" sz="1800" i="1" dirty="0">
+                    <a:latin typeface="Century Gothic" panose="020B0502020202020204" pitchFamily="34" charset="0"/>
+                  </a:rPr>
+                  <a:t> FDI </a:t>
+                </a:r>
+                <a:r>
+                  <a:rPr lang="es-ES" sz="1800" i="1" dirty="0" err="1">
+                    <a:latin typeface="Century Gothic" panose="020B0502020202020204" pitchFamily="34" charset="0"/>
+                  </a:rPr>
+                  <a:t>will</a:t>
+                </a:r>
+                <a:r>
+                  <a:rPr lang="es-ES" sz="1800" i="1" dirty="0">
+                    <a:latin typeface="Century Gothic" panose="020B0502020202020204" pitchFamily="34" charset="0"/>
+                  </a:rPr>
+                  <a:t> be </a:t>
+                </a:r>
+                <a:r>
+                  <a:rPr lang="es-ES" sz="1800" i="1" dirty="0" err="1">
+                    <a:latin typeface="Century Gothic" panose="020B0502020202020204" pitchFamily="34" charset="0"/>
+                  </a:rPr>
+                  <a:t>equivalent</a:t>
+                </a:r>
+                <a:r>
+                  <a:rPr lang="es-ES" sz="1800" i="1" dirty="0">
+                    <a:latin typeface="Century Gothic" panose="020B0502020202020204" pitchFamily="34" charset="0"/>
+                  </a:rPr>
+                  <a:t> to </a:t>
+                </a:r>
+                <a:r>
+                  <a:rPr lang="es-ES" sz="1800" i="1" dirty="0" err="1">
+                    <a:latin typeface="Century Gothic" panose="020B0502020202020204" pitchFamily="34" charset="0"/>
+                  </a:rPr>
+                  <a:t>the</a:t>
+                </a:r>
+                <a:r>
+                  <a:rPr lang="es-ES" sz="1800" i="1" dirty="0">
+                    <a:latin typeface="Century Gothic" panose="020B0502020202020204" pitchFamily="34" charset="0"/>
+                  </a:rPr>
+                  <a:t> </a:t>
+                </a:r>
+                <a:r>
+                  <a:rPr lang="es-ES" sz="1800" i="1" dirty="0" err="1">
+                    <a:latin typeface="Century Gothic" panose="020B0502020202020204" pitchFamily="34" charset="0"/>
+                  </a:rPr>
+                  <a:t>variation</a:t>
+                </a:r>
+                <a:r>
+                  <a:rPr lang="es-ES" sz="1800" i="1" dirty="0">
+                    <a:latin typeface="Century Gothic" panose="020B0502020202020204" pitchFamily="34" charset="0"/>
+                  </a:rPr>
+                  <a:t> of </a:t>
+                </a:r>
+                <a:r>
+                  <a:rPr lang="es-ES" sz="1800" i="1" dirty="0" err="1">
+                    <a:latin typeface="Century Gothic" panose="020B0502020202020204" pitchFamily="34" charset="0"/>
+                  </a:rPr>
+                  <a:t>deposits</a:t>
+                </a:r>
+                <a:r>
+                  <a:rPr lang="es-ES" sz="1800" i="1" dirty="0">
+                    <a:latin typeface="Century Gothic" panose="020B0502020202020204" pitchFamily="34" charset="0"/>
+                  </a:rPr>
+                  <a:t> </a:t>
+                </a:r>
+                <a:r>
+                  <a:rPr lang="es-ES" sz="1800" i="1" dirty="0" err="1">
+                    <a:latin typeface="Century Gothic" panose="020B0502020202020204" pitchFamily="34" charset="0"/>
+                  </a:rPr>
+                  <a:t>from</a:t>
+                </a:r>
+                <a:r>
+                  <a:rPr lang="es-ES" sz="1800" i="1" dirty="0">
+                    <a:latin typeface="Century Gothic" panose="020B0502020202020204" pitchFamily="34" charset="0"/>
+                  </a:rPr>
+                  <a:t> </a:t>
+                </a:r>
+                <a:r>
+                  <a:rPr lang="es-ES" sz="1800" i="1" dirty="0" err="1">
+                    <a:latin typeface="Century Gothic" panose="020B0502020202020204" pitchFamily="34" charset="0"/>
+                  </a:rPr>
+                  <a:t>the</a:t>
+                </a:r>
+                <a:r>
+                  <a:rPr lang="es-ES" sz="1800" i="1" dirty="0">
+                    <a:latin typeface="Century Gothic" panose="020B0502020202020204" pitchFamily="34" charset="0"/>
+                  </a:rPr>
+                  <a:t> </a:t>
+                </a:r>
+                <a:r>
+                  <a:rPr lang="es-ES" sz="1800" i="1" dirty="0" err="1">
+                    <a:latin typeface="Century Gothic" panose="020B0502020202020204" pitchFamily="34" charset="0"/>
+                  </a:rPr>
+                  <a:t>rest</a:t>
+                </a:r>
+                <a:r>
+                  <a:rPr lang="es-ES" sz="1800" i="1" dirty="0">
+                    <a:latin typeface="Century Gothic" panose="020B0502020202020204" pitchFamily="34" charset="0"/>
+                  </a:rPr>
+                  <a:t> of </a:t>
+                </a:r>
+                <a:r>
+                  <a:rPr lang="es-ES" sz="1800" i="1" dirty="0" err="1">
+                    <a:latin typeface="Century Gothic" panose="020B0502020202020204" pitchFamily="34" charset="0"/>
+                  </a:rPr>
+                  <a:t>the</a:t>
+                </a:r>
+                <a:r>
+                  <a:rPr lang="es-ES" sz="1800" i="1" dirty="0">
+                    <a:latin typeface="Century Gothic" panose="020B0502020202020204" pitchFamily="34" charset="0"/>
+                  </a:rPr>
+                  <a:t> </a:t>
+                </a:r>
+                <a:r>
+                  <a:rPr lang="es-ES" sz="1800" i="1" dirty="0" err="1">
+                    <a:latin typeface="Century Gothic" panose="020B0502020202020204" pitchFamily="34" charset="0"/>
+                  </a:rPr>
+                  <a:t>world</a:t>
+                </a:r>
+                <a:r>
+                  <a:rPr lang="es-ES" sz="1800" i="1" dirty="0">
+                    <a:latin typeface="Century Gothic" panose="020B0502020202020204" pitchFamily="34" charset="0"/>
+                  </a:rPr>
+                  <a:t> in </a:t>
+                </a:r>
+                <a:r>
+                  <a:rPr lang="es-ES" sz="1800" i="1" dirty="0" err="1">
+                    <a:latin typeface="Century Gothic" panose="020B0502020202020204" pitchFamily="34" charset="0"/>
+                  </a:rPr>
+                  <a:t>domestic</a:t>
+                </a:r>
+                <a:r>
+                  <a:rPr lang="es-ES" sz="1800" i="1" dirty="0">
+                    <a:latin typeface="Century Gothic" panose="020B0502020202020204" pitchFamily="34" charset="0"/>
+                  </a:rPr>
+                  <a:t> Banks</a:t>
+                </a:r>
+              </a:p>
+              <a:p>
+                <a:pPr algn="just"/>
+                <a:endParaRPr lang="es-ES" sz="1800" i="1" dirty="0">
+                  <a:latin typeface="Century Gothic" panose="020B0502020202020204" pitchFamily="34" charset="0"/>
+                </a:endParaRPr>
+              </a:p>
+              <a:p>
+                <a:pPr marL="0" indent="0" algn="just">
+                  <a:buNone/>
+                </a:pPr>
+                <a14:m>
+                  <m:oMathPara xmlns:m="http://schemas.openxmlformats.org/officeDocument/2006/math">
+                    <m:oMathParaPr>
+                      <m:jc m:val="centerGroup"/>
+                    </m:oMathParaPr>
+                    <m:oMath xmlns:m="http://schemas.openxmlformats.org/officeDocument/2006/math">
+                      <m:acc>
+                        <m:accPr>
+                          <m:chr m:val="̇"/>
+                          <m:ctrlPr>
+                            <a:rPr lang="es-ES" sz="1800" b="0" i="1" smtClean="0">
+                              <a:latin typeface="Cambria Math" panose="02040503050406030204" pitchFamily="18" charset="0"/>
+                              <a:ea typeface="Cambria Math" panose="02040503050406030204" pitchFamily="18" charset="0"/>
+                            </a:rPr>
+                          </m:ctrlPr>
+                        </m:accPr>
+                        <m:e>
+                          <m:sSup>
+                            <m:sSupPr>
+                              <m:ctrlPr>
+                                <a:rPr lang="es-ES" sz="1800" i="1">
+                                  <a:latin typeface="Cambria Math" panose="02040503050406030204" pitchFamily="18" charset="0"/>
+                                  <a:ea typeface="Cambria Math" panose="02040503050406030204" pitchFamily="18" charset="0"/>
+                                </a:rPr>
+                              </m:ctrlPr>
+                            </m:sSupPr>
+                            <m:e>
+                              <m:r>
+                                <a:rPr lang="es-ES" sz="1800" i="1">
+                                  <a:latin typeface="Cambria Math" panose="02040503050406030204" pitchFamily="18" charset="0"/>
+                                  <a:ea typeface="Cambria Math" panose="02040503050406030204" pitchFamily="18" charset="0"/>
+                                </a:rPr>
+                                <m:t>𝐷</m:t>
+                              </m:r>
+                            </m:e>
+                            <m:sup>
+                              <m:r>
+                                <a:rPr lang="es-ES" sz="1800" i="1">
+                                  <a:latin typeface="Cambria Math" panose="02040503050406030204" pitchFamily="18" charset="0"/>
+                                  <a:ea typeface="Cambria Math" panose="02040503050406030204" pitchFamily="18" charset="0"/>
+                                </a:rPr>
+                                <m:t>𝑅𝑂𝑊</m:t>
+                              </m:r>
+                            </m:sup>
+                          </m:sSup>
+                        </m:e>
+                      </m:acc>
+                      <m:r>
+                        <a:rPr lang="es-ES" sz="1800" b="0" i="1" smtClean="0">
+                          <a:latin typeface="Cambria Math" panose="02040503050406030204" pitchFamily="18" charset="0"/>
+                          <a:ea typeface="Cambria Math" panose="02040503050406030204" pitchFamily="18" charset="0"/>
+                        </a:rPr>
+                        <m:t>=</m:t>
+                      </m:r>
+                      <m:r>
+                        <a:rPr lang="es-ES" sz="1800" i="1">
+                          <a:latin typeface="Cambria Math" panose="02040503050406030204" pitchFamily="18" charset="0"/>
+                          <a:ea typeface="Cambria Math" panose="02040503050406030204" pitchFamily="18" charset="0"/>
+                        </a:rPr>
+                        <m:t>𝐹𝐷</m:t>
+                      </m:r>
+                      <m:sSubSup>
+                        <m:sSubSupPr>
+                          <m:ctrlPr>
+                            <a:rPr lang="es-ES" sz="1800" i="1">
+                              <a:latin typeface="Cambria Math" panose="02040503050406030204" pitchFamily="18" charset="0"/>
+                              <a:ea typeface="Cambria Math" panose="02040503050406030204" pitchFamily="18" charset="0"/>
+                            </a:rPr>
+                          </m:ctrlPr>
+                        </m:sSubSupPr>
+                        <m:e>
+                          <m:r>
+                            <a:rPr lang="es-ES" sz="1800" i="1">
+                              <a:latin typeface="Cambria Math" panose="02040503050406030204" pitchFamily="18" charset="0"/>
+                              <a:ea typeface="Cambria Math" panose="02040503050406030204" pitchFamily="18" charset="0"/>
+                            </a:rPr>
+                            <m:t>𝐼</m:t>
+                          </m:r>
+                        </m:e>
+                        <m:sub>
+                          <m:r>
+                            <a:rPr lang="es-ES" sz="1800" i="1">
+                              <a:latin typeface="Cambria Math" panose="02040503050406030204" pitchFamily="18" charset="0"/>
+                              <a:ea typeface="Cambria Math" panose="02040503050406030204" pitchFamily="18" charset="0"/>
+                            </a:rPr>
+                            <m:t>𝐹</m:t>
+                          </m:r>
+                        </m:sub>
+                        <m:sup>
+                          <m:r>
+                            <a:rPr lang="es-ES" sz="1800" i="1">
+                              <a:latin typeface="Cambria Math" panose="02040503050406030204" pitchFamily="18" charset="0"/>
+                              <a:ea typeface="Cambria Math" panose="02040503050406030204" pitchFamily="18" charset="0"/>
+                            </a:rPr>
+                            <m:t>𝑒</m:t>
+                          </m:r>
+                        </m:sup>
+                      </m:sSubSup>
+                      <m:r>
+                        <a:rPr lang="es-ES" sz="1800" b="0" i="1" smtClean="0">
+                          <a:latin typeface="Cambria Math" panose="02040503050406030204" pitchFamily="18" charset="0"/>
+                          <a:ea typeface="Cambria Math" panose="02040503050406030204" pitchFamily="18" charset="0"/>
+                        </a:rPr>
+                        <m:t>−</m:t>
+                      </m:r>
+                      <m:r>
+                        <a:rPr lang="es-ES" sz="1800" i="1">
+                          <a:latin typeface="Cambria Math" panose="02040503050406030204" pitchFamily="18" charset="0"/>
+                          <a:ea typeface="Cambria Math" panose="02040503050406030204" pitchFamily="18" charset="0"/>
+                        </a:rPr>
+                        <m:t>𝐹𝐷</m:t>
+                      </m:r>
+                      <m:sSubSup>
+                        <m:sSubSupPr>
+                          <m:ctrlPr>
+                            <a:rPr lang="es-ES" sz="1800" i="1">
+                              <a:latin typeface="Cambria Math" panose="02040503050406030204" pitchFamily="18" charset="0"/>
+                              <a:ea typeface="Cambria Math" panose="02040503050406030204" pitchFamily="18" charset="0"/>
+                            </a:rPr>
+                          </m:ctrlPr>
+                        </m:sSubSupPr>
+                        <m:e>
+                          <m:r>
+                            <a:rPr lang="es-ES" sz="1800" i="1">
+                              <a:latin typeface="Cambria Math" panose="02040503050406030204" pitchFamily="18" charset="0"/>
+                              <a:ea typeface="Cambria Math" panose="02040503050406030204" pitchFamily="18" charset="0"/>
+                            </a:rPr>
+                            <m:t>𝐼</m:t>
+                          </m:r>
+                        </m:e>
+                        <m:sub>
+                          <m:r>
+                            <a:rPr lang="es-ES" sz="1800" i="1">
+                              <a:latin typeface="Cambria Math" panose="02040503050406030204" pitchFamily="18" charset="0"/>
+                              <a:ea typeface="Cambria Math" panose="02040503050406030204" pitchFamily="18" charset="0"/>
+                            </a:rPr>
+                            <m:t>𝐹</m:t>
+                          </m:r>
+                        </m:sub>
+                        <m:sup>
+                          <m:r>
+                            <a:rPr lang="es-ES" sz="1800" b="0" i="1" smtClean="0">
+                              <a:latin typeface="Cambria Math" panose="02040503050406030204" pitchFamily="18" charset="0"/>
+                              <a:ea typeface="Cambria Math" panose="02040503050406030204" pitchFamily="18" charset="0"/>
+                            </a:rPr>
+                            <m:t>𝑑</m:t>
+                          </m:r>
+                        </m:sup>
+                      </m:sSubSup>
+                      <m:r>
+                        <a:rPr lang="es-ES" sz="1800" b="0" i="1" smtClean="0">
+                          <a:latin typeface="Cambria Math" panose="02040503050406030204" pitchFamily="18" charset="0"/>
+                          <a:ea typeface="Cambria Math" panose="02040503050406030204" pitchFamily="18" charset="0"/>
+                        </a:rPr>
+                        <m:t>(24)</m:t>
+                      </m:r>
+                    </m:oMath>
+                  </m:oMathPara>
+                </a14:m>
+                <a:endParaRPr lang="es-ES" sz="1800" i="1" dirty="0">
+                  <a:latin typeface="Century Gothic" panose="020B0502020202020204" pitchFamily="34" charset="0"/>
+                </a:endParaRPr>
+              </a:p>
+            </p:txBody>
+          </p:sp>
+        </mc:Choice>
+        <mc:Fallback xmlns="">
+          <p:sp>
+            <p:nvSpPr>
+              <p:cNvPr id="2" name="Marcador de contenido 1">
+                <a:extLst>
+                  <a:ext uri="{FF2B5EF4-FFF2-40B4-BE49-F238E27FC236}">
+                    <a16:creationId xmlns:a16="http://schemas.microsoft.com/office/drawing/2014/main" id="{1E76053E-E553-4C2C-919A-CE7A30FA73F9}"/>
+                  </a:ext>
+                </a:extLst>
+              </p:cNvPr>
+              <p:cNvSpPr>
+                <a:spLocks noGrp="1" noRot="1" noChangeAspect="1" noMove="1" noResize="1" noEditPoints="1" noAdjustHandles="1" noChangeArrowheads="1" noChangeShapeType="1" noTextEdit="1"/>
+              </p:cNvSpPr>
+              <p:nvPr>
+                <p:ph idx="1"/>
+              </p:nvPr>
+            </p:nvSpPr>
+            <p:spPr>
+              <a:xfrm>
+                <a:off x="687841" y="1845933"/>
+                <a:ext cx="10628026" cy="3927423"/>
+              </a:xfrm>
+              <a:blipFill>
+                <a:blip r:embed="rId2"/>
+                <a:stretch>
+                  <a:fillRect l="-597" t="-968" r="-717"/>
+                </a:stretch>
+              </a:blipFill>
+            </p:spPr>
+            <p:txBody>
+              <a:bodyPr/>
+              <a:lstStyle/>
+              <a:p>
+                <a:r>
+                  <a:rPr lang="es-CO">
+                    <a:noFill/>
+                  </a:rPr>
+                  <a:t> </a:t>
+                </a:r>
+              </a:p>
+            </p:txBody>
+          </p:sp>
+        </mc:Fallback>
+      </mc:AlternateContent>
+      <p:sp>
+        <p:nvSpPr>
+          <p:cNvPr id="3" name="Título 2">
+            <a:extLst>
+              <a:ext uri="{FF2B5EF4-FFF2-40B4-BE49-F238E27FC236}">
+                <a16:creationId xmlns:a16="http://schemas.microsoft.com/office/drawing/2014/main" id="{5DA68AA8-71CC-44C3-BE34-4520548865CD}"/>
+              </a:ext>
+            </a:extLst>
+          </p:cNvPr>
+          <p:cNvSpPr>
+            <a:spLocks noGrp="1"/>
+          </p:cNvSpPr>
+          <p:nvPr>
+            <p:ph type="title"/>
+          </p:nvPr>
+        </p:nvSpPr>
+        <p:spPr>
+          <a:xfrm>
+            <a:off x="687841" y="457517"/>
+            <a:ext cx="7694645" cy="979127"/>
+          </a:xfrm>
+        </p:spPr>
+        <p:txBody>
+          <a:bodyPr>
+            <a:noAutofit/>
+          </a:bodyPr>
+          <a:lstStyle/>
+          <a:p>
+            <a:pPr algn="l"/>
+            <a:r>
+              <a:rPr lang="es-CO" b="1" dirty="0">
+                <a:latin typeface="Century Gothic" panose="020B0502020202020204" pitchFamily="34" charset="0"/>
+              </a:rPr>
+              <a:t>Equities and ownership structure </a:t>
+            </a:r>
+          </a:p>
+        </p:txBody>
+      </p:sp>
+    </p:spTree>
+    <p:extLst>
+      <p:ext uri="{BB962C8B-B14F-4D97-AF65-F5344CB8AC3E}">
+        <p14:creationId xmlns:p14="http://schemas.microsoft.com/office/powerpoint/2010/main" val="2507292676"/>
+      </p:ext>
+    </p:extLst>
+  </p:cSld>
+  <p:clrMapOvr>
+    <a:masterClrMapping/>
+  </p:clrMapOvr>
+</p:sld>
+</file>
+
+<file path=ppt/slides/slide15.xml><?xml version="1.0" encoding="utf-8"?>
+<p:sld xmlns:a="http://schemas.openxmlformats.org/drawingml/2006/main" xmlns:r="http://schemas.openxmlformats.org/officeDocument/2006/relationships" xmlns:p="http://schemas.openxmlformats.org/presentationml/2006/main">
+  <p:cSld>
+    <p:spTree>
+      <p:nvGrpSpPr>
+        <p:cNvPr id="1" name=""/>
+        <p:cNvGrpSpPr/>
+        <p:nvPr/>
+      </p:nvGrpSpPr>
+      <p:grpSpPr>
+        <a:xfrm>
+          <a:off x="0" y="0"/>
+          <a:ext cx="0" cy="0"/>
+          <a:chOff x="0" y="0"/>
+          <a:chExt cx="0" cy="0"/>
+        </a:xfrm>
+      </p:grpSpPr>
+      <p:sp>
+        <p:nvSpPr>
+          <p:cNvPr id="3" name="Título 2">
+            <a:extLst>
+              <a:ext uri="{FF2B5EF4-FFF2-40B4-BE49-F238E27FC236}">
+                <a16:creationId xmlns:a16="http://schemas.microsoft.com/office/drawing/2014/main" id="{5DA68AA8-71CC-44C3-BE34-4520548865CD}"/>
+              </a:ext>
+            </a:extLst>
+          </p:cNvPr>
+          <p:cNvSpPr>
+            <a:spLocks noGrp="1"/>
+          </p:cNvSpPr>
+          <p:nvPr>
+            <p:ph type="title"/>
+          </p:nvPr>
+        </p:nvSpPr>
+        <p:spPr>
+          <a:xfrm>
+            <a:off x="687841" y="457517"/>
+            <a:ext cx="7694645" cy="979127"/>
+          </a:xfrm>
+        </p:spPr>
+        <p:txBody>
+          <a:bodyPr>
+            <a:noAutofit/>
+          </a:bodyPr>
+          <a:lstStyle/>
+          <a:p>
+            <a:pPr algn="l"/>
+            <a:r>
+              <a:rPr lang="es-CO" b="1" dirty="0">
+                <a:latin typeface="Century Gothic" panose="020B0502020202020204" pitchFamily="34" charset="0"/>
+              </a:rPr>
+              <a:t>Outstanding issues</a:t>
+            </a:r>
+          </a:p>
+        </p:txBody>
+      </p:sp>
+      <p:sp>
+        <p:nvSpPr>
+          <p:cNvPr id="6" name="Marcador de contenido 1">
+            <a:extLst>
+              <a:ext uri="{FF2B5EF4-FFF2-40B4-BE49-F238E27FC236}">
+                <a16:creationId xmlns:a16="http://schemas.microsoft.com/office/drawing/2014/main" id="{218A62F6-6A87-AE43-956E-048CDA756C2E}"/>
+              </a:ext>
+            </a:extLst>
+          </p:cNvPr>
+          <p:cNvSpPr>
+            <a:spLocks noGrp="1"/>
+          </p:cNvSpPr>
+          <p:nvPr>
+            <p:ph idx="1"/>
+          </p:nvPr>
+        </p:nvSpPr>
+        <p:spPr>
+          <a:xfrm>
+            <a:off x="687841" y="1845933"/>
+            <a:ext cx="10628026" cy="3927423"/>
+          </a:xfrm>
+        </p:spPr>
+        <p:txBody>
+          <a:bodyPr>
+            <a:noAutofit/>
+          </a:bodyPr>
+          <a:lstStyle/>
+          <a:p>
+            <a:pPr algn="just"/>
+            <a:r>
+              <a:rPr lang="en-GB" sz="2000" dirty="0">
+                <a:latin typeface="Century Gothic" panose="020B0502020202020204" pitchFamily="34" charset="0"/>
+              </a:rPr>
+              <a:t>Distribution between Greenfield and non greenfield FDI aimed at the firm </a:t>
+            </a:r>
+          </a:p>
+          <a:p>
+            <a:pPr algn="just"/>
+            <a:endParaRPr lang="en-GB" sz="2000" dirty="0">
+              <a:latin typeface="Century Gothic" panose="020B0502020202020204" pitchFamily="34" charset="0"/>
+            </a:endParaRPr>
+          </a:p>
+          <a:p>
+            <a:pPr algn="just"/>
+            <a:r>
+              <a:rPr lang="en-GB" sz="2000" dirty="0">
+                <a:latin typeface="Century Gothic" panose="020B0502020202020204" pitchFamily="34" charset="0"/>
+              </a:rPr>
+              <a:t>Define the ownership structure of the banks, although we consider that it can be very similar to that of the firms.</a:t>
+            </a:r>
+          </a:p>
+          <a:p>
+            <a:pPr algn="just"/>
+            <a:endParaRPr lang="en-GB" sz="2000" dirty="0">
+              <a:latin typeface="Century Gothic" panose="020B0502020202020204" pitchFamily="34" charset="0"/>
+            </a:endParaRPr>
+          </a:p>
+          <a:p>
+            <a:pPr algn="just"/>
+            <a:r>
+              <a:rPr lang="en-GB" sz="2000" dirty="0">
+                <a:latin typeface="Century Gothic" panose="020B0502020202020204" pitchFamily="34" charset="0"/>
+              </a:rPr>
+              <a:t>Define the arbitration between FDI directed to firms and that directed to banks</a:t>
+            </a:r>
+          </a:p>
+        </p:txBody>
+      </p:sp>
+    </p:spTree>
+    <p:extLst>
+      <p:ext uri="{BB962C8B-B14F-4D97-AF65-F5344CB8AC3E}">
+        <p14:creationId xmlns:p14="http://schemas.microsoft.com/office/powerpoint/2010/main" val="2226128863"/>
+      </p:ext>
+    </p:extLst>
+  </p:cSld>
+  <p:clrMapOvr>
+    <a:masterClrMapping/>
+  </p:clrMapOvr>
+</p:sld>
+</file>
+
+<file path=ppt/slides/slide16.xml><?xml version="1.0" encoding="utf-8"?>
+<p:sld xmlns:a="http://schemas.openxmlformats.org/drawingml/2006/main" xmlns:r="http://schemas.openxmlformats.org/officeDocument/2006/relationships" xmlns:p="http://schemas.openxmlformats.org/presentationml/2006/main">
+  <p:cSld>
+    <p:spTree>
+      <p:nvGrpSpPr>
+        <p:cNvPr id="1" name=""/>
+        <p:cNvGrpSpPr/>
+        <p:nvPr/>
+      </p:nvGrpSpPr>
+      <p:grpSpPr>
+        <a:xfrm>
+          <a:off x="0" y="0"/>
+          <a:ext cx="0" cy="0"/>
+          <a:chOff x="0" y="0"/>
+          <a:chExt cx="0" cy="0"/>
+        </a:xfrm>
+      </p:grpSpPr>
       <p:pic>
         <p:nvPicPr>
-          <p:cNvPr id="8" name="Marcador de contenido 7">
+          <p:cNvPr id="7" name="Imagen 6">
             <a:extLst>
               <a:ext uri="{FF2B5EF4-FFF2-40B4-BE49-F238E27FC236}">
-                <a16:creationId xmlns:a16="http://schemas.microsoft.com/office/drawing/2014/main" id="{71FA55C1-9DA3-4EFB-A177-365ED7222DD4}"/>
+                <a16:creationId xmlns:a16="http://schemas.microsoft.com/office/drawing/2014/main" id="{B2E8C7C1-ECFA-1945-A8C4-98982C752813}"/>
               </a:ext>
             </a:extLst>
           </p:cNvPr>
           <p:cNvPicPr>
-            <a:picLocks noGrp="1" noChangeAspect="1"/>
+            <a:picLocks noChangeAspect="1"/>
           </p:cNvPicPr>
-          <p:nvPr>
-            <p:ph idx="1"/>
-          </p:nvPr>
+          <p:nvPr/>
         </p:nvPicPr>
-        <p:blipFill rotWithShape="1">
+        <p:blipFill>
           <a:blip r:embed="rId2"/>
-          <a:srcRect l="2356" t="11507" r="34613" b="9345"/>
-          <a:stretch/>
+          <a:stretch>
+            <a:fillRect/>
+          </a:stretch>
         </p:blipFill>
         <p:spPr>
           <a:xfrm>
-            <a:off x="776958" y="372046"/>
-            <a:ext cx="10510886" cy="5486399"/>
+            <a:off x="0" y="888273"/>
+            <a:ext cx="11900263" cy="5373189"/>
           </a:xfrm>
+          <a:prstGeom prst="rect">
+            <a:avLst/>
+          </a:prstGeom>
         </p:spPr>
       </p:pic>
     </p:spTree>
@@ -2986,7 +5322,7 @@
 </p:sld>
 </file>
 
-<file path=ppt/slides/slide12.xml><?xml version="1.0" encoding="utf-8"?>
+<file path=ppt/slides/slide17.xml><?xml version="1.0" encoding="utf-8"?>
 <p:sld xmlns:a="http://schemas.openxmlformats.org/drawingml/2006/main" xmlns:r="http://schemas.openxmlformats.org/officeDocument/2006/relationships" xmlns:p="http://schemas.openxmlformats.org/presentationml/2006/main">
   <p:cSld>
     <p:spTree>
@@ -3040,7 +5376,7 @@
         <p:spPr/>
         <p:txBody>
           <a:bodyPr>
-            <a:normAutofit fontScale="85000" lnSpcReduction="10000"/>
+            <a:normAutofit fontScale="70000" lnSpcReduction="20000"/>
           </a:bodyPr>
           <a:lstStyle/>
           <a:p>
@@ -3048,781 +5384,10 @@
               <a:buNone/>
             </a:pPr>
             <a:r>
-              <a:rPr lang="en-US" sz="2000" b="0" i="0" dirty="0">
-                <a:solidFill>
-                  <a:srgbClr val="333333"/>
-                </a:solidFill>
-                <a:effectLst/>
+              <a:rPr lang="es-CO" sz="1800" dirty="0">
                 <a:latin typeface="Century Gothic" panose="020B0502020202020204" pitchFamily="34" charset="0"/>
               </a:rPr>
-              <a:t>   </a:t>
-            </a:r>
-            <a:r>
-              <a:rPr lang="en-US" sz="2000" b="0" i="0" dirty="0" err="1">
-                <a:solidFill>
-                  <a:srgbClr val="333333"/>
-                </a:solidFill>
-                <a:effectLst/>
-                <a:latin typeface="Century Gothic" panose="020B0502020202020204" pitchFamily="34" charset="0"/>
-              </a:rPr>
-              <a:t>Bhaduri</a:t>
-            </a:r>
-            <a:r>
-              <a:rPr lang="en-US" sz="2000" b="0" i="0" dirty="0">
-                <a:solidFill>
-                  <a:srgbClr val="333333"/>
-                </a:solidFill>
-                <a:effectLst/>
-                <a:latin typeface="Century Gothic" panose="020B0502020202020204" pitchFamily="34" charset="0"/>
-              </a:rPr>
-              <a:t>, Amit &amp; </a:t>
-            </a:r>
-            <a:r>
-              <a:rPr lang="en-US" sz="2000" b="0" i="0" dirty="0" err="1">
-                <a:solidFill>
-                  <a:srgbClr val="333333"/>
-                </a:solidFill>
-                <a:effectLst/>
-                <a:latin typeface="Century Gothic" panose="020B0502020202020204" pitchFamily="34" charset="0"/>
-              </a:rPr>
-              <a:t>Marglin</a:t>
-            </a:r>
-            <a:r>
-              <a:rPr lang="en-US" sz="2000" b="0" i="0" dirty="0">
-                <a:solidFill>
-                  <a:srgbClr val="333333"/>
-                </a:solidFill>
-                <a:effectLst/>
-                <a:latin typeface="Century Gothic" panose="020B0502020202020204" pitchFamily="34" charset="0"/>
-              </a:rPr>
-              <a:t>, Stephen, 1990. "</a:t>
-            </a:r>
-            <a:r>
-              <a:rPr lang="en-US" sz="2000" b="1" i="0" u="none" strike="noStrike" dirty="0">
-                <a:solidFill>
-                  <a:srgbClr val="2D4E8B"/>
-                </a:solidFill>
-                <a:effectLst/>
-                <a:latin typeface="Century Gothic" panose="020B0502020202020204" pitchFamily="34" charset="0"/>
-                <a:hlinkClick r:id="rId2"/>
-              </a:rPr>
-              <a:t>Unemployment and the Real Wage: The Economic Basis for Contesting Political Ideologies</a:t>
-            </a:r>
-            <a:r>
-              <a:rPr lang="en-US" sz="2000" b="0" i="0" dirty="0">
-                <a:solidFill>
-                  <a:srgbClr val="333333"/>
-                </a:solidFill>
-                <a:effectLst/>
-                <a:latin typeface="Century Gothic" panose="020B0502020202020204" pitchFamily="34" charset="0"/>
-              </a:rPr>
-              <a:t>," </a:t>
-            </a:r>
-            <a:r>
-              <a:rPr lang="en-US" sz="2000" b="0" i="0" u="none" strike="noStrike" dirty="0">
-                <a:solidFill>
-                  <a:srgbClr val="2D4E8B"/>
-                </a:solidFill>
-                <a:effectLst/>
-                <a:latin typeface="Century Gothic" panose="020B0502020202020204" pitchFamily="34" charset="0"/>
-                <a:hlinkClick r:id="rId3"/>
-              </a:rPr>
-              <a:t>Cambridge Journal of Economics</a:t>
-            </a:r>
-            <a:r>
-              <a:rPr lang="en-US" sz="2000" b="0" i="0" dirty="0">
-                <a:solidFill>
-                  <a:srgbClr val="333333"/>
-                </a:solidFill>
-                <a:effectLst/>
-                <a:latin typeface="Century Gothic" panose="020B0502020202020204" pitchFamily="34" charset="0"/>
-              </a:rPr>
-              <a:t>, Oxford University Press, vol. 14(4), pages 375-393, December.</a:t>
-            </a:r>
-          </a:p>
-          <a:p>
-            <a:pPr marL="0" indent="0" algn="just">
-              <a:buNone/>
-            </a:pPr>
-            <a:endParaRPr lang="es-CO" sz="2000" dirty="0">
-              <a:latin typeface="Century Gothic" panose="020B0502020202020204" pitchFamily="34" charset="0"/>
-            </a:endParaRPr>
-          </a:p>
-          <a:p>
-            <a:pPr marL="0" indent="0" algn="just">
-              <a:buNone/>
-            </a:pPr>
-            <a:r>
-              <a:rPr lang="es-CO" sz="2000" dirty="0">
-                <a:latin typeface="Century Gothic" panose="020B0502020202020204" pitchFamily="34" charset="0"/>
-              </a:rPr>
-              <a:t>   </a:t>
-            </a:r>
-            <a:r>
-              <a:rPr lang="es-CO" sz="2000" dirty="0" err="1">
-                <a:latin typeface="Century Gothic" panose="020B0502020202020204" pitchFamily="34" charset="0"/>
-              </a:rPr>
-              <a:t>Caiani</a:t>
-            </a:r>
-            <a:r>
-              <a:rPr lang="es-CO" sz="2000" dirty="0">
-                <a:latin typeface="Century Gothic" panose="020B0502020202020204" pitchFamily="34" charset="0"/>
-              </a:rPr>
-              <a:t>, Alessandro &amp; </a:t>
-            </a:r>
-            <a:r>
-              <a:rPr lang="es-CO" sz="2000" dirty="0" err="1">
-                <a:latin typeface="Century Gothic" panose="020B0502020202020204" pitchFamily="34" charset="0"/>
-              </a:rPr>
-              <a:t>Godin</a:t>
-            </a:r>
-            <a:r>
-              <a:rPr lang="es-CO" sz="2000" dirty="0">
-                <a:latin typeface="Century Gothic" panose="020B0502020202020204" pitchFamily="34" charset="0"/>
-              </a:rPr>
-              <a:t>, Antoine &amp; </a:t>
-            </a:r>
-            <a:r>
-              <a:rPr lang="es-CO" sz="2000" dirty="0" err="1">
-                <a:latin typeface="Century Gothic" panose="020B0502020202020204" pitchFamily="34" charset="0"/>
-              </a:rPr>
-              <a:t>Caverzasi</a:t>
-            </a:r>
-            <a:r>
-              <a:rPr lang="es-CO" sz="2000" dirty="0">
-                <a:latin typeface="Century Gothic" panose="020B0502020202020204" pitchFamily="34" charset="0"/>
-              </a:rPr>
-              <a:t>, Eugenio &amp; </a:t>
-            </a:r>
-            <a:r>
-              <a:rPr lang="es-CO" sz="2000" dirty="0" err="1">
-                <a:latin typeface="Century Gothic" panose="020B0502020202020204" pitchFamily="34" charset="0"/>
-              </a:rPr>
-              <a:t>Gallegati</a:t>
-            </a:r>
-            <a:r>
-              <a:rPr lang="es-CO" sz="2000" dirty="0">
-                <a:latin typeface="Century Gothic" panose="020B0502020202020204" pitchFamily="34" charset="0"/>
-              </a:rPr>
-              <a:t>, Mauro &amp; </a:t>
-            </a:r>
-            <a:r>
-              <a:rPr lang="es-CO" sz="2000" dirty="0" err="1">
-                <a:latin typeface="Century Gothic" panose="020B0502020202020204" pitchFamily="34" charset="0"/>
-              </a:rPr>
-              <a:t>Kinsella</a:t>
-            </a:r>
-            <a:r>
-              <a:rPr lang="es-CO" sz="2000" dirty="0">
-                <a:latin typeface="Century Gothic" panose="020B0502020202020204" pitchFamily="34" charset="0"/>
-              </a:rPr>
-              <a:t>, Stephen &amp; Stiglitz, Joseph E., 2016. "</a:t>
-            </a:r>
-            <a:r>
-              <a:rPr lang="es-CO" sz="2000" dirty="0" err="1">
-                <a:latin typeface="Century Gothic" panose="020B0502020202020204" pitchFamily="34" charset="0"/>
-                <a:hlinkClick r:id="rId4"/>
-              </a:rPr>
-              <a:t>Agent</a:t>
-            </a:r>
-            <a:r>
-              <a:rPr lang="es-CO" sz="2000" dirty="0">
-                <a:latin typeface="Century Gothic" panose="020B0502020202020204" pitchFamily="34" charset="0"/>
-                <a:hlinkClick r:id="rId4"/>
-              </a:rPr>
-              <a:t> </a:t>
-            </a:r>
-            <a:r>
-              <a:rPr lang="es-CO" sz="2000" dirty="0" err="1">
-                <a:latin typeface="Century Gothic" panose="020B0502020202020204" pitchFamily="34" charset="0"/>
-                <a:hlinkClick r:id="rId4"/>
-              </a:rPr>
-              <a:t>based</a:t>
-            </a:r>
-            <a:r>
-              <a:rPr lang="es-CO" sz="2000" dirty="0">
-                <a:latin typeface="Century Gothic" panose="020B0502020202020204" pitchFamily="34" charset="0"/>
-                <a:hlinkClick r:id="rId4"/>
-              </a:rPr>
-              <a:t>-stock </a:t>
-            </a:r>
-            <a:r>
-              <a:rPr lang="es-CO" sz="2000" dirty="0" err="1">
-                <a:latin typeface="Century Gothic" panose="020B0502020202020204" pitchFamily="34" charset="0"/>
-                <a:hlinkClick r:id="rId4"/>
-              </a:rPr>
-              <a:t>flow</a:t>
-            </a:r>
-            <a:r>
-              <a:rPr lang="es-CO" sz="2000" dirty="0">
-                <a:latin typeface="Century Gothic" panose="020B0502020202020204" pitchFamily="34" charset="0"/>
-                <a:hlinkClick r:id="rId4"/>
-              </a:rPr>
-              <a:t> </a:t>
-            </a:r>
-            <a:r>
-              <a:rPr lang="es-CO" sz="2000" dirty="0" err="1">
-                <a:latin typeface="Century Gothic" panose="020B0502020202020204" pitchFamily="34" charset="0"/>
-                <a:hlinkClick r:id="rId4"/>
-              </a:rPr>
-              <a:t>consistent</a:t>
-            </a:r>
-            <a:r>
-              <a:rPr lang="es-CO" sz="2000" dirty="0">
-                <a:latin typeface="Century Gothic" panose="020B0502020202020204" pitchFamily="34" charset="0"/>
-                <a:hlinkClick r:id="rId4"/>
-              </a:rPr>
-              <a:t> </a:t>
-            </a:r>
-            <a:r>
-              <a:rPr lang="es-CO" sz="2000" dirty="0" err="1">
-                <a:latin typeface="Century Gothic" panose="020B0502020202020204" pitchFamily="34" charset="0"/>
-                <a:hlinkClick r:id="rId4"/>
-              </a:rPr>
-              <a:t>macroeconomics</a:t>
-            </a:r>
-            <a:r>
-              <a:rPr lang="es-CO" sz="2000" dirty="0">
-                <a:latin typeface="Century Gothic" panose="020B0502020202020204" pitchFamily="34" charset="0"/>
-                <a:hlinkClick r:id="rId4"/>
-              </a:rPr>
-              <a:t>: </a:t>
-            </a:r>
-            <a:r>
-              <a:rPr lang="es-CO" sz="2000" dirty="0" err="1">
-                <a:latin typeface="Century Gothic" panose="020B0502020202020204" pitchFamily="34" charset="0"/>
-                <a:hlinkClick r:id="rId4"/>
-              </a:rPr>
-              <a:t>Towards</a:t>
-            </a:r>
-            <a:r>
-              <a:rPr lang="es-CO" sz="2000" dirty="0">
-                <a:latin typeface="Century Gothic" panose="020B0502020202020204" pitchFamily="34" charset="0"/>
-                <a:hlinkClick r:id="rId4"/>
-              </a:rPr>
-              <a:t> a </a:t>
-            </a:r>
-            <a:r>
-              <a:rPr lang="es-CO" sz="2000" dirty="0" err="1">
-                <a:latin typeface="Century Gothic" panose="020B0502020202020204" pitchFamily="34" charset="0"/>
-                <a:hlinkClick r:id="rId4"/>
-              </a:rPr>
-              <a:t>benchmark</a:t>
-            </a:r>
-            <a:r>
-              <a:rPr lang="es-CO" sz="2000" dirty="0">
-                <a:latin typeface="Century Gothic" panose="020B0502020202020204" pitchFamily="34" charset="0"/>
-                <a:hlinkClick r:id="rId4"/>
-              </a:rPr>
-              <a:t> </a:t>
-            </a:r>
-            <a:r>
-              <a:rPr lang="es-CO" sz="2000" dirty="0" err="1">
-                <a:latin typeface="Century Gothic" panose="020B0502020202020204" pitchFamily="34" charset="0"/>
-                <a:hlinkClick r:id="rId4"/>
-              </a:rPr>
-              <a:t>model</a:t>
-            </a:r>
-            <a:r>
-              <a:rPr lang="es-CO" sz="2000" dirty="0">
-                <a:latin typeface="Century Gothic" panose="020B0502020202020204" pitchFamily="34" charset="0"/>
-              </a:rPr>
-              <a:t>," </a:t>
-            </a:r>
-            <a:r>
-              <a:rPr lang="es-CO" sz="2000" dirty="0" err="1">
-                <a:latin typeface="Century Gothic" panose="020B0502020202020204" pitchFamily="34" charset="0"/>
-                <a:hlinkClick r:id="rId5"/>
-              </a:rPr>
-              <a:t>Journal</a:t>
-            </a:r>
-            <a:r>
-              <a:rPr lang="es-CO" sz="2000" dirty="0">
-                <a:latin typeface="Century Gothic" panose="020B0502020202020204" pitchFamily="34" charset="0"/>
-                <a:hlinkClick r:id="rId5"/>
-              </a:rPr>
-              <a:t> of </a:t>
-            </a:r>
-            <a:r>
-              <a:rPr lang="es-CO" sz="2000" dirty="0" err="1">
-                <a:latin typeface="Century Gothic" panose="020B0502020202020204" pitchFamily="34" charset="0"/>
-                <a:hlinkClick r:id="rId5"/>
-              </a:rPr>
-              <a:t>Economic</a:t>
-            </a:r>
-            <a:r>
-              <a:rPr lang="es-CO" sz="2000" dirty="0">
-                <a:latin typeface="Century Gothic" panose="020B0502020202020204" pitchFamily="34" charset="0"/>
-                <a:hlinkClick r:id="rId5"/>
-              </a:rPr>
-              <a:t> Dynamics and Control</a:t>
-            </a:r>
-            <a:r>
-              <a:rPr lang="es-CO" sz="2000" dirty="0">
-                <a:latin typeface="Century Gothic" panose="020B0502020202020204" pitchFamily="34" charset="0"/>
-              </a:rPr>
-              <a:t>, </a:t>
-            </a:r>
-            <a:r>
-              <a:rPr lang="es-CO" sz="2000" dirty="0" err="1">
-                <a:latin typeface="Century Gothic" panose="020B0502020202020204" pitchFamily="34" charset="0"/>
-              </a:rPr>
-              <a:t>Elsevier</a:t>
-            </a:r>
-            <a:r>
-              <a:rPr lang="es-CO" sz="2000" dirty="0">
-                <a:latin typeface="Century Gothic" panose="020B0502020202020204" pitchFamily="34" charset="0"/>
-              </a:rPr>
-              <a:t>, vol. 69(C), </a:t>
-            </a:r>
-            <a:r>
-              <a:rPr lang="es-CO" sz="2000" dirty="0" err="1">
-                <a:latin typeface="Century Gothic" panose="020B0502020202020204" pitchFamily="34" charset="0"/>
-              </a:rPr>
-              <a:t>pages</a:t>
-            </a:r>
-            <a:r>
-              <a:rPr lang="es-CO" sz="2000" dirty="0">
-                <a:latin typeface="Century Gothic" panose="020B0502020202020204" pitchFamily="34" charset="0"/>
-              </a:rPr>
-              <a:t> 375-408.</a:t>
-            </a:r>
-          </a:p>
-          <a:p>
-            <a:pPr marL="0" indent="0" algn="just">
-              <a:buNone/>
-            </a:pPr>
-            <a:endParaRPr lang="es-CO" sz="2000" dirty="0">
-              <a:latin typeface="Century Gothic" panose="020B0502020202020204" pitchFamily="34" charset="0"/>
-            </a:endParaRPr>
-          </a:p>
-          <a:p>
-            <a:pPr marL="0" indent="0" algn="just">
-              <a:buNone/>
-            </a:pPr>
-            <a:r>
-              <a:rPr lang="es-CO" sz="2000" dirty="0">
-                <a:latin typeface="Century Gothic" panose="020B0502020202020204" pitchFamily="34" charset="0"/>
-              </a:rPr>
-              <a:t>  </a:t>
-            </a:r>
-            <a:r>
-              <a:rPr lang="es-CO" sz="2000" dirty="0" err="1">
-                <a:latin typeface="Century Gothic" panose="020B0502020202020204" pitchFamily="34" charset="0"/>
-              </a:rPr>
-              <a:t>Dafermos</a:t>
-            </a:r>
-            <a:r>
-              <a:rPr lang="es-CO" sz="2000" dirty="0">
-                <a:latin typeface="Century Gothic" panose="020B0502020202020204" pitchFamily="34" charset="0"/>
-              </a:rPr>
-              <a:t>, </a:t>
-            </a:r>
-            <a:r>
-              <a:rPr lang="es-CO" sz="2000" dirty="0" err="1">
-                <a:latin typeface="Century Gothic" panose="020B0502020202020204" pitchFamily="34" charset="0"/>
-              </a:rPr>
-              <a:t>Yannis</a:t>
-            </a:r>
-            <a:r>
-              <a:rPr lang="es-CO" sz="2000" dirty="0">
-                <a:latin typeface="Century Gothic" panose="020B0502020202020204" pitchFamily="34" charset="0"/>
-              </a:rPr>
-              <a:t>,  2012. "</a:t>
-            </a:r>
-            <a:r>
-              <a:rPr lang="es-CO" sz="2000" dirty="0">
-                <a:latin typeface="Century Gothic" panose="020B0502020202020204" pitchFamily="34" charset="0"/>
-                <a:hlinkClick r:id="rId6"/>
-              </a:rPr>
-              <a:t>Liquidity </a:t>
-            </a:r>
-            <a:r>
-              <a:rPr lang="es-CO" sz="2000" dirty="0" err="1">
-                <a:latin typeface="Century Gothic" panose="020B0502020202020204" pitchFamily="34" charset="0"/>
-                <a:hlinkClick r:id="rId6"/>
-              </a:rPr>
-              <a:t>preference</a:t>
-            </a:r>
-            <a:r>
-              <a:rPr lang="es-CO" sz="2000" dirty="0">
-                <a:latin typeface="Century Gothic" panose="020B0502020202020204" pitchFamily="34" charset="0"/>
-                <a:hlinkClick r:id="rId6"/>
-              </a:rPr>
-              <a:t>, </a:t>
-            </a:r>
-            <a:r>
-              <a:rPr lang="es-CO" sz="2000" dirty="0" err="1">
-                <a:latin typeface="Century Gothic" panose="020B0502020202020204" pitchFamily="34" charset="0"/>
-                <a:hlinkClick r:id="rId6"/>
-              </a:rPr>
-              <a:t>uncertainty</a:t>
-            </a:r>
-            <a:r>
-              <a:rPr lang="es-CO" sz="2000" dirty="0">
-                <a:latin typeface="Century Gothic" panose="020B0502020202020204" pitchFamily="34" charset="0"/>
-                <a:hlinkClick r:id="rId6"/>
-              </a:rPr>
-              <a:t>, and </a:t>
-            </a:r>
-            <a:r>
-              <a:rPr lang="es-CO" sz="2000" dirty="0" err="1">
-                <a:latin typeface="Century Gothic" panose="020B0502020202020204" pitchFamily="34" charset="0"/>
-                <a:hlinkClick r:id="rId6"/>
-              </a:rPr>
-              <a:t>recession</a:t>
-            </a:r>
-            <a:r>
-              <a:rPr lang="es-CO" sz="2000" dirty="0">
-                <a:latin typeface="Century Gothic" panose="020B0502020202020204" pitchFamily="34" charset="0"/>
-                <a:hlinkClick r:id="rId6"/>
-              </a:rPr>
-              <a:t> in a stock-</a:t>
-            </a:r>
-            <a:r>
-              <a:rPr lang="es-CO" sz="2000" dirty="0" err="1">
-                <a:latin typeface="Century Gothic" panose="020B0502020202020204" pitchFamily="34" charset="0"/>
-                <a:hlinkClick r:id="rId6"/>
-              </a:rPr>
-              <a:t>flow</a:t>
-            </a:r>
-            <a:r>
-              <a:rPr lang="es-CO" sz="2000" dirty="0">
-                <a:latin typeface="Century Gothic" panose="020B0502020202020204" pitchFamily="34" charset="0"/>
-                <a:hlinkClick r:id="rId6"/>
-              </a:rPr>
-              <a:t> </a:t>
-            </a:r>
-            <a:r>
-              <a:rPr lang="es-CO" sz="2000" dirty="0" err="1">
-                <a:latin typeface="Century Gothic" panose="020B0502020202020204" pitchFamily="34" charset="0"/>
-                <a:hlinkClick r:id="rId6"/>
-              </a:rPr>
-              <a:t>consistent</a:t>
-            </a:r>
-            <a:r>
-              <a:rPr lang="es-CO" sz="2000" dirty="0">
-                <a:latin typeface="Century Gothic" panose="020B0502020202020204" pitchFamily="34" charset="0"/>
-                <a:hlinkClick r:id="rId6"/>
-              </a:rPr>
-              <a:t> </a:t>
-            </a:r>
-            <a:r>
-              <a:rPr lang="es-CO" sz="2000" dirty="0" err="1">
-                <a:latin typeface="Century Gothic" panose="020B0502020202020204" pitchFamily="34" charset="0"/>
-                <a:hlinkClick r:id="rId6"/>
-              </a:rPr>
-              <a:t>model</a:t>
-            </a:r>
-            <a:r>
-              <a:rPr lang="es-CO" sz="2000" dirty="0">
-                <a:latin typeface="Century Gothic" panose="020B0502020202020204" pitchFamily="34" charset="0"/>
-              </a:rPr>
-              <a:t>," </a:t>
-            </a:r>
-            <a:r>
-              <a:rPr lang="es-CO" sz="2000" dirty="0" err="1">
-                <a:latin typeface="Century Gothic" panose="020B0502020202020204" pitchFamily="34" charset="0"/>
-                <a:hlinkClick r:id="rId7"/>
-              </a:rPr>
-              <a:t>Journal</a:t>
-            </a:r>
-            <a:r>
-              <a:rPr lang="es-CO" sz="2000" dirty="0">
-                <a:latin typeface="Century Gothic" panose="020B0502020202020204" pitchFamily="34" charset="0"/>
-                <a:hlinkClick r:id="rId7"/>
-              </a:rPr>
-              <a:t> of Post </a:t>
-            </a:r>
-            <a:r>
-              <a:rPr lang="es-CO" sz="2000" dirty="0" err="1">
-                <a:latin typeface="Century Gothic" panose="020B0502020202020204" pitchFamily="34" charset="0"/>
-                <a:hlinkClick r:id="rId7"/>
-              </a:rPr>
-              <a:t>Keynesian</a:t>
-            </a:r>
-            <a:r>
-              <a:rPr lang="es-CO" sz="2000" dirty="0">
-                <a:latin typeface="Century Gothic" panose="020B0502020202020204" pitchFamily="34" charset="0"/>
-                <a:hlinkClick r:id="rId7"/>
-              </a:rPr>
-              <a:t> </a:t>
-            </a:r>
-            <a:r>
-              <a:rPr lang="es-CO" sz="2000" dirty="0" err="1">
-                <a:latin typeface="Century Gothic" panose="020B0502020202020204" pitchFamily="34" charset="0"/>
-                <a:hlinkClick r:id="rId7"/>
-              </a:rPr>
-              <a:t>Economics</a:t>
-            </a:r>
-            <a:r>
-              <a:rPr lang="es-CO" sz="2000" dirty="0">
-                <a:latin typeface="Century Gothic" panose="020B0502020202020204" pitchFamily="34" charset="0"/>
-              </a:rPr>
-              <a:t>, Taylor &amp; Francis </a:t>
-            </a:r>
-            <a:r>
-              <a:rPr lang="es-CO" sz="2000" dirty="0" err="1">
-                <a:latin typeface="Century Gothic" panose="020B0502020202020204" pitchFamily="34" charset="0"/>
-              </a:rPr>
-              <a:t>Journals</a:t>
-            </a:r>
-            <a:r>
-              <a:rPr lang="es-CO" sz="2000" dirty="0">
-                <a:latin typeface="Century Gothic" panose="020B0502020202020204" pitchFamily="34" charset="0"/>
-              </a:rPr>
-              <a:t>, vol. 34(4), </a:t>
-            </a:r>
-            <a:r>
-              <a:rPr lang="es-CO" sz="2000" dirty="0" err="1">
-                <a:latin typeface="Century Gothic" panose="020B0502020202020204" pitchFamily="34" charset="0"/>
-              </a:rPr>
-              <a:t>pages</a:t>
-            </a:r>
-            <a:r>
-              <a:rPr lang="es-CO" sz="2000" dirty="0">
-                <a:latin typeface="Century Gothic" panose="020B0502020202020204" pitchFamily="34" charset="0"/>
-              </a:rPr>
-              <a:t> 749-776.</a:t>
-            </a:r>
-          </a:p>
-          <a:p>
-            <a:pPr marL="0" indent="0" algn="just">
-              <a:buNone/>
-            </a:pPr>
-            <a:endParaRPr lang="es-CO" sz="2000" dirty="0">
-              <a:latin typeface="Century Gothic" panose="020B0502020202020204" pitchFamily="34" charset="0"/>
-            </a:endParaRPr>
-          </a:p>
-          <a:p>
-            <a:pPr marL="0" indent="0" algn="just">
-              <a:buNone/>
-            </a:pPr>
-            <a:r>
-              <a:rPr lang="en-US" sz="2000" dirty="0">
-                <a:latin typeface="Century Gothic" panose="020B0502020202020204" pitchFamily="34" charset="0"/>
-              </a:rPr>
-              <a:t>  </a:t>
-            </a:r>
-            <a:r>
-              <a:rPr lang="es-CO" sz="2000" dirty="0" err="1">
-                <a:latin typeface="Century Gothic" panose="020B0502020202020204" pitchFamily="34" charset="0"/>
-              </a:rPr>
-              <a:t>Till</a:t>
-            </a:r>
-            <a:r>
-              <a:rPr lang="es-CO" sz="2000" dirty="0">
-                <a:latin typeface="Century Gothic" panose="020B0502020202020204" pitchFamily="34" charset="0"/>
-              </a:rPr>
-              <a:t> van </a:t>
-            </a:r>
-            <a:r>
-              <a:rPr lang="es-CO" sz="2000" dirty="0" err="1">
-                <a:latin typeface="Century Gothic" panose="020B0502020202020204" pitchFamily="34" charset="0"/>
-              </a:rPr>
-              <a:t>Treeck</a:t>
-            </a:r>
-            <a:r>
-              <a:rPr lang="es-CO" sz="2000" dirty="0">
-                <a:latin typeface="Century Gothic" panose="020B0502020202020204" pitchFamily="34" charset="0"/>
-              </a:rPr>
-              <a:t>, 2007. "</a:t>
-            </a:r>
-            <a:r>
-              <a:rPr lang="es-CO" sz="2000" b="1" dirty="0">
-                <a:latin typeface="Century Gothic" panose="020B0502020202020204" pitchFamily="34" charset="0"/>
-                <a:hlinkClick r:id="rId8"/>
-              </a:rPr>
-              <a:t>A </a:t>
-            </a:r>
-            <a:r>
-              <a:rPr lang="es-CO" sz="2000" b="1" dirty="0" err="1">
-                <a:latin typeface="Century Gothic" panose="020B0502020202020204" pitchFamily="34" charset="0"/>
-                <a:hlinkClick r:id="rId8"/>
-              </a:rPr>
-              <a:t>Synthetic</a:t>
-            </a:r>
-            <a:r>
-              <a:rPr lang="es-CO" sz="2000" b="1" dirty="0">
-                <a:latin typeface="Century Gothic" panose="020B0502020202020204" pitchFamily="34" charset="0"/>
-                <a:hlinkClick r:id="rId8"/>
-              </a:rPr>
-              <a:t>, Stock-Flow </a:t>
-            </a:r>
-            <a:r>
-              <a:rPr lang="es-CO" sz="2000" b="1" dirty="0" err="1">
-                <a:latin typeface="Century Gothic" panose="020B0502020202020204" pitchFamily="34" charset="0"/>
-                <a:hlinkClick r:id="rId8"/>
-              </a:rPr>
-              <a:t>Consistent</a:t>
-            </a:r>
-            <a:r>
-              <a:rPr lang="es-CO" sz="2000" b="1" dirty="0">
-                <a:latin typeface="Century Gothic" panose="020B0502020202020204" pitchFamily="34" charset="0"/>
-                <a:hlinkClick r:id="rId8"/>
-              </a:rPr>
-              <a:t> </a:t>
-            </a:r>
-            <a:r>
-              <a:rPr lang="es-CO" sz="2000" b="1" dirty="0" err="1">
-                <a:latin typeface="Century Gothic" panose="020B0502020202020204" pitchFamily="34" charset="0"/>
-                <a:hlinkClick r:id="rId8"/>
-              </a:rPr>
-              <a:t>Macroeconomic</a:t>
-            </a:r>
-            <a:r>
-              <a:rPr lang="es-CO" sz="2000" b="1" dirty="0">
-                <a:latin typeface="Century Gothic" panose="020B0502020202020204" pitchFamily="34" charset="0"/>
-                <a:hlinkClick r:id="rId8"/>
-              </a:rPr>
-              <a:t> </a:t>
-            </a:r>
-            <a:r>
-              <a:rPr lang="es-CO" sz="2000" b="1" dirty="0" err="1">
-                <a:latin typeface="Century Gothic" panose="020B0502020202020204" pitchFamily="34" charset="0"/>
-                <a:hlinkClick r:id="rId8"/>
-              </a:rPr>
-              <a:t>Model</a:t>
-            </a:r>
-            <a:r>
-              <a:rPr lang="es-CO" sz="2000" b="1" dirty="0">
-                <a:latin typeface="Century Gothic" panose="020B0502020202020204" pitchFamily="34" charset="0"/>
-                <a:hlinkClick r:id="rId8"/>
-              </a:rPr>
-              <a:t> </a:t>
-            </a:r>
-            <a:r>
-              <a:rPr lang="es-CO" sz="2000" b="1" dirty="0" err="1">
-                <a:latin typeface="Century Gothic" panose="020B0502020202020204" pitchFamily="34" charset="0"/>
-                <a:hlinkClick r:id="rId8"/>
-              </a:rPr>
-              <a:t>of</a:t>
-            </a:r>
-            <a:r>
-              <a:rPr lang="es-CO" sz="2000" b="1" dirty="0">
-                <a:latin typeface="Century Gothic" panose="020B0502020202020204" pitchFamily="34" charset="0"/>
-                <a:hlinkClick r:id="rId8"/>
-              </a:rPr>
-              <a:t> </a:t>
-            </a:r>
-            <a:r>
-              <a:rPr lang="es-CO" sz="2000" b="1" dirty="0" err="1">
-                <a:latin typeface="Century Gothic" panose="020B0502020202020204" pitchFamily="34" charset="0"/>
-                <a:hlinkClick r:id="rId8"/>
-              </a:rPr>
-              <a:t>Financialisation</a:t>
-            </a:r>
-            <a:r>
-              <a:rPr lang="es-CO" sz="2000" dirty="0">
-                <a:latin typeface="Century Gothic" panose="020B0502020202020204" pitchFamily="34" charset="0"/>
-              </a:rPr>
-              <a:t>," </a:t>
-            </a:r>
-            <a:r>
-              <a:rPr lang="es-CO" sz="2000" dirty="0">
-                <a:latin typeface="Century Gothic" panose="020B0502020202020204" pitchFamily="34" charset="0"/>
-                <a:hlinkClick r:id="rId9"/>
-              </a:rPr>
-              <a:t>IMK </a:t>
-            </a:r>
-            <a:r>
-              <a:rPr lang="es-CO" sz="2000" dirty="0" err="1">
-                <a:latin typeface="Century Gothic" panose="020B0502020202020204" pitchFamily="34" charset="0"/>
-                <a:hlinkClick r:id="rId9"/>
-              </a:rPr>
-              <a:t>Working</a:t>
-            </a:r>
-            <a:r>
-              <a:rPr lang="es-CO" sz="2000" dirty="0">
-                <a:latin typeface="Century Gothic" panose="020B0502020202020204" pitchFamily="34" charset="0"/>
-                <a:hlinkClick r:id="rId9"/>
-              </a:rPr>
-              <a:t> </a:t>
-            </a:r>
-            <a:r>
-              <a:rPr lang="es-CO" sz="2000" dirty="0" err="1">
-                <a:latin typeface="Century Gothic" panose="020B0502020202020204" pitchFamily="34" charset="0"/>
-                <a:hlinkClick r:id="rId9"/>
-              </a:rPr>
-              <a:t>Paper</a:t>
-            </a:r>
-            <a:r>
-              <a:rPr lang="es-CO" sz="2000" dirty="0">
-                <a:latin typeface="Century Gothic" panose="020B0502020202020204" pitchFamily="34" charset="0"/>
-              </a:rPr>
-              <a:t> 06-2007, IMK at </a:t>
-            </a:r>
-            <a:r>
-              <a:rPr lang="es-CO" sz="2000" dirty="0" err="1">
-                <a:latin typeface="Century Gothic" panose="020B0502020202020204" pitchFamily="34" charset="0"/>
-              </a:rPr>
-              <a:t>the</a:t>
-            </a:r>
-            <a:r>
-              <a:rPr lang="es-CO" sz="2000" dirty="0">
-                <a:latin typeface="Century Gothic" panose="020B0502020202020204" pitchFamily="34" charset="0"/>
-              </a:rPr>
-              <a:t> Hans </a:t>
-            </a:r>
-            <a:r>
-              <a:rPr lang="es-CO" sz="2000" dirty="0" err="1">
-                <a:latin typeface="Century Gothic" panose="020B0502020202020204" pitchFamily="34" charset="0"/>
-              </a:rPr>
-              <a:t>Boeckler</a:t>
-            </a:r>
-            <a:r>
-              <a:rPr lang="es-CO" sz="2000" dirty="0">
-                <a:latin typeface="Century Gothic" panose="020B0502020202020204" pitchFamily="34" charset="0"/>
-              </a:rPr>
-              <a:t> </a:t>
-            </a:r>
-            <a:r>
-              <a:rPr lang="es-CO" sz="2000" dirty="0" err="1">
-                <a:latin typeface="Century Gothic" panose="020B0502020202020204" pitchFamily="34" charset="0"/>
-              </a:rPr>
-              <a:t>Foundation</a:t>
-            </a:r>
-            <a:r>
-              <a:rPr lang="es-CO" sz="2000" dirty="0">
-                <a:latin typeface="Century Gothic" panose="020B0502020202020204" pitchFamily="34" charset="0"/>
-              </a:rPr>
-              <a:t>, </a:t>
-            </a:r>
-            <a:r>
-              <a:rPr lang="es-CO" sz="2000" dirty="0" err="1">
-                <a:latin typeface="Century Gothic" panose="020B0502020202020204" pitchFamily="34" charset="0"/>
-              </a:rPr>
-              <a:t>Macroeconomic</a:t>
-            </a:r>
-            <a:r>
-              <a:rPr lang="es-CO" sz="2000" dirty="0">
-                <a:latin typeface="Century Gothic" panose="020B0502020202020204" pitchFamily="34" charset="0"/>
-              </a:rPr>
-              <a:t> </a:t>
-            </a:r>
-            <a:r>
-              <a:rPr lang="es-CO" sz="2000" dirty="0" err="1">
-                <a:latin typeface="Century Gothic" panose="020B0502020202020204" pitchFamily="34" charset="0"/>
-              </a:rPr>
-              <a:t>Policy</a:t>
-            </a:r>
-            <a:r>
-              <a:rPr lang="es-CO" sz="2000" dirty="0">
-                <a:latin typeface="Century Gothic" panose="020B0502020202020204" pitchFamily="34" charset="0"/>
-              </a:rPr>
-              <a:t> </a:t>
-            </a:r>
-            <a:r>
-              <a:rPr lang="es-CO" sz="2000" dirty="0" err="1">
-                <a:latin typeface="Century Gothic" panose="020B0502020202020204" pitchFamily="34" charset="0"/>
-              </a:rPr>
-              <a:t>Institute</a:t>
-            </a:r>
-            <a:r>
-              <a:rPr lang="es-CO" sz="2000" dirty="0">
-                <a:latin typeface="Century Gothic" panose="020B0502020202020204" pitchFamily="34" charset="0"/>
-              </a:rPr>
-              <a:t>.</a:t>
+              <a:t> Bhaduri, Amit &amp; Marglin, Stephen, (1990). "Unemployment and the Real Wage: The Economic Basis for Contesting Political Ideologies," Cambridge Journal of Economics, Oxford University Press, vol. 14(4), pages 375-393, December.</a:t>
             </a:r>
           </a:p>
           <a:p>
@@ -3832,6 +5397,112 @@
             <a:endParaRPr lang="es-CO" sz="1800" dirty="0">
               <a:latin typeface="Century Gothic" panose="020B0502020202020204" pitchFamily="34" charset="0"/>
             </a:endParaRPr>
+          </a:p>
+          <a:p>
+            <a:pPr marL="0" indent="0" algn="just">
+              <a:buNone/>
+            </a:pPr>
+            <a:r>
+              <a:rPr lang="es-CO" sz="1800" dirty="0">
+                <a:latin typeface="Century Gothic" panose="020B0502020202020204" pitchFamily="34" charset="0"/>
+              </a:rPr>
+              <a:t>   Caiani, Alessandro &amp; Godin, Antoine &amp; Caverzasi, Eugenio &amp; Gallegati, Mauro &amp; Kinsella, Stephen &amp; Stiglitz, Joseph E., (2016). "Agent based-stock flow consistent macroeconomics: Towards a benchmark model," Journal of Economic Dynamics and Control, Elsevier, vol. 69(C), pages 375-408.</a:t>
+            </a:r>
+          </a:p>
+          <a:p>
+            <a:pPr marL="0" indent="0" algn="just">
+              <a:buNone/>
+            </a:pPr>
+            <a:endParaRPr lang="es-CO" sz="1800" dirty="0">
+              <a:latin typeface="Century Gothic" panose="020B0502020202020204" pitchFamily="34" charset="0"/>
+            </a:endParaRPr>
+          </a:p>
+          <a:p>
+            <a:pPr marL="0" indent="0" algn="just">
+              <a:buNone/>
+            </a:pPr>
+            <a:r>
+              <a:rPr lang="es-CO" sz="1800" dirty="0">
+                <a:latin typeface="Century Gothic" panose="020B0502020202020204" pitchFamily="34" charset="0"/>
+              </a:rPr>
+              <a:t>  Dafermos, Yannis,  2012. "Liquidity preference, uncertainty, and recession in a stock-flow consistent model," Journal of Post Keynesian Economics, Taylor &amp; Francis Journals, vol. 34(4), pages 749-776.</a:t>
+            </a:r>
+          </a:p>
+          <a:p>
+            <a:pPr marL="0" indent="0" algn="just">
+              <a:buNone/>
+            </a:pPr>
+            <a:endParaRPr lang="es-CO" sz="1800" dirty="0">
+              <a:latin typeface="Century Gothic" panose="020B0502020202020204" pitchFamily="34" charset="0"/>
+            </a:endParaRPr>
+          </a:p>
+          <a:p>
+            <a:pPr marL="0" indent="0" algn="just">
+              <a:buNone/>
+            </a:pPr>
+            <a:r>
+              <a:rPr lang="es-CO" sz="1800" dirty="0">
+                <a:latin typeface="Century Gothic" panose="020B0502020202020204" pitchFamily="34" charset="0"/>
+              </a:rPr>
+              <a:t>Passarella, M. (2019). "From abstract to concrete: some tips for developing an empirical stockâ€“flow consistent model," European Journal of Economics and Economic Policies: Intervention, Edward Elgar Publishing, vol. 16(1), pages 55-93, April.</a:t>
+            </a:r>
+          </a:p>
+          <a:p>
+            <a:pPr marL="0" indent="0" algn="just">
+              <a:buNone/>
+            </a:pPr>
+            <a:endParaRPr lang="es-CO" sz="1800" dirty="0">
+              <a:latin typeface="Century Gothic" panose="020B0502020202020204" pitchFamily="34" charset="0"/>
+            </a:endParaRPr>
+          </a:p>
+          <a:p>
+            <a:pPr marL="0" indent="0" algn="just">
+              <a:buNone/>
+            </a:pPr>
+            <a:r>
+              <a:rPr lang="es-CO" sz="1800" dirty="0">
+                <a:latin typeface="Century Gothic" panose="020B0502020202020204" pitchFamily="34" charset="0"/>
+              </a:rPr>
+              <a:t>Pedrosa, I ; Biancarelli(2015).”Surges in capital inflows and the macroeconomic dynamics of peripheral economies- a stock-flow consistent model”.</a:t>
+            </a:r>
+          </a:p>
+          <a:p>
+            <a:pPr marL="0" indent="0" algn="just">
+              <a:buNone/>
+            </a:pPr>
+            <a:endParaRPr lang="es-CO" sz="1800" dirty="0">
+              <a:latin typeface="Century Gothic" panose="020B0502020202020204" pitchFamily="34" charset="0"/>
+            </a:endParaRPr>
+          </a:p>
+          <a:p>
+            <a:pPr marL="0" indent="0" algn="just">
+              <a:buNone/>
+            </a:pPr>
+            <a:r>
+              <a:rPr lang="es-CO" sz="1800" dirty="0">
+                <a:latin typeface="Century Gothic" panose="020B0502020202020204" pitchFamily="34" charset="0"/>
+              </a:rPr>
+              <a:t>  Till van Treeck, (2007). "A Synthetic, Stock-Flow Consistent Macroeconomic Model of Financialisation," IMK Working Paper 06-2007, IMK at the Hans Boeckler Foundation, Macroeconomic Policy Institute.</a:t>
+            </a:r>
+          </a:p>
+          <a:p>
+            <a:pPr marL="0" indent="0" algn="just">
+              <a:buNone/>
+            </a:pPr>
+            <a:endParaRPr lang="es-CO" sz="1800" dirty="0">
+              <a:latin typeface="Century Gothic" panose="020B0502020202020204" pitchFamily="34" charset="0"/>
+            </a:endParaRPr>
+          </a:p>
+          <a:p>
+            <a:pPr marL="0" indent="0" algn="just">
+              <a:buNone/>
+            </a:pPr>
+            <a:r>
+              <a:rPr lang="es-CO" sz="1800" dirty="0">
+                <a:latin typeface="Century Gothic" panose="020B0502020202020204" pitchFamily="34" charset="0"/>
+              </a:rPr>
+              <a:t>Valdecantos, S. (2016).”Estructura productiva y vulnerabilidad externa- un modelo estructuralista stock-flujo consistente”</a:t>
+            </a:r>
           </a:p>
         </p:txBody>
       </p:sp>
@@ -5514,8 +7185,8 @@
           <a:chExt cx="0" cy="0"/>
         </a:xfrm>
       </p:grpSpPr>
-      <mc:AlternateContent xmlns:mc="http://schemas.openxmlformats.org/markup-compatibility/2006">
-        <mc:Choice xmlns:a14="http://schemas.microsoft.com/office/drawing/2010/main" Requires="a14">
+      <mc:AlternateContent xmlns:mc="http://schemas.openxmlformats.org/markup-compatibility/2006" xmlns:a14="http://schemas.microsoft.com/office/drawing/2010/main">
+        <mc:Choice Requires="a14">
           <p:sp>
             <p:nvSpPr>
               <p:cNvPr id="2" name="Marcador de contenido 1">
@@ -7032,7 +8703,7 @@
             </p:txBody>
           </p:sp>
         </mc:Choice>
-        <mc:Fallback>
+        <mc:Fallback xmlns="">
           <p:sp>
             <p:nvSpPr>
               <p:cNvPr id="2" name="Marcador de contenido 1">
@@ -7144,8 +8815,8 @@
           <a:chExt cx="0" cy="0"/>
         </a:xfrm>
       </p:grpSpPr>
-      <mc:AlternateContent xmlns:mc="http://schemas.openxmlformats.org/markup-compatibility/2006">
-        <mc:Choice xmlns:a14="http://schemas.microsoft.com/office/drawing/2010/main" Requires="a14">
+      <mc:AlternateContent xmlns:mc="http://schemas.openxmlformats.org/markup-compatibility/2006" xmlns:a14="http://schemas.microsoft.com/office/drawing/2010/main">
+        <mc:Choice Requires="a14">
           <p:sp>
             <p:nvSpPr>
               <p:cNvPr id="2" name="Marcador de contenido 1">
@@ -8525,7 +10196,7 @@
             </p:txBody>
           </p:sp>
         </mc:Choice>
-        <mc:Fallback>
+        <mc:Fallback xmlns="">
           <p:sp>
             <p:nvSpPr>
               <p:cNvPr id="2" name="Marcador de contenido 1">
@@ -8637,8 +10308,8 @@
           <a:chExt cx="0" cy="0"/>
         </a:xfrm>
       </p:grpSpPr>
-      <mc:AlternateContent xmlns:mc="http://schemas.openxmlformats.org/markup-compatibility/2006">
-        <mc:Choice xmlns:a14="http://schemas.microsoft.com/office/drawing/2010/main" Requires="a14">
+      <mc:AlternateContent xmlns:mc="http://schemas.openxmlformats.org/markup-compatibility/2006" xmlns:a14="http://schemas.microsoft.com/office/drawing/2010/main">
+        <mc:Choice Requires="a14">
           <p:sp>
             <p:nvSpPr>
               <p:cNvPr id="2" name="Marcador de contenido 1">
@@ -9919,7 +11590,7 @@
             </p:txBody>
           </p:sp>
         </mc:Choice>
-        <mc:Fallback>
+        <mc:Fallback xmlns="">
           <p:sp>
             <p:nvSpPr>
               <p:cNvPr id="2" name="Marcador de contenido 1">
@@ -10031,8 +11702,8 @@
           <a:chExt cx="0" cy="0"/>
         </a:xfrm>
       </p:grpSpPr>
-      <mc:AlternateContent xmlns:mc="http://schemas.openxmlformats.org/markup-compatibility/2006">
-        <mc:Choice xmlns:a14="http://schemas.microsoft.com/office/drawing/2010/main" Requires="a14">
+      <mc:AlternateContent xmlns:mc="http://schemas.openxmlformats.org/markup-compatibility/2006" xmlns:a14="http://schemas.microsoft.com/office/drawing/2010/main">
+        <mc:Choice Requires="a14">
           <p:sp>
             <p:nvSpPr>
               <p:cNvPr id="2" name="Marcador de contenido 1">
@@ -10921,7 +12592,7 @@
             </p:txBody>
           </p:sp>
         </mc:Choice>
-        <mc:Fallback>
+        <mc:Fallback xmlns="">
           <p:sp>
             <p:nvSpPr>
               <p:cNvPr id="2" name="Marcador de contenido 1">

--- a/Documentos/Modelling Colombia Economy- Stock-Flow Consistent Prototype Growth Model.pptx
+++ b/Documentos/Modelling Colombia Economy- Stock-Flow Consistent Prototype Growth Model.pptx
@@ -213,7 +213,7 @@
           <a:p>
             <a:fld id="{D42B63A8-CA22-F249-8B11-75777F973014}" type="datetimeFigureOut">
               <a:rPr lang="es-ES_tradnl" smtClean="0"/>
-              <a:t>6/10/20</a:t>
+              <a:t>8/10/20</a:t>
             </a:fld>
             <a:endParaRPr lang="es-ES_tradnl"/>
           </a:p>
@@ -1500,7 +1500,7 @@
           <a:p>
             <a:fld id="{6C5AE33D-32CE-4125-A2FD-63556E695E13}" type="datetimeFigureOut">
               <a:rPr lang="es-CO" smtClean="0"/>
-              <a:t>6/10/20</a:t>
+              <a:t>8/10/20</a:t>
             </a:fld>
             <a:endParaRPr lang="es-CO"/>
           </a:p>
@@ -4372,8 +4372,8 @@
           <a:chExt cx="0" cy="0"/>
         </a:xfrm>
       </p:grpSpPr>
-      <mc:AlternateContent xmlns:mc="http://schemas.openxmlformats.org/markup-compatibility/2006" xmlns:a14="http://schemas.microsoft.com/office/drawing/2010/main">
-        <mc:Choice Requires="a14">
+      <mc:AlternateContent xmlns:mc="http://schemas.openxmlformats.org/markup-compatibility/2006">
+        <mc:Choice xmlns:a14="http://schemas.microsoft.com/office/drawing/2010/main" Requires="a14">
           <p:sp>
             <p:nvSpPr>
               <p:cNvPr id="2" name="Marcador de contenido 1">
@@ -4632,7 +4632,21 @@
                           <a:latin typeface="Cambria Math" panose="02040503050406030204" pitchFamily="18" charset="0"/>
                           <a:ea typeface="Cambria Math" panose="02040503050406030204" pitchFamily="18" charset="0"/>
                         </a:rPr>
-                        <m:t>(23)</m:t>
+                        <m:t>(2</m:t>
+                      </m:r>
+                      <m:r>
+                        <a:rPr lang="es-ES" sz="1800" b="0" i="1" smtClean="0">
+                          <a:latin typeface="Cambria Math" panose="02040503050406030204" pitchFamily="18" charset="0"/>
+                          <a:ea typeface="Cambria Math" panose="02040503050406030204" pitchFamily="18" charset="0"/>
+                        </a:rPr>
+                        <m:t>2</m:t>
+                      </m:r>
+                      <m:r>
+                        <a:rPr lang="es-ES" sz="1800" b="0" i="1" smtClean="0">
+                          <a:latin typeface="Cambria Math" panose="02040503050406030204" pitchFamily="18" charset="0"/>
+                          <a:ea typeface="Cambria Math" panose="02040503050406030204" pitchFamily="18" charset="0"/>
+                        </a:rPr>
+                        <m:t>)</m:t>
                       </m:r>
                     </m:oMath>
                   </m:oMathPara>
@@ -5019,7 +5033,21 @@
                           <a:latin typeface="Cambria Math" panose="02040503050406030204" pitchFamily="18" charset="0"/>
                           <a:ea typeface="Cambria Math" panose="02040503050406030204" pitchFamily="18" charset="0"/>
                         </a:rPr>
-                        <m:t>(24)</m:t>
+                        <m:t>(2</m:t>
+                      </m:r>
+                      <m:r>
+                        <a:rPr lang="es-ES" sz="1800" b="0" i="1" smtClean="0">
+                          <a:latin typeface="Cambria Math" panose="02040503050406030204" pitchFamily="18" charset="0"/>
+                          <a:ea typeface="Cambria Math" panose="02040503050406030204" pitchFamily="18" charset="0"/>
+                        </a:rPr>
+                        <m:t>3</m:t>
+                      </m:r>
+                      <m:r>
+                        <a:rPr lang="es-ES" sz="1800" b="0" i="1" smtClean="0">
+                          <a:latin typeface="Cambria Math" panose="02040503050406030204" pitchFamily="18" charset="0"/>
+                          <a:ea typeface="Cambria Math" panose="02040503050406030204" pitchFamily="18" charset="0"/>
+                        </a:rPr>
+                        <m:t>)</m:t>
                       </m:r>
                     </m:oMath>
                   </m:oMathPara>
@@ -5031,7 +5059,7 @@
             </p:txBody>
           </p:sp>
         </mc:Choice>
-        <mc:Fallback xmlns="">
+        <mc:Fallback>
           <p:sp>
             <p:nvSpPr>
               <p:cNvPr id="2" name="Marcador de contenido 1">
